--- a/ProgettoTIW.pptx
+++ b/ProgettoTIW.pptx
@@ -121,6 +121,11 @@
       </a:defRPr>
     </a:lvl9pPr>
   </p:defaultTextStyle>
+  <p:extLst>
+    <p:ext uri="{EFAFB233-063F-42B5-8137-9DF3F51BA10A}">
+      <p15:sldGuideLst xmlns:p15="http://schemas.microsoft.com/office/powerpoint/2012/main"/>
+    </p:ext>
+  </p:extLst>
 </p:presentation>
 </file>
 
@@ -206,7 +211,7 @@
           <a:p>
             <a:fld id="{4F9EF7AB-70AF-4CF6-BB05-3E38FA901C54}" type="datetimeFigureOut">
               <a:rPr lang="it-IT" smtClean="0"/>
-              <a:t>03/04/2020</a:t>
+              <a:t>04/04/2020</a:t>
             </a:fld>
             <a:endParaRPr lang="it-IT"/>
           </a:p>
@@ -932,7 +937,7 @@
           <a:p>
             <a:fld id="{1B47AA5E-3DEB-42FF-8BC3-9A694865C39A}" type="datetimeFigureOut">
               <a:rPr lang="it-IT" smtClean="0"/>
-              <a:t>03/04/2020</a:t>
+              <a:t>04/04/2020</a:t>
             </a:fld>
             <a:endParaRPr lang="it-IT"/>
           </a:p>
@@ -1130,7 +1135,7 @@
           <a:p>
             <a:fld id="{1B47AA5E-3DEB-42FF-8BC3-9A694865C39A}" type="datetimeFigureOut">
               <a:rPr lang="it-IT" smtClean="0"/>
-              <a:t>03/04/2020</a:t>
+              <a:t>04/04/2020</a:t>
             </a:fld>
             <a:endParaRPr lang="it-IT"/>
           </a:p>
@@ -1338,7 +1343,7 @@
           <a:p>
             <a:fld id="{1B47AA5E-3DEB-42FF-8BC3-9A694865C39A}" type="datetimeFigureOut">
               <a:rPr lang="it-IT" smtClean="0"/>
-              <a:t>03/04/2020</a:t>
+              <a:t>04/04/2020</a:t>
             </a:fld>
             <a:endParaRPr lang="it-IT"/>
           </a:p>
@@ -7507,7 +7512,7 @@
           <a:p>
             <a:fld id="{1B47AA5E-3DEB-42FF-8BC3-9A694865C39A}" type="datetimeFigureOut">
               <a:rPr lang="it-IT" smtClean="0"/>
-              <a:t>03/04/2020</a:t>
+              <a:t>04/04/2020</a:t>
             </a:fld>
             <a:endParaRPr lang="it-IT"/>
           </a:p>
@@ -10106,7 +10111,7 @@
           <a:p>
             <a:fld id="{1B47AA5E-3DEB-42FF-8BC3-9A694865C39A}" type="datetimeFigureOut">
               <a:rPr lang="it-IT" smtClean="0"/>
-              <a:t>03/04/2020</a:t>
+              <a:t>04/04/2020</a:t>
             </a:fld>
             <a:endParaRPr lang="it-IT"/>
           </a:p>
@@ -10371,7 +10376,7 @@
           <a:p>
             <a:fld id="{1B47AA5E-3DEB-42FF-8BC3-9A694865C39A}" type="datetimeFigureOut">
               <a:rPr lang="it-IT" smtClean="0"/>
-              <a:t>03/04/2020</a:t>
+              <a:t>04/04/2020</a:t>
             </a:fld>
             <a:endParaRPr lang="it-IT"/>
           </a:p>
@@ -10783,7 +10788,7 @@
           <a:p>
             <a:fld id="{1B47AA5E-3DEB-42FF-8BC3-9A694865C39A}" type="datetimeFigureOut">
               <a:rPr lang="it-IT" smtClean="0"/>
-              <a:t>03/04/2020</a:t>
+              <a:t>04/04/2020</a:t>
             </a:fld>
             <a:endParaRPr lang="it-IT"/>
           </a:p>
@@ -10924,7 +10929,7 @@
           <a:p>
             <a:fld id="{1B47AA5E-3DEB-42FF-8BC3-9A694865C39A}" type="datetimeFigureOut">
               <a:rPr lang="it-IT" smtClean="0"/>
-              <a:t>03/04/2020</a:t>
+              <a:t>04/04/2020</a:t>
             </a:fld>
             <a:endParaRPr lang="it-IT"/>
           </a:p>
@@ -11037,7 +11042,7 @@
           <a:p>
             <a:fld id="{1B47AA5E-3DEB-42FF-8BC3-9A694865C39A}" type="datetimeFigureOut">
               <a:rPr lang="it-IT" smtClean="0"/>
-              <a:t>03/04/2020</a:t>
+              <a:t>04/04/2020</a:t>
             </a:fld>
             <a:endParaRPr lang="it-IT"/>
           </a:p>
@@ -11348,7 +11353,7 @@
           <a:p>
             <a:fld id="{1B47AA5E-3DEB-42FF-8BC3-9A694865C39A}" type="datetimeFigureOut">
               <a:rPr lang="it-IT" smtClean="0"/>
-              <a:t>03/04/2020</a:t>
+              <a:t>04/04/2020</a:t>
             </a:fld>
             <a:endParaRPr lang="it-IT"/>
           </a:p>
@@ -11636,7 +11641,7 @@
           <a:p>
             <a:fld id="{1B47AA5E-3DEB-42FF-8BC3-9A694865C39A}" type="datetimeFigureOut">
               <a:rPr lang="it-IT" smtClean="0"/>
-              <a:t>03/04/2020</a:t>
+              <a:t>04/04/2020</a:t>
             </a:fld>
             <a:endParaRPr lang="it-IT"/>
           </a:p>
@@ -11877,7 +11882,7 @@
           <a:p>
             <a:fld id="{1B47AA5E-3DEB-42FF-8BC3-9A694865C39A}" type="datetimeFigureOut">
               <a:rPr lang="it-IT" smtClean="0"/>
-              <a:t>03/04/2020</a:t>
+              <a:t>04/04/2020</a:t>
             </a:fld>
             <a:endParaRPr lang="it-IT"/>
           </a:p>
@@ -20662,7 +20667,7 @@
                 <a:cs typeface="Courier New"/>
                 <a:sym typeface="Courier New"/>
               </a:rPr>
-              <a:t>riunione_partecipanti</a:t>
+              <a:t>riunione_partecipante</a:t>
             </a:r>
             <a:r>
               <a:rPr lang="en-US" sz="2000" dirty="0">
@@ -20827,13 +20832,22 @@
               <a:buNone/>
             </a:pPr>
             <a:r>
+              <a:rPr lang="en-US" sz="2000">
+                <a:latin typeface="Courier New"/>
+                <a:ea typeface="Courier New"/>
+                <a:cs typeface="Courier New"/>
+                <a:sym typeface="Courier New"/>
+              </a:rPr>
+              <a:t>FOREIGN </a:t>
+            </a:r>
+            <a:r>
               <a:rPr lang="en-US" sz="2000" dirty="0">
                 <a:latin typeface="Courier New"/>
                 <a:ea typeface="Courier New"/>
                 <a:cs typeface="Courier New"/>
                 <a:sym typeface="Courier New"/>
               </a:rPr>
-              <a:t>CONSTRAINT `id` FOREIGN KEY (`</a:t>
+              <a:t>KEY (`</a:t>
             </a:r>
             <a:r>
               <a:rPr lang="en-US" sz="2000" dirty="0" err="1">

--- a/ProgettoTIW.pptx
+++ b/ProgettoTIW.pptx
@@ -20340,42 +20340,6 @@
                 <a:sym typeface="Courier New"/>
               </a:rPr>
               <a:t>` TIME NOT NULL ,</a:t>
-            </a:r>
-          </a:p>
-          <a:p>
-            <a:pPr marL="0" lvl="0" indent="0">
-              <a:spcBef>
-                <a:spcPts val="0"/>
-              </a:spcBef>
-              <a:buSzPts val="1800"/>
-              <a:buNone/>
-            </a:pPr>
-            <a:r>
-              <a:rPr lang="en-US" sz="1600" dirty="0">
-                <a:latin typeface="Courier New"/>
-                <a:ea typeface="Courier New"/>
-                <a:cs typeface="Courier New"/>
-                <a:sym typeface="Courier New"/>
-              </a:rPr>
-              <a:t>`</a:t>
-            </a:r>
-            <a:r>
-              <a:rPr lang="en-US" sz="1600" dirty="0" err="1">
-                <a:latin typeface="Courier New"/>
-                <a:ea typeface="Courier New"/>
-                <a:cs typeface="Courier New"/>
-                <a:sym typeface="Courier New"/>
-              </a:rPr>
-              <a:t>durata</a:t>
-            </a:r>
-            <a:r>
-              <a:rPr lang="en-US" sz="1600" dirty="0">
-                <a:latin typeface="Courier New"/>
-                <a:ea typeface="Courier New"/>
-                <a:cs typeface="Courier New"/>
-                <a:sym typeface="Courier New"/>
-              </a:rPr>
-              <a:t>` Date NOT NULL,  </a:t>
             </a:r>
           </a:p>
           <a:p>

--- a/ProgettoTIW.pptx
+++ b/ProgettoTIW.pptx
@@ -211,7 +211,7 @@
           <a:p>
             <a:fld id="{4F9EF7AB-70AF-4CF6-BB05-3E38FA901C54}" type="datetimeFigureOut">
               <a:rPr lang="it-IT" smtClean="0"/>
-              <a:t>04/04/2020</a:t>
+              <a:t>05/04/2020</a:t>
             </a:fld>
             <a:endParaRPr lang="it-IT"/>
           </a:p>
@@ -937,7 +937,7 @@
           <a:p>
             <a:fld id="{1B47AA5E-3DEB-42FF-8BC3-9A694865C39A}" type="datetimeFigureOut">
               <a:rPr lang="it-IT" smtClean="0"/>
-              <a:t>04/04/2020</a:t>
+              <a:t>05/04/2020</a:t>
             </a:fld>
             <a:endParaRPr lang="it-IT"/>
           </a:p>
@@ -1135,7 +1135,7 @@
           <a:p>
             <a:fld id="{1B47AA5E-3DEB-42FF-8BC3-9A694865C39A}" type="datetimeFigureOut">
               <a:rPr lang="it-IT" smtClean="0"/>
-              <a:t>04/04/2020</a:t>
+              <a:t>05/04/2020</a:t>
             </a:fld>
             <a:endParaRPr lang="it-IT"/>
           </a:p>
@@ -1343,7 +1343,7 @@
           <a:p>
             <a:fld id="{1B47AA5E-3DEB-42FF-8BC3-9A694865C39A}" type="datetimeFigureOut">
               <a:rPr lang="it-IT" smtClean="0"/>
-              <a:t>04/04/2020</a:t>
+              <a:t>05/04/2020</a:t>
             </a:fld>
             <a:endParaRPr lang="it-IT"/>
           </a:p>
@@ -7512,7 +7512,7 @@
           <a:p>
             <a:fld id="{1B47AA5E-3DEB-42FF-8BC3-9A694865C39A}" type="datetimeFigureOut">
               <a:rPr lang="it-IT" smtClean="0"/>
-              <a:t>04/04/2020</a:t>
+              <a:t>05/04/2020</a:t>
             </a:fld>
             <a:endParaRPr lang="it-IT"/>
           </a:p>
@@ -10111,7 +10111,7 @@
           <a:p>
             <a:fld id="{1B47AA5E-3DEB-42FF-8BC3-9A694865C39A}" type="datetimeFigureOut">
               <a:rPr lang="it-IT" smtClean="0"/>
-              <a:t>04/04/2020</a:t>
+              <a:t>05/04/2020</a:t>
             </a:fld>
             <a:endParaRPr lang="it-IT"/>
           </a:p>
@@ -10376,7 +10376,7 @@
           <a:p>
             <a:fld id="{1B47AA5E-3DEB-42FF-8BC3-9A694865C39A}" type="datetimeFigureOut">
               <a:rPr lang="it-IT" smtClean="0"/>
-              <a:t>04/04/2020</a:t>
+              <a:t>05/04/2020</a:t>
             </a:fld>
             <a:endParaRPr lang="it-IT"/>
           </a:p>
@@ -10788,7 +10788,7 @@
           <a:p>
             <a:fld id="{1B47AA5E-3DEB-42FF-8BC3-9A694865C39A}" type="datetimeFigureOut">
               <a:rPr lang="it-IT" smtClean="0"/>
-              <a:t>04/04/2020</a:t>
+              <a:t>05/04/2020</a:t>
             </a:fld>
             <a:endParaRPr lang="it-IT"/>
           </a:p>
@@ -10929,7 +10929,7 @@
           <a:p>
             <a:fld id="{1B47AA5E-3DEB-42FF-8BC3-9A694865C39A}" type="datetimeFigureOut">
               <a:rPr lang="it-IT" smtClean="0"/>
-              <a:t>04/04/2020</a:t>
+              <a:t>05/04/2020</a:t>
             </a:fld>
             <a:endParaRPr lang="it-IT"/>
           </a:p>
@@ -11042,7 +11042,7 @@
           <a:p>
             <a:fld id="{1B47AA5E-3DEB-42FF-8BC3-9A694865C39A}" type="datetimeFigureOut">
               <a:rPr lang="it-IT" smtClean="0"/>
-              <a:t>04/04/2020</a:t>
+              <a:t>05/04/2020</a:t>
             </a:fld>
             <a:endParaRPr lang="it-IT"/>
           </a:p>
@@ -11353,7 +11353,7 @@
           <a:p>
             <a:fld id="{1B47AA5E-3DEB-42FF-8BC3-9A694865C39A}" type="datetimeFigureOut">
               <a:rPr lang="it-IT" smtClean="0"/>
-              <a:t>04/04/2020</a:t>
+              <a:t>05/04/2020</a:t>
             </a:fld>
             <a:endParaRPr lang="it-IT"/>
           </a:p>
@@ -11641,7 +11641,7 @@
           <a:p>
             <a:fld id="{1B47AA5E-3DEB-42FF-8BC3-9A694865C39A}" type="datetimeFigureOut">
               <a:rPr lang="it-IT" smtClean="0"/>
-              <a:t>04/04/2020</a:t>
+              <a:t>05/04/2020</a:t>
             </a:fld>
             <a:endParaRPr lang="it-IT"/>
           </a:p>
@@ -11882,7 +11882,7 @@
           <a:p>
             <a:fld id="{1B47AA5E-3DEB-42FF-8BC3-9A694865C39A}" type="datetimeFigureOut">
               <a:rPr lang="it-IT" smtClean="0"/>
-              <a:t>04/04/2020</a:t>
+              <a:t>05/04/2020</a:t>
             </a:fld>
             <a:endParaRPr lang="it-IT"/>
           </a:p>
@@ -14259,7 +14259,7 @@
             </a:pPr>
             <a:r>
               <a:rPr lang="es-419" sz="2000" dirty="0"/>
-              <a:t>User</a:t>
+              <a:t>Utente</a:t>
             </a:r>
           </a:p>
           <a:p>
@@ -14352,7 +14352,7 @@
             </a:pPr>
             <a:r>
               <a:rPr lang="es-419" dirty="0"/>
-              <a:t>checkCredentials(username, pwd)</a:t>
+              <a:t>checkUser(username, pwd)</a:t>
             </a:r>
           </a:p>
           <a:p>
@@ -14514,7 +14514,7 @@
             </a:pPr>
             <a:r>
               <a:rPr lang="es-419" sz="2000" dirty="0"/>
-              <a:t>CheckLogin</a:t>
+              <a:t>Login</a:t>
             </a:r>
           </a:p>
           <a:p>
@@ -14809,10 +14809,10 @@
               <a:buSzPts val="4400"/>
             </a:pPr>
             <a:r>
-              <a:rPr lang="es-419"/>
+              <a:rPr lang="es-419" dirty="0"/>
               <a:t>Event: login</a:t>
             </a:r>
-            <a:endParaRPr/>
+            <a:endParaRPr dirty="0"/>
           </a:p>
         </p:txBody>
       </p:sp>
@@ -14855,7 +14855,7 @@
               </a:buClr>
             </a:pPr>
             <a:r>
-              <a:rPr lang="es-419" sz="1867" kern="0">
+              <a:rPr lang="es-419" sz="1867" kern="0" dirty="0">
                 <a:solidFill>
                   <a:srgbClr val="000000"/>
                 </a:solidFill>
@@ -14864,9 +14864,9 @@
                 <a:cs typeface="Calibri"/>
                 <a:sym typeface="Calibri"/>
               </a:rPr>
-              <a:t>CheckLogin</a:t>
-            </a:r>
-            <a:endParaRPr sz="1867" kern="0">
+              <a:t>Login</a:t>
+            </a:r>
+            <a:endParaRPr sz="1867" kern="0" dirty="0">
               <a:solidFill>
                 <a:srgbClr val="000000"/>
               </a:solidFill>
@@ -15209,7 +15209,7 @@
               </a:buClr>
             </a:pPr>
             <a:r>
-              <a:rPr lang="es-419" sz="1867" kern="0">
+              <a:rPr lang="es-419" sz="1600" kern="0" dirty="0">
                 <a:solidFill>
                   <a:srgbClr val="000000"/>
                 </a:solidFill>
@@ -15218,9 +15218,9 @@
                 <a:cs typeface="Calibri"/>
                 <a:sym typeface="Calibri"/>
               </a:rPr>
-              <a:t>new UserDAO(user, pass)</a:t>
-            </a:r>
-            <a:endParaRPr sz="1867" kern="0">
+              <a:t>new UtenteDAO(user, pass)</a:t>
+            </a:r>
+            <a:endParaRPr sz="1600" kern="0" dirty="0">
               <a:solidFill>
                 <a:srgbClr val="000000"/>
               </a:solidFill>
@@ -15642,7 +15642,7 @@
               </a:buClr>
             </a:pPr>
             <a:r>
-              <a:rPr lang="es-419" sz="1867" kern="0">
+              <a:rPr lang="it-IT" sz="1867" kern="0" dirty="0" err="1">
                 <a:solidFill>
                   <a:srgbClr val="000000"/>
                 </a:solidFill>
@@ -15651,9 +15651,9 @@
                 <a:cs typeface="Calibri"/>
                 <a:sym typeface="Calibri"/>
               </a:rPr>
-              <a:t>index.html</a:t>
-            </a:r>
-            <a:endParaRPr sz="1867" kern="0">
+              <a:t>login.jsp</a:t>
+            </a:r>
+            <a:endParaRPr sz="1867" kern="0" dirty="0">
               <a:solidFill>
                 <a:srgbClr val="000000"/>
               </a:solidFill>
@@ -15814,7 +15814,7 @@
               </a:buClr>
             </a:pPr>
             <a:r>
-              <a:rPr lang="es-419" sz="2133" kern="0">
+              <a:rPr lang="es-419" sz="2133" kern="0" dirty="0">
                 <a:solidFill>
                   <a:srgbClr val="000000"/>
                 </a:solidFill>
@@ -15825,7 +15825,7 @@
               </a:rPr>
               <a:t>POST</a:t>
             </a:r>
-            <a:endParaRPr sz="2133" kern="0">
+            <a:endParaRPr sz="2133" kern="0" dirty="0">
               <a:solidFill>
                 <a:srgbClr val="000000"/>
               </a:solidFill>
@@ -15842,7 +15842,7 @@
               </a:buClr>
             </a:pPr>
             <a:r>
-              <a:rPr lang="es-419" sz="2133" kern="0">
+              <a:rPr lang="es-419" sz="2133" kern="0" dirty="0">
                 <a:solidFill>
                   <a:srgbClr val="000000"/>
                 </a:solidFill>
@@ -15851,9 +15851,9 @@
                 <a:cs typeface="Calibri"/>
                 <a:sym typeface="Calibri"/>
               </a:rPr>
-              <a:t>/CheckLogin</a:t>
-            </a:r>
-            <a:endParaRPr sz="2133" kern="0">
+              <a:t>/Login</a:t>
+            </a:r>
+            <a:endParaRPr sz="2133" kern="0" dirty="0">
               <a:solidFill>
                 <a:srgbClr val="000000"/>
               </a:solidFill>
@@ -15870,7 +15870,7 @@
               </a:buClr>
             </a:pPr>
             <a:r>
-              <a:rPr lang="es-419" sz="1867" kern="0">
+              <a:rPr lang="es-419" sz="1867" kern="0" dirty="0">
                 <a:solidFill>
                   <a:srgbClr val="000000"/>
                 </a:solidFill>
@@ -15881,7 +15881,7 @@
               </a:rPr>
               <a:t>username</a:t>
             </a:r>
-            <a:endParaRPr sz="1867" kern="0">
+            <a:endParaRPr sz="1867" kern="0" dirty="0">
               <a:solidFill>
                 <a:srgbClr val="000000"/>
               </a:solidFill>
@@ -15897,7 +15897,7 @@
               </a:buClr>
             </a:pPr>
             <a:r>
-              <a:rPr lang="es-419" sz="1867" kern="0">
+              <a:rPr lang="es-419" sz="1867" kern="0" dirty="0">
                 <a:solidFill>
                   <a:srgbClr val="000000"/>
                 </a:solidFill>
@@ -15908,7 +15908,7 @@
               </a:rPr>
               <a:t>password</a:t>
             </a:r>
-            <a:endParaRPr sz="1867" kern="0">
+            <a:endParaRPr sz="1867" kern="0" dirty="0">
               <a:solidFill>
                 <a:srgbClr val="000000"/>
               </a:solidFill>
@@ -15923,7 +15923,7 @@
                 <a:srgbClr val="000000"/>
               </a:buClr>
             </a:pPr>
-            <a:endParaRPr sz="2133" kern="0">
+            <a:endParaRPr sz="2133" kern="0" dirty="0">
               <a:solidFill>
                 <a:srgbClr val="000000"/>
               </a:solidFill>
@@ -15940,7 +15940,7 @@
               </a:buClr>
             </a:pPr>
             <a:r>
-              <a:rPr lang="es-419" sz="2133" kern="0">
+              <a:rPr lang="es-419" sz="2133" kern="0" dirty="0">
                 <a:solidFill>
                   <a:srgbClr val="000000"/>
                 </a:solidFill>
@@ -15949,9 +15949,37 @@
                 <a:cs typeface="Calibri"/>
                 <a:sym typeface="Calibri"/>
               </a:rPr>
-              <a:t>From: index.html</a:t>
-            </a:r>
-            <a:endParaRPr sz="2133" kern="0">
+              <a:t>From: </a:t>
+            </a:r>
+            <a:r>
+              <a:rPr lang="it-IT" sz="2400" kern="0" dirty="0" err="1">
+                <a:solidFill>
+                  <a:srgbClr val="000000"/>
+                </a:solidFill>
+                <a:latin typeface="Calibri"/>
+                <a:ea typeface="Calibri"/>
+                <a:cs typeface="Calibri"/>
+                <a:sym typeface="Calibri"/>
+              </a:rPr>
+              <a:t>login.jsp</a:t>
+            </a:r>
+            <a:endParaRPr lang="it-IT" sz="2400" kern="0" dirty="0">
+              <a:solidFill>
+                <a:srgbClr val="000000"/>
+              </a:solidFill>
+              <a:latin typeface="Calibri"/>
+              <a:ea typeface="Calibri"/>
+              <a:cs typeface="Calibri"/>
+              <a:sym typeface="Calibri"/>
+            </a:endParaRPr>
+          </a:p>
+          <a:p>
+            <a:pPr defTabSz="1219170">
+              <a:buClr>
+                <a:srgbClr val="000000"/>
+              </a:buClr>
+            </a:pPr>
+            <a:endParaRPr sz="2133" kern="0" dirty="0">
               <a:solidFill>
                 <a:srgbClr val="000000"/>
               </a:solidFill>
@@ -17626,7 +17654,7 @@
               </a:buClr>
             </a:pPr>
             <a:r>
-              <a:rPr lang="es-419" sz="1867" kern="0">
+              <a:rPr lang="es-419" sz="1867" kern="0" dirty="0">
                 <a:solidFill>
                   <a:srgbClr val="000000"/>
                 </a:solidFill>
@@ -17635,9 +17663,9 @@
                 <a:cs typeface="Calibri"/>
                 <a:sym typeface="Calibri"/>
               </a:rPr>
-              <a:t>index.html</a:t>
-            </a:r>
-            <a:endParaRPr sz="1867" kern="0">
+              <a:t>login.jsp</a:t>
+            </a:r>
+            <a:endParaRPr sz="1867" kern="0" dirty="0">
               <a:solidFill>
                 <a:srgbClr val="000000"/>
               </a:solidFill>
@@ -17878,19 +17906,7 @@
                 <a:cs typeface="Calibri"/>
                 <a:sym typeface="Calibri"/>
               </a:rPr>
-              <a:t>From</a:t>
-            </a:r>
-            <a:r>
-              <a:rPr lang="es-419" sz="2133" kern="0">
-                <a:solidFill>
-                  <a:srgbClr val="000000"/>
-                </a:solidFill>
-                <a:latin typeface="Calibri"/>
-                <a:ea typeface="Calibri"/>
-                <a:cs typeface="Calibri"/>
-                <a:sym typeface="Calibri"/>
-              </a:rPr>
-              <a:t>: Home</a:t>
+              <a:t>From: HomePage</a:t>
             </a:r>
             <a:endParaRPr sz="2133" kern="0" dirty="0">
               <a:solidFill>

--- a/ProgettoTIW.pptx
+++ b/ProgettoTIW.pptx
@@ -211,7 +211,7 @@
           <a:p>
             <a:fld id="{4F9EF7AB-70AF-4CF6-BB05-3E38FA901C54}" type="datetimeFigureOut">
               <a:rPr lang="it-IT" smtClean="0"/>
-              <a:t>05/04/2020</a:t>
+              <a:t>06/04/2020</a:t>
             </a:fld>
             <a:endParaRPr lang="it-IT"/>
           </a:p>
@@ -937,7 +937,7 @@
           <a:p>
             <a:fld id="{1B47AA5E-3DEB-42FF-8BC3-9A694865C39A}" type="datetimeFigureOut">
               <a:rPr lang="it-IT" smtClean="0"/>
-              <a:t>05/04/2020</a:t>
+              <a:t>06/04/2020</a:t>
             </a:fld>
             <a:endParaRPr lang="it-IT"/>
           </a:p>
@@ -1135,7 +1135,7 @@
           <a:p>
             <a:fld id="{1B47AA5E-3DEB-42FF-8BC3-9A694865C39A}" type="datetimeFigureOut">
               <a:rPr lang="it-IT" smtClean="0"/>
-              <a:t>05/04/2020</a:t>
+              <a:t>06/04/2020</a:t>
             </a:fld>
             <a:endParaRPr lang="it-IT"/>
           </a:p>
@@ -1343,7 +1343,7 @@
           <a:p>
             <a:fld id="{1B47AA5E-3DEB-42FF-8BC3-9A694865C39A}" type="datetimeFigureOut">
               <a:rPr lang="it-IT" smtClean="0"/>
-              <a:t>05/04/2020</a:t>
+              <a:t>06/04/2020</a:t>
             </a:fld>
             <a:endParaRPr lang="it-IT"/>
           </a:p>
@@ -7512,7 +7512,7 @@
           <a:p>
             <a:fld id="{1B47AA5E-3DEB-42FF-8BC3-9A694865C39A}" type="datetimeFigureOut">
               <a:rPr lang="it-IT" smtClean="0"/>
-              <a:t>05/04/2020</a:t>
+              <a:t>06/04/2020</a:t>
             </a:fld>
             <a:endParaRPr lang="it-IT"/>
           </a:p>
@@ -10111,7 +10111,7 @@
           <a:p>
             <a:fld id="{1B47AA5E-3DEB-42FF-8BC3-9A694865C39A}" type="datetimeFigureOut">
               <a:rPr lang="it-IT" smtClean="0"/>
-              <a:t>05/04/2020</a:t>
+              <a:t>06/04/2020</a:t>
             </a:fld>
             <a:endParaRPr lang="it-IT"/>
           </a:p>
@@ -10376,7 +10376,7 @@
           <a:p>
             <a:fld id="{1B47AA5E-3DEB-42FF-8BC3-9A694865C39A}" type="datetimeFigureOut">
               <a:rPr lang="it-IT" smtClean="0"/>
-              <a:t>05/04/2020</a:t>
+              <a:t>06/04/2020</a:t>
             </a:fld>
             <a:endParaRPr lang="it-IT"/>
           </a:p>
@@ -10788,7 +10788,7 @@
           <a:p>
             <a:fld id="{1B47AA5E-3DEB-42FF-8BC3-9A694865C39A}" type="datetimeFigureOut">
               <a:rPr lang="it-IT" smtClean="0"/>
-              <a:t>05/04/2020</a:t>
+              <a:t>06/04/2020</a:t>
             </a:fld>
             <a:endParaRPr lang="it-IT"/>
           </a:p>
@@ -10929,7 +10929,7 @@
           <a:p>
             <a:fld id="{1B47AA5E-3DEB-42FF-8BC3-9A694865C39A}" type="datetimeFigureOut">
               <a:rPr lang="it-IT" smtClean="0"/>
-              <a:t>05/04/2020</a:t>
+              <a:t>06/04/2020</a:t>
             </a:fld>
             <a:endParaRPr lang="it-IT"/>
           </a:p>
@@ -11042,7 +11042,7 @@
           <a:p>
             <a:fld id="{1B47AA5E-3DEB-42FF-8BC3-9A694865C39A}" type="datetimeFigureOut">
               <a:rPr lang="it-IT" smtClean="0"/>
-              <a:t>05/04/2020</a:t>
+              <a:t>06/04/2020</a:t>
             </a:fld>
             <a:endParaRPr lang="it-IT"/>
           </a:p>
@@ -11353,7 +11353,7 @@
           <a:p>
             <a:fld id="{1B47AA5E-3DEB-42FF-8BC3-9A694865C39A}" type="datetimeFigureOut">
               <a:rPr lang="it-IT" smtClean="0"/>
-              <a:t>05/04/2020</a:t>
+              <a:t>06/04/2020</a:t>
             </a:fld>
             <a:endParaRPr lang="it-IT"/>
           </a:p>
@@ -11641,7 +11641,7 @@
           <a:p>
             <a:fld id="{1B47AA5E-3DEB-42FF-8BC3-9A694865C39A}" type="datetimeFigureOut">
               <a:rPr lang="it-IT" smtClean="0"/>
-              <a:t>05/04/2020</a:t>
+              <a:t>06/04/2020</a:t>
             </a:fld>
             <a:endParaRPr lang="it-IT"/>
           </a:p>
@@ -11882,7 +11882,7 @@
           <a:p>
             <a:fld id="{1B47AA5E-3DEB-42FF-8BC3-9A694865C39A}" type="datetimeFigureOut">
               <a:rPr lang="it-IT" smtClean="0"/>
-              <a:t>05/04/2020</a:t>
+              <a:t>06/04/2020</a:t>
             </a:fld>
             <a:endParaRPr lang="it-IT"/>
           </a:p>
@@ -14352,7 +14352,7 @@
             </a:pPr>
             <a:r>
               <a:rPr lang="es-419" dirty="0"/>
-              <a:t>checkUser(username, pwd)</a:t>
+              <a:t>checkUser(username, password)</a:t>
             </a:r>
           </a:p>
           <a:p>
@@ -14398,7 +14398,26 @@
             </a:pPr>
             <a:r>
               <a:rPr lang="es-419" dirty="0"/>
-              <a:t>findRiunioniByUser(userid)</a:t>
+              <a:t>findRiunioniCreate(idUtente)</a:t>
+            </a:r>
+          </a:p>
+          <a:p>
+            <a:pPr marL="742950" lvl="1" indent="-285750">
+              <a:lnSpc>
+                <a:spcPct val="80000"/>
+              </a:lnSpc>
+              <a:spcBef>
+                <a:spcPts val="300"/>
+              </a:spcBef>
+              <a:buClr>
+                <a:schemeClr val="dk1"/>
+              </a:buClr>
+              <a:buSzPts val="1500"/>
+              <a:buChar char="–"/>
+            </a:pPr>
+            <a:r>
+              <a:rPr lang="es-419" sz="2000" dirty="0"/>
+              <a:t>RiunionePartecipantiDAO</a:t>
             </a:r>
           </a:p>
           <a:p>
@@ -14413,26 +14432,7 @@
             </a:pPr>
             <a:r>
               <a:rPr lang="es-419" dirty="0"/>
-              <a:t>findRiunioniCreate(userid)</a:t>
-            </a:r>
-          </a:p>
-          <a:p>
-            <a:pPr marL="742950" lvl="1" indent="-285750">
-              <a:lnSpc>
-                <a:spcPct val="80000"/>
-              </a:lnSpc>
-              <a:spcBef>
-                <a:spcPts val="300"/>
-              </a:spcBef>
-              <a:buClr>
-                <a:schemeClr val="dk1"/>
-              </a:buClr>
-              <a:buSzPts val="1500"/>
-              <a:buChar char="–"/>
-            </a:pPr>
-            <a:r>
-              <a:rPr lang="es-419" sz="2000" dirty="0"/>
-              <a:t>RiunionePartecipantiDAO</a:t>
+              <a:t>addPartecipante()</a:t>
             </a:r>
           </a:p>
           <a:p>
@@ -14447,8 +14447,28 @@
             </a:pPr>
             <a:r>
               <a:rPr lang="es-419" dirty="0"/>
-              <a:t>addPartecipante()</a:t>
-            </a:r>
+              <a:t>findRiunioniPartByUser(userid)</a:t>
+            </a:r>
+          </a:p>
+          <a:p>
+            <a:pPr lvl="2" indent="-177800">
+              <a:lnSpc>
+                <a:spcPct val="80000"/>
+              </a:lnSpc>
+              <a:spcBef>
+                <a:spcPts val="300"/>
+              </a:spcBef>
+              <a:buSzPts val="1200"/>
+            </a:pPr>
+            <a:r>
+              <a:rPr lang="it-IT" dirty="0" err="1"/>
+              <a:t>findRiunioniByUser</a:t>
+            </a:r>
+            <a:r>
+              <a:rPr lang="it-IT" dirty="0"/>
+              <a:t>(riunioni)</a:t>
+            </a:r>
+            <a:endParaRPr lang="es-419" dirty="0"/>
           </a:p>
           <a:p>
             <a:endParaRPr lang="it-IT" dirty="0"/>

--- a/ProgettoTIW.pptx
+++ b/ProgettoTIW.pptx
@@ -211,7 +211,7 @@
           <a:p>
             <a:fld id="{4F9EF7AB-70AF-4CF6-BB05-3E38FA901C54}" type="datetimeFigureOut">
               <a:rPr lang="it-IT" smtClean="0"/>
-              <a:t>06/04/2020</a:t>
+              <a:t>10/04/2020</a:t>
             </a:fld>
             <a:endParaRPr lang="it-IT"/>
           </a:p>
@@ -937,7 +937,7 @@
           <a:p>
             <a:fld id="{1B47AA5E-3DEB-42FF-8BC3-9A694865C39A}" type="datetimeFigureOut">
               <a:rPr lang="it-IT" smtClean="0"/>
-              <a:t>06/04/2020</a:t>
+              <a:t>10/04/2020</a:t>
             </a:fld>
             <a:endParaRPr lang="it-IT"/>
           </a:p>
@@ -1135,7 +1135,7 @@
           <a:p>
             <a:fld id="{1B47AA5E-3DEB-42FF-8BC3-9A694865C39A}" type="datetimeFigureOut">
               <a:rPr lang="it-IT" smtClean="0"/>
-              <a:t>06/04/2020</a:t>
+              <a:t>10/04/2020</a:t>
             </a:fld>
             <a:endParaRPr lang="it-IT"/>
           </a:p>
@@ -1343,7 +1343,7 @@
           <a:p>
             <a:fld id="{1B47AA5E-3DEB-42FF-8BC3-9A694865C39A}" type="datetimeFigureOut">
               <a:rPr lang="it-IT" smtClean="0"/>
-              <a:t>06/04/2020</a:t>
+              <a:t>10/04/2020</a:t>
             </a:fld>
             <a:endParaRPr lang="it-IT"/>
           </a:p>
@@ -7512,7 +7512,7 @@
           <a:p>
             <a:fld id="{1B47AA5E-3DEB-42FF-8BC3-9A694865C39A}" type="datetimeFigureOut">
               <a:rPr lang="it-IT" smtClean="0"/>
-              <a:t>06/04/2020</a:t>
+              <a:t>10/04/2020</a:t>
             </a:fld>
             <a:endParaRPr lang="it-IT"/>
           </a:p>
@@ -10111,7 +10111,7 @@
           <a:p>
             <a:fld id="{1B47AA5E-3DEB-42FF-8BC3-9A694865C39A}" type="datetimeFigureOut">
               <a:rPr lang="it-IT" smtClean="0"/>
-              <a:t>06/04/2020</a:t>
+              <a:t>10/04/2020</a:t>
             </a:fld>
             <a:endParaRPr lang="it-IT"/>
           </a:p>
@@ -10376,7 +10376,7 @@
           <a:p>
             <a:fld id="{1B47AA5E-3DEB-42FF-8BC3-9A694865C39A}" type="datetimeFigureOut">
               <a:rPr lang="it-IT" smtClean="0"/>
-              <a:t>06/04/2020</a:t>
+              <a:t>10/04/2020</a:t>
             </a:fld>
             <a:endParaRPr lang="it-IT"/>
           </a:p>
@@ -10788,7 +10788,7 @@
           <a:p>
             <a:fld id="{1B47AA5E-3DEB-42FF-8BC3-9A694865C39A}" type="datetimeFigureOut">
               <a:rPr lang="it-IT" smtClean="0"/>
-              <a:t>06/04/2020</a:t>
+              <a:t>10/04/2020</a:t>
             </a:fld>
             <a:endParaRPr lang="it-IT"/>
           </a:p>
@@ -10929,7 +10929,7 @@
           <a:p>
             <a:fld id="{1B47AA5E-3DEB-42FF-8BC3-9A694865C39A}" type="datetimeFigureOut">
               <a:rPr lang="it-IT" smtClean="0"/>
-              <a:t>06/04/2020</a:t>
+              <a:t>10/04/2020</a:t>
             </a:fld>
             <a:endParaRPr lang="it-IT"/>
           </a:p>
@@ -11042,7 +11042,7 @@
           <a:p>
             <a:fld id="{1B47AA5E-3DEB-42FF-8BC3-9A694865C39A}" type="datetimeFigureOut">
               <a:rPr lang="it-IT" smtClean="0"/>
-              <a:t>06/04/2020</a:t>
+              <a:t>10/04/2020</a:t>
             </a:fld>
             <a:endParaRPr lang="it-IT"/>
           </a:p>
@@ -11353,7 +11353,7 @@
           <a:p>
             <a:fld id="{1B47AA5E-3DEB-42FF-8BC3-9A694865C39A}" type="datetimeFigureOut">
               <a:rPr lang="it-IT" smtClean="0"/>
-              <a:t>06/04/2020</a:t>
+              <a:t>10/04/2020</a:t>
             </a:fld>
             <a:endParaRPr lang="it-IT"/>
           </a:p>
@@ -11641,7 +11641,7 @@
           <a:p>
             <a:fld id="{1B47AA5E-3DEB-42FF-8BC3-9A694865C39A}" type="datetimeFigureOut">
               <a:rPr lang="it-IT" smtClean="0"/>
-              <a:t>06/04/2020</a:t>
+              <a:t>10/04/2020</a:t>
             </a:fld>
             <a:endParaRPr lang="it-IT"/>
           </a:p>
@@ -11882,7 +11882,7 @@
           <a:p>
             <a:fld id="{1B47AA5E-3DEB-42FF-8BC3-9A694865C39A}" type="datetimeFigureOut">
               <a:rPr lang="it-IT" smtClean="0"/>
-              <a:t>06/04/2020</a:t>
+              <a:t>10/04/2020</a:t>
             </a:fld>
             <a:endParaRPr lang="it-IT"/>
           </a:p>
@@ -14218,12 +14218,14 @@
         </p:nvSpPr>
         <p:spPr>
           <a:xfrm>
-            <a:off x="838200" y="1429305"/>
-            <a:ext cx="5181600" cy="4747658"/>
+            <a:off x="685801" y="1180730"/>
+            <a:ext cx="5334000" cy="5433391"/>
           </a:xfrm>
         </p:spPr>
         <p:txBody>
-          <a:bodyPr/>
+          <a:bodyPr>
+            <a:normAutofit fontScale="92500" lnSpcReduction="10000"/>
+          </a:bodyPr>
           <a:lstStyle/>
           <a:p>
             <a:pPr marL="342900" lvl="0" indent="-342900">
@@ -14301,6 +14303,22 @@
             </a:r>
           </a:p>
           <a:p>
+            <a:pPr marL="742950" lvl="1" indent="-285750">
+              <a:lnSpc>
+                <a:spcPct val="80000"/>
+              </a:lnSpc>
+              <a:spcBef>
+                <a:spcPts val="300"/>
+              </a:spcBef>
+              <a:buClr>
+                <a:schemeClr val="dk1"/>
+              </a:buClr>
+              <a:buSzPts val="1500"/>
+              <a:buChar char="–"/>
+            </a:pPr>
+            <a:endParaRPr lang="es-419" sz="2000" dirty="0"/>
+          </a:p>
+          <a:p>
             <a:pPr marL="342900" lvl="0" indent="-342900">
               <a:lnSpc>
                 <a:spcPct val="80000"/>
@@ -14352,8 +14370,98 @@
             </a:pPr>
             <a:r>
               <a:rPr lang="es-419" dirty="0"/>
-              <a:t>checkUser(username, password)</a:t>
-            </a:r>
+              <a:t>checkUser (username, password)</a:t>
+            </a:r>
+          </a:p>
+          <a:p>
+            <a:pPr lvl="2" indent="-177800">
+              <a:lnSpc>
+                <a:spcPct val="80000"/>
+              </a:lnSpc>
+              <a:spcBef>
+                <a:spcPts val="300"/>
+              </a:spcBef>
+              <a:buClr>
+                <a:schemeClr val="dk1"/>
+              </a:buClr>
+              <a:buSzPts val="1200"/>
+            </a:pPr>
+            <a:r>
+              <a:rPr lang="it-IT" dirty="0" err="1"/>
+              <a:t>checkNuovoUser</a:t>
+            </a:r>
+            <a:r>
+              <a:rPr lang="it-IT" dirty="0"/>
+              <a:t> (username)</a:t>
+            </a:r>
+            <a:endParaRPr lang="es-419" dirty="0"/>
+          </a:p>
+          <a:p>
+            <a:pPr lvl="2" indent="-177800">
+              <a:lnSpc>
+                <a:spcPct val="80000"/>
+              </a:lnSpc>
+              <a:spcBef>
+                <a:spcPts val="300"/>
+              </a:spcBef>
+              <a:buClr>
+                <a:schemeClr val="dk1"/>
+              </a:buClr>
+              <a:buSzPts val="1200"/>
+            </a:pPr>
+            <a:r>
+              <a:rPr lang="it-IT" dirty="0" err="1"/>
+              <a:t>utentiRegistrati</a:t>
+            </a:r>
+            <a:r>
+              <a:rPr lang="it-IT" dirty="0"/>
+              <a:t> (</a:t>
+            </a:r>
+            <a:r>
+              <a:rPr lang="it-IT" dirty="0" err="1"/>
+              <a:t>idCreatore</a:t>
+            </a:r>
+            <a:r>
+              <a:rPr lang="it-IT" dirty="0"/>
+              <a:t>)</a:t>
+            </a:r>
+          </a:p>
+          <a:p>
+            <a:pPr lvl="2" indent="-177800">
+              <a:lnSpc>
+                <a:spcPct val="80000"/>
+              </a:lnSpc>
+              <a:spcBef>
+                <a:spcPts val="300"/>
+              </a:spcBef>
+              <a:buClr>
+                <a:schemeClr val="dk1"/>
+              </a:buClr>
+              <a:buSzPts val="1200"/>
+            </a:pPr>
+            <a:r>
+              <a:rPr lang="it-IT" dirty="0" err="1"/>
+              <a:t>addUtente</a:t>
+            </a:r>
+            <a:r>
+              <a:rPr lang="it-IT" dirty="0"/>
+              <a:t> (utente)</a:t>
+            </a:r>
+          </a:p>
+          <a:p>
+            <a:pPr lvl="2" indent="-177800">
+              <a:lnSpc>
+                <a:spcPct val="80000"/>
+              </a:lnSpc>
+              <a:spcBef>
+                <a:spcPts val="300"/>
+              </a:spcBef>
+              <a:buClr>
+                <a:schemeClr val="dk1"/>
+              </a:buClr>
+              <a:buSzPts val="1200"/>
+            </a:pPr>
+            <a:endParaRPr lang="es-419" dirty="0"/>
           </a:p>
           <a:p>
             <a:pPr marL="742950" lvl="1">
@@ -14383,7 +14491,7 @@
             </a:pPr>
             <a:r>
               <a:rPr lang="es-419" dirty="0"/>
-              <a:t>CreaRiunione(id, userid)</a:t>
+              <a:t>findRiunioniCreate (idUtente)</a:t>
             </a:r>
           </a:p>
           <a:p>
@@ -14398,8 +14506,63 @@
             </a:pPr>
             <a:r>
               <a:rPr lang="es-419" dirty="0"/>
-              <a:t>findRiunioniCreate(idUtente)</a:t>
-            </a:r>
+              <a:t>findRiunioniPartByUser (userid)</a:t>
+            </a:r>
+          </a:p>
+          <a:p>
+            <a:pPr lvl="2" indent="-177800">
+              <a:lnSpc>
+                <a:spcPct val="80000"/>
+              </a:lnSpc>
+              <a:spcBef>
+                <a:spcPts val="300"/>
+              </a:spcBef>
+              <a:buSzPts val="1200"/>
+            </a:pPr>
+            <a:r>
+              <a:rPr lang="es-419" dirty="0"/>
+              <a:t>addRiunione (</a:t>
+            </a:r>
+            <a:r>
+              <a:rPr lang="it-IT" dirty="0"/>
+              <a:t>Riunione</a:t>
+            </a:r>
+            <a:r>
+              <a:rPr lang="es-419" dirty="0"/>
+              <a:t>)</a:t>
+            </a:r>
+          </a:p>
+          <a:p>
+            <a:pPr lvl="2" indent="-177800">
+              <a:lnSpc>
+                <a:spcPct val="80000"/>
+              </a:lnSpc>
+              <a:spcBef>
+                <a:spcPts val="300"/>
+              </a:spcBef>
+              <a:buSzPts val="1200"/>
+            </a:pPr>
+            <a:r>
+              <a:rPr lang="it-IT" dirty="0" err="1"/>
+              <a:t>getMaxId</a:t>
+            </a:r>
+            <a:r>
+              <a:rPr lang="it-IT" dirty="0"/>
+              <a:t> ()</a:t>
+            </a:r>
+            <a:endParaRPr lang="es-419" dirty="0"/>
+          </a:p>
+          <a:p>
+            <a:pPr lvl="2" indent="-177800">
+              <a:lnSpc>
+                <a:spcPct val="80000"/>
+              </a:lnSpc>
+              <a:spcBef>
+                <a:spcPts val="300"/>
+              </a:spcBef>
+              <a:buSzPts val="1200"/>
+            </a:pPr>
+            <a:endParaRPr lang="es-419" dirty="0"/>
           </a:p>
           <a:p>
             <a:pPr marL="742950" lvl="1" indent="-285750">
@@ -14419,6 +14582,7 @@
               <a:rPr lang="es-419" sz="2000" dirty="0"/>
               <a:t>RiunionePartecipantiDAO</a:t>
             </a:r>
+            <a:endParaRPr lang="es-419" dirty="0"/>
           </a:p>
           <a:p>
             <a:pPr lvl="2" indent="-177800">
@@ -14431,8 +14595,20 @@
               <a:buSzPts val="1200"/>
             </a:pPr>
             <a:r>
-              <a:rPr lang="es-419" dirty="0"/>
-              <a:t>addPartecipante()</a:t>
+              <a:rPr lang="it-IT" dirty="0" err="1"/>
+              <a:t>findRiunioniPartByUser</a:t>
+            </a:r>
+            <a:r>
+              <a:rPr lang="it-IT" dirty="0"/>
+              <a:t> (</a:t>
+            </a:r>
+            <a:r>
+              <a:rPr lang="it-IT" dirty="0" err="1"/>
+              <a:t>idUtente</a:t>
+            </a:r>
+            <a:r>
+              <a:rPr lang="it-IT" dirty="0"/>
+              <a:t>)</a:t>
             </a:r>
           </a:p>
           <a:p>
@@ -14446,27 +14622,20 @@
               <a:buSzPts val="1200"/>
             </a:pPr>
             <a:r>
-              <a:rPr lang="es-419" dirty="0"/>
-              <a:t>findRiunioniPartByUser(userid)</a:t>
-            </a:r>
-          </a:p>
-          <a:p>
-            <a:pPr lvl="2" indent="-177800">
-              <a:lnSpc>
-                <a:spcPct val="80000"/>
-              </a:lnSpc>
-              <a:spcBef>
-                <a:spcPts val="300"/>
-              </a:spcBef>
-              <a:buSzPts val="1200"/>
-            </a:pPr>
-            <a:r>
               <a:rPr lang="it-IT" dirty="0" err="1"/>
-              <a:t>findRiunioniByUser</a:t>
+              <a:t>addRiunionePartecipante</a:t>
             </a:r>
             <a:r>
               <a:rPr lang="it-IT" dirty="0"/>
-              <a:t>(riunioni)</a:t>
+              <a:t> (</a:t>
+            </a:r>
+            <a:r>
+              <a:rPr lang="it-IT" dirty="0" err="1"/>
+              <a:t>idRiunione</a:t>
+            </a:r>
+            <a:r>
+              <a:rPr lang="it-IT" dirty="0"/>
+              <a:t>, utenti)</a:t>
             </a:r>
             <a:endParaRPr lang="es-419" dirty="0"/>
           </a:p>
@@ -14498,7 +14667,9 @@
           </a:xfrm>
         </p:spPr>
         <p:txBody>
-          <a:bodyPr/>
+          <a:bodyPr>
+            <a:normAutofit fontScale="92500" lnSpcReduction="10000"/>
+          </a:bodyPr>
           <a:lstStyle/>
           <a:p>
             <a:pPr marL="342900" lvl="0" indent="-342900">
@@ -14587,11 +14758,12 @@
                 <a:schemeClr val="dk1"/>
               </a:buClr>
               <a:buSzPts val="1500"/>
+              <a:buFont typeface="Arial" panose="020B0604020202020204" pitchFamily="34" charset="0"/>
               <a:buChar char="–"/>
             </a:pPr>
             <a:r>
               <a:rPr lang="es-419" sz="2000" dirty="0"/>
-              <a:t>CreaRiunione</a:t>
+              <a:t>GoToAnagrPage</a:t>
             </a:r>
           </a:p>
           <a:p>
@@ -14606,11 +14778,12 @@
                 <a:schemeClr val="dk1"/>
               </a:buClr>
               <a:buSzPts val="1500"/>
+              <a:buFont typeface="Arial" panose="020B0604020202020204" pitchFamily="34" charset="0"/>
               <a:buChar char="–"/>
             </a:pPr>
             <a:r>
               <a:rPr lang="es-419" sz="2000" dirty="0"/>
-              <a:t>GetUser</a:t>
+              <a:t>Logout</a:t>
             </a:r>
           </a:p>
           <a:p>
@@ -14625,11 +14798,12 @@
                 <a:schemeClr val="dk1"/>
               </a:buClr>
               <a:buSzPts val="1500"/>
+              <a:buFont typeface="Arial" panose="020B0604020202020204" pitchFamily="34" charset="0"/>
               <a:buChar char="–"/>
             </a:pPr>
             <a:r>
               <a:rPr lang="es-419" sz="2000" dirty="0"/>
-              <a:t>GetInvitiRiunioni</a:t>
+              <a:t>Registrazione</a:t>
             </a:r>
           </a:p>
           <a:p>
@@ -14640,12 +14814,30 @@
               <a:spcBef>
                 <a:spcPts val="300"/>
               </a:spcBef>
+              <a:buClr>
+                <a:schemeClr val="dk1"/>
+              </a:buClr>
               <a:buSzPts val="1500"/>
               <a:buChar char="–"/>
             </a:pPr>
+            <a:endParaRPr lang="es-419" sz="2000" dirty="0"/>
+          </a:p>
+          <a:p>
+            <a:pPr marL="342900" lvl="0" indent="-342900">
+              <a:lnSpc>
+                <a:spcPct val="80000"/>
+              </a:lnSpc>
+              <a:spcBef>
+                <a:spcPts val="350"/>
+              </a:spcBef>
+              <a:buClr>
+                <a:schemeClr val="dk1"/>
+              </a:buClr>
+              <a:buSzPts val="1750"/>
+            </a:pPr>
             <a:r>
               <a:rPr lang="es-419" sz="2000" dirty="0"/>
-              <a:t>GetRiunioniCreate</a:t>
+              <a:t>Views (Templates)</a:t>
             </a:r>
           </a:p>
           <a:p>
@@ -14664,25 +14856,7 @@
             </a:pPr>
             <a:r>
               <a:rPr lang="es-419" sz="2000" dirty="0"/>
-              <a:t>Logout</a:t>
-            </a:r>
-          </a:p>
-          <a:p>
-            <a:pPr marL="342900" lvl="0" indent="-342900">
-              <a:lnSpc>
-                <a:spcPct val="80000"/>
-              </a:lnSpc>
-              <a:spcBef>
-                <a:spcPts val="350"/>
-              </a:spcBef>
-              <a:buClr>
-                <a:schemeClr val="dk1"/>
-              </a:buClr>
-              <a:buSzPts val="1750"/>
-            </a:pPr>
-            <a:r>
-              <a:rPr lang="es-419" sz="2000" dirty="0"/>
-              <a:t>Views (Templates)</a:t>
+              <a:t>Login</a:t>
             </a:r>
           </a:p>
           <a:p>
@@ -14701,7 +14875,7 @@
             </a:pPr>
             <a:r>
               <a:rPr lang="es-419" sz="2000" dirty="0"/>
-              <a:t>Login</a:t>
+              <a:t>HomePage</a:t>
             </a:r>
           </a:p>
           <a:p>
@@ -14720,7 +14894,7 @@
             </a:pPr>
             <a:r>
               <a:rPr lang="es-419" sz="2000" dirty="0"/>
-              <a:t>HomePage</a:t>
+              <a:t>PaginaAnagrafica</a:t>
             </a:r>
           </a:p>
           <a:p>
@@ -14739,7 +14913,7 @@
             </a:pPr>
             <a:r>
               <a:rPr lang="es-419" sz="2000" dirty="0"/>
-              <a:t>PaginaAnagrafica</a:t>
+              <a:t>PaginaCancellazione</a:t>
             </a:r>
           </a:p>
           <a:p>
@@ -14754,12 +14928,29 @@
                 <a:schemeClr val="dk1"/>
               </a:buClr>
               <a:buSzPts val="1500"/>
+              <a:buFont typeface="Arial" panose="020B0604020202020204" pitchFamily="34" charset="0"/>
               <a:buChar char="–"/>
             </a:pPr>
             <a:r>
-              <a:rPr lang="es-419" sz="2000" dirty="0"/>
-              <a:t>PaginaCancellazione</a:t>
-            </a:r>
+              <a:rPr lang="es-419" sz="2000"/>
+              <a:t>Registrazione</a:t>
+            </a:r>
+          </a:p>
+          <a:p>
+            <a:pPr marL="742950" lvl="1" indent="-285750">
+              <a:lnSpc>
+                <a:spcPct val="80000"/>
+              </a:lnSpc>
+              <a:spcBef>
+                <a:spcPts val="300"/>
+              </a:spcBef>
+              <a:buClr>
+                <a:schemeClr val="dk1"/>
+              </a:buClr>
+              <a:buSzPts val="1500"/>
+              <a:buChar char="–"/>
+            </a:pPr>
+            <a:endParaRPr lang="es-419" sz="2000" dirty="0"/>
           </a:p>
           <a:p>
             <a:endParaRPr lang="it-IT" dirty="0"/>

--- a/ProgettoTIW.pptx
+++ b/ProgettoTIW.pptx
@@ -6,7 +6,7 @@
     <p:sldMasterId id="2147483660" r:id="rId2"/>
   </p:sldMasterIdLst>
   <p:notesMasterIdLst>
-    <p:notesMasterId r:id="rId17"/>
+    <p:notesMasterId r:id="rId18"/>
   </p:notesMasterIdLst>
   <p:sldIdLst>
     <p:sldId id="256" r:id="rId3"/>
@@ -23,6 +23,7 @@
     <p:sldId id="268" r:id="rId14"/>
     <p:sldId id="270" r:id="rId15"/>
     <p:sldId id="274" r:id="rId16"/>
+    <p:sldId id="275" r:id="rId17"/>
   </p:sldIdLst>
   <p:sldSz cx="12192000" cy="6858000"/>
   <p:notesSz cx="6858000" cy="9144000"/>
@@ -211,7 +212,7 @@
           <a:p>
             <a:fld id="{4F9EF7AB-70AF-4CF6-BB05-3E38FA901C54}" type="datetimeFigureOut">
               <a:rPr lang="it-IT" smtClean="0"/>
-              <a:t>10/04/2020</a:t>
+              <a:t>11/04/2020</a:t>
             </a:fld>
             <a:endParaRPr lang="it-IT"/>
           </a:p>
@@ -937,7 +938,7 @@
           <a:p>
             <a:fld id="{1B47AA5E-3DEB-42FF-8BC3-9A694865C39A}" type="datetimeFigureOut">
               <a:rPr lang="it-IT" smtClean="0"/>
-              <a:t>10/04/2020</a:t>
+              <a:t>11/04/2020</a:t>
             </a:fld>
             <a:endParaRPr lang="it-IT"/>
           </a:p>
@@ -1135,7 +1136,7 @@
           <a:p>
             <a:fld id="{1B47AA5E-3DEB-42FF-8BC3-9A694865C39A}" type="datetimeFigureOut">
               <a:rPr lang="it-IT" smtClean="0"/>
-              <a:t>10/04/2020</a:t>
+              <a:t>11/04/2020</a:t>
             </a:fld>
             <a:endParaRPr lang="it-IT"/>
           </a:p>
@@ -1343,7 +1344,7 @@
           <a:p>
             <a:fld id="{1B47AA5E-3DEB-42FF-8BC3-9A694865C39A}" type="datetimeFigureOut">
               <a:rPr lang="it-IT" smtClean="0"/>
-              <a:t>10/04/2020</a:t>
+              <a:t>11/04/2020</a:t>
             </a:fld>
             <a:endParaRPr lang="it-IT"/>
           </a:p>
@@ -7512,7 +7513,7 @@
           <a:p>
             <a:fld id="{1B47AA5E-3DEB-42FF-8BC3-9A694865C39A}" type="datetimeFigureOut">
               <a:rPr lang="it-IT" smtClean="0"/>
-              <a:t>10/04/2020</a:t>
+              <a:t>11/04/2020</a:t>
             </a:fld>
             <a:endParaRPr lang="it-IT"/>
           </a:p>
@@ -10111,7 +10112,7 @@
           <a:p>
             <a:fld id="{1B47AA5E-3DEB-42FF-8BC3-9A694865C39A}" type="datetimeFigureOut">
               <a:rPr lang="it-IT" smtClean="0"/>
-              <a:t>10/04/2020</a:t>
+              <a:t>11/04/2020</a:t>
             </a:fld>
             <a:endParaRPr lang="it-IT"/>
           </a:p>
@@ -10376,7 +10377,7 @@
           <a:p>
             <a:fld id="{1B47AA5E-3DEB-42FF-8BC3-9A694865C39A}" type="datetimeFigureOut">
               <a:rPr lang="it-IT" smtClean="0"/>
-              <a:t>10/04/2020</a:t>
+              <a:t>11/04/2020</a:t>
             </a:fld>
             <a:endParaRPr lang="it-IT"/>
           </a:p>
@@ -10788,7 +10789,7 @@
           <a:p>
             <a:fld id="{1B47AA5E-3DEB-42FF-8BC3-9A694865C39A}" type="datetimeFigureOut">
               <a:rPr lang="it-IT" smtClean="0"/>
-              <a:t>10/04/2020</a:t>
+              <a:t>11/04/2020</a:t>
             </a:fld>
             <a:endParaRPr lang="it-IT"/>
           </a:p>
@@ -10929,7 +10930,7 @@
           <a:p>
             <a:fld id="{1B47AA5E-3DEB-42FF-8BC3-9A694865C39A}" type="datetimeFigureOut">
               <a:rPr lang="it-IT" smtClean="0"/>
-              <a:t>10/04/2020</a:t>
+              <a:t>11/04/2020</a:t>
             </a:fld>
             <a:endParaRPr lang="it-IT"/>
           </a:p>
@@ -11042,7 +11043,7 @@
           <a:p>
             <a:fld id="{1B47AA5E-3DEB-42FF-8BC3-9A694865C39A}" type="datetimeFigureOut">
               <a:rPr lang="it-IT" smtClean="0"/>
-              <a:t>10/04/2020</a:t>
+              <a:t>11/04/2020</a:t>
             </a:fld>
             <a:endParaRPr lang="it-IT"/>
           </a:p>
@@ -11353,7 +11354,7 @@
           <a:p>
             <a:fld id="{1B47AA5E-3DEB-42FF-8BC3-9A694865C39A}" type="datetimeFigureOut">
               <a:rPr lang="it-IT" smtClean="0"/>
-              <a:t>10/04/2020</a:t>
+              <a:t>11/04/2020</a:t>
             </a:fld>
             <a:endParaRPr lang="it-IT"/>
           </a:p>
@@ -11641,7 +11642,7 @@
           <a:p>
             <a:fld id="{1B47AA5E-3DEB-42FF-8BC3-9A694865C39A}" type="datetimeFigureOut">
               <a:rPr lang="it-IT" smtClean="0"/>
-              <a:t>10/04/2020</a:t>
+              <a:t>11/04/2020</a:t>
             </a:fld>
             <a:endParaRPr lang="it-IT"/>
           </a:p>
@@ -11882,7 +11883,7 @@
           <a:p>
             <a:fld id="{1B47AA5E-3DEB-42FF-8BC3-9A694865C39A}" type="datetimeFigureOut">
               <a:rPr lang="it-IT" smtClean="0"/>
-              <a:t>10/04/2020</a:t>
+              <a:t>11/04/2020</a:t>
             </a:fld>
             <a:endParaRPr lang="it-IT"/>
           </a:p>
@@ -14218,8 +14219,8 @@
         </p:nvSpPr>
         <p:spPr>
           <a:xfrm>
-            <a:off x="685801" y="1180730"/>
-            <a:ext cx="5334000" cy="5433391"/>
+            <a:off x="622852" y="1429305"/>
+            <a:ext cx="5668617" cy="5677270"/>
           </a:xfrm>
         </p:spPr>
         <p:txBody>
@@ -14932,7 +14933,7 @@
               <a:buChar char="–"/>
             </a:pPr>
             <a:r>
-              <a:rPr lang="es-419" sz="2000"/>
+              <a:rPr lang="es-419" sz="2000" dirty="0"/>
               <a:t>Registrazione</a:t>
             </a:r>
           </a:p>
@@ -18240,6 +18241,2052 @@
         </p:txBody>
       </p:sp>
     </p:spTree>
+  </p:cSld>
+  <p:clrMapOvr>
+    <a:masterClrMapping/>
+  </p:clrMapOvr>
+</p:sld>
+</file>
+
+<file path=ppt/slides/slide15.xml><?xml version="1.0" encoding="utf-8"?>
+<p:sld xmlns:a="http://schemas.openxmlformats.org/drawingml/2006/main" xmlns:r="http://schemas.openxmlformats.org/officeDocument/2006/relationships" xmlns:p="http://schemas.openxmlformats.org/presentationml/2006/main">
+  <p:cSld>
+    <p:spTree>
+      <p:nvGrpSpPr>
+        <p:cNvPr id="1" name=""/>
+        <p:cNvGrpSpPr/>
+        <p:nvPr/>
+      </p:nvGrpSpPr>
+      <p:grpSpPr>
+        <a:xfrm>
+          <a:off x="0" y="0"/>
+          <a:ext cx="0" cy="0"/>
+          <a:chOff x="0" y="0"/>
+          <a:chExt cx="0" cy="0"/>
+        </a:xfrm>
+      </p:grpSpPr>
+      <p:sp>
+        <p:nvSpPr>
+          <p:cNvPr id="3" name="Google Shape;272;p37">
+            <a:extLst>
+              <a:ext uri="{FF2B5EF4-FFF2-40B4-BE49-F238E27FC236}">
+                <a16:creationId xmlns:a16="http://schemas.microsoft.com/office/drawing/2014/main" id="{8299FB71-F86A-4849-8D80-6B398CBF2C89}"/>
+              </a:ext>
+            </a:extLst>
+          </p:cNvPr>
+          <p:cNvSpPr txBox="1">
+            <a:spLocks noGrp="1"/>
+          </p:cNvSpPr>
+          <p:nvPr>
+            <p:ph type="title"/>
+          </p:nvPr>
+        </p:nvSpPr>
+        <p:spPr>
+          <a:xfrm>
+            <a:off x="609600" y="274633"/>
+            <a:ext cx="10972800" cy="1008000"/>
+          </a:xfrm>
+          <a:prstGeom prst="rect">
+            <a:avLst/>
+          </a:prstGeom>
+          <a:noFill/>
+          <a:ln>
+            <a:noFill/>
+          </a:ln>
+        </p:spPr>
+        <p:txBody>
+          <a:bodyPr spcFirstLastPara="1" wrap="square" lIns="121900" tIns="60933" rIns="121900" bIns="60933" anchor="ctr" anchorCtr="0">
+            <a:noAutofit/>
+          </a:bodyPr>
+          <a:lstStyle/>
+          <a:p>
+            <a:pPr>
+              <a:buSzPts val="4400"/>
+            </a:pPr>
+            <a:r>
+              <a:rPr lang="es-419" dirty="0"/>
+              <a:t>Event: Aggiungi Riunione</a:t>
+            </a:r>
+            <a:endParaRPr dirty="0"/>
+          </a:p>
+        </p:txBody>
+      </p:sp>
+      <p:sp>
+        <p:nvSpPr>
+          <p:cNvPr id="4" name="Google Shape;273;p37">
+            <a:extLst>
+              <a:ext uri="{FF2B5EF4-FFF2-40B4-BE49-F238E27FC236}">
+                <a16:creationId xmlns:a16="http://schemas.microsoft.com/office/drawing/2014/main" id="{2A640F54-250D-4FF9-B290-25CA3A3E0E7E}"/>
+              </a:ext>
+            </a:extLst>
+          </p:cNvPr>
+          <p:cNvSpPr/>
+          <p:nvPr/>
+        </p:nvSpPr>
+        <p:spPr>
+          <a:xfrm>
+            <a:off x="454432" y="1341548"/>
+            <a:ext cx="1752800" cy="381200"/>
+          </a:xfrm>
+          <a:prstGeom prst="rect">
+            <a:avLst/>
+          </a:prstGeom>
+          <a:solidFill>
+            <a:schemeClr val="lt1"/>
+          </a:solidFill>
+          <a:ln w="25400" cap="flat" cmpd="sng">
+            <a:solidFill>
+              <a:schemeClr val="accent1"/>
+            </a:solidFill>
+            <a:prstDash val="solid"/>
+            <a:round/>
+            <a:headEnd type="none" w="sm" len="sm"/>
+            <a:tailEnd type="none" w="sm" len="sm"/>
+          </a:ln>
+        </p:spPr>
+        <p:txBody>
+          <a:bodyPr spcFirstLastPara="1" wrap="square" lIns="121900" tIns="60933" rIns="121900" bIns="60933" anchor="ctr" anchorCtr="0">
+            <a:noAutofit/>
+          </a:bodyPr>
+          <a:lstStyle/>
+          <a:p>
+            <a:pPr algn="ctr" defTabSz="1219170">
+              <a:buClr>
+                <a:srgbClr val="000000"/>
+              </a:buClr>
+            </a:pPr>
+            <a:r>
+              <a:rPr lang="es-419" sz="1867" kern="0" dirty="0">
+                <a:solidFill>
+                  <a:srgbClr val="000000"/>
+                </a:solidFill>
+                <a:latin typeface="Calibri"/>
+                <a:ea typeface="Calibri"/>
+                <a:cs typeface="Calibri"/>
+                <a:sym typeface="Calibri"/>
+              </a:rPr>
+              <a:t>HomePage.jsp</a:t>
+            </a:r>
+            <a:endParaRPr sz="1867" kern="0" dirty="0">
+              <a:solidFill>
+                <a:srgbClr val="000000"/>
+              </a:solidFill>
+              <a:latin typeface="Calibri"/>
+              <a:ea typeface="Calibri"/>
+              <a:cs typeface="Calibri"/>
+              <a:sym typeface="Calibri"/>
+            </a:endParaRPr>
+          </a:p>
+        </p:txBody>
+      </p:sp>
+      <p:cxnSp>
+        <p:nvCxnSpPr>
+          <p:cNvPr id="5" name="Google Shape;274;p37">
+            <a:extLst>
+              <a:ext uri="{FF2B5EF4-FFF2-40B4-BE49-F238E27FC236}">
+                <a16:creationId xmlns:a16="http://schemas.microsoft.com/office/drawing/2014/main" id="{1B97D20C-6E0C-4123-AE1C-FFDDB163CE15}"/>
+              </a:ext>
+            </a:extLst>
+          </p:cNvPr>
+          <p:cNvCxnSpPr>
+            <a:stCxn id="4" idx="2"/>
+          </p:cNvCxnSpPr>
+          <p:nvPr/>
+        </p:nvCxnSpPr>
+        <p:spPr>
+          <a:xfrm flipH="1">
+            <a:off x="1298032" y="1722748"/>
+            <a:ext cx="32800" cy="4487200"/>
+          </a:xfrm>
+          <a:prstGeom prst="straightConnector1">
+            <a:avLst/>
+          </a:prstGeom>
+          <a:noFill/>
+          <a:ln w="38100" cap="flat" cmpd="sng">
+            <a:solidFill>
+              <a:schemeClr val="accent1"/>
+            </a:solidFill>
+            <a:prstDash val="dot"/>
+            <a:round/>
+            <a:headEnd type="none" w="sm" len="sm"/>
+            <a:tailEnd type="none" w="sm" len="sm"/>
+          </a:ln>
+          <a:effectLst>
+            <a:outerShdw blurRad="40000" dist="23000" dir="5400000" rotWithShape="0">
+              <a:srgbClr val="000000">
+                <a:alpha val="34901"/>
+              </a:srgbClr>
+            </a:outerShdw>
+          </a:effectLst>
+        </p:spPr>
+      </p:cxnSp>
+      <p:sp>
+        <p:nvSpPr>
+          <p:cNvPr id="6" name="Google Shape;277;p37">
+            <a:extLst>
+              <a:ext uri="{FF2B5EF4-FFF2-40B4-BE49-F238E27FC236}">
+                <a16:creationId xmlns:a16="http://schemas.microsoft.com/office/drawing/2014/main" id="{21A7656C-5EED-4222-9439-10DD031F774A}"/>
+              </a:ext>
+            </a:extLst>
+          </p:cNvPr>
+          <p:cNvSpPr/>
+          <p:nvPr/>
+        </p:nvSpPr>
+        <p:spPr>
+          <a:xfrm>
+            <a:off x="1153481" y="1989375"/>
+            <a:ext cx="408800" cy="4057357"/>
+          </a:xfrm>
+          <a:prstGeom prst="rect">
+            <a:avLst/>
+          </a:prstGeom>
+          <a:solidFill>
+            <a:schemeClr val="lt1"/>
+          </a:solidFill>
+          <a:ln w="25400" cap="flat" cmpd="sng">
+            <a:solidFill>
+              <a:schemeClr val="accent1"/>
+            </a:solidFill>
+            <a:prstDash val="solid"/>
+            <a:round/>
+            <a:headEnd type="none" w="sm" len="sm"/>
+            <a:tailEnd type="none" w="sm" len="sm"/>
+          </a:ln>
+        </p:spPr>
+        <p:txBody>
+          <a:bodyPr spcFirstLastPara="1" wrap="square" lIns="121900" tIns="60933" rIns="121900" bIns="60933" anchor="ctr" anchorCtr="0">
+            <a:noAutofit/>
+          </a:bodyPr>
+          <a:lstStyle/>
+          <a:p>
+            <a:pPr algn="ctr" defTabSz="1219170">
+              <a:buClr>
+                <a:srgbClr val="000000"/>
+              </a:buClr>
+            </a:pPr>
+            <a:endParaRPr sz="2400" kern="0">
+              <a:solidFill>
+                <a:srgbClr val="000000"/>
+              </a:solidFill>
+              <a:latin typeface="Calibri"/>
+              <a:ea typeface="Calibri"/>
+              <a:cs typeface="Calibri"/>
+              <a:sym typeface="Calibri"/>
+            </a:endParaRPr>
+          </a:p>
+        </p:txBody>
+      </p:sp>
+      <p:cxnSp>
+        <p:nvCxnSpPr>
+          <p:cNvPr id="7" name="Google Shape;352;p39">
+            <a:extLst>
+              <a:ext uri="{FF2B5EF4-FFF2-40B4-BE49-F238E27FC236}">
+                <a16:creationId xmlns:a16="http://schemas.microsoft.com/office/drawing/2014/main" id="{22146859-6162-4CA3-AC95-4B377401BABF}"/>
+              </a:ext>
+            </a:extLst>
+          </p:cNvPr>
+          <p:cNvCxnSpPr>
+            <a:cxnSpLocks/>
+          </p:cNvCxnSpPr>
+          <p:nvPr/>
+        </p:nvCxnSpPr>
+        <p:spPr>
+          <a:xfrm>
+            <a:off x="1714216" y="2210669"/>
+            <a:ext cx="1214514" cy="0"/>
+          </a:xfrm>
+          <a:prstGeom prst="straightConnector1">
+            <a:avLst/>
+          </a:prstGeom>
+          <a:noFill/>
+          <a:ln w="25400" cap="flat" cmpd="sng">
+            <a:solidFill>
+              <a:schemeClr val="accent1"/>
+            </a:solidFill>
+            <a:prstDash val="solid"/>
+            <a:round/>
+            <a:headEnd type="none" w="sm" len="sm"/>
+            <a:tailEnd type="stealth" w="med" len="med"/>
+          </a:ln>
+          <a:effectLst>
+            <a:outerShdw blurRad="40000" dist="20000" dir="5400000" rotWithShape="0">
+              <a:srgbClr val="000000">
+                <a:alpha val="37650"/>
+              </a:srgbClr>
+            </a:outerShdw>
+          </a:effectLst>
+        </p:spPr>
+      </p:cxnSp>
+      <p:sp>
+        <p:nvSpPr>
+          <p:cNvPr id="8" name="Google Shape;273;p37">
+            <a:extLst>
+              <a:ext uri="{FF2B5EF4-FFF2-40B4-BE49-F238E27FC236}">
+                <a16:creationId xmlns:a16="http://schemas.microsoft.com/office/drawing/2014/main" id="{2ACDAD50-1E0F-4C63-8205-D7E7DC55698E}"/>
+              </a:ext>
+            </a:extLst>
+          </p:cNvPr>
+          <p:cNvSpPr/>
+          <p:nvPr/>
+        </p:nvSpPr>
+        <p:spPr>
+          <a:xfrm>
+            <a:off x="2237860" y="1341548"/>
+            <a:ext cx="1400044" cy="381200"/>
+          </a:xfrm>
+          <a:prstGeom prst="rect">
+            <a:avLst/>
+          </a:prstGeom>
+          <a:solidFill>
+            <a:schemeClr val="lt1"/>
+          </a:solidFill>
+          <a:ln w="25400" cap="flat" cmpd="sng">
+            <a:solidFill>
+              <a:schemeClr val="accent1"/>
+            </a:solidFill>
+            <a:prstDash val="solid"/>
+            <a:round/>
+            <a:headEnd type="none" w="sm" len="sm"/>
+            <a:tailEnd type="none" w="sm" len="sm"/>
+          </a:ln>
+        </p:spPr>
+        <p:txBody>
+          <a:bodyPr spcFirstLastPara="1" wrap="square" lIns="121900" tIns="60933" rIns="121900" bIns="60933" anchor="ctr" anchorCtr="0">
+            <a:noAutofit/>
+          </a:bodyPr>
+          <a:lstStyle/>
+          <a:p>
+            <a:pPr algn="ctr" defTabSz="1219170">
+              <a:buClr>
+                <a:srgbClr val="000000"/>
+              </a:buClr>
+            </a:pPr>
+            <a:r>
+              <a:rPr lang="es-419" sz="1867" kern="0" dirty="0">
+                <a:solidFill>
+                  <a:srgbClr val="000000"/>
+                </a:solidFill>
+                <a:latin typeface="Calibri"/>
+                <a:ea typeface="Calibri"/>
+                <a:cs typeface="Calibri"/>
+                <a:sym typeface="Calibri"/>
+              </a:rPr>
+              <a:t>request</a:t>
+            </a:r>
+            <a:endParaRPr sz="1867" kern="0" dirty="0">
+              <a:solidFill>
+                <a:srgbClr val="000000"/>
+              </a:solidFill>
+              <a:latin typeface="Calibri"/>
+              <a:ea typeface="Calibri"/>
+              <a:cs typeface="Calibri"/>
+              <a:sym typeface="Calibri"/>
+            </a:endParaRPr>
+          </a:p>
+        </p:txBody>
+      </p:sp>
+      <p:sp>
+        <p:nvSpPr>
+          <p:cNvPr id="9" name="Rettangolo 8">
+            <a:extLst>
+              <a:ext uri="{FF2B5EF4-FFF2-40B4-BE49-F238E27FC236}">
+                <a16:creationId xmlns:a16="http://schemas.microsoft.com/office/drawing/2014/main" id="{3A477324-16A6-4FD4-934F-BDACE67FD794}"/>
+              </a:ext>
+            </a:extLst>
+          </p:cNvPr>
+          <p:cNvSpPr/>
+          <p:nvPr/>
+        </p:nvSpPr>
+        <p:spPr>
+          <a:xfrm>
+            <a:off x="1408250" y="2227385"/>
+            <a:ext cx="1659220" cy="738664"/>
+          </a:xfrm>
+          <a:prstGeom prst="rect">
+            <a:avLst/>
+          </a:prstGeom>
+        </p:spPr>
+        <p:txBody>
+          <a:bodyPr wrap="square">
+            <a:spAutoFit/>
+          </a:bodyPr>
+          <a:lstStyle/>
+          <a:p>
+            <a:pPr algn="ctr"/>
+            <a:r>
+              <a:rPr lang="en-US" sz="1400" dirty="0" err="1"/>
+              <a:t>setAttribute</a:t>
+            </a:r>
+            <a:r>
+              <a:rPr lang="en-US" sz="1400" dirty="0"/>
+              <a:t>  (“</a:t>
+            </a:r>
+            <a:r>
+              <a:rPr lang="en-US" sz="1400" dirty="0" err="1"/>
+              <a:t>attributiRiunione</a:t>
+            </a:r>
+            <a:r>
+              <a:rPr lang="en-US" sz="1400" dirty="0"/>
+              <a:t>", </a:t>
+            </a:r>
+            <a:r>
+              <a:rPr lang="en-US" sz="1400" dirty="0" err="1"/>
+              <a:t>attributiRiunione</a:t>
+            </a:r>
+            <a:r>
+              <a:rPr lang="en-US" sz="1400" dirty="0"/>
+              <a:t>)</a:t>
+            </a:r>
+          </a:p>
+        </p:txBody>
+      </p:sp>
+      <p:cxnSp>
+        <p:nvCxnSpPr>
+          <p:cNvPr id="10" name="Google Shape;274;p37">
+            <a:extLst>
+              <a:ext uri="{FF2B5EF4-FFF2-40B4-BE49-F238E27FC236}">
+                <a16:creationId xmlns:a16="http://schemas.microsoft.com/office/drawing/2014/main" id="{88186C99-6E33-486E-B2A2-E5A66FD590B8}"/>
+              </a:ext>
+            </a:extLst>
+          </p:cNvPr>
+          <p:cNvCxnSpPr/>
+          <p:nvPr/>
+        </p:nvCxnSpPr>
+        <p:spPr>
+          <a:xfrm flipH="1">
+            <a:off x="3149676" y="1781663"/>
+            <a:ext cx="32800" cy="4487200"/>
+          </a:xfrm>
+          <a:prstGeom prst="straightConnector1">
+            <a:avLst/>
+          </a:prstGeom>
+          <a:noFill/>
+          <a:ln w="38100" cap="flat" cmpd="sng">
+            <a:solidFill>
+              <a:schemeClr val="accent1"/>
+            </a:solidFill>
+            <a:prstDash val="dot"/>
+            <a:round/>
+            <a:headEnd type="none" w="sm" len="sm"/>
+            <a:tailEnd type="none" w="sm" len="sm"/>
+          </a:ln>
+          <a:effectLst>
+            <a:outerShdw blurRad="40000" dist="23000" dir="5400000" rotWithShape="0">
+              <a:srgbClr val="000000">
+                <a:alpha val="34901"/>
+              </a:srgbClr>
+            </a:outerShdw>
+          </a:effectLst>
+        </p:spPr>
+      </p:cxnSp>
+      <p:sp>
+        <p:nvSpPr>
+          <p:cNvPr id="11" name="Google Shape;277;p37">
+            <a:extLst>
+              <a:ext uri="{FF2B5EF4-FFF2-40B4-BE49-F238E27FC236}">
+                <a16:creationId xmlns:a16="http://schemas.microsoft.com/office/drawing/2014/main" id="{45E829DC-1DAC-4184-841C-DD46CDDF0A16}"/>
+              </a:ext>
+            </a:extLst>
+          </p:cNvPr>
+          <p:cNvSpPr/>
+          <p:nvPr/>
+        </p:nvSpPr>
+        <p:spPr>
+          <a:xfrm>
+            <a:off x="2921482" y="2061961"/>
+            <a:ext cx="408800" cy="667882"/>
+          </a:xfrm>
+          <a:prstGeom prst="rect">
+            <a:avLst/>
+          </a:prstGeom>
+          <a:solidFill>
+            <a:schemeClr val="lt1"/>
+          </a:solidFill>
+          <a:ln w="25400" cap="flat" cmpd="sng">
+            <a:solidFill>
+              <a:schemeClr val="accent1"/>
+            </a:solidFill>
+            <a:prstDash val="solid"/>
+            <a:round/>
+            <a:headEnd type="none" w="sm" len="sm"/>
+            <a:tailEnd type="none" w="sm" len="sm"/>
+          </a:ln>
+        </p:spPr>
+        <p:txBody>
+          <a:bodyPr spcFirstLastPara="1" wrap="square" lIns="121900" tIns="60933" rIns="121900" bIns="60933" anchor="ctr" anchorCtr="0">
+            <a:noAutofit/>
+          </a:bodyPr>
+          <a:lstStyle/>
+          <a:p>
+            <a:pPr algn="ctr" defTabSz="1219170">
+              <a:buClr>
+                <a:srgbClr val="000000"/>
+              </a:buClr>
+            </a:pPr>
+            <a:endParaRPr sz="2400" kern="0">
+              <a:solidFill>
+                <a:srgbClr val="000000"/>
+              </a:solidFill>
+              <a:latin typeface="Calibri"/>
+              <a:ea typeface="Calibri"/>
+              <a:cs typeface="Calibri"/>
+              <a:sym typeface="Calibri"/>
+            </a:endParaRPr>
+          </a:p>
+        </p:txBody>
+      </p:sp>
+      <p:sp>
+        <p:nvSpPr>
+          <p:cNvPr id="12" name="Google Shape;273;p37">
+            <a:extLst>
+              <a:ext uri="{FF2B5EF4-FFF2-40B4-BE49-F238E27FC236}">
+                <a16:creationId xmlns:a16="http://schemas.microsoft.com/office/drawing/2014/main" id="{C4B649D5-DDFB-460C-A123-4BF6C908E08A}"/>
+              </a:ext>
+            </a:extLst>
+          </p:cNvPr>
+          <p:cNvSpPr/>
+          <p:nvPr/>
+        </p:nvSpPr>
+        <p:spPr>
+          <a:xfrm>
+            <a:off x="3668532" y="1341548"/>
+            <a:ext cx="1400044" cy="381200"/>
+          </a:xfrm>
+          <a:prstGeom prst="rect">
+            <a:avLst/>
+          </a:prstGeom>
+          <a:solidFill>
+            <a:schemeClr val="lt1"/>
+          </a:solidFill>
+          <a:ln w="25400" cap="flat" cmpd="sng">
+            <a:solidFill>
+              <a:schemeClr val="accent1"/>
+            </a:solidFill>
+            <a:prstDash val="solid"/>
+            <a:round/>
+            <a:headEnd type="none" w="sm" len="sm"/>
+            <a:tailEnd type="none" w="sm" len="sm"/>
+          </a:ln>
+        </p:spPr>
+        <p:txBody>
+          <a:bodyPr spcFirstLastPara="1" wrap="square" lIns="121900" tIns="60933" rIns="121900" bIns="60933" anchor="ctr" anchorCtr="0">
+            <a:noAutofit/>
+          </a:bodyPr>
+          <a:lstStyle/>
+          <a:p>
+            <a:pPr algn="ctr" defTabSz="1219170">
+              <a:buClr>
+                <a:srgbClr val="000000"/>
+              </a:buClr>
+            </a:pPr>
+            <a:r>
+              <a:rPr lang="es-419" sz="1867" kern="0" dirty="0">
+                <a:solidFill>
+                  <a:srgbClr val="000000"/>
+                </a:solidFill>
+                <a:latin typeface="Calibri"/>
+                <a:ea typeface="Calibri"/>
+                <a:cs typeface="Calibri"/>
+                <a:sym typeface="Calibri"/>
+              </a:rPr>
+              <a:t>AnagrPage</a:t>
+            </a:r>
+            <a:endParaRPr sz="1867" kern="0" dirty="0">
+              <a:solidFill>
+                <a:srgbClr val="000000"/>
+              </a:solidFill>
+              <a:latin typeface="Calibri"/>
+              <a:ea typeface="Calibri"/>
+              <a:cs typeface="Calibri"/>
+              <a:sym typeface="Calibri"/>
+            </a:endParaRPr>
+          </a:p>
+        </p:txBody>
+      </p:sp>
+      <p:cxnSp>
+        <p:nvCxnSpPr>
+          <p:cNvPr id="13" name="Google Shape;274;p37">
+            <a:extLst>
+              <a:ext uri="{FF2B5EF4-FFF2-40B4-BE49-F238E27FC236}">
+                <a16:creationId xmlns:a16="http://schemas.microsoft.com/office/drawing/2014/main" id="{72F5C1CE-4CFA-4E95-9A05-B93CD3C6A703}"/>
+              </a:ext>
+            </a:extLst>
+          </p:cNvPr>
+          <p:cNvCxnSpPr/>
+          <p:nvPr/>
+        </p:nvCxnSpPr>
+        <p:spPr>
+          <a:xfrm flipH="1">
+            <a:off x="4395692" y="1722748"/>
+            <a:ext cx="32800" cy="4487200"/>
+          </a:xfrm>
+          <a:prstGeom prst="straightConnector1">
+            <a:avLst/>
+          </a:prstGeom>
+          <a:noFill/>
+          <a:ln w="38100" cap="flat" cmpd="sng">
+            <a:solidFill>
+              <a:schemeClr val="accent1"/>
+            </a:solidFill>
+            <a:prstDash val="dot"/>
+            <a:round/>
+            <a:headEnd type="none" w="sm" len="sm"/>
+            <a:tailEnd type="none" w="sm" len="sm"/>
+          </a:ln>
+          <a:effectLst>
+            <a:outerShdw blurRad="40000" dist="23000" dir="5400000" rotWithShape="0">
+              <a:srgbClr val="000000">
+                <a:alpha val="34901"/>
+              </a:srgbClr>
+            </a:outerShdw>
+          </a:effectLst>
+        </p:spPr>
+      </p:cxnSp>
+      <p:sp>
+        <p:nvSpPr>
+          <p:cNvPr id="14" name="Google Shape;277;p37">
+            <a:extLst>
+              <a:ext uri="{FF2B5EF4-FFF2-40B4-BE49-F238E27FC236}">
+                <a16:creationId xmlns:a16="http://schemas.microsoft.com/office/drawing/2014/main" id="{2BD05D56-4DE5-4999-B222-A96C7877C8AD}"/>
+              </a:ext>
+            </a:extLst>
+          </p:cNvPr>
+          <p:cNvSpPr/>
+          <p:nvPr/>
+        </p:nvSpPr>
+        <p:spPr>
+          <a:xfrm>
+            <a:off x="4261376" y="2919171"/>
+            <a:ext cx="408800" cy="3290777"/>
+          </a:xfrm>
+          <a:prstGeom prst="rect">
+            <a:avLst/>
+          </a:prstGeom>
+          <a:solidFill>
+            <a:schemeClr val="lt1"/>
+          </a:solidFill>
+          <a:ln w="25400" cap="flat" cmpd="sng">
+            <a:solidFill>
+              <a:schemeClr val="accent1"/>
+            </a:solidFill>
+            <a:prstDash val="solid"/>
+            <a:round/>
+            <a:headEnd type="none" w="sm" len="sm"/>
+            <a:tailEnd type="none" w="sm" len="sm"/>
+          </a:ln>
+        </p:spPr>
+        <p:txBody>
+          <a:bodyPr spcFirstLastPara="1" wrap="square" lIns="121900" tIns="60933" rIns="121900" bIns="60933" anchor="ctr" anchorCtr="0">
+            <a:noAutofit/>
+          </a:bodyPr>
+          <a:lstStyle/>
+          <a:p>
+            <a:pPr algn="ctr" defTabSz="1219170">
+              <a:buClr>
+                <a:srgbClr val="000000"/>
+              </a:buClr>
+            </a:pPr>
+            <a:endParaRPr sz="2400" kern="0">
+              <a:solidFill>
+                <a:srgbClr val="000000"/>
+              </a:solidFill>
+              <a:latin typeface="Calibri"/>
+              <a:ea typeface="Calibri"/>
+              <a:cs typeface="Calibri"/>
+              <a:sym typeface="Calibri"/>
+            </a:endParaRPr>
+          </a:p>
+        </p:txBody>
+      </p:sp>
+      <p:cxnSp>
+        <p:nvCxnSpPr>
+          <p:cNvPr id="15" name="Google Shape;352;p39">
+            <a:extLst>
+              <a:ext uri="{FF2B5EF4-FFF2-40B4-BE49-F238E27FC236}">
+                <a16:creationId xmlns:a16="http://schemas.microsoft.com/office/drawing/2014/main" id="{8B133D8B-6C7B-4D84-ADF1-416300FCF6E9}"/>
+              </a:ext>
+            </a:extLst>
+          </p:cNvPr>
+          <p:cNvCxnSpPr>
+            <a:cxnSpLocks/>
+          </p:cNvCxnSpPr>
+          <p:nvPr/>
+        </p:nvCxnSpPr>
+        <p:spPr>
+          <a:xfrm>
+            <a:off x="1781996" y="3169957"/>
+            <a:ext cx="2278972" cy="0"/>
+          </a:xfrm>
+          <a:prstGeom prst="straightConnector1">
+            <a:avLst/>
+          </a:prstGeom>
+          <a:noFill/>
+          <a:ln w="25400" cap="flat" cmpd="sng">
+            <a:solidFill>
+              <a:schemeClr val="accent1"/>
+            </a:solidFill>
+            <a:prstDash val="solid"/>
+            <a:round/>
+            <a:headEnd type="none" w="sm" len="sm"/>
+            <a:tailEnd type="stealth" w="med" len="med"/>
+          </a:ln>
+          <a:effectLst>
+            <a:outerShdw blurRad="40000" dist="20000" dir="5400000" rotWithShape="0">
+              <a:srgbClr val="000000">
+                <a:alpha val="37650"/>
+              </a:srgbClr>
+            </a:outerShdw>
+          </a:effectLst>
+        </p:spPr>
+      </p:cxnSp>
+      <p:sp>
+        <p:nvSpPr>
+          <p:cNvPr id="16" name="Rettangolo 15">
+            <a:extLst>
+              <a:ext uri="{FF2B5EF4-FFF2-40B4-BE49-F238E27FC236}">
+                <a16:creationId xmlns:a16="http://schemas.microsoft.com/office/drawing/2014/main" id="{8C85D4FC-5DFD-412D-968E-112C0BAFC680}"/>
+              </a:ext>
+            </a:extLst>
+          </p:cNvPr>
+          <p:cNvSpPr/>
+          <p:nvPr/>
+        </p:nvSpPr>
+        <p:spPr>
+          <a:xfrm>
+            <a:off x="2070776" y="3169957"/>
+            <a:ext cx="1659220" cy="523220"/>
+          </a:xfrm>
+          <a:prstGeom prst="rect">
+            <a:avLst/>
+          </a:prstGeom>
+        </p:spPr>
+        <p:txBody>
+          <a:bodyPr wrap="square">
+            <a:spAutoFit/>
+          </a:bodyPr>
+          <a:lstStyle/>
+          <a:p>
+            <a:pPr algn="ctr"/>
+            <a:r>
+              <a:rPr lang="en-US" sz="1400" dirty="0"/>
+              <a:t>Redirect /</a:t>
+            </a:r>
+            <a:r>
+              <a:rPr lang="en-US" sz="1400" dirty="0" err="1"/>
+              <a:t>AnagrPage</a:t>
+            </a:r>
+            <a:endParaRPr lang="en-US" sz="1400" dirty="0"/>
+          </a:p>
+        </p:txBody>
+      </p:sp>
+      <p:sp>
+        <p:nvSpPr>
+          <p:cNvPr id="17" name="Google Shape;273;p37">
+            <a:extLst>
+              <a:ext uri="{FF2B5EF4-FFF2-40B4-BE49-F238E27FC236}">
+                <a16:creationId xmlns:a16="http://schemas.microsoft.com/office/drawing/2014/main" id="{03BA4B8D-BD74-421F-8E89-9C0133CF744C}"/>
+              </a:ext>
+            </a:extLst>
+          </p:cNvPr>
+          <p:cNvSpPr/>
+          <p:nvPr/>
+        </p:nvSpPr>
+        <p:spPr>
+          <a:xfrm>
+            <a:off x="5068576" y="1341548"/>
+            <a:ext cx="1400044" cy="381200"/>
+          </a:xfrm>
+          <a:prstGeom prst="rect">
+            <a:avLst/>
+          </a:prstGeom>
+          <a:solidFill>
+            <a:schemeClr val="lt1"/>
+          </a:solidFill>
+          <a:ln w="25400" cap="flat" cmpd="sng">
+            <a:solidFill>
+              <a:schemeClr val="accent1"/>
+            </a:solidFill>
+            <a:prstDash val="solid"/>
+            <a:round/>
+            <a:headEnd type="none" w="sm" len="sm"/>
+            <a:tailEnd type="none" w="sm" len="sm"/>
+          </a:ln>
+        </p:spPr>
+        <p:txBody>
+          <a:bodyPr spcFirstLastPara="1" wrap="square" lIns="121900" tIns="60933" rIns="121900" bIns="60933" anchor="ctr" anchorCtr="0">
+            <a:noAutofit/>
+          </a:bodyPr>
+          <a:lstStyle/>
+          <a:p>
+            <a:pPr algn="ctr" defTabSz="1219170">
+              <a:buClr>
+                <a:srgbClr val="000000"/>
+              </a:buClr>
+            </a:pPr>
+            <a:r>
+              <a:rPr lang="es-419" sz="1867" kern="0" dirty="0">
+                <a:solidFill>
+                  <a:srgbClr val="000000"/>
+                </a:solidFill>
+                <a:latin typeface="Calibri"/>
+                <a:ea typeface="Calibri"/>
+                <a:cs typeface="Calibri"/>
+                <a:sym typeface="Calibri"/>
+              </a:rPr>
+              <a:t>UtenteDAO</a:t>
+            </a:r>
+            <a:endParaRPr sz="1867" kern="0" dirty="0">
+              <a:solidFill>
+                <a:srgbClr val="000000"/>
+              </a:solidFill>
+              <a:latin typeface="Calibri"/>
+              <a:ea typeface="Calibri"/>
+              <a:cs typeface="Calibri"/>
+              <a:sym typeface="Calibri"/>
+            </a:endParaRPr>
+          </a:p>
+        </p:txBody>
+      </p:sp>
+      <p:cxnSp>
+        <p:nvCxnSpPr>
+          <p:cNvPr id="18" name="Google Shape;274;p37">
+            <a:extLst>
+              <a:ext uri="{FF2B5EF4-FFF2-40B4-BE49-F238E27FC236}">
+                <a16:creationId xmlns:a16="http://schemas.microsoft.com/office/drawing/2014/main" id="{27F73BD2-A6AE-4207-80DD-D1F65638E931}"/>
+              </a:ext>
+            </a:extLst>
+          </p:cNvPr>
+          <p:cNvCxnSpPr/>
+          <p:nvPr/>
+        </p:nvCxnSpPr>
+        <p:spPr>
+          <a:xfrm flipH="1">
+            <a:off x="5735798" y="1756178"/>
+            <a:ext cx="32800" cy="4487200"/>
+          </a:xfrm>
+          <a:prstGeom prst="straightConnector1">
+            <a:avLst/>
+          </a:prstGeom>
+          <a:noFill/>
+          <a:ln w="38100" cap="flat" cmpd="sng">
+            <a:solidFill>
+              <a:schemeClr val="accent1"/>
+            </a:solidFill>
+            <a:prstDash val="dot"/>
+            <a:round/>
+            <a:headEnd type="none" w="sm" len="sm"/>
+            <a:tailEnd type="none" w="sm" len="sm"/>
+          </a:ln>
+          <a:effectLst>
+            <a:outerShdw blurRad="40000" dist="23000" dir="5400000" rotWithShape="0">
+              <a:srgbClr val="000000">
+                <a:alpha val="34901"/>
+              </a:srgbClr>
+            </a:outerShdw>
+          </a:effectLst>
+        </p:spPr>
+      </p:cxnSp>
+      <p:sp>
+        <p:nvSpPr>
+          <p:cNvPr id="19" name="Google Shape;277;p37">
+            <a:extLst>
+              <a:ext uri="{FF2B5EF4-FFF2-40B4-BE49-F238E27FC236}">
+                <a16:creationId xmlns:a16="http://schemas.microsoft.com/office/drawing/2014/main" id="{7CBF9172-7DFB-40D7-A288-C794CD874112}"/>
+              </a:ext>
+            </a:extLst>
+          </p:cNvPr>
+          <p:cNvSpPr/>
+          <p:nvPr/>
+        </p:nvSpPr>
+        <p:spPr>
+          <a:xfrm>
+            <a:off x="5657462" y="3059667"/>
+            <a:ext cx="408800" cy="738665"/>
+          </a:xfrm>
+          <a:prstGeom prst="rect">
+            <a:avLst/>
+          </a:prstGeom>
+          <a:solidFill>
+            <a:schemeClr val="lt1"/>
+          </a:solidFill>
+          <a:ln w="25400" cap="flat" cmpd="sng">
+            <a:solidFill>
+              <a:schemeClr val="accent1"/>
+            </a:solidFill>
+            <a:prstDash val="solid"/>
+            <a:round/>
+            <a:headEnd type="none" w="sm" len="sm"/>
+            <a:tailEnd type="none" w="sm" len="sm"/>
+          </a:ln>
+        </p:spPr>
+        <p:txBody>
+          <a:bodyPr spcFirstLastPara="1" wrap="square" lIns="121900" tIns="60933" rIns="121900" bIns="60933" anchor="ctr" anchorCtr="0">
+            <a:noAutofit/>
+          </a:bodyPr>
+          <a:lstStyle/>
+          <a:p>
+            <a:pPr algn="ctr" defTabSz="1219170">
+              <a:buClr>
+                <a:srgbClr val="000000"/>
+              </a:buClr>
+            </a:pPr>
+            <a:endParaRPr sz="2400" kern="0">
+              <a:solidFill>
+                <a:srgbClr val="000000"/>
+              </a:solidFill>
+              <a:latin typeface="Calibri"/>
+              <a:ea typeface="Calibri"/>
+              <a:cs typeface="Calibri"/>
+              <a:sym typeface="Calibri"/>
+            </a:endParaRPr>
+          </a:p>
+        </p:txBody>
+      </p:sp>
+      <p:cxnSp>
+        <p:nvCxnSpPr>
+          <p:cNvPr id="20" name="Google Shape;352;p39">
+            <a:extLst>
+              <a:ext uri="{FF2B5EF4-FFF2-40B4-BE49-F238E27FC236}">
+                <a16:creationId xmlns:a16="http://schemas.microsoft.com/office/drawing/2014/main" id="{FE65C578-C8D7-4BFD-B048-6B41EF4609A7}"/>
+              </a:ext>
+            </a:extLst>
+          </p:cNvPr>
+          <p:cNvCxnSpPr>
+            <a:cxnSpLocks/>
+          </p:cNvCxnSpPr>
+          <p:nvPr/>
+        </p:nvCxnSpPr>
+        <p:spPr>
+          <a:xfrm>
+            <a:off x="4694136" y="3169957"/>
+            <a:ext cx="820419" cy="0"/>
+          </a:xfrm>
+          <a:prstGeom prst="straightConnector1">
+            <a:avLst/>
+          </a:prstGeom>
+          <a:noFill/>
+          <a:ln w="25400" cap="flat" cmpd="sng">
+            <a:solidFill>
+              <a:schemeClr val="accent1"/>
+            </a:solidFill>
+            <a:prstDash val="solid"/>
+            <a:round/>
+            <a:headEnd type="none" w="sm" len="sm"/>
+            <a:tailEnd type="stealth" w="med" len="med"/>
+          </a:ln>
+          <a:effectLst>
+            <a:outerShdw blurRad="40000" dist="20000" dir="5400000" rotWithShape="0">
+              <a:srgbClr val="000000">
+                <a:alpha val="37650"/>
+              </a:srgbClr>
+            </a:outerShdw>
+          </a:effectLst>
+        </p:spPr>
+      </p:cxnSp>
+      <p:sp>
+        <p:nvSpPr>
+          <p:cNvPr id="21" name="Rettangolo 20">
+            <a:extLst>
+              <a:ext uri="{FF2B5EF4-FFF2-40B4-BE49-F238E27FC236}">
+                <a16:creationId xmlns:a16="http://schemas.microsoft.com/office/drawing/2014/main" id="{16D60870-2981-47B6-AA5C-EFCEB29FA279}"/>
+              </a:ext>
+            </a:extLst>
+          </p:cNvPr>
+          <p:cNvSpPr/>
+          <p:nvPr/>
+        </p:nvSpPr>
+        <p:spPr>
+          <a:xfrm>
+            <a:off x="4409182" y="2428682"/>
+            <a:ext cx="1400044" cy="523220"/>
+          </a:xfrm>
+          <a:prstGeom prst="rect">
+            <a:avLst/>
+          </a:prstGeom>
+        </p:spPr>
+        <p:txBody>
+          <a:bodyPr wrap="square">
+            <a:spAutoFit/>
+          </a:bodyPr>
+          <a:lstStyle/>
+          <a:p>
+            <a:pPr algn="ctr"/>
+            <a:r>
+              <a:rPr lang="it-IT" sz="1400" dirty="0" err="1"/>
+              <a:t>utentiRegistrati</a:t>
+            </a:r>
+            <a:r>
+              <a:rPr lang="it-IT" sz="1400" dirty="0"/>
+              <a:t>(</a:t>
+            </a:r>
+            <a:r>
+              <a:rPr lang="it-IT" sz="1400" dirty="0" err="1"/>
+              <a:t>idUtente</a:t>
+            </a:r>
+            <a:r>
+              <a:rPr lang="it-IT" sz="1400" dirty="0"/>
+              <a:t>)</a:t>
+            </a:r>
+            <a:endParaRPr lang="en-US" sz="1400" dirty="0"/>
+          </a:p>
+        </p:txBody>
+      </p:sp>
+      <p:cxnSp>
+        <p:nvCxnSpPr>
+          <p:cNvPr id="22" name="Straight Arrow Connector 23">
+            <a:extLst>
+              <a:ext uri="{FF2B5EF4-FFF2-40B4-BE49-F238E27FC236}">
+                <a16:creationId xmlns:a16="http://schemas.microsoft.com/office/drawing/2014/main" id="{C0599598-FC6A-4B3C-8A6D-65B2A8479841}"/>
+              </a:ext>
+            </a:extLst>
+          </p:cNvPr>
+          <p:cNvCxnSpPr>
+            <a:cxnSpLocks/>
+          </p:cNvCxnSpPr>
+          <p:nvPr/>
+        </p:nvCxnSpPr>
+        <p:spPr>
+          <a:xfrm flipH="1">
+            <a:off x="4694136" y="3645066"/>
+            <a:ext cx="888917" cy="0"/>
+          </a:xfrm>
+          <a:prstGeom prst="straightConnector1">
+            <a:avLst/>
+          </a:prstGeom>
+          <a:ln>
+            <a:tailEnd type="arrow"/>
+          </a:ln>
+        </p:spPr>
+        <p:style>
+          <a:lnRef idx="2">
+            <a:schemeClr val="accent1"/>
+          </a:lnRef>
+          <a:fillRef idx="0">
+            <a:schemeClr val="accent1"/>
+          </a:fillRef>
+          <a:effectRef idx="1">
+            <a:schemeClr val="accent1"/>
+          </a:effectRef>
+          <a:fontRef idx="minor">
+            <a:schemeClr val="tx1"/>
+          </a:fontRef>
+        </p:style>
+      </p:cxnSp>
+      <p:sp>
+        <p:nvSpPr>
+          <p:cNvPr id="23" name="Rettangolo 22">
+            <a:extLst>
+              <a:ext uri="{FF2B5EF4-FFF2-40B4-BE49-F238E27FC236}">
+                <a16:creationId xmlns:a16="http://schemas.microsoft.com/office/drawing/2014/main" id="{9B7FB33C-9FD6-4D7B-A1A0-1A62AF884629}"/>
+              </a:ext>
+            </a:extLst>
+          </p:cNvPr>
+          <p:cNvSpPr/>
+          <p:nvPr/>
+        </p:nvSpPr>
+        <p:spPr>
+          <a:xfrm>
+            <a:off x="4573050" y="3765601"/>
+            <a:ext cx="1400044" cy="307777"/>
+          </a:xfrm>
+          <a:prstGeom prst="rect">
+            <a:avLst/>
+          </a:prstGeom>
+        </p:spPr>
+        <p:txBody>
+          <a:bodyPr wrap="square">
+            <a:spAutoFit/>
+          </a:bodyPr>
+          <a:lstStyle/>
+          <a:p>
+            <a:r>
+              <a:rPr lang="it-IT" sz="1400" dirty="0" err="1"/>
+              <a:t>utentiRegistrati</a:t>
+            </a:r>
+            <a:endParaRPr lang="it-IT" sz="1400" dirty="0"/>
+          </a:p>
+        </p:txBody>
+      </p:sp>
+      <p:cxnSp>
+        <p:nvCxnSpPr>
+          <p:cNvPr id="24" name="Straight Arrow Connector 23">
+            <a:extLst>
+              <a:ext uri="{FF2B5EF4-FFF2-40B4-BE49-F238E27FC236}">
+                <a16:creationId xmlns:a16="http://schemas.microsoft.com/office/drawing/2014/main" id="{2D03E5E2-B17E-4D98-BFFB-AB08B6A13D28}"/>
+              </a:ext>
+            </a:extLst>
+          </p:cNvPr>
+          <p:cNvCxnSpPr>
+            <a:cxnSpLocks/>
+          </p:cNvCxnSpPr>
+          <p:nvPr/>
+        </p:nvCxnSpPr>
+        <p:spPr>
+          <a:xfrm flipH="1">
+            <a:off x="3372459" y="5284634"/>
+            <a:ext cx="888917" cy="0"/>
+          </a:xfrm>
+          <a:prstGeom prst="straightConnector1">
+            <a:avLst/>
+          </a:prstGeom>
+          <a:ln>
+            <a:tailEnd type="arrow"/>
+          </a:ln>
+        </p:spPr>
+        <p:style>
+          <a:lnRef idx="2">
+            <a:schemeClr val="accent1"/>
+          </a:lnRef>
+          <a:fillRef idx="0">
+            <a:schemeClr val="accent1"/>
+          </a:fillRef>
+          <a:effectRef idx="1">
+            <a:schemeClr val="accent1"/>
+          </a:effectRef>
+          <a:fontRef idx="minor">
+            <a:schemeClr val="tx1"/>
+          </a:fontRef>
+        </p:style>
+      </p:cxnSp>
+      <p:sp>
+        <p:nvSpPr>
+          <p:cNvPr id="25" name="Google Shape;277;p37">
+            <a:extLst>
+              <a:ext uri="{FF2B5EF4-FFF2-40B4-BE49-F238E27FC236}">
+                <a16:creationId xmlns:a16="http://schemas.microsoft.com/office/drawing/2014/main" id="{D6D84A68-FCD1-441E-B224-E2876AD15C01}"/>
+              </a:ext>
+            </a:extLst>
+          </p:cNvPr>
+          <p:cNvSpPr/>
+          <p:nvPr/>
+        </p:nvSpPr>
+        <p:spPr>
+          <a:xfrm>
+            <a:off x="2921482" y="5112873"/>
+            <a:ext cx="408800" cy="933884"/>
+          </a:xfrm>
+          <a:prstGeom prst="rect">
+            <a:avLst/>
+          </a:prstGeom>
+          <a:solidFill>
+            <a:schemeClr val="lt1"/>
+          </a:solidFill>
+          <a:ln w="25400" cap="flat" cmpd="sng">
+            <a:solidFill>
+              <a:schemeClr val="accent1"/>
+            </a:solidFill>
+            <a:prstDash val="solid"/>
+            <a:round/>
+            <a:headEnd type="none" w="sm" len="sm"/>
+            <a:tailEnd type="none" w="sm" len="sm"/>
+          </a:ln>
+        </p:spPr>
+        <p:txBody>
+          <a:bodyPr spcFirstLastPara="1" wrap="square" lIns="121900" tIns="60933" rIns="121900" bIns="60933" anchor="ctr" anchorCtr="0">
+            <a:noAutofit/>
+          </a:bodyPr>
+          <a:lstStyle/>
+          <a:p>
+            <a:pPr algn="ctr" defTabSz="1219170">
+              <a:buClr>
+                <a:srgbClr val="000000"/>
+              </a:buClr>
+            </a:pPr>
+            <a:endParaRPr sz="2400" kern="0">
+              <a:solidFill>
+                <a:srgbClr val="000000"/>
+              </a:solidFill>
+              <a:latin typeface="Calibri"/>
+              <a:ea typeface="Calibri"/>
+              <a:cs typeface="Calibri"/>
+              <a:sym typeface="Calibri"/>
+            </a:endParaRPr>
+          </a:p>
+        </p:txBody>
+      </p:sp>
+      <p:sp>
+        <p:nvSpPr>
+          <p:cNvPr id="26" name="Rettangolo 25">
+            <a:extLst>
+              <a:ext uri="{FF2B5EF4-FFF2-40B4-BE49-F238E27FC236}">
+                <a16:creationId xmlns:a16="http://schemas.microsoft.com/office/drawing/2014/main" id="{2212849A-80C4-41BF-8F63-BE75321E6F14}"/>
+              </a:ext>
+            </a:extLst>
+          </p:cNvPr>
+          <p:cNvSpPr/>
+          <p:nvPr/>
+        </p:nvSpPr>
+        <p:spPr>
+          <a:xfrm>
+            <a:off x="3197323" y="4366381"/>
+            <a:ext cx="1400044" cy="954107"/>
+          </a:xfrm>
+          <a:prstGeom prst="rect">
+            <a:avLst/>
+          </a:prstGeom>
+        </p:spPr>
+        <p:txBody>
+          <a:bodyPr wrap="square">
+            <a:spAutoFit/>
+          </a:bodyPr>
+          <a:lstStyle/>
+          <a:p>
+            <a:r>
+              <a:rPr lang="en-US" sz="1400" dirty="0" err="1"/>
+              <a:t>setAttribute</a:t>
+            </a:r>
+            <a:r>
+              <a:rPr lang="en-US" sz="1400" dirty="0"/>
+              <a:t>  (“</a:t>
+            </a:r>
+            <a:r>
+              <a:rPr lang="en-US" sz="1400" dirty="0" err="1"/>
+              <a:t>UtentiInvitati</a:t>
+            </a:r>
+            <a:r>
+              <a:rPr lang="en-US" sz="1400" dirty="0"/>
+              <a:t>", </a:t>
+            </a:r>
+            <a:r>
+              <a:rPr lang="en-US" sz="1400" dirty="0" err="1"/>
+              <a:t>UtentiInvitati</a:t>
+            </a:r>
+            <a:r>
+              <a:rPr lang="en-US" sz="1400" dirty="0"/>
+              <a:t>)</a:t>
+            </a:r>
+          </a:p>
+          <a:p>
+            <a:endParaRPr lang="it-IT" sz="1400" dirty="0"/>
+          </a:p>
+        </p:txBody>
+      </p:sp>
+      <p:sp>
+        <p:nvSpPr>
+          <p:cNvPr id="27" name="Google Shape;273;p37">
+            <a:extLst>
+              <a:ext uri="{FF2B5EF4-FFF2-40B4-BE49-F238E27FC236}">
+                <a16:creationId xmlns:a16="http://schemas.microsoft.com/office/drawing/2014/main" id="{3CD868B8-472C-4073-BF04-0B708D436298}"/>
+              </a:ext>
+            </a:extLst>
+          </p:cNvPr>
+          <p:cNvSpPr/>
+          <p:nvPr/>
+        </p:nvSpPr>
+        <p:spPr>
+          <a:xfrm>
+            <a:off x="6468620" y="1329682"/>
+            <a:ext cx="2085478" cy="381200"/>
+          </a:xfrm>
+          <a:prstGeom prst="rect">
+            <a:avLst/>
+          </a:prstGeom>
+          <a:solidFill>
+            <a:schemeClr val="lt1"/>
+          </a:solidFill>
+          <a:ln w="25400" cap="flat" cmpd="sng">
+            <a:solidFill>
+              <a:schemeClr val="accent1"/>
+            </a:solidFill>
+            <a:prstDash val="solid"/>
+            <a:round/>
+            <a:headEnd type="none" w="sm" len="sm"/>
+            <a:tailEnd type="none" w="sm" len="sm"/>
+          </a:ln>
+        </p:spPr>
+        <p:txBody>
+          <a:bodyPr spcFirstLastPara="1" wrap="square" lIns="121900" tIns="60933" rIns="121900" bIns="60933" anchor="ctr" anchorCtr="0">
+            <a:noAutofit/>
+          </a:bodyPr>
+          <a:lstStyle/>
+          <a:p>
+            <a:pPr algn="ctr" defTabSz="1219170">
+              <a:buClr>
+                <a:srgbClr val="000000"/>
+              </a:buClr>
+            </a:pPr>
+            <a:r>
+              <a:rPr lang="es-419" sz="1867" kern="0" dirty="0">
+                <a:solidFill>
+                  <a:srgbClr val="000000"/>
+                </a:solidFill>
+                <a:latin typeface="Calibri"/>
+                <a:ea typeface="Calibri"/>
+                <a:cs typeface="Calibri"/>
+                <a:sym typeface="Calibri"/>
+              </a:rPr>
+              <a:t>CheckPartecipanti</a:t>
+            </a:r>
+            <a:endParaRPr sz="1867" kern="0" dirty="0">
+              <a:solidFill>
+                <a:srgbClr val="000000"/>
+              </a:solidFill>
+              <a:latin typeface="Calibri"/>
+              <a:ea typeface="Calibri"/>
+              <a:cs typeface="Calibri"/>
+              <a:sym typeface="Calibri"/>
+            </a:endParaRPr>
+          </a:p>
+        </p:txBody>
+      </p:sp>
+      <p:cxnSp>
+        <p:nvCxnSpPr>
+          <p:cNvPr id="28" name="Google Shape;274;p37">
+            <a:extLst>
+              <a:ext uri="{FF2B5EF4-FFF2-40B4-BE49-F238E27FC236}">
+                <a16:creationId xmlns:a16="http://schemas.microsoft.com/office/drawing/2014/main" id="{9AD50E4E-79B5-4DBD-9BD0-79A770C65598}"/>
+              </a:ext>
+            </a:extLst>
+          </p:cNvPr>
+          <p:cNvCxnSpPr/>
+          <p:nvPr/>
+        </p:nvCxnSpPr>
+        <p:spPr>
+          <a:xfrm flipH="1">
+            <a:off x="7439149" y="1735291"/>
+            <a:ext cx="32800" cy="4487200"/>
+          </a:xfrm>
+          <a:prstGeom prst="straightConnector1">
+            <a:avLst/>
+          </a:prstGeom>
+          <a:noFill/>
+          <a:ln w="38100" cap="flat" cmpd="sng">
+            <a:solidFill>
+              <a:schemeClr val="accent1"/>
+            </a:solidFill>
+            <a:prstDash val="dot"/>
+            <a:round/>
+            <a:headEnd type="none" w="sm" len="sm"/>
+            <a:tailEnd type="none" w="sm" len="sm"/>
+          </a:ln>
+          <a:effectLst>
+            <a:outerShdw blurRad="40000" dist="23000" dir="5400000" rotWithShape="0">
+              <a:srgbClr val="000000">
+                <a:alpha val="34901"/>
+              </a:srgbClr>
+            </a:outerShdw>
+          </a:effectLst>
+        </p:spPr>
+      </p:cxnSp>
+      <p:sp>
+        <p:nvSpPr>
+          <p:cNvPr id="29" name="Google Shape;277;p37">
+            <a:extLst>
+              <a:ext uri="{FF2B5EF4-FFF2-40B4-BE49-F238E27FC236}">
+                <a16:creationId xmlns:a16="http://schemas.microsoft.com/office/drawing/2014/main" id="{20315595-89E5-4076-AE02-8CC0276F5B5F}"/>
+              </a:ext>
+            </a:extLst>
+          </p:cNvPr>
+          <p:cNvSpPr/>
+          <p:nvPr/>
+        </p:nvSpPr>
+        <p:spPr>
+          <a:xfrm>
+            <a:off x="7253427" y="4202308"/>
+            <a:ext cx="408800" cy="738665"/>
+          </a:xfrm>
+          <a:prstGeom prst="rect">
+            <a:avLst/>
+          </a:prstGeom>
+          <a:solidFill>
+            <a:schemeClr val="lt1"/>
+          </a:solidFill>
+          <a:ln w="25400" cap="flat" cmpd="sng">
+            <a:solidFill>
+              <a:schemeClr val="accent1"/>
+            </a:solidFill>
+            <a:prstDash val="solid"/>
+            <a:round/>
+            <a:headEnd type="none" w="sm" len="sm"/>
+            <a:tailEnd type="none" w="sm" len="sm"/>
+          </a:ln>
+        </p:spPr>
+        <p:txBody>
+          <a:bodyPr spcFirstLastPara="1" wrap="square" lIns="121900" tIns="60933" rIns="121900" bIns="60933" anchor="ctr" anchorCtr="0">
+            <a:noAutofit/>
+          </a:bodyPr>
+          <a:lstStyle/>
+          <a:p>
+            <a:pPr algn="ctr" defTabSz="1219170">
+              <a:buClr>
+                <a:srgbClr val="000000"/>
+              </a:buClr>
+            </a:pPr>
+            <a:endParaRPr sz="2400" kern="0">
+              <a:solidFill>
+                <a:srgbClr val="000000"/>
+              </a:solidFill>
+              <a:latin typeface="Calibri"/>
+              <a:ea typeface="Calibri"/>
+              <a:cs typeface="Calibri"/>
+              <a:sym typeface="Calibri"/>
+            </a:endParaRPr>
+          </a:p>
+        </p:txBody>
+      </p:sp>
+      <p:cxnSp>
+        <p:nvCxnSpPr>
+          <p:cNvPr id="30" name="Google Shape;352;p39">
+            <a:extLst>
+              <a:ext uri="{FF2B5EF4-FFF2-40B4-BE49-F238E27FC236}">
+                <a16:creationId xmlns:a16="http://schemas.microsoft.com/office/drawing/2014/main" id="{582EE033-7A79-4C8C-83F5-03CF3D37A155}"/>
+              </a:ext>
+            </a:extLst>
+          </p:cNvPr>
+          <p:cNvCxnSpPr>
+            <a:cxnSpLocks/>
+          </p:cNvCxnSpPr>
+          <p:nvPr/>
+        </p:nvCxnSpPr>
+        <p:spPr>
+          <a:xfrm>
+            <a:off x="4823406" y="4359787"/>
+            <a:ext cx="2299375" cy="0"/>
+          </a:xfrm>
+          <a:prstGeom prst="straightConnector1">
+            <a:avLst/>
+          </a:prstGeom>
+          <a:noFill/>
+          <a:ln w="25400" cap="flat" cmpd="sng">
+            <a:solidFill>
+              <a:schemeClr val="accent1"/>
+            </a:solidFill>
+            <a:prstDash val="solid"/>
+            <a:round/>
+            <a:headEnd type="none" w="sm" len="sm"/>
+            <a:tailEnd type="stealth" w="med" len="med"/>
+          </a:ln>
+          <a:effectLst>
+            <a:outerShdw blurRad="40000" dist="20000" dir="5400000" rotWithShape="0">
+              <a:srgbClr val="000000">
+                <a:alpha val="37650"/>
+              </a:srgbClr>
+            </a:outerShdw>
+          </a:effectLst>
+        </p:spPr>
+      </p:cxnSp>
+      <p:cxnSp>
+        <p:nvCxnSpPr>
+          <p:cNvPr id="31" name="Straight Arrow Connector 23">
+            <a:extLst>
+              <a:ext uri="{FF2B5EF4-FFF2-40B4-BE49-F238E27FC236}">
+                <a16:creationId xmlns:a16="http://schemas.microsoft.com/office/drawing/2014/main" id="{95572608-F0E3-4F63-AC57-EBDC58D76B40}"/>
+              </a:ext>
+            </a:extLst>
+          </p:cNvPr>
+          <p:cNvCxnSpPr>
+            <a:cxnSpLocks/>
+          </p:cNvCxnSpPr>
+          <p:nvPr/>
+        </p:nvCxnSpPr>
+        <p:spPr>
+          <a:xfrm flipH="1">
+            <a:off x="4896825" y="4761414"/>
+            <a:ext cx="2225957" cy="17898"/>
+          </a:xfrm>
+          <a:prstGeom prst="straightConnector1">
+            <a:avLst/>
+          </a:prstGeom>
+          <a:ln>
+            <a:tailEnd type="arrow"/>
+          </a:ln>
+        </p:spPr>
+        <p:style>
+          <a:lnRef idx="2">
+            <a:schemeClr val="accent1"/>
+          </a:lnRef>
+          <a:fillRef idx="0">
+            <a:schemeClr val="accent1"/>
+          </a:fillRef>
+          <a:effectRef idx="1">
+            <a:schemeClr val="accent1"/>
+          </a:effectRef>
+          <a:fontRef idx="minor">
+            <a:schemeClr val="tx1"/>
+          </a:fontRef>
+        </p:style>
+      </p:cxnSp>
+      <p:sp>
+        <p:nvSpPr>
+          <p:cNvPr id="32" name="Rettangolo 31">
+            <a:extLst>
+              <a:ext uri="{FF2B5EF4-FFF2-40B4-BE49-F238E27FC236}">
+                <a16:creationId xmlns:a16="http://schemas.microsoft.com/office/drawing/2014/main" id="{2804ED53-CBA2-44CB-ADE2-BFD7CEFECD53}"/>
+              </a:ext>
+            </a:extLst>
+          </p:cNvPr>
+          <p:cNvSpPr/>
+          <p:nvPr/>
+        </p:nvSpPr>
+        <p:spPr>
+          <a:xfrm>
+            <a:off x="5001320" y="4324874"/>
+            <a:ext cx="1510350" cy="307777"/>
+          </a:xfrm>
+          <a:prstGeom prst="rect">
+            <a:avLst/>
+          </a:prstGeom>
+        </p:spPr>
+        <p:txBody>
+          <a:bodyPr wrap="none">
+            <a:spAutoFit/>
+          </a:bodyPr>
+          <a:lstStyle/>
+          <a:p>
+            <a:r>
+              <a:rPr lang="es-419" sz="1400" kern="0" dirty="0">
+                <a:solidFill>
+                  <a:srgbClr val="000000"/>
+                </a:solidFill>
+                <a:latin typeface="Calibri"/>
+                <a:ea typeface="Calibri"/>
+                <a:cs typeface="Calibri"/>
+                <a:sym typeface="Calibri"/>
+              </a:rPr>
+              <a:t>CheckPartecipanti</a:t>
+            </a:r>
+            <a:endParaRPr lang="it-IT" sz="1400" dirty="0"/>
+          </a:p>
+        </p:txBody>
+      </p:sp>
+      <p:sp>
+        <p:nvSpPr>
+          <p:cNvPr id="33" name="Rettangolo 32">
+            <a:extLst>
+              <a:ext uri="{FF2B5EF4-FFF2-40B4-BE49-F238E27FC236}">
+                <a16:creationId xmlns:a16="http://schemas.microsoft.com/office/drawing/2014/main" id="{11BABF35-A26C-4709-8802-46FAC2BBE8E3}"/>
+              </a:ext>
+            </a:extLst>
+          </p:cNvPr>
+          <p:cNvSpPr/>
+          <p:nvPr/>
+        </p:nvSpPr>
+        <p:spPr>
+          <a:xfrm>
+            <a:off x="5635610" y="4761414"/>
+            <a:ext cx="1044136" cy="523220"/>
+          </a:xfrm>
+          <a:prstGeom prst="rect">
+            <a:avLst/>
+          </a:prstGeom>
+        </p:spPr>
+        <p:txBody>
+          <a:bodyPr wrap="square">
+            <a:spAutoFit/>
+          </a:bodyPr>
+          <a:lstStyle/>
+          <a:p>
+            <a:r>
+              <a:rPr lang="es-419" sz="1400" kern="0" dirty="0">
+                <a:solidFill>
+                  <a:srgbClr val="000000"/>
+                </a:solidFill>
+                <a:latin typeface="Calibri"/>
+                <a:ea typeface="Calibri"/>
+                <a:cs typeface="Calibri"/>
+                <a:sym typeface="Calibri"/>
+              </a:rPr>
+              <a:t>Redirect /AnagrPage</a:t>
+            </a:r>
+            <a:endParaRPr lang="it-IT" sz="1400" dirty="0"/>
+          </a:p>
+        </p:txBody>
+      </p:sp>
+      <p:sp>
+        <p:nvSpPr>
+          <p:cNvPr id="34" name="Google Shape;273;p37">
+            <a:extLst>
+              <a:ext uri="{FF2B5EF4-FFF2-40B4-BE49-F238E27FC236}">
+                <a16:creationId xmlns:a16="http://schemas.microsoft.com/office/drawing/2014/main" id="{6399E5F7-023F-455B-8631-AEC9155A7E54}"/>
+              </a:ext>
+            </a:extLst>
+          </p:cNvPr>
+          <p:cNvSpPr/>
+          <p:nvPr/>
+        </p:nvSpPr>
+        <p:spPr>
+          <a:xfrm>
+            <a:off x="8554098" y="1329682"/>
+            <a:ext cx="2085478" cy="381200"/>
+          </a:xfrm>
+          <a:prstGeom prst="rect">
+            <a:avLst/>
+          </a:prstGeom>
+          <a:solidFill>
+            <a:schemeClr val="lt1"/>
+          </a:solidFill>
+          <a:ln w="25400" cap="flat" cmpd="sng">
+            <a:solidFill>
+              <a:schemeClr val="accent1"/>
+            </a:solidFill>
+            <a:prstDash val="solid"/>
+            <a:round/>
+            <a:headEnd type="none" w="sm" len="sm"/>
+            <a:tailEnd type="none" w="sm" len="sm"/>
+          </a:ln>
+        </p:spPr>
+        <p:txBody>
+          <a:bodyPr spcFirstLastPara="1" wrap="square" lIns="121900" tIns="60933" rIns="121900" bIns="60933" anchor="ctr" anchorCtr="0">
+            <a:noAutofit/>
+          </a:bodyPr>
+          <a:lstStyle/>
+          <a:p>
+            <a:pPr algn="ctr" defTabSz="1219170">
+              <a:buClr>
+                <a:srgbClr val="000000"/>
+              </a:buClr>
+            </a:pPr>
+            <a:r>
+              <a:rPr lang="es-419" sz="1867" kern="0" dirty="0">
+                <a:solidFill>
+                  <a:srgbClr val="000000"/>
+                </a:solidFill>
+                <a:latin typeface="Calibri"/>
+                <a:ea typeface="Calibri"/>
+                <a:cs typeface="Calibri"/>
+                <a:sym typeface="Calibri"/>
+              </a:rPr>
+              <a:t>PaginaCanc.jsp</a:t>
+            </a:r>
+            <a:endParaRPr sz="1867" kern="0" dirty="0">
+              <a:solidFill>
+                <a:srgbClr val="000000"/>
+              </a:solidFill>
+              <a:latin typeface="Calibri"/>
+              <a:ea typeface="Calibri"/>
+              <a:cs typeface="Calibri"/>
+              <a:sym typeface="Calibri"/>
+            </a:endParaRPr>
+          </a:p>
+        </p:txBody>
+      </p:sp>
+      <p:cxnSp>
+        <p:nvCxnSpPr>
+          <p:cNvPr id="35" name="Google Shape;274;p37">
+            <a:extLst>
+              <a:ext uri="{FF2B5EF4-FFF2-40B4-BE49-F238E27FC236}">
+                <a16:creationId xmlns:a16="http://schemas.microsoft.com/office/drawing/2014/main" id="{EB9E1292-5FA7-4A24-9B0C-B64422F23827}"/>
+              </a:ext>
+            </a:extLst>
+          </p:cNvPr>
+          <p:cNvCxnSpPr/>
+          <p:nvPr/>
+        </p:nvCxnSpPr>
+        <p:spPr>
+          <a:xfrm flipH="1">
+            <a:off x="9561435" y="1735291"/>
+            <a:ext cx="32800" cy="4487200"/>
+          </a:xfrm>
+          <a:prstGeom prst="straightConnector1">
+            <a:avLst/>
+          </a:prstGeom>
+          <a:noFill/>
+          <a:ln w="38100" cap="flat" cmpd="sng">
+            <a:solidFill>
+              <a:schemeClr val="accent1"/>
+            </a:solidFill>
+            <a:prstDash val="dot"/>
+            <a:round/>
+            <a:headEnd type="none" w="sm" len="sm"/>
+            <a:tailEnd type="none" w="sm" len="sm"/>
+          </a:ln>
+          <a:effectLst>
+            <a:outerShdw blurRad="40000" dist="23000" dir="5400000" rotWithShape="0">
+              <a:srgbClr val="000000">
+                <a:alpha val="34901"/>
+              </a:srgbClr>
+            </a:outerShdw>
+          </a:effectLst>
+        </p:spPr>
+      </p:cxnSp>
+      <p:sp>
+        <p:nvSpPr>
+          <p:cNvPr id="36" name="Google Shape;277;p37">
+            <a:extLst>
+              <a:ext uri="{FF2B5EF4-FFF2-40B4-BE49-F238E27FC236}">
+                <a16:creationId xmlns:a16="http://schemas.microsoft.com/office/drawing/2014/main" id="{D4DC6A07-A1E4-4E27-8A5A-ED06FBB3BC38}"/>
+              </a:ext>
+            </a:extLst>
+          </p:cNvPr>
+          <p:cNvSpPr/>
+          <p:nvPr/>
+        </p:nvSpPr>
+        <p:spPr>
+          <a:xfrm>
+            <a:off x="9389835" y="4202307"/>
+            <a:ext cx="408800" cy="738665"/>
+          </a:xfrm>
+          <a:prstGeom prst="rect">
+            <a:avLst/>
+          </a:prstGeom>
+          <a:solidFill>
+            <a:schemeClr val="lt1"/>
+          </a:solidFill>
+          <a:ln w="25400" cap="flat" cmpd="sng">
+            <a:solidFill>
+              <a:schemeClr val="accent1"/>
+            </a:solidFill>
+            <a:prstDash val="solid"/>
+            <a:round/>
+            <a:headEnd type="none" w="sm" len="sm"/>
+            <a:tailEnd type="none" w="sm" len="sm"/>
+          </a:ln>
+        </p:spPr>
+        <p:txBody>
+          <a:bodyPr spcFirstLastPara="1" wrap="square" lIns="121900" tIns="60933" rIns="121900" bIns="60933" anchor="ctr" anchorCtr="0">
+            <a:noAutofit/>
+          </a:bodyPr>
+          <a:lstStyle/>
+          <a:p>
+            <a:pPr algn="ctr" defTabSz="1219170">
+              <a:buClr>
+                <a:srgbClr val="000000"/>
+              </a:buClr>
+            </a:pPr>
+            <a:endParaRPr sz="2400" kern="0">
+              <a:solidFill>
+                <a:srgbClr val="000000"/>
+              </a:solidFill>
+              <a:latin typeface="Calibri"/>
+              <a:ea typeface="Calibri"/>
+              <a:cs typeface="Calibri"/>
+              <a:sym typeface="Calibri"/>
+            </a:endParaRPr>
+          </a:p>
+        </p:txBody>
+      </p:sp>
+      <p:cxnSp>
+        <p:nvCxnSpPr>
+          <p:cNvPr id="37" name="Google Shape;352;p39">
+            <a:extLst>
+              <a:ext uri="{FF2B5EF4-FFF2-40B4-BE49-F238E27FC236}">
+                <a16:creationId xmlns:a16="http://schemas.microsoft.com/office/drawing/2014/main" id="{D95880DB-1050-4E6C-B43B-2D9B89C0C8D0}"/>
+              </a:ext>
+            </a:extLst>
+          </p:cNvPr>
+          <p:cNvCxnSpPr>
+            <a:cxnSpLocks/>
+          </p:cNvCxnSpPr>
+          <p:nvPr/>
+        </p:nvCxnSpPr>
+        <p:spPr>
+          <a:xfrm flipV="1">
+            <a:off x="7743686" y="4478763"/>
+            <a:ext cx="1536341" cy="1"/>
+          </a:xfrm>
+          <a:prstGeom prst="straightConnector1">
+            <a:avLst/>
+          </a:prstGeom>
+          <a:noFill/>
+          <a:ln w="25400" cap="flat" cmpd="sng">
+            <a:solidFill>
+              <a:schemeClr val="accent1"/>
+            </a:solidFill>
+            <a:prstDash val="solid"/>
+            <a:round/>
+            <a:headEnd type="none" w="sm" len="sm"/>
+            <a:tailEnd type="stealth" w="med" len="med"/>
+          </a:ln>
+          <a:effectLst>
+            <a:outerShdw blurRad="40000" dist="20000" dir="5400000" rotWithShape="0">
+              <a:srgbClr val="000000">
+                <a:alpha val="37650"/>
+              </a:srgbClr>
+            </a:outerShdw>
+          </a:effectLst>
+        </p:spPr>
+      </p:cxnSp>
+      <p:sp>
+        <p:nvSpPr>
+          <p:cNvPr id="38" name="Rettangolo 37">
+            <a:extLst>
+              <a:ext uri="{FF2B5EF4-FFF2-40B4-BE49-F238E27FC236}">
+                <a16:creationId xmlns:a16="http://schemas.microsoft.com/office/drawing/2014/main" id="{C082A603-A703-401D-ADCD-D147B04A7CA1}"/>
+              </a:ext>
+            </a:extLst>
+          </p:cNvPr>
+          <p:cNvSpPr/>
+          <p:nvPr/>
+        </p:nvSpPr>
+        <p:spPr>
+          <a:xfrm>
+            <a:off x="7857259" y="3847932"/>
+            <a:ext cx="1044136" cy="523220"/>
+          </a:xfrm>
+          <a:prstGeom prst="rect">
+            <a:avLst/>
+          </a:prstGeom>
+        </p:spPr>
+        <p:txBody>
+          <a:bodyPr wrap="square">
+            <a:spAutoFit/>
+          </a:bodyPr>
+          <a:lstStyle/>
+          <a:p>
+            <a:r>
+              <a:rPr lang="es-419" sz="1400" kern="0" dirty="0">
+                <a:solidFill>
+                  <a:srgbClr val="000000"/>
+                </a:solidFill>
+                <a:latin typeface="Calibri"/>
+                <a:ea typeface="Calibri"/>
+                <a:cs typeface="Calibri"/>
+                <a:sym typeface="Calibri"/>
+              </a:rPr>
+              <a:t>Redirect /PagCanc</a:t>
+            </a:r>
+            <a:endParaRPr lang="it-IT" sz="1400" dirty="0"/>
+          </a:p>
+        </p:txBody>
+      </p:sp>
+      <p:cxnSp>
+        <p:nvCxnSpPr>
+          <p:cNvPr id="39" name="Google Shape;274;p37">
+            <a:extLst>
+              <a:ext uri="{FF2B5EF4-FFF2-40B4-BE49-F238E27FC236}">
+                <a16:creationId xmlns:a16="http://schemas.microsoft.com/office/drawing/2014/main" id="{6E427427-D930-450B-BA0F-7F3FF554AA41}"/>
+              </a:ext>
+            </a:extLst>
+          </p:cNvPr>
+          <p:cNvCxnSpPr/>
+          <p:nvPr/>
+        </p:nvCxnSpPr>
+        <p:spPr>
+          <a:xfrm flipH="1">
+            <a:off x="11477043" y="1755772"/>
+            <a:ext cx="32800" cy="4487200"/>
+          </a:xfrm>
+          <a:prstGeom prst="straightConnector1">
+            <a:avLst/>
+          </a:prstGeom>
+          <a:noFill/>
+          <a:ln w="38100" cap="flat" cmpd="sng">
+            <a:solidFill>
+              <a:schemeClr val="accent1"/>
+            </a:solidFill>
+            <a:prstDash val="dot"/>
+            <a:round/>
+            <a:headEnd type="none" w="sm" len="sm"/>
+            <a:tailEnd type="none" w="sm" len="sm"/>
+          </a:ln>
+          <a:effectLst>
+            <a:outerShdw blurRad="40000" dist="23000" dir="5400000" rotWithShape="0">
+              <a:srgbClr val="000000">
+                <a:alpha val="34901"/>
+              </a:srgbClr>
+            </a:outerShdw>
+          </a:effectLst>
+        </p:spPr>
+      </p:cxnSp>
+      <p:sp>
+        <p:nvSpPr>
+          <p:cNvPr id="40" name="Google Shape;277;p37">
+            <a:extLst>
+              <a:ext uri="{FF2B5EF4-FFF2-40B4-BE49-F238E27FC236}">
+                <a16:creationId xmlns:a16="http://schemas.microsoft.com/office/drawing/2014/main" id="{7A4A79A2-BB0D-4362-AB8C-1C7EB27368FF}"/>
+              </a:ext>
+            </a:extLst>
+          </p:cNvPr>
+          <p:cNvSpPr/>
+          <p:nvPr/>
+        </p:nvSpPr>
+        <p:spPr>
+          <a:xfrm>
+            <a:off x="11305443" y="5338360"/>
+            <a:ext cx="408800" cy="898495"/>
+          </a:xfrm>
+          <a:prstGeom prst="rect">
+            <a:avLst/>
+          </a:prstGeom>
+          <a:solidFill>
+            <a:schemeClr val="lt1"/>
+          </a:solidFill>
+          <a:ln w="25400" cap="flat" cmpd="sng">
+            <a:solidFill>
+              <a:schemeClr val="accent1"/>
+            </a:solidFill>
+            <a:prstDash val="solid"/>
+            <a:round/>
+            <a:headEnd type="none" w="sm" len="sm"/>
+            <a:tailEnd type="none" w="sm" len="sm"/>
+          </a:ln>
+        </p:spPr>
+        <p:txBody>
+          <a:bodyPr spcFirstLastPara="1" wrap="square" lIns="121900" tIns="60933" rIns="121900" bIns="60933" anchor="ctr" anchorCtr="0">
+            <a:noAutofit/>
+          </a:bodyPr>
+          <a:lstStyle/>
+          <a:p>
+            <a:pPr algn="ctr" defTabSz="1219170">
+              <a:buClr>
+                <a:srgbClr val="000000"/>
+              </a:buClr>
+            </a:pPr>
+            <a:endParaRPr sz="2400" kern="0">
+              <a:solidFill>
+                <a:srgbClr val="000000"/>
+              </a:solidFill>
+              <a:latin typeface="Calibri"/>
+              <a:ea typeface="Calibri"/>
+              <a:cs typeface="Calibri"/>
+              <a:sym typeface="Calibri"/>
+            </a:endParaRPr>
+          </a:p>
+        </p:txBody>
+      </p:sp>
+      <p:cxnSp>
+        <p:nvCxnSpPr>
+          <p:cNvPr id="41" name="Google Shape;352;p39">
+            <a:extLst>
+              <a:ext uri="{FF2B5EF4-FFF2-40B4-BE49-F238E27FC236}">
+                <a16:creationId xmlns:a16="http://schemas.microsoft.com/office/drawing/2014/main" id="{B3F42F88-8170-4131-88F2-2B41EC796840}"/>
+              </a:ext>
+            </a:extLst>
+          </p:cNvPr>
+          <p:cNvCxnSpPr>
+            <a:cxnSpLocks/>
+          </p:cNvCxnSpPr>
+          <p:nvPr/>
+        </p:nvCxnSpPr>
+        <p:spPr>
+          <a:xfrm flipV="1">
+            <a:off x="4707347" y="5686260"/>
+            <a:ext cx="6331172" cy="11320"/>
+          </a:xfrm>
+          <a:prstGeom prst="straightConnector1">
+            <a:avLst/>
+          </a:prstGeom>
+          <a:noFill/>
+          <a:ln w="25400" cap="flat" cmpd="sng">
+            <a:solidFill>
+              <a:schemeClr val="accent1"/>
+            </a:solidFill>
+            <a:prstDash val="solid"/>
+            <a:round/>
+            <a:headEnd type="none" w="sm" len="sm"/>
+            <a:tailEnd type="stealth" w="med" len="med"/>
+          </a:ln>
+          <a:effectLst>
+            <a:outerShdw blurRad="40000" dist="20000" dir="5400000" rotWithShape="0">
+              <a:srgbClr val="000000">
+                <a:alpha val="37650"/>
+              </a:srgbClr>
+            </a:outerShdw>
+          </a:effectLst>
+        </p:spPr>
+      </p:cxnSp>
+      <p:sp>
+        <p:nvSpPr>
+          <p:cNvPr id="42" name="Rettangolo 41">
+            <a:extLst>
+              <a:ext uri="{FF2B5EF4-FFF2-40B4-BE49-F238E27FC236}">
+                <a16:creationId xmlns:a16="http://schemas.microsoft.com/office/drawing/2014/main" id="{B09218C9-E754-46F2-B32E-2E32BA5EBCF3}"/>
+              </a:ext>
+            </a:extLst>
+          </p:cNvPr>
+          <p:cNvSpPr/>
+          <p:nvPr/>
+        </p:nvSpPr>
+        <p:spPr>
+          <a:xfrm>
+            <a:off x="7393241" y="5270871"/>
+            <a:ext cx="2612010" cy="307777"/>
+          </a:xfrm>
+          <a:prstGeom prst="rect">
+            <a:avLst/>
+          </a:prstGeom>
+        </p:spPr>
+        <p:txBody>
+          <a:bodyPr wrap="square">
+            <a:spAutoFit/>
+          </a:bodyPr>
+          <a:lstStyle/>
+          <a:p>
+            <a:r>
+              <a:rPr lang="it-IT" sz="1400" dirty="0" err="1"/>
+              <a:t>addRiunioneRiunion</a:t>
+            </a:r>
+            <a:r>
+              <a:rPr lang="it-IT" sz="1400" dirty="0"/>
+              <a:t>(riunione)</a:t>
+            </a:r>
+          </a:p>
+        </p:txBody>
+      </p:sp>
+      <p:sp>
+        <p:nvSpPr>
+          <p:cNvPr id="83" name="Google Shape;273;p37">
+            <a:extLst>
+              <a:ext uri="{FF2B5EF4-FFF2-40B4-BE49-F238E27FC236}">
+                <a16:creationId xmlns:a16="http://schemas.microsoft.com/office/drawing/2014/main" id="{87A6E8DE-B9ED-466E-8916-94FD7C4F59DC}"/>
+              </a:ext>
+            </a:extLst>
+          </p:cNvPr>
+          <p:cNvSpPr/>
+          <p:nvPr/>
+        </p:nvSpPr>
+        <p:spPr>
+          <a:xfrm>
+            <a:off x="10639576" y="1326854"/>
+            <a:ext cx="1552424" cy="381200"/>
+          </a:xfrm>
+          <a:prstGeom prst="rect">
+            <a:avLst/>
+          </a:prstGeom>
+          <a:solidFill>
+            <a:schemeClr val="lt1"/>
+          </a:solidFill>
+          <a:ln w="25400" cap="flat" cmpd="sng">
+            <a:solidFill>
+              <a:schemeClr val="accent1"/>
+            </a:solidFill>
+            <a:prstDash val="solid"/>
+            <a:round/>
+            <a:headEnd type="none" w="sm" len="sm"/>
+            <a:tailEnd type="none" w="sm" len="sm"/>
+          </a:ln>
+        </p:spPr>
+        <p:txBody>
+          <a:bodyPr spcFirstLastPara="1" wrap="square" lIns="121900" tIns="60933" rIns="121900" bIns="60933" anchor="ctr" anchorCtr="0">
+            <a:noAutofit/>
+          </a:bodyPr>
+          <a:lstStyle/>
+          <a:p>
+            <a:pPr algn="ctr" defTabSz="1219170">
+              <a:buClr>
+                <a:srgbClr val="000000"/>
+              </a:buClr>
+            </a:pPr>
+            <a:r>
+              <a:rPr lang="es-419" sz="1867" kern="0" dirty="0">
+                <a:solidFill>
+                  <a:srgbClr val="000000"/>
+                </a:solidFill>
+                <a:latin typeface="Calibri"/>
+                <a:ea typeface="Calibri"/>
+                <a:cs typeface="Calibri"/>
+                <a:sym typeface="Calibri"/>
+              </a:rPr>
+              <a:t>RiunioneDAO</a:t>
+            </a:r>
+            <a:endParaRPr sz="1867" kern="0" dirty="0">
+              <a:solidFill>
+                <a:srgbClr val="000000"/>
+              </a:solidFill>
+              <a:latin typeface="Calibri"/>
+              <a:ea typeface="Calibri"/>
+              <a:cs typeface="Calibri"/>
+              <a:sym typeface="Calibri"/>
+            </a:endParaRPr>
+          </a:p>
+        </p:txBody>
+      </p:sp>
+    </p:spTree>
+    <p:extLst>
+      <p:ext uri="{BB962C8B-B14F-4D97-AF65-F5344CB8AC3E}">
+        <p14:creationId xmlns:p14="http://schemas.microsoft.com/office/powerpoint/2010/main" val="1520269695"/>
+      </p:ext>
+    </p:extLst>
   </p:cSld>
   <p:clrMapOvr>
     <a:masterClrMapping/>

--- a/ProgettoTIW.pptx
+++ b/ProgettoTIW.pptx
@@ -212,7 +212,7 @@
           <a:p>
             <a:fld id="{4F9EF7AB-70AF-4CF6-BB05-3E38FA901C54}" type="datetimeFigureOut">
               <a:rPr lang="it-IT" smtClean="0"/>
-              <a:t>11/04/2020</a:t>
+              <a:t>12/04/2020</a:t>
             </a:fld>
             <a:endParaRPr lang="it-IT"/>
           </a:p>
@@ -938,7 +938,7 @@
           <a:p>
             <a:fld id="{1B47AA5E-3DEB-42FF-8BC3-9A694865C39A}" type="datetimeFigureOut">
               <a:rPr lang="it-IT" smtClean="0"/>
-              <a:t>11/04/2020</a:t>
+              <a:t>12/04/2020</a:t>
             </a:fld>
             <a:endParaRPr lang="it-IT"/>
           </a:p>
@@ -1136,7 +1136,7 @@
           <a:p>
             <a:fld id="{1B47AA5E-3DEB-42FF-8BC3-9A694865C39A}" type="datetimeFigureOut">
               <a:rPr lang="it-IT" smtClean="0"/>
-              <a:t>11/04/2020</a:t>
+              <a:t>12/04/2020</a:t>
             </a:fld>
             <a:endParaRPr lang="it-IT"/>
           </a:p>
@@ -1344,7 +1344,7 @@
           <a:p>
             <a:fld id="{1B47AA5E-3DEB-42FF-8BC3-9A694865C39A}" type="datetimeFigureOut">
               <a:rPr lang="it-IT" smtClean="0"/>
-              <a:t>11/04/2020</a:t>
+              <a:t>12/04/2020</a:t>
             </a:fld>
             <a:endParaRPr lang="it-IT"/>
           </a:p>
@@ -7513,7 +7513,7 @@
           <a:p>
             <a:fld id="{1B47AA5E-3DEB-42FF-8BC3-9A694865C39A}" type="datetimeFigureOut">
               <a:rPr lang="it-IT" smtClean="0"/>
-              <a:t>11/04/2020</a:t>
+              <a:t>12/04/2020</a:t>
             </a:fld>
             <a:endParaRPr lang="it-IT"/>
           </a:p>
@@ -10112,7 +10112,7 @@
           <a:p>
             <a:fld id="{1B47AA5E-3DEB-42FF-8BC3-9A694865C39A}" type="datetimeFigureOut">
               <a:rPr lang="it-IT" smtClean="0"/>
-              <a:t>11/04/2020</a:t>
+              <a:t>12/04/2020</a:t>
             </a:fld>
             <a:endParaRPr lang="it-IT"/>
           </a:p>
@@ -10377,7 +10377,7 @@
           <a:p>
             <a:fld id="{1B47AA5E-3DEB-42FF-8BC3-9A694865C39A}" type="datetimeFigureOut">
               <a:rPr lang="it-IT" smtClean="0"/>
-              <a:t>11/04/2020</a:t>
+              <a:t>12/04/2020</a:t>
             </a:fld>
             <a:endParaRPr lang="it-IT"/>
           </a:p>
@@ -10789,7 +10789,7 @@
           <a:p>
             <a:fld id="{1B47AA5E-3DEB-42FF-8BC3-9A694865C39A}" type="datetimeFigureOut">
               <a:rPr lang="it-IT" smtClean="0"/>
-              <a:t>11/04/2020</a:t>
+              <a:t>12/04/2020</a:t>
             </a:fld>
             <a:endParaRPr lang="it-IT"/>
           </a:p>
@@ -10930,7 +10930,7 @@
           <a:p>
             <a:fld id="{1B47AA5E-3DEB-42FF-8BC3-9A694865C39A}" type="datetimeFigureOut">
               <a:rPr lang="it-IT" smtClean="0"/>
-              <a:t>11/04/2020</a:t>
+              <a:t>12/04/2020</a:t>
             </a:fld>
             <a:endParaRPr lang="it-IT"/>
           </a:p>
@@ -11043,7 +11043,7 @@
           <a:p>
             <a:fld id="{1B47AA5E-3DEB-42FF-8BC3-9A694865C39A}" type="datetimeFigureOut">
               <a:rPr lang="it-IT" smtClean="0"/>
-              <a:t>11/04/2020</a:t>
+              <a:t>12/04/2020</a:t>
             </a:fld>
             <a:endParaRPr lang="it-IT"/>
           </a:p>
@@ -11354,7 +11354,7 @@
           <a:p>
             <a:fld id="{1B47AA5E-3DEB-42FF-8BC3-9A694865C39A}" type="datetimeFigureOut">
               <a:rPr lang="it-IT" smtClean="0"/>
-              <a:t>11/04/2020</a:t>
+              <a:t>12/04/2020</a:t>
             </a:fld>
             <a:endParaRPr lang="it-IT"/>
           </a:p>
@@ -11642,7 +11642,7 @@
           <a:p>
             <a:fld id="{1B47AA5E-3DEB-42FF-8BC3-9A694865C39A}" type="datetimeFigureOut">
               <a:rPr lang="it-IT" smtClean="0"/>
-              <a:t>11/04/2020</a:t>
+              <a:t>12/04/2020</a:t>
             </a:fld>
             <a:endParaRPr lang="it-IT"/>
           </a:p>
@@ -11883,7 +11883,7 @@
           <a:p>
             <a:fld id="{1B47AA5E-3DEB-42FF-8BC3-9A694865C39A}" type="datetimeFigureOut">
               <a:rPr lang="it-IT" smtClean="0"/>
-              <a:t>11/04/2020</a:t>
+              <a:t>12/04/2020</a:t>
             </a:fld>
             <a:endParaRPr lang="it-IT"/>
           </a:p>
@@ -19583,7 +19583,7 @@
         <p:spPr>
           <a:xfrm>
             <a:off x="7253427" y="4202308"/>
-            <a:ext cx="408800" cy="738665"/>
+            <a:ext cx="408800" cy="1844423"/>
           </a:xfrm>
           <a:prstGeom prst="rect">
             <a:avLst/>
@@ -19681,7 +19681,7 @@
         </p:nvCxnSpPr>
         <p:spPr>
           <a:xfrm flipH="1">
-            <a:off x="4896825" y="4761414"/>
+            <a:off x="4816065" y="4932444"/>
             <a:ext cx="2225957" cy="17898"/>
           </a:xfrm>
           <a:prstGeom prst="straightConnector1">
@@ -19720,7 +19720,7 @@
         </p:nvSpPr>
         <p:spPr>
           <a:xfrm>
-            <a:off x="5001320" y="4324874"/>
+            <a:off x="4987395" y="4326674"/>
             <a:ext cx="1510350" cy="307777"/>
           </a:xfrm>
           <a:prstGeom prst="rect">
@@ -19763,7 +19763,7 @@
         </p:nvSpPr>
         <p:spPr>
           <a:xfrm>
-            <a:off x="5635610" y="4761414"/>
+            <a:off x="5595416" y="4958108"/>
             <a:ext cx="1044136" cy="523220"/>
           </a:xfrm>
           <a:prstGeom prst="rect">
@@ -19971,7 +19971,7 @@
         </p:nvCxnSpPr>
         <p:spPr>
           <a:xfrm flipV="1">
-            <a:off x="7743686" y="4478763"/>
+            <a:off x="7740005" y="4634451"/>
             <a:ext cx="1536341" cy="1"/>
           </a:xfrm>
           <a:prstGeom prst="straightConnector1">
@@ -20010,7 +20010,7 @@
         </p:nvSpPr>
         <p:spPr>
           <a:xfrm>
-            <a:off x="7857259" y="3847932"/>
+            <a:off x="7898590" y="4038252"/>
             <a:ext cx="1044136" cy="523220"/>
           </a:xfrm>
           <a:prstGeom prst="rect">
@@ -20149,9 +20149,9 @@
           <p:nvPr/>
         </p:nvCxnSpPr>
         <p:spPr>
-          <a:xfrm flipV="1">
-            <a:off x="4707347" y="5686260"/>
-            <a:ext cx="6331172" cy="11320"/>
+          <a:xfrm>
+            <a:off x="7896465" y="5753867"/>
+            <a:ext cx="3197858" cy="0"/>
           </a:xfrm>
           <a:prstGeom prst="straightConnector1">
             <a:avLst/>
@@ -20189,7 +20189,7 @@
         </p:nvSpPr>
         <p:spPr>
           <a:xfrm>
-            <a:off x="7393241" y="5270871"/>
+            <a:off x="8083830" y="5338360"/>
             <a:ext cx="2612010" cy="307777"/>
           </a:xfrm>
           <a:prstGeom prst="rect">

--- a/ProgettoTIW.pptx
+++ b/ProgettoTIW.pptx
@@ -18,7 +18,7 @@
     <p:sldId id="262" r:id="rId9"/>
     <p:sldId id="263" r:id="rId10"/>
     <p:sldId id="265" r:id="rId11"/>
-    <p:sldId id="264" r:id="rId12"/>
+    <p:sldId id="276" r:id="rId12"/>
     <p:sldId id="266" r:id="rId13"/>
     <p:sldId id="268" r:id="rId14"/>
     <p:sldId id="270" r:id="rId15"/>
@@ -212,7 +212,7 @@
           <a:p>
             <a:fld id="{4F9EF7AB-70AF-4CF6-BB05-3E38FA901C54}" type="datetimeFigureOut">
               <a:rPr lang="it-IT" smtClean="0"/>
-              <a:t>12/04/2020</a:t>
+              <a:t>13/04/2020</a:t>
             </a:fld>
             <a:endParaRPr lang="it-IT"/>
           </a:p>
@@ -938,7 +938,7 @@
           <a:p>
             <a:fld id="{1B47AA5E-3DEB-42FF-8BC3-9A694865C39A}" type="datetimeFigureOut">
               <a:rPr lang="it-IT" smtClean="0"/>
-              <a:t>12/04/2020</a:t>
+              <a:t>13/04/2020</a:t>
             </a:fld>
             <a:endParaRPr lang="it-IT"/>
           </a:p>
@@ -1136,7 +1136,7 @@
           <a:p>
             <a:fld id="{1B47AA5E-3DEB-42FF-8BC3-9A694865C39A}" type="datetimeFigureOut">
               <a:rPr lang="it-IT" smtClean="0"/>
-              <a:t>12/04/2020</a:t>
+              <a:t>13/04/2020</a:t>
             </a:fld>
             <a:endParaRPr lang="it-IT"/>
           </a:p>
@@ -1344,7 +1344,7 @@
           <a:p>
             <a:fld id="{1B47AA5E-3DEB-42FF-8BC3-9A694865C39A}" type="datetimeFigureOut">
               <a:rPr lang="it-IT" smtClean="0"/>
-              <a:t>12/04/2020</a:t>
+              <a:t>13/04/2020</a:t>
             </a:fld>
             <a:endParaRPr lang="it-IT"/>
           </a:p>
@@ -7513,7 +7513,7 @@
           <a:p>
             <a:fld id="{1B47AA5E-3DEB-42FF-8BC3-9A694865C39A}" type="datetimeFigureOut">
               <a:rPr lang="it-IT" smtClean="0"/>
-              <a:t>12/04/2020</a:t>
+              <a:t>13/04/2020</a:t>
             </a:fld>
             <a:endParaRPr lang="it-IT"/>
           </a:p>
@@ -10112,7 +10112,7 @@
           <a:p>
             <a:fld id="{1B47AA5E-3DEB-42FF-8BC3-9A694865C39A}" type="datetimeFigureOut">
               <a:rPr lang="it-IT" smtClean="0"/>
-              <a:t>12/04/2020</a:t>
+              <a:t>13/04/2020</a:t>
             </a:fld>
             <a:endParaRPr lang="it-IT"/>
           </a:p>
@@ -10377,7 +10377,7 @@
           <a:p>
             <a:fld id="{1B47AA5E-3DEB-42FF-8BC3-9A694865C39A}" type="datetimeFigureOut">
               <a:rPr lang="it-IT" smtClean="0"/>
-              <a:t>12/04/2020</a:t>
+              <a:t>13/04/2020</a:t>
             </a:fld>
             <a:endParaRPr lang="it-IT"/>
           </a:p>
@@ -10789,7 +10789,7 @@
           <a:p>
             <a:fld id="{1B47AA5E-3DEB-42FF-8BC3-9A694865C39A}" type="datetimeFigureOut">
               <a:rPr lang="it-IT" smtClean="0"/>
-              <a:t>12/04/2020</a:t>
+              <a:t>13/04/2020</a:t>
             </a:fld>
             <a:endParaRPr lang="it-IT"/>
           </a:p>
@@ -10930,7 +10930,7 @@
           <a:p>
             <a:fld id="{1B47AA5E-3DEB-42FF-8BC3-9A694865C39A}" type="datetimeFigureOut">
               <a:rPr lang="it-IT" smtClean="0"/>
-              <a:t>12/04/2020</a:t>
+              <a:t>13/04/2020</a:t>
             </a:fld>
             <a:endParaRPr lang="it-IT"/>
           </a:p>
@@ -11043,7 +11043,7 @@
           <a:p>
             <a:fld id="{1B47AA5E-3DEB-42FF-8BC3-9A694865C39A}" type="datetimeFigureOut">
               <a:rPr lang="it-IT" smtClean="0"/>
-              <a:t>12/04/2020</a:t>
+              <a:t>13/04/2020</a:t>
             </a:fld>
             <a:endParaRPr lang="it-IT"/>
           </a:p>
@@ -11354,7 +11354,7 @@
           <a:p>
             <a:fld id="{1B47AA5E-3DEB-42FF-8BC3-9A694865C39A}" type="datetimeFigureOut">
               <a:rPr lang="it-IT" smtClean="0"/>
-              <a:t>12/04/2020</a:t>
+              <a:t>13/04/2020</a:t>
             </a:fld>
             <a:endParaRPr lang="it-IT"/>
           </a:p>
@@ -11642,7 +11642,7 @@
           <a:p>
             <a:fld id="{1B47AA5E-3DEB-42FF-8BC3-9A694865C39A}" type="datetimeFigureOut">
               <a:rPr lang="it-IT" smtClean="0"/>
-              <a:t>12/04/2020</a:t>
+              <a:t>13/04/2020</a:t>
             </a:fld>
             <a:endParaRPr lang="it-IT"/>
           </a:p>
@@ -11883,7 +11883,7 @@
           <a:p>
             <a:fld id="{1B47AA5E-3DEB-42FF-8BC3-9A694865C39A}" type="datetimeFigureOut">
               <a:rPr lang="it-IT" smtClean="0"/>
-              <a:t>12/04/2020</a:t>
+              <a:t>13/04/2020</a:t>
             </a:fld>
             <a:endParaRPr lang="it-IT"/>
           </a:p>
@@ -14102,10 +14102,10 @@
       </p:grpSpPr>
       <p:pic>
         <p:nvPicPr>
-          <p:cNvPr id="28" name="Immagine 27" descr="Immagine che contiene screenshot&#10;&#10;Descrizione generata automaticamente">
+          <p:cNvPr id="5" name="Immagine 4" descr="Immagine che contiene screenshot&#10;&#10;Descrizione generata automaticamente">
             <a:extLst>
               <a:ext uri="{FF2B5EF4-FFF2-40B4-BE49-F238E27FC236}">
-                <a16:creationId xmlns:a16="http://schemas.microsoft.com/office/drawing/2014/main" id="{CED4B6C7-DEB9-4EA9-8636-D3B9385935D9}"/>
+                <a16:creationId xmlns:a16="http://schemas.microsoft.com/office/drawing/2014/main" id="{3048DDC4-E112-4AEC-B46F-F78DAB80C48B}"/>
               </a:ext>
             </a:extLst>
           </p:cNvPr>
@@ -14128,8 +14128,8 @@
         </p:blipFill>
         <p:spPr>
           <a:xfrm>
-            <a:off x="390525" y="229272"/>
-            <a:ext cx="12192000" cy="6856656"/>
+            <a:off x="501181" y="288098"/>
+            <a:ext cx="12191719" cy="6858000"/>
           </a:xfrm>
           <a:prstGeom prst="rect">
             <a:avLst/>
@@ -14139,7 +14139,7 @@
     </p:spTree>
     <p:extLst>
       <p:ext uri="{BB962C8B-B14F-4D97-AF65-F5344CB8AC3E}">
-        <p14:creationId xmlns:p14="http://schemas.microsoft.com/office/powerpoint/2010/main" val="3864223486"/>
+        <p14:creationId xmlns:p14="http://schemas.microsoft.com/office/powerpoint/2010/main" val="3249743178"/>
       </p:ext>
     </p:extLst>
   </p:cSld>
@@ -14219,13 +14219,13 @@
         </p:nvSpPr>
         <p:spPr>
           <a:xfrm>
-            <a:off x="622852" y="1429305"/>
+            <a:off x="503583" y="1066050"/>
             <a:ext cx="5668617" cy="5677270"/>
           </a:xfrm>
         </p:spPr>
         <p:txBody>
           <a:bodyPr>
-            <a:normAutofit fontScale="92500" lnSpcReduction="10000"/>
+            <a:normAutofit lnSpcReduction="10000"/>
           </a:bodyPr>
           <a:lstStyle/>
           <a:p>
@@ -14663,13 +14663,13 @@
         </p:nvSpPr>
         <p:spPr>
           <a:xfrm>
-            <a:off x="6172200" y="1429305"/>
+            <a:off x="6172200" y="1066050"/>
             <a:ext cx="5181600" cy="4747658"/>
           </a:xfrm>
         </p:spPr>
         <p:txBody>
           <a:bodyPr>
-            <a:normAutofit fontScale="92500" lnSpcReduction="10000"/>
+            <a:normAutofit lnSpcReduction="10000"/>
           </a:bodyPr>
           <a:lstStyle/>
           <a:p>
@@ -14954,7 +14954,61 @@
             <a:endParaRPr lang="es-419" sz="2000" dirty="0"/>
           </a:p>
           <a:p>
-            <a:endParaRPr lang="it-IT" dirty="0"/>
+            <a:pPr marL="342900" lvl="0" indent="-342900">
+              <a:lnSpc>
+                <a:spcPct val="80000"/>
+              </a:lnSpc>
+              <a:spcBef>
+                <a:spcPts val="350"/>
+              </a:spcBef>
+              <a:buClr>
+                <a:schemeClr val="dk1"/>
+              </a:buClr>
+              <a:buSzPts val="1750"/>
+            </a:pPr>
+            <a:r>
+              <a:rPr lang="es-419" sz="2000" dirty="0"/>
+              <a:t>Filters </a:t>
+            </a:r>
+          </a:p>
+          <a:p>
+            <a:pPr marL="742950" lvl="1" indent="-285750">
+              <a:lnSpc>
+                <a:spcPct val="80000"/>
+              </a:lnSpc>
+              <a:spcBef>
+                <a:spcPts val="300"/>
+              </a:spcBef>
+              <a:buClr>
+                <a:schemeClr val="dk1"/>
+              </a:buClr>
+              <a:buSzPts val="1500"/>
+              <a:buChar char="–"/>
+            </a:pPr>
+            <a:r>
+              <a:rPr lang="es-419" sz="2000" dirty="0"/>
+              <a:t>Checker</a:t>
+            </a:r>
+          </a:p>
+          <a:p>
+            <a:pPr marL="457200" lvl="1" indent="0">
+              <a:lnSpc>
+                <a:spcPct val="80000"/>
+              </a:lnSpc>
+              <a:spcBef>
+                <a:spcPts val="300"/>
+              </a:spcBef>
+              <a:buClr>
+                <a:schemeClr val="dk1"/>
+              </a:buClr>
+              <a:buSzPts val="1500"/>
+              <a:buNone/>
+            </a:pPr>
+            <a:endParaRPr lang="es-419" sz="2000" dirty="0"/>
+          </a:p>
+          <a:p>
+            <a:pPr lvl="1"/>
+            <a:endParaRPr lang="it-IT" sz="1700" dirty="0"/>
           </a:p>
         </p:txBody>
       </p:sp>
@@ -21074,7 +21128,30 @@
                 <a:cs typeface="Calibri"/>
                 <a:sym typeface="Calibri"/>
               </a:rPr>
-              <a:t>Riunione-Partecipanti</a:t>
+              <a:t>Riunione</a:t>
+            </a:r>
+          </a:p>
+          <a:p>
+            <a:pPr marL="0" marR="0" lvl="0" indent="0" algn="ctr" rtl="0">
+              <a:spcBef>
+                <a:spcPts val="0"/>
+              </a:spcBef>
+              <a:spcAft>
+                <a:spcPts val="0"/>
+              </a:spcAft>
+              <a:buNone/>
+            </a:pPr>
+            <a:r>
+              <a:rPr lang="es-419" sz="2000" dirty="0">
+                <a:solidFill>
+                  <a:schemeClr val="dk1"/>
+                </a:solidFill>
+                <a:latin typeface="Calibri"/>
+                <a:ea typeface="Calibri"/>
+                <a:cs typeface="Calibri"/>
+                <a:sym typeface="Calibri"/>
+              </a:rPr>
+              <a:t>partecipante</a:t>
             </a:r>
           </a:p>
         </p:txBody>
@@ -21529,7 +21606,7 @@
           <a:p>
             <a:r>
               <a:rPr lang="it-IT" dirty="0"/>
-              <a:t>partecipa</a:t>
+              <a:t>invitato</a:t>
             </a:r>
           </a:p>
         </p:txBody>
@@ -22508,7 +22585,7 @@
               <a:t>CREATE TABLE `</a:t>
             </a:r>
             <a:r>
-              <a:rPr lang="en-US" sz="1600" b="1" dirty="0" err="1">
+              <a:rPr lang="en-US" sz="1600" dirty="0" err="1">
                 <a:latin typeface="Courier New"/>
                 <a:ea typeface="Courier New"/>
                 <a:cs typeface="Courier New"/>
@@ -22523,7 +22600,7 @@
                 <a:cs typeface="Courier New"/>
                 <a:sym typeface="Courier New"/>
               </a:rPr>
-              <a:t>` (  </a:t>
+              <a:t>` (</a:t>
             </a:r>
           </a:p>
           <a:p>
@@ -22541,7 +22618,7 @@
                 <a:cs typeface="Courier New"/>
                 <a:sym typeface="Courier New"/>
               </a:rPr>
-              <a:t>`id` int(11) NOT NULL AUTO_INCREMENT,  `data` date NOT NULL,  </a:t>
+              <a:t>  `id` int(11) NOT NULL AUTO_INCREMENT,</a:t>
             </a:r>
           </a:p>
           <a:p>
@@ -22559,7 +22636,7 @@
                 <a:cs typeface="Courier New"/>
                 <a:sym typeface="Courier New"/>
               </a:rPr>
-              <a:t>`</a:t>
+              <a:t>  `</a:t>
             </a:r>
             <a:r>
               <a:rPr lang="en-US" sz="1600" dirty="0" err="1">
@@ -22577,7 +22654,7 @@
                 <a:cs typeface="Courier New"/>
                 <a:sym typeface="Courier New"/>
               </a:rPr>
-              <a:t>` varchar(45) NOT NULL,  </a:t>
+              <a:t>` varchar(45) NOT NULL,</a:t>
             </a:r>
           </a:p>
           <a:p>
@@ -22595,7 +22672,97 @@
                 <a:cs typeface="Courier New"/>
                 <a:sym typeface="Courier New"/>
               </a:rPr>
-              <a:t>`</a:t>
+              <a:t>  `anno` int(11) DEFAULT NULL,</a:t>
+            </a:r>
+          </a:p>
+          <a:p>
+            <a:pPr marL="0" lvl="0" indent="0">
+              <a:spcBef>
+                <a:spcPts val="0"/>
+              </a:spcBef>
+              <a:buSzPts val="1800"/>
+              <a:buNone/>
+            </a:pPr>
+            <a:r>
+              <a:rPr lang="en-US" sz="1600" dirty="0">
+                <a:latin typeface="Courier New"/>
+                <a:ea typeface="Courier New"/>
+                <a:cs typeface="Courier New"/>
+                <a:sym typeface="Courier New"/>
+              </a:rPr>
+              <a:t>  `</a:t>
+            </a:r>
+            <a:r>
+              <a:rPr lang="en-US" sz="1600" dirty="0" err="1">
+                <a:latin typeface="Courier New"/>
+                <a:ea typeface="Courier New"/>
+                <a:cs typeface="Courier New"/>
+                <a:sym typeface="Courier New"/>
+              </a:rPr>
+              <a:t>mese</a:t>
+            </a:r>
+            <a:r>
+              <a:rPr lang="en-US" sz="1600" dirty="0">
+                <a:latin typeface="Courier New"/>
+                <a:ea typeface="Courier New"/>
+                <a:cs typeface="Courier New"/>
+                <a:sym typeface="Courier New"/>
+              </a:rPr>
+              <a:t>` int(11) NOT NULL,</a:t>
+            </a:r>
+          </a:p>
+          <a:p>
+            <a:pPr marL="0" lvl="0" indent="0">
+              <a:spcBef>
+                <a:spcPts val="0"/>
+              </a:spcBef>
+              <a:buSzPts val="1800"/>
+              <a:buNone/>
+            </a:pPr>
+            <a:r>
+              <a:rPr lang="en-US" sz="1600" dirty="0">
+                <a:latin typeface="Courier New"/>
+                <a:ea typeface="Courier New"/>
+                <a:cs typeface="Courier New"/>
+                <a:sym typeface="Courier New"/>
+              </a:rPr>
+              <a:t>  `</a:t>
+            </a:r>
+            <a:r>
+              <a:rPr lang="en-US" sz="1600" dirty="0" err="1">
+                <a:latin typeface="Courier New"/>
+                <a:ea typeface="Courier New"/>
+                <a:cs typeface="Courier New"/>
+                <a:sym typeface="Courier New"/>
+              </a:rPr>
+              <a:t>giorno</a:t>
+            </a:r>
+            <a:r>
+              <a:rPr lang="en-US" sz="1600" dirty="0">
+                <a:latin typeface="Courier New"/>
+                <a:ea typeface="Courier New"/>
+                <a:cs typeface="Courier New"/>
+                <a:sym typeface="Courier New"/>
+              </a:rPr>
+              <a:t>` int(11) NOT NULL,</a:t>
+            </a:r>
+          </a:p>
+          <a:p>
+            <a:pPr marL="0" lvl="0" indent="0">
+              <a:spcBef>
+                <a:spcPts val="0"/>
+              </a:spcBef>
+              <a:buSzPts val="1800"/>
+              <a:buNone/>
+            </a:pPr>
+            <a:r>
+              <a:rPr lang="en-US" sz="1600" dirty="0">
+                <a:latin typeface="Courier New"/>
+                <a:ea typeface="Courier New"/>
+                <a:cs typeface="Courier New"/>
+                <a:sym typeface="Courier New"/>
+              </a:rPr>
+              <a:t>  `</a:t>
             </a:r>
             <a:r>
               <a:rPr lang="en-US" sz="1600" dirty="0" err="1">
@@ -22613,7 +22780,7 @@
                 <a:cs typeface="Courier New"/>
                 <a:sym typeface="Courier New"/>
               </a:rPr>
-              <a:t>` TIME NOT NULL ,</a:t>
+              <a:t>` int(11) NOT NULL,</a:t>
             </a:r>
           </a:p>
           <a:p>
@@ -22631,7 +22798,43 @@
                 <a:cs typeface="Courier New"/>
                 <a:sym typeface="Courier New"/>
               </a:rPr>
-              <a:t>`</a:t>
+              <a:t>  `</a:t>
+            </a:r>
+            <a:r>
+              <a:rPr lang="en-US" sz="1600" dirty="0" err="1">
+                <a:latin typeface="Courier New"/>
+                <a:ea typeface="Courier New"/>
+                <a:cs typeface="Courier New"/>
+                <a:sym typeface="Courier New"/>
+              </a:rPr>
+              <a:t>durata</a:t>
+            </a:r>
+            <a:r>
+              <a:rPr lang="en-US" sz="1600" dirty="0">
+                <a:latin typeface="Courier New"/>
+                <a:ea typeface="Courier New"/>
+                <a:cs typeface="Courier New"/>
+                <a:sym typeface="Courier New"/>
+              </a:rPr>
+              <a:t>` int(11) NOT NULL,</a:t>
+            </a:r>
+          </a:p>
+          <a:p>
+            <a:pPr marL="0" lvl="0" indent="0">
+              <a:spcBef>
+                <a:spcPts val="0"/>
+              </a:spcBef>
+              <a:buSzPts val="1800"/>
+              <a:buNone/>
+            </a:pPr>
+            <a:r>
+              <a:rPr lang="en-US" sz="1600" dirty="0">
+                <a:latin typeface="Courier New"/>
+                <a:ea typeface="Courier New"/>
+                <a:cs typeface="Courier New"/>
+                <a:sym typeface="Courier New"/>
+              </a:rPr>
+              <a:t>  `</a:t>
             </a:r>
             <a:r>
               <a:rPr lang="en-US" sz="1600" dirty="0" err="1">
@@ -22649,7 +22852,7 @@
                 <a:cs typeface="Courier New"/>
                 <a:sym typeface="Courier New"/>
               </a:rPr>
-              <a:t>` int(11) NOT NULL,  </a:t>
+              <a:t>` int(11) NOT NULL,</a:t>
             </a:r>
           </a:p>
           <a:p>
@@ -22667,7 +22870,7 @@
                 <a:cs typeface="Courier New"/>
                 <a:sym typeface="Courier New"/>
               </a:rPr>
-              <a:t>`</a:t>
+              <a:t>  `</a:t>
             </a:r>
             <a:r>
               <a:rPr lang="en-US" sz="1600" dirty="0" err="1">
@@ -22685,7 +22888,7 @@
                 <a:cs typeface="Courier New"/>
                 <a:sym typeface="Courier New"/>
               </a:rPr>
-              <a:t>` int(11) NOT NULL,  </a:t>
+              <a:t>` int(11) NOT NULL,</a:t>
             </a:r>
           </a:p>
           <a:p>
@@ -22703,7 +22906,7 @@
                 <a:cs typeface="Courier New"/>
                 <a:sym typeface="Courier New"/>
               </a:rPr>
-              <a:t>PRIMARY KEY (`id`),  </a:t>
+              <a:t>  PRIMARY KEY (`id`),</a:t>
             </a:r>
           </a:p>
           <a:p>
@@ -22721,25 +22924,7 @@
                 <a:cs typeface="Courier New"/>
                 <a:sym typeface="Courier New"/>
               </a:rPr>
-              <a:t>CONSTRAINT `</a:t>
-            </a:r>
-            <a:r>
-              <a:rPr lang="en-US" sz="1600" dirty="0" err="1">
-                <a:latin typeface="Courier New"/>
-                <a:ea typeface="Courier New"/>
-                <a:cs typeface="Courier New"/>
-                <a:sym typeface="Courier New"/>
-              </a:rPr>
-              <a:t>id_creatore</a:t>
-            </a:r>
-            <a:r>
-              <a:rPr lang="en-US" sz="1600" dirty="0">
-                <a:latin typeface="Courier New"/>
-                <a:ea typeface="Courier New"/>
-                <a:cs typeface="Courier New"/>
-                <a:sym typeface="Courier New"/>
-              </a:rPr>
-              <a:t>` FOREIGN KEY (`</a:t>
+              <a:t>  FOREIGN KEY (`</a:t>
             </a:r>
             <a:r>
               <a:rPr lang="en-US" sz="1600" dirty="0" err="1">
@@ -22757,7 +22942,7 @@
                 <a:cs typeface="Courier New"/>
                 <a:sym typeface="Courier New"/>
               </a:rPr>
-              <a:t>`) REFERENCES `</a:t>
+              <a:t>`) REFERENCES       `</a:t>
             </a:r>
             <a:r>
               <a:rPr lang="en-US" sz="1600" dirty="0" err="1">
@@ -22795,8 +22980,6 @@
               </a:rPr>
               <a:t>)</a:t>
             </a:r>
-          </a:p>
-          <a:p>
             <a:endParaRPr lang="it-IT" dirty="0"/>
           </a:p>
         </p:txBody>
@@ -22899,13 +23082,13 @@
               <a:t>CREATE TABLE `</a:t>
             </a:r>
             <a:r>
-              <a:rPr lang="en-US" sz="2000" b="1" dirty="0" err="1">
+              <a:rPr lang="en-US" sz="2000" dirty="0" err="1">
                 <a:latin typeface="Courier New"/>
                 <a:ea typeface="Courier New"/>
                 <a:cs typeface="Courier New"/>
                 <a:sym typeface="Courier New"/>
               </a:rPr>
-              <a:t>riunione_partecipante</a:t>
+              <a:t>riunionepartecipante</a:t>
             </a:r>
             <a:r>
               <a:rPr lang="en-US" sz="2000" dirty="0">
@@ -22914,7 +23097,7 @@
                 <a:cs typeface="Courier New"/>
                 <a:sym typeface="Courier New"/>
               </a:rPr>
-              <a:t>` </a:t>
+              <a:t>` (</a:t>
             </a:r>
           </a:p>
           <a:p>
@@ -22932,25 +23115,7 @@
                 <a:cs typeface="Courier New"/>
                 <a:sym typeface="Courier New"/>
               </a:rPr>
-              <a:t>(  </a:t>
-            </a:r>
-          </a:p>
-          <a:p>
-            <a:pPr marL="0" lvl="0" indent="0">
-              <a:spcBef>
-                <a:spcPts val="0"/>
-              </a:spcBef>
-              <a:buSzPts val="1800"/>
-              <a:buNone/>
-            </a:pPr>
-            <a:r>
-              <a:rPr lang="en-US" sz="2000" dirty="0">
-                <a:latin typeface="Courier New"/>
-                <a:ea typeface="Courier New"/>
-                <a:cs typeface="Courier New"/>
-                <a:sym typeface="Courier New"/>
-              </a:rPr>
-              <a:t>`</a:t>
+              <a:t>  `</a:t>
             </a:r>
             <a:r>
               <a:rPr lang="en-US" sz="2000" dirty="0" err="1">
@@ -22968,7 +23133,7 @@
                 <a:cs typeface="Courier New"/>
                 <a:sym typeface="Courier New"/>
               </a:rPr>
-              <a:t>` int(11) NOT NULL, </a:t>
+              <a:t>` int(11) NOT NULL,</a:t>
             </a:r>
           </a:p>
           <a:p>
@@ -22986,7 +23151,7 @@
                 <a:cs typeface="Courier New"/>
                 <a:sym typeface="Courier New"/>
               </a:rPr>
-              <a:t>`</a:t>
+              <a:t>  `</a:t>
             </a:r>
             <a:r>
               <a:rPr lang="en-US" sz="2000" dirty="0" err="1">
@@ -23004,7 +23169,7 @@
                 <a:cs typeface="Courier New"/>
                 <a:sym typeface="Courier New"/>
               </a:rPr>
-              <a:t>` decimal(19,4) NOT NULL,    </a:t>
+              <a:t>` int(11) NOT NULL,</a:t>
             </a:r>
           </a:p>
           <a:p>
@@ -23022,7 +23187,7 @@
                 <a:cs typeface="Courier New"/>
                 <a:sym typeface="Courier New"/>
               </a:rPr>
-              <a:t>PRIMARY KEY (`</a:t>
+              <a:t>  PRIMARY KEY (`</a:t>
             </a:r>
             <a:r>
               <a:rPr lang="en-US" sz="2000" dirty="0" err="1">
@@ -23040,7 +23205,7 @@
                 <a:cs typeface="Courier New"/>
                 <a:sym typeface="Courier New"/>
               </a:rPr>
-              <a:t>`, `</a:t>
+              <a:t>`,`</a:t>
             </a:r>
             <a:r>
               <a:rPr lang="en-US" sz="2000" dirty="0" err="1">
@@ -23058,7 +23223,7 @@
                 <a:cs typeface="Courier New"/>
                 <a:sym typeface="Courier New"/>
               </a:rPr>
-              <a:t>` ),</a:t>
+              <a:t>`),</a:t>
             </a:r>
           </a:p>
           <a:p>
@@ -23069,15 +23234,6 @@
               <a:buSzPts val="1800"/>
               <a:buNone/>
             </a:pPr>
-            <a:r>
-              <a:rPr lang="en-US" sz="2000">
-                <a:latin typeface="Courier New"/>
-                <a:ea typeface="Courier New"/>
-                <a:cs typeface="Courier New"/>
-                <a:sym typeface="Courier New"/>
-              </a:rPr>
-              <a:t>FOREIGN </a:t>
-            </a:r>
             <a:r>
               <a:rPr lang="en-US" sz="2000" dirty="0">
                 <a:latin typeface="Courier New"/>
@@ -23085,7 +23241,7 @@
                 <a:cs typeface="Courier New"/>
                 <a:sym typeface="Courier New"/>
               </a:rPr>
-              <a:t>KEY (`</a:t>
+              <a:t>  FOREIGN KEY (`</a:t>
             </a:r>
             <a:r>
               <a:rPr lang="en-US" sz="2000" dirty="0" err="1">
@@ -23121,7 +23277,7 @@
                 <a:cs typeface="Courier New"/>
                 <a:sym typeface="Courier New"/>
               </a:rPr>
-              <a:t>` (`id`) ON DELETE CASCADE ON UPDATE CASCADE,</a:t>
+              <a:t>` (`id`) ON DELETE    </a:t>
             </a:r>
           </a:p>
           <a:p>
@@ -23139,7 +23295,25 @@
                 <a:cs typeface="Courier New"/>
                 <a:sym typeface="Courier New"/>
               </a:rPr>
-              <a:t>FOREIGN KEY (`</a:t>
+              <a:t>  CASCADE ON UPDATE CASCADE,</a:t>
+            </a:r>
+          </a:p>
+          <a:p>
+            <a:pPr marL="0" lvl="0" indent="0">
+              <a:spcBef>
+                <a:spcPts val="0"/>
+              </a:spcBef>
+              <a:buSzPts val="1800"/>
+              <a:buNone/>
+            </a:pPr>
+            <a:r>
+              <a:rPr lang="en-US" sz="2000" dirty="0">
+                <a:latin typeface="Courier New"/>
+                <a:ea typeface="Courier New"/>
+                <a:cs typeface="Courier New"/>
+                <a:sym typeface="Courier New"/>
+              </a:rPr>
+              <a:t>  FOREIGN KEY (`</a:t>
             </a:r>
             <a:r>
               <a:rPr lang="en-US" sz="2000" dirty="0" err="1">
@@ -23175,7 +23349,7 @@
                 <a:cs typeface="Courier New"/>
                 <a:sym typeface="Courier New"/>
               </a:rPr>
-              <a:t>` (`id`)</a:t>
+              <a:t>` (`id`) ON DELETE</a:t>
             </a:r>
           </a:p>
           <a:p>
@@ -23193,7 +23367,7 @@
                 <a:cs typeface="Courier New"/>
                 <a:sym typeface="Courier New"/>
               </a:rPr>
-              <a:t>ON DELETE CASCADE ON UPDATE CASCADE</a:t>
+              <a:t>  CASCADE ON UPDATE CASCADE</a:t>
             </a:r>
           </a:p>
           <a:p>
@@ -23213,8 +23387,6 @@
               </a:rPr>
               <a:t>)</a:t>
             </a:r>
-          </a:p>
-          <a:p>
             <a:endParaRPr lang="it-IT" dirty="0"/>
           </a:p>
         </p:txBody>
@@ -23783,8 +23955,17 @@
                   <a:srgbClr val="00B050"/>
                 </a:solidFill>
               </a:rPr>
-              <a:t> di login</a:t>
-            </a:r>
+              <a:t> di login </a:t>
+            </a:r>
+            <a:r>
+              <a:rPr lang="it-IT" dirty="0"/>
+              <a:t>e un link che porta alla pagina di registrazione</a:t>
+            </a:r>
+            <a:endParaRPr lang="it-IT" dirty="0">
+              <a:solidFill>
+                <a:srgbClr val="00B050"/>
+              </a:solidFill>
+            </a:endParaRPr>
           </a:p>
           <a:p>
             <a:pPr marL="342900" lvl="0" indent="-342900">
@@ -23806,6 +23987,50 @@
                 </a:solidFill>
               </a:rPr>
               <a:t>Sia per gli utenti che per le riunioni tutti dati sono obbligatori.</a:t>
+            </a:r>
+          </a:p>
+          <a:p>
+            <a:pPr marL="342900" lvl="0" indent="-342900">
+              <a:lnSpc>
+                <a:spcPct val="80000"/>
+              </a:lnSpc>
+              <a:spcBef>
+                <a:spcPts val="400"/>
+              </a:spcBef>
+              <a:buClr>
+                <a:srgbClr val="000000"/>
+              </a:buClr>
+              <a:buSzPts val="2000"/>
+            </a:pPr>
+            <a:r>
+              <a:rPr lang="it-IT" dirty="0">
+                <a:solidFill>
+                  <a:srgbClr val="000000"/>
+                </a:solidFill>
+              </a:rPr>
+              <a:t>Il numero massimo di partecipanti è uguale per tutte le riunioni (4 utenti compreso il creatore)</a:t>
+            </a:r>
+          </a:p>
+          <a:p>
+            <a:pPr marL="342900" lvl="0" indent="-342900">
+              <a:lnSpc>
+                <a:spcPct val="80000"/>
+              </a:lnSpc>
+              <a:spcBef>
+                <a:spcPts val="400"/>
+              </a:spcBef>
+              <a:buClr>
+                <a:srgbClr val="000000"/>
+              </a:buClr>
+              <a:buSzPts val="2000"/>
+            </a:pPr>
+            <a:r>
+              <a:rPr lang="it-IT" dirty="0">
+                <a:solidFill>
+                  <a:srgbClr val="000000"/>
+                </a:solidFill>
+              </a:rPr>
+              <a:t>Le riunioni si possono creare in date non scadute e non oltre il 31/12</a:t>
             </a:r>
           </a:p>
           <a:p>

--- a/ProgettoTIW.pptx
+++ b/ProgettoTIW.pptx
@@ -6,7 +6,7 @@
     <p:sldMasterId id="2147483660" r:id="rId2"/>
   </p:sldMasterIdLst>
   <p:notesMasterIdLst>
-    <p:notesMasterId r:id="rId18"/>
+    <p:notesMasterId r:id="rId17"/>
   </p:notesMasterIdLst>
   <p:sldIdLst>
     <p:sldId id="256" r:id="rId3"/>
@@ -21,9 +21,8 @@
     <p:sldId id="276" r:id="rId12"/>
     <p:sldId id="266" r:id="rId13"/>
     <p:sldId id="268" r:id="rId14"/>
-    <p:sldId id="270" r:id="rId15"/>
-    <p:sldId id="274" r:id="rId16"/>
-    <p:sldId id="275" r:id="rId17"/>
+    <p:sldId id="274" r:id="rId15"/>
+    <p:sldId id="275" r:id="rId16"/>
   </p:sldIdLst>
   <p:sldSz cx="12192000" cy="6858000"/>
   <p:notesSz cx="6858000" cy="9144000"/>
@@ -584,110 +583,6 @@
 </file>
 
 <file path=ppt/notesSlides/notesSlide2.xml><?xml version="1.0" encoding="utf-8"?>
-<p:notes xmlns:a="http://schemas.openxmlformats.org/drawingml/2006/main" xmlns:r="http://schemas.openxmlformats.org/officeDocument/2006/relationships" xmlns:p="http://schemas.openxmlformats.org/presentationml/2006/main" showMasterSp="0" showMasterPhAnim="0">
-  <p:cSld>
-    <p:spTree>
-      <p:nvGrpSpPr>
-        <p:cNvPr id="1" name="Shape 334"/>
-        <p:cNvGrpSpPr/>
-        <p:nvPr/>
-      </p:nvGrpSpPr>
-      <p:grpSpPr>
-        <a:xfrm>
-          <a:off x="0" y="0"/>
-          <a:ext cx="0" cy="0"/>
-          <a:chOff x="0" y="0"/>
-          <a:chExt cx="0" cy="0"/>
-        </a:xfrm>
-      </p:grpSpPr>
-      <p:sp>
-        <p:nvSpPr>
-          <p:cNvPr id="335" name="Google Shape;335;g70e28bffb8_2_316:notes"/>
-          <p:cNvSpPr txBox="1">
-            <a:spLocks noGrp="1"/>
-          </p:cNvSpPr>
-          <p:nvPr>
-            <p:ph type="body" idx="1"/>
-          </p:nvPr>
-        </p:nvSpPr>
-        <p:spPr>
-          <a:xfrm>
-            <a:off x="685800" y="4343400"/>
-            <a:ext cx="5486400" cy="4114800"/>
-          </a:xfrm>
-          <a:prstGeom prst="rect">
-            <a:avLst/>
-          </a:prstGeom>
-        </p:spPr>
-        <p:txBody>
-          <a:bodyPr spcFirstLastPara="1" wrap="square" lIns="91425" tIns="91425" rIns="91425" bIns="91425" anchor="t" anchorCtr="0">
-            <a:noAutofit/>
-          </a:bodyPr>
-          <a:lstStyle/>
-          <a:p>
-            <a:pPr marL="0" lvl="0" indent="0" algn="l" rtl="0">
-              <a:spcBef>
-                <a:spcPts val="0"/>
-              </a:spcBef>
-              <a:spcAft>
-                <a:spcPts val="0"/>
-              </a:spcAft>
-              <a:buNone/>
-            </a:pPr>
-            <a:endParaRPr/>
-          </a:p>
-        </p:txBody>
-      </p:sp>
-      <p:sp>
-        <p:nvSpPr>
-          <p:cNvPr id="336" name="Google Shape;336;g70e28bffb8_2_316:notes"/>
-          <p:cNvSpPr>
-            <a:spLocks noGrp="1" noRot="1" noChangeAspect="1"/>
-          </p:cNvSpPr>
-          <p:nvPr>
-            <p:ph type="sldImg" idx="2"/>
-          </p:nvPr>
-        </p:nvSpPr>
-        <p:spPr>
-          <a:xfrm>
-            <a:off x="381000" y="685800"/>
-            <a:ext cx="6096000" cy="3429000"/>
-          </a:xfrm>
-          <a:custGeom>
-            <a:avLst/>
-            <a:gdLst/>
-            <a:ahLst/>
-            <a:cxnLst/>
-            <a:rect l="l" t="t" r="r" b="b"/>
-            <a:pathLst>
-              <a:path w="120000" h="120000" extrusionOk="0">
-                <a:moveTo>
-                  <a:pt x="0" y="0"/>
-                </a:moveTo>
-                <a:lnTo>
-                  <a:pt x="120000" y="0"/>
-                </a:lnTo>
-                <a:lnTo>
-                  <a:pt x="120000" y="120000"/>
-                </a:lnTo>
-                <a:lnTo>
-                  <a:pt x="0" y="120000"/>
-                </a:lnTo>
-                <a:close/>
-              </a:path>
-            </a:pathLst>
-          </a:custGeom>
-        </p:spPr>
-      </p:sp>
-    </p:spTree>
-  </p:cSld>
-  <p:clrMapOvr>
-    <a:masterClrMapping/>
-  </p:clrMapOvr>
-</p:notes>
-</file>
-
-<file path=ppt/notesSlides/notesSlide3.xml><?xml version="1.0" encoding="utf-8"?>
 <p:notes xmlns:a="http://schemas.openxmlformats.org/drawingml/2006/main" xmlns:r="http://schemas.openxmlformats.org/officeDocument/2006/relationships" xmlns:p="http://schemas.openxmlformats.org/presentationml/2006/main" showMasterSp="0" showMasterPhAnim="0">
   <p:cSld>
     <p:spTree>
@@ -16688,735 +16583,6 @@
   <p:cSld>
     <p:spTree>
       <p:nvGrpSpPr>
-        <p:cNvPr id="1" name="Shape 337"/>
-        <p:cNvGrpSpPr/>
-        <p:nvPr/>
-      </p:nvGrpSpPr>
-      <p:grpSpPr>
-        <a:xfrm>
-          <a:off x="0" y="0"/>
-          <a:ext cx="0" cy="0"/>
-          <a:chOff x="0" y="0"/>
-          <a:chExt cx="0" cy="0"/>
-        </a:xfrm>
-      </p:grpSpPr>
-      <p:sp>
-        <p:nvSpPr>
-          <p:cNvPr id="338" name="Google Shape;338;p39"/>
-          <p:cNvSpPr txBox="1">
-            <a:spLocks noGrp="1"/>
-          </p:cNvSpPr>
-          <p:nvPr>
-            <p:ph type="title"/>
-          </p:nvPr>
-        </p:nvSpPr>
-        <p:spPr>
-          <a:xfrm>
-            <a:off x="609600" y="274637"/>
-            <a:ext cx="10972800" cy="1143000"/>
-          </a:xfrm>
-          <a:prstGeom prst="rect">
-            <a:avLst/>
-          </a:prstGeom>
-          <a:noFill/>
-          <a:ln>
-            <a:noFill/>
-          </a:ln>
-        </p:spPr>
-        <p:txBody>
-          <a:bodyPr spcFirstLastPara="1" wrap="square" lIns="121900" tIns="60933" rIns="121900" bIns="60933" anchor="ctr" anchorCtr="0">
-            <a:noAutofit/>
-          </a:bodyPr>
-          <a:lstStyle/>
-          <a:p>
-            <a:pPr>
-              <a:buSzPts val="4400"/>
-            </a:pPr>
-            <a:r>
-              <a:rPr lang="es-419" dirty="0"/>
-              <a:t>Evento: crea una nuova riunione</a:t>
-            </a:r>
-            <a:endParaRPr dirty="0"/>
-          </a:p>
-        </p:txBody>
-      </p:sp>
-      <p:sp>
-        <p:nvSpPr>
-          <p:cNvPr id="339" name="Google Shape;339;p39"/>
-          <p:cNvSpPr/>
-          <p:nvPr/>
-        </p:nvSpPr>
-        <p:spPr>
-          <a:xfrm>
-            <a:off x="1693234" y="1447800"/>
-            <a:ext cx="1752601" cy="381000"/>
-          </a:xfrm>
-          <a:prstGeom prst="rect">
-            <a:avLst/>
-          </a:prstGeom>
-          <a:solidFill>
-            <a:schemeClr val="lt1"/>
-          </a:solidFill>
-          <a:ln w="25400" cap="flat" cmpd="sng">
-            <a:solidFill>
-              <a:schemeClr val="accent1"/>
-            </a:solidFill>
-            <a:prstDash val="solid"/>
-            <a:round/>
-            <a:headEnd type="none" w="sm" len="sm"/>
-            <a:tailEnd type="none" w="sm" len="sm"/>
-          </a:ln>
-        </p:spPr>
-        <p:txBody>
-          <a:bodyPr spcFirstLastPara="1" wrap="square" lIns="121900" tIns="60933" rIns="121900" bIns="60933" anchor="ctr" anchorCtr="0">
-            <a:noAutofit/>
-          </a:bodyPr>
-          <a:lstStyle/>
-          <a:p>
-            <a:pPr algn="ctr" defTabSz="1219170">
-              <a:buClr>
-                <a:srgbClr val="000000"/>
-              </a:buClr>
-            </a:pPr>
-            <a:r>
-              <a:rPr lang="es-419" sz="1867" kern="0" dirty="0">
-                <a:solidFill>
-                  <a:srgbClr val="000000"/>
-                </a:solidFill>
-                <a:latin typeface="Calibri"/>
-                <a:ea typeface="Calibri"/>
-                <a:cs typeface="Calibri"/>
-                <a:sym typeface="Calibri"/>
-              </a:rPr>
-              <a:t>CreaRiunione</a:t>
-            </a:r>
-            <a:endParaRPr sz="1867" kern="0" dirty="0">
-              <a:solidFill>
-                <a:srgbClr val="000000"/>
-              </a:solidFill>
-              <a:latin typeface="Calibri"/>
-              <a:ea typeface="Calibri"/>
-              <a:cs typeface="Calibri"/>
-              <a:sym typeface="Calibri"/>
-            </a:endParaRPr>
-          </a:p>
-        </p:txBody>
-      </p:sp>
-      <p:cxnSp>
-        <p:nvCxnSpPr>
-          <p:cNvPr id="340" name="Google Shape;340;p39"/>
-          <p:cNvCxnSpPr>
-            <a:stCxn id="339" idx="2"/>
-          </p:cNvCxnSpPr>
-          <p:nvPr/>
-        </p:nvCxnSpPr>
-        <p:spPr>
-          <a:xfrm>
-            <a:off x="2569535" y="1828800"/>
-            <a:ext cx="0" cy="4343600"/>
-          </a:xfrm>
-          <a:prstGeom prst="straightConnector1">
-            <a:avLst/>
-          </a:prstGeom>
-          <a:noFill/>
-          <a:ln w="38100" cap="flat" cmpd="sng">
-            <a:solidFill>
-              <a:schemeClr val="accent1"/>
-            </a:solidFill>
-            <a:prstDash val="dot"/>
-            <a:round/>
-            <a:headEnd type="none" w="sm" len="sm"/>
-            <a:tailEnd type="none" w="sm" len="sm"/>
-          </a:ln>
-          <a:effectLst>
-            <a:outerShdw blurRad="40000" dist="23000" dir="5400000" rotWithShape="0">
-              <a:srgbClr val="000000">
-                <a:alpha val="34901"/>
-              </a:srgbClr>
-            </a:outerShdw>
-          </a:effectLst>
-        </p:spPr>
-      </p:cxnSp>
-      <p:cxnSp>
-        <p:nvCxnSpPr>
-          <p:cNvPr id="341" name="Google Shape;341;p39"/>
-          <p:cNvCxnSpPr/>
-          <p:nvPr/>
-        </p:nvCxnSpPr>
-        <p:spPr>
-          <a:xfrm>
-            <a:off x="1109035" y="2971800"/>
-            <a:ext cx="1168400" cy="0"/>
-          </a:xfrm>
-          <a:prstGeom prst="straightConnector1">
-            <a:avLst/>
-          </a:prstGeom>
-          <a:noFill/>
-          <a:ln w="25400" cap="flat" cmpd="sng">
-            <a:solidFill>
-              <a:schemeClr val="accent1"/>
-            </a:solidFill>
-            <a:prstDash val="solid"/>
-            <a:round/>
-            <a:headEnd type="none" w="sm" len="sm"/>
-            <a:tailEnd type="stealth" w="med" len="med"/>
-          </a:ln>
-          <a:effectLst>
-            <a:outerShdw blurRad="40000" dist="20000" dir="5400000" rotWithShape="0">
-              <a:srgbClr val="000000">
-                <a:alpha val="37647"/>
-              </a:srgbClr>
-            </a:outerShdw>
-          </a:effectLst>
-        </p:spPr>
-      </p:cxnSp>
-      <p:sp>
-        <p:nvSpPr>
-          <p:cNvPr id="342" name="Google Shape;342;p39"/>
-          <p:cNvSpPr txBox="1"/>
-          <p:nvPr/>
-        </p:nvSpPr>
-        <p:spPr>
-          <a:xfrm>
-            <a:off x="1007435" y="2602469"/>
-            <a:ext cx="1220847" cy="369332"/>
-          </a:xfrm>
-          <a:prstGeom prst="rect">
-            <a:avLst/>
-          </a:prstGeom>
-          <a:noFill/>
-          <a:ln>
-            <a:noFill/>
-          </a:ln>
-        </p:spPr>
-        <p:txBody>
-          <a:bodyPr spcFirstLastPara="1" wrap="square" lIns="121900" tIns="60933" rIns="121900" bIns="60933" anchor="t" anchorCtr="0">
-            <a:noAutofit/>
-          </a:bodyPr>
-          <a:lstStyle/>
-          <a:p>
-            <a:pPr defTabSz="1219170">
-              <a:buClr>
-                <a:srgbClr val="000000"/>
-              </a:buClr>
-            </a:pPr>
-            <a:r>
-              <a:rPr lang="es-419" sz="2400" kern="0">
-                <a:solidFill>
-                  <a:srgbClr val="000000"/>
-                </a:solidFill>
-                <a:latin typeface="Calibri"/>
-                <a:ea typeface="Calibri"/>
-                <a:cs typeface="Calibri"/>
-                <a:sym typeface="Calibri"/>
-              </a:rPr>
-              <a:t>doPOST</a:t>
-            </a:r>
-            <a:endParaRPr sz="2400" kern="0">
-              <a:solidFill>
-                <a:srgbClr val="000000"/>
-              </a:solidFill>
-              <a:latin typeface="Calibri"/>
-              <a:ea typeface="Calibri"/>
-              <a:cs typeface="Calibri"/>
-              <a:sym typeface="Calibri"/>
-            </a:endParaRPr>
-          </a:p>
-        </p:txBody>
-      </p:sp>
-      <p:sp>
-        <p:nvSpPr>
-          <p:cNvPr id="343" name="Google Shape;343;p39"/>
-          <p:cNvSpPr/>
-          <p:nvPr/>
-        </p:nvSpPr>
-        <p:spPr>
-          <a:xfrm>
-            <a:off x="2325913" y="2044701"/>
-            <a:ext cx="408721" cy="3040484"/>
-          </a:xfrm>
-          <a:prstGeom prst="rect">
-            <a:avLst/>
-          </a:prstGeom>
-          <a:solidFill>
-            <a:schemeClr val="lt1"/>
-          </a:solidFill>
-          <a:ln w="25400" cap="flat" cmpd="sng">
-            <a:solidFill>
-              <a:schemeClr val="accent1"/>
-            </a:solidFill>
-            <a:prstDash val="solid"/>
-            <a:round/>
-            <a:headEnd type="none" w="sm" len="sm"/>
-            <a:tailEnd type="none" w="sm" len="sm"/>
-          </a:ln>
-        </p:spPr>
-        <p:txBody>
-          <a:bodyPr spcFirstLastPara="1" wrap="square" lIns="121900" tIns="60933" rIns="121900" bIns="60933" anchor="ctr" anchorCtr="0">
-            <a:noAutofit/>
-          </a:bodyPr>
-          <a:lstStyle/>
-          <a:p>
-            <a:pPr algn="ctr" defTabSz="1219170">
-              <a:buClr>
-                <a:srgbClr val="000000"/>
-              </a:buClr>
-            </a:pPr>
-            <a:endParaRPr sz="2400" kern="0">
-              <a:solidFill>
-                <a:srgbClr val="000000"/>
-              </a:solidFill>
-              <a:latin typeface="Calibri"/>
-              <a:ea typeface="Calibri"/>
-              <a:cs typeface="Calibri"/>
-              <a:sym typeface="Calibri"/>
-            </a:endParaRPr>
-          </a:p>
-        </p:txBody>
-      </p:sp>
-      <p:sp>
-        <p:nvSpPr>
-          <p:cNvPr id="349" name="Google Shape;349;p39"/>
-          <p:cNvSpPr/>
-          <p:nvPr/>
-        </p:nvSpPr>
-        <p:spPr>
-          <a:xfrm>
-            <a:off x="4366315" y="1409623"/>
-            <a:ext cx="2189600" cy="381200"/>
-          </a:xfrm>
-          <a:prstGeom prst="rect">
-            <a:avLst/>
-          </a:prstGeom>
-          <a:solidFill>
-            <a:schemeClr val="lt1"/>
-          </a:solidFill>
-          <a:ln w="25400" cap="flat" cmpd="sng">
-            <a:solidFill>
-              <a:schemeClr val="accent1"/>
-            </a:solidFill>
-            <a:prstDash val="solid"/>
-            <a:round/>
-            <a:headEnd type="none" w="sm" len="sm"/>
-            <a:tailEnd type="none" w="sm" len="sm"/>
-          </a:ln>
-        </p:spPr>
-        <p:txBody>
-          <a:bodyPr spcFirstLastPara="1" wrap="square" lIns="121900" tIns="60933" rIns="121900" bIns="60933" anchor="ctr" anchorCtr="0">
-            <a:noAutofit/>
-          </a:bodyPr>
-          <a:lstStyle/>
-          <a:p>
-            <a:pPr algn="ctr" defTabSz="1219170">
-              <a:buClr>
-                <a:srgbClr val="000000"/>
-              </a:buClr>
-            </a:pPr>
-            <a:r>
-              <a:rPr lang="es-419" sz="1867" kern="0" dirty="0">
-                <a:solidFill>
-                  <a:srgbClr val="000000"/>
-                </a:solidFill>
-                <a:latin typeface="Calibri"/>
-                <a:ea typeface="Calibri"/>
-                <a:cs typeface="Calibri"/>
-                <a:sym typeface="Calibri"/>
-              </a:rPr>
-              <a:t>PaginaAnagrafica</a:t>
-            </a:r>
-            <a:endParaRPr sz="1867" kern="0" dirty="0">
-              <a:solidFill>
-                <a:srgbClr val="000000"/>
-              </a:solidFill>
-              <a:latin typeface="Calibri"/>
-              <a:ea typeface="Calibri"/>
-              <a:cs typeface="Calibri"/>
-              <a:sym typeface="Calibri"/>
-            </a:endParaRPr>
-          </a:p>
-        </p:txBody>
-      </p:sp>
-      <p:cxnSp>
-        <p:nvCxnSpPr>
-          <p:cNvPr id="350" name="Google Shape;350;p39"/>
-          <p:cNvCxnSpPr>
-            <a:stCxn id="349" idx="2"/>
-          </p:cNvCxnSpPr>
-          <p:nvPr/>
-        </p:nvCxnSpPr>
-        <p:spPr>
-          <a:xfrm flipH="1">
-            <a:off x="5432715" y="1790823"/>
-            <a:ext cx="28400" cy="4343600"/>
-          </a:xfrm>
-          <a:prstGeom prst="straightConnector1">
-            <a:avLst/>
-          </a:prstGeom>
-          <a:noFill/>
-          <a:ln w="38100" cap="flat" cmpd="sng">
-            <a:solidFill>
-              <a:schemeClr val="accent1"/>
-            </a:solidFill>
-            <a:prstDash val="dot"/>
-            <a:round/>
-            <a:headEnd type="none" w="sm" len="sm"/>
-            <a:tailEnd type="none" w="sm" len="sm"/>
-          </a:ln>
-          <a:effectLst>
-            <a:outerShdw blurRad="40000" dist="23000" dir="5400000" rotWithShape="0">
-              <a:srgbClr val="000000">
-                <a:alpha val="34900"/>
-              </a:srgbClr>
-            </a:outerShdw>
-          </a:effectLst>
-        </p:spPr>
-      </p:cxnSp>
-      <p:sp>
-        <p:nvSpPr>
-          <p:cNvPr id="351" name="Google Shape;351;p39"/>
-          <p:cNvSpPr/>
-          <p:nvPr/>
-        </p:nvSpPr>
-        <p:spPr>
-          <a:xfrm>
-            <a:off x="5257915" y="2035837"/>
-            <a:ext cx="406400" cy="906000"/>
-          </a:xfrm>
-          <a:prstGeom prst="rect">
-            <a:avLst/>
-          </a:prstGeom>
-          <a:solidFill>
-            <a:schemeClr val="lt1"/>
-          </a:solidFill>
-          <a:ln w="25400" cap="flat" cmpd="sng">
-            <a:solidFill>
-              <a:schemeClr val="accent1"/>
-            </a:solidFill>
-            <a:prstDash val="solid"/>
-            <a:round/>
-            <a:headEnd type="none" w="sm" len="sm"/>
-            <a:tailEnd type="none" w="sm" len="sm"/>
-          </a:ln>
-        </p:spPr>
-        <p:txBody>
-          <a:bodyPr spcFirstLastPara="1" wrap="square" lIns="121900" tIns="60933" rIns="121900" bIns="60933" anchor="ctr" anchorCtr="0">
-            <a:noAutofit/>
-          </a:bodyPr>
-          <a:lstStyle/>
-          <a:p>
-            <a:pPr algn="ctr" defTabSz="1219170">
-              <a:buClr>
-                <a:srgbClr val="000000"/>
-              </a:buClr>
-            </a:pPr>
-            <a:endParaRPr sz="2400" kern="0">
-              <a:solidFill>
-                <a:srgbClr val="000000"/>
-              </a:solidFill>
-              <a:latin typeface="Calibri"/>
-              <a:ea typeface="Calibri"/>
-              <a:cs typeface="Calibri"/>
-              <a:sym typeface="Calibri"/>
-            </a:endParaRPr>
-          </a:p>
-        </p:txBody>
-      </p:sp>
-      <p:cxnSp>
-        <p:nvCxnSpPr>
-          <p:cNvPr id="352" name="Google Shape;352;p39"/>
-          <p:cNvCxnSpPr>
-            <a:cxnSpLocks/>
-          </p:cNvCxnSpPr>
-          <p:nvPr/>
-        </p:nvCxnSpPr>
-        <p:spPr>
-          <a:xfrm>
-            <a:off x="2734634" y="2237173"/>
-            <a:ext cx="2523281" cy="0"/>
-          </a:xfrm>
-          <a:prstGeom prst="straightConnector1">
-            <a:avLst/>
-          </a:prstGeom>
-          <a:noFill/>
-          <a:ln w="25400" cap="flat" cmpd="sng">
-            <a:solidFill>
-              <a:schemeClr val="accent1"/>
-            </a:solidFill>
-            <a:prstDash val="solid"/>
-            <a:round/>
-            <a:headEnd type="none" w="sm" len="sm"/>
-            <a:tailEnd type="stealth" w="med" len="med"/>
-          </a:ln>
-          <a:effectLst>
-            <a:outerShdw blurRad="40000" dist="20000" dir="5400000" rotWithShape="0">
-              <a:srgbClr val="000000">
-                <a:alpha val="37650"/>
-              </a:srgbClr>
-            </a:outerShdw>
-          </a:effectLst>
-        </p:spPr>
-      </p:cxnSp>
-      <p:sp>
-        <p:nvSpPr>
-          <p:cNvPr id="353" name="Google Shape;353;p39"/>
-          <p:cNvSpPr txBox="1"/>
-          <p:nvPr/>
-        </p:nvSpPr>
-        <p:spPr>
-          <a:xfrm>
-            <a:off x="2700157" y="1790823"/>
-            <a:ext cx="1117600" cy="338400"/>
-          </a:xfrm>
-          <a:prstGeom prst="rect">
-            <a:avLst/>
-          </a:prstGeom>
-          <a:noFill/>
-          <a:ln>
-            <a:noFill/>
-          </a:ln>
-        </p:spPr>
-        <p:txBody>
-          <a:bodyPr spcFirstLastPara="1" wrap="square" lIns="121900" tIns="60933" rIns="121900" bIns="60933" anchor="t" anchorCtr="0">
-            <a:noAutofit/>
-          </a:bodyPr>
-          <a:lstStyle/>
-          <a:p>
-            <a:pPr algn="ctr" defTabSz="1219170">
-              <a:buClr>
-                <a:srgbClr val="000000"/>
-              </a:buClr>
-            </a:pPr>
-            <a:r>
-              <a:rPr lang="es-419" sz="2133" kern="0" dirty="0">
-                <a:solidFill>
-                  <a:srgbClr val="000000"/>
-                </a:solidFill>
-                <a:latin typeface="Calibri"/>
-                <a:ea typeface="Calibri"/>
-                <a:cs typeface="Calibri"/>
-                <a:sym typeface="Calibri"/>
-              </a:rPr>
-              <a:t>redirect</a:t>
-            </a:r>
-            <a:endParaRPr sz="2133" kern="0" dirty="0">
-              <a:solidFill>
-                <a:srgbClr val="000000"/>
-              </a:solidFill>
-              <a:latin typeface="Calibri"/>
-              <a:ea typeface="Calibri"/>
-              <a:cs typeface="Calibri"/>
-              <a:sym typeface="Calibri"/>
-            </a:endParaRPr>
-          </a:p>
-        </p:txBody>
-      </p:sp>
-      <p:sp>
-        <p:nvSpPr>
-          <p:cNvPr id="354" name="Google Shape;354;p39"/>
-          <p:cNvSpPr txBox="1"/>
-          <p:nvPr/>
-        </p:nvSpPr>
-        <p:spPr>
-          <a:xfrm>
-            <a:off x="348829" y="3128000"/>
-            <a:ext cx="1928400" cy="3040400"/>
-          </a:xfrm>
-          <a:prstGeom prst="rect">
-            <a:avLst/>
-          </a:prstGeom>
-          <a:noFill/>
-          <a:ln>
-            <a:noFill/>
-          </a:ln>
-        </p:spPr>
-        <p:txBody>
-          <a:bodyPr spcFirstLastPara="1" wrap="square" lIns="121900" tIns="60933" rIns="121900" bIns="60933" anchor="t" anchorCtr="0">
-            <a:noAutofit/>
-          </a:bodyPr>
-          <a:lstStyle/>
-          <a:p>
-            <a:pPr defTabSz="1219170">
-              <a:buClr>
-                <a:srgbClr val="000000"/>
-              </a:buClr>
-            </a:pPr>
-            <a:r>
-              <a:rPr lang="es-419" sz="2133" kern="0" dirty="0">
-                <a:solidFill>
-                  <a:srgbClr val="000000"/>
-                </a:solidFill>
-                <a:latin typeface="Calibri"/>
-                <a:ea typeface="Calibri"/>
-                <a:cs typeface="Calibri"/>
-                <a:sym typeface="Calibri"/>
-              </a:rPr>
-              <a:t>POST</a:t>
-            </a:r>
-            <a:endParaRPr sz="2133" kern="0" dirty="0">
-              <a:solidFill>
-                <a:srgbClr val="000000"/>
-              </a:solidFill>
-              <a:latin typeface="Calibri"/>
-              <a:ea typeface="Calibri"/>
-              <a:cs typeface="Calibri"/>
-              <a:sym typeface="Calibri"/>
-            </a:endParaRPr>
-          </a:p>
-          <a:p>
-            <a:pPr defTabSz="1219170">
-              <a:buClr>
-                <a:srgbClr val="000000"/>
-              </a:buClr>
-            </a:pPr>
-            <a:r>
-              <a:rPr lang="es-419" sz="1867" kern="0" dirty="0">
-                <a:solidFill>
-                  <a:srgbClr val="000000"/>
-                </a:solidFill>
-                <a:latin typeface="Calibri"/>
-                <a:ea typeface="Calibri"/>
-                <a:cs typeface="Calibri"/>
-                <a:sym typeface="Calibri"/>
-              </a:rPr>
-              <a:t>/CreaRiunione</a:t>
-            </a:r>
-            <a:endParaRPr sz="2133" kern="0" dirty="0">
-              <a:solidFill>
-                <a:srgbClr val="000000"/>
-              </a:solidFill>
-              <a:latin typeface="Calibri"/>
-              <a:ea typeface="Calibri"/>
-              <a:cs typeface="Calibri"/>
-              <a:sym typeface="Calibri"/>
-            </a:endParaRPr>
-          </a:p>
-          <a:p>
-            <a:pPr defTabSz="1219170">
-              <a:buClr>
-                <a:srgbClr val="000000"/>
-              </a:buClr>
-            </a:pPr>
-            <a:r>
-              <a:rPr lang="it-IT" sz="1867" kern="0" dirty="0">
-                <a:solidFill>
-                  <a:srgbClr val="000000"/>
-                </a:solidFill>
-                <a:latin typeface="Calibri"/>
-                <a:ea typeface="Calibri"/>
-                <a:cs typeface="Calibri"/>
-                <a:sym typeface="Calibri"/>
-              </a:rPr>
-              <a:t>titolo</a:t>
-            </a:r>
-            <a:endParaRPr sz="1867" kern="0" dirty="0">
-              <a:solidFill>
-                <a:srgbClr val="000000"/>
-              </a:solidFill>
-              <a:latin typeface="Calibri"/>
-              <a:ea typeface="Calibri"/>
-              <a:cs typeface="Calibri"/>
-              <a:sym typeface="Calibri"/>
-            </a:endParaRPr>
-          </a:p>
-          <a:p>
-            <a:pPr defTabSz="1219170">
-              <a:buClr>
-                <a:srgbClr val="000000"/>
-              </a:buClr>
-            </a:pPr>
-            <a:r>
-              <a:rPr lang="it-IT" sz="1867" kern="0" dirty="0">
-                <a:solidFill>
-                  <a:srgbClr val="000000"/>
-                </a:solidFill>
-                <a:latin typeface="Calibri"/>
-                <a:ea typeface="Calibri"/>
-                <a:cs typeface="Calibri"/>
-                <a:sym typeface="Calibri"/>
-              </a:rPr>
-              <a:t>durata</a:t>
-            </a:r>
-            <a:endParaRPr sz="1867" kern="0" dirty="0">
-              <a:solidFill>
-                <a:srgbClr val="000000"/>
-              </a:solidFill>
-              <a:latin typeface="Calibri"/>
-              <a:ea typeface="Calibri"/>
-              <a:cs typeface="Calibri"/>
-              <a:sym typeface="Calibri"/>
-            </a:endParaRPr>
-          </a:p>
-          <a:p>
-            <a:pPr defTabSz="1219170">
-              <a:buClr>
-                <a:srgbClr val="000000"/>
-              </a:buClr>
-            </a:pPr>
-            <a:r>
-              <a:rPr lang="es-419" sz="2133" kern="0" dirty="0">
-                <a:solidFill>
-                  <a:srgbClr val="000000"/>
-                </a:solidFill>
-                <a:latin typeface="Calibri"/>
-                <a:ea typeface="Calibri"/>
-                <a:cs typeface="Calibri"/>
-                <a:sym typeface="Calibri"/>
-              </a:rPr>
-              <a:t>From: </a:t>
-            </a:r>
-            <a:endParaRPr sz="2133" kern="0" dirty="0">
-              <a:solidFill>
-                <a:srgbClr val="000000"/>
-              </a:solidFill>
-              <a:latin typeface="Calibri"/>
-              <a:ea typeface="Calibri"/>
-              <a:cs typeface="Calibri"/>
-              <a:sym typeface="Calibri"/>
-            </a:endParaRPr>
-          </a:p>
-          <a:p>
-            <a:pPr defTabSz="1219170">
-              <a:buClr>
-                <a:srgbClr val="000000"/>
-              </a:buClr>
-            </a:pPr>
-            <a:r>
-              <a:rPr lang="es-419" sz="2133" kern="0" dirty="0">
-                <a:solidFill>
-                  <a:srgbClr val="000000"/>
-                </a:solidFill>
-                <a:latin typeface="Calibri"/>
-                <a:ea typeface="Calibri"/>
-                <a:cs typeface="Calibri"/>
-                <a:sym typeface="Calibri"/>
-              </a:rPr>
-              <a:t>HomePage</a:t>
-            </a:r>
-            <a:endParaRPr sz="2133" kern="0" dirty="0">
-              <a:solidFill>
-                <a:srgbClr val="000000"/>
-              </a:solidFill>
-              <a:latin typeface="Calibri"/>
-              <a:ea typeface="Calibri"/>
-              <a:cs typeface="Calibri"/>
-              <a:sym typeface="Calibri"/>
-            </a:endParaRPr>
-          </a:p>
-        </p:txBody>
-      </p:sp>
-    </p:spTree>
-  </p:cSld>
-  <p:clrMapOvr>
-    <a:masterClrMapping/>
-  </p:clrMapOvr>
-</p:sld>
-</file>
-
-<file path=ppt/slides/slide14.xml><?xml version="1.0" encoding="utf-8"?>
-<p:sld xmlns:a="http://schemas.openxmlformats.org/drawingml/2006/main" xmlns:r="http://schemas.openxmlformats.org/officeDocument/2006/relationships" xmlns:p="http://schemas.openxmlformats.org/presentationml/2006/main">
-  <p:cSld>
-    <p:spTree>
-      <p:nvGrpSpPr>
         <p:cNvPr id="1" name="Shape 458"/>
         <p:cNvGrpSpPr/>
         <p:nvPr/>
@@ -18302,7 +17468,7 @@
 </p:sld>
 </file>
 
-<file path=ppt/slides/slide15.xml><?xml version="1.0" encoding="utf-8"?>
+<file path=ppt/slides/slide14.xml><?xml version="1.0" encoding="utf-8"?>
 <p:sld xmlns:a="http://schemas.openxmlformats.org/drawingml/2006/main" xmlns:r="http://schemas.openxmlformats.org/officeDocument/2006/relationships" xmlns:p="http://schemas.openxmlformats.org/presentationml/2006/main">
   <p:cSld>
     <p:spTree>
@@ -18359,7 +17525,7 @@
             </a:pPr>
             <a:r>
               <a:rPr lang="es-419" dirty="0"/>
-              <a:t>Event: Aggiungi Riunione</a:t>
+              <a:t>Evento: Aggiungi Riunione</a:t>
             </a:r>
             <a:endParaRPr dirty="0"/>
           </a:p>

--- a/ProgettoTIW.pptx
+++ b/ProgettoTIW.pptx
@@ -6,7 +6,7 @@
     <p:sldMasterId id="2147483660" r:id="rId2"/>
   </p:sldMasterIdLst>
   <p:notesMasterIdLst>
-    <p:notesMasterId r:id="rId17"/>
+    <p:notesMasterId r:id="rId21"/>
   </p:notesMasterIdLst>
   <p:sldIdLst>
     <p:sldId id="256" r:id="rId3"/>
@@ -23,6 +23,10 @@
     <p:sldId id="268" r:id="rId14"/>
     <p:sldId id="274" r:id="rId15"/>
     <p:sldId id="275" r:id="rId16"/>
+    <p:sldId id="272" r:id="rId17"/>
+    <p:sldId id="270" r:id="rId18"/>
+    <p:sldId id="273" r:id="rId19"/>
+    <p:sldId id="277" r:id="rId20"/>
   </p:sldIdLst>
   <p:sldSz cx="12192000" cy="6858000"/>
   <p:notesSz cx="6858000" cy="9144000"/>
@@ -679,6 +683,333 @@
         </p:spPr>
       </p:sp>
     </p:spTree>
+  </p:cSld>
+  <p:clrMapOvr>
+    <a:masterClrMapping/>
+  </p:clrMapOvr>
+</p:notes>
+</file>
+
+<file path=ppt/notesSlides/notesSlide3.xml><?xml version="1.0" encoding="utf-8"?>
+<p:notes xmlns:a="http://schemas.openxmlformats.org/drawingml/2006/main" xmlns:r="http://schemas.openxmlformats.org/officeDocument/2006/relationships" xmlns:p="http://schemas.openxmlformats.org/presentationml/2006/main" showMasterSp="0">
+  <p:cSld>
+    <p:spTree>
+      <p:nvGrpSpPr>
+        <p:cNvPr id="1" name=""/>
+        <p:cNvGrpSpPr/>
+        <p:nvPr/>
+      </p:nvGrpSpPr>
+      <p:grpSpPr>
+        <a:xfrm>
+          <a:off x="0" y="0"/>
+          <a:ext cx="0" cy="0"/>
+          <a:chOff x="0" y="0"/>
+          <a:chExt cx="0" cy="0"/>
+        </a:xfrm>
+      </p:grpSpPr>
+      <p:sp>
+        <p:nvSpPr>
+          <p:cNvPr id="2" name="Google Shape;335;g70e28bffb8_2_316:notes">
+            <a:extLst>
+              <a:ext uri="{FF2B5EF4-FFF2-40B4-BE49-F238E27FC236}">
+                <a16:creationId xmlns:a16="http://schemas.microsoft.com/office/drawing/2014/main" id="{F2A9B723-2C8D-4B44-9D57-3FF70C6066F4}"/>
+              </a:ext>
+            </a:extLst>
+          </p:cNvPr>
+          <p:cNvSpPr txBox="1">
+            <a:spLocks noGrp="1"/>
+          </p:cNvSpPr>
+          <p:nvPr>
+            <p:ph type="body" sz="quarter" idx="1"/>
+          </p:nvPr>
+        </p:nvSpPr>
+        <p:spPr>
+          <a:xfrm>
+            <a:off x="685800" y="4343400"/>
+            <a:ext cx="5486400" cy="4114800"/>
+          </a:xfrm>
+        </p:spPr>
+        <p:txBody>
+          <a:bodyPr lIns="91421" tIns="91421" rIns="91421" bIns="91421"/>
+          <a:lstStyle/>
+          <a:p>
+            <a:endParaRPr lang="it-IT"/>
+          </a:p>
+        </p:txBody>
+      </p:sp>
+      <p:sp>
+        <p:nvSpPr>
+          <p:cNvPr id="3" name="Google Shape;336;g70e28bffb8_2_316:notes">
+            <a:extLst>
+              <a:ext uri="{FF2B5EF4-FFF2-40B4-BE49-F238E27FC236}">
+                <a16:creationId xmlns:a16="http://schemas.microsoft.com/office/drawing/2014/main" id="{B64E2DA7-DCF0-4C96-801D-78CD4DD4E297}"/>
+              </a:ext>
+            </a:extLst>
+          </p:cNvPr>
+          <p:cNvSpPr>
+            <a:spLocks noGrp="1" noRot="1" noChangeAspect="1"/>
+          </p:cNvSpPr>
+          <p:nvPr>
+            <p:ph type="sldImg"/>
+          </p:nvPr>
+        </p:nvSpPr>
+        <p:spPr>
+          <a:xfrm>
+            <a:off x="381000" y="685800"/>
+            <a:ext cx="6096000" cy="3429000"/>
+          </a:xfrm>
+        </p:spPr>
+      </p:sp>
+    </p:spTree>
+    <p:extLst>
+      <p:ext uri="{BB962C8B-B14F-4D97-AF65-F5344CB8AC3E}">
+        <p14:creationId xmlns:p14="http://schemas.microsoft.com/office/powerpoint/2010/main" val="864980033"/>
+      </p:ext>
+    </p:extLst>
+  </p:cSld>
+  <p:clrMapOvr>
+    <a:masterClrMapping/>
+  </p:clrMapOvr>
+</p:notes>
+</file>
+
+<file path=ppt/notesSlides/notesSlide4.xml><?xml version="1.0" encoding="utf-8"?>
+<p:notes xmlns:a="http://schemas.openxmlformats.org/drawingml/2006/main" xmlns:r="http://schemas.openxmlformats.org/officeDocument/2006/relationships" xmlns:p="http://schemas.openxmlformats.org/presentationml/2006/main" showMasterSp="0">
+  <p:cSld>
+    <p:spTree>
+      <p:nvGrpSpPr>
+        <p:cNvPr id="1" name=""/>
+        <p:cNvGrpSpPr/>
+        <p:nvPr/>
+      </p:nvGrpSpPr>
+      <p:grpSpPr>
+        <a:xfrm>
+          <a:off x="0" y="0"/>
+          <a:ext cx="0" cy="0"/>
+          <a:chOff x="0" y="0"/>
+          <a:chExt cx="0" cy="0"/>
+        </a:xfrm>
+      </p:grpSpPr>
+      <p:sp>
+        <p:nvSpPr>
+          <p:cNvPr id="2" name="Google Shape;335;g70e28bffb8_2_316:notes">
+            <a:extLst>
+              <a:ext uri="{FF2B5EF4-FFF2-40B4-BE49-F238E27FC236}">
+                <a16:creationId xmlns:a16="http://schemas.microsoft.com/office/drawing/2014/main" id="{F2A9B723-2C8D-4B44-9D57-3FF70C6066F4}"/>
+              </a:ext>
+            </a:extLst>
+          </p:cNvPr>
+          <p:cNvSpPr txBox="1">
+            <a:spLocks noGrp="1"/>
+          </p:cNvSpPr>
+          <p:nvPr>
+            <p:ph type="body" sz="quarter" idx="1"/>
+          </p:nvPr>
+        </p:nvSpPr>
+        <p:spPr>
+          <a:xfrm>
+            <a:off x="685800" y="4343400"/>
+            <a:ext cx="5486400" cy="4114800"/>
+          </a:xfrm>
+        </p:spPr>
+        <p:txBody>
+          <a:bodyPr lIns="91421" tIns="91421" rIns="91421" bIns="91421"/>
+          <a:lstStyle/>
+          <a:p>
+            <a:endParaRPr lang="it-IT"/>
+          </a:p>
+        </p:txBody>
+      </p:sp>
+      <p:sp>
+        <p:nvSpPr>
+          <p:cNvPr id="3" name="Google Shape;336;g70e28bffb8_2_316:notes">
+            <a:extLst>
+              <a:ext uri="{FF2B5EF4-FFF2-40B4-BE49-F238E27FC236}">
+                <a16:creationId xmlns:a16="http://schemas.microsoft.com/office/drawing/2014/main" id="{B64E2DA7-DCF0-4C96-801D-78CD4DD4E297}"/>
+              </a:ext>
+            </a:extLst>
+          </p:cNvPr>
+          <p:cNvSpPr>
+            <a:spLocks noGrp="1" noRot="1" noChangeAspect="1"/>
+          </p:cNvSpPr>
+          <p:nvPr>
+            <p:ph type="sldImg"/>
+          </p:nvPr>
+        </p:nvSpPr>
+        <p:spPr>
+          <a:xfrm>
+            <a:off x="381000" y="685800"/>
+            <a:ext cx="6096000" cy="3429000"/>
+          </a:xfrm>
+        </p:spPr>
+      </p:sp>
+    </p:spTree>
+  </p:cSld>
+  <p:clrMapOvr>
+    <a:masterClrMapping/>
+  </p:clrMapOvr>
+</p:notes>
+</file>
+
+<file path=ppt/notesSlides/notesSlide5.xml><?xml version="1.0" encoding="utf-8"?>
+<p:notes xmlns:a="http://schemas.openxmlformats.org/drawingml/2006/main" xmlns:r="http://schemas.openxmlformats.org/officeDocument/2006/relationships" xmlns:p="http://schemas.openxmlformats.org/presentationml/2006/main" showMasterSp="0">
+  <p:cSld>
+    <p:spTree>
+      <p:nvGrpSpPr>
+        <p:cNvPr id="1" name=""/>
+        <p:cNvGrpSpPr/>
+        <p:nvPr/>
+      </p:nvGrpSpPr>
+      <p:grpSpPr>
+        <a:xfrm>
+          <a:off x="0" y="0"/>
+          <a:ext cx="0" cy="0"/>
+          <a:chOff x="0" y="0"/>
+          <a:chExt cx="0" cy="0"/>
+        </a:xfrm>
+      </p:grpSpPr>
+      <p:sp>
+        <p:nvSpPr>
+          <p:cNvPr id="2" name="Google Shape;335;g70e28bffb8_2_316:notes">
+            <a:extLst>
+              <a:ext uri="{FF2B5EF4-FFF2-40B4-BE49-F238E27FC236}">
+                <a16:creationId xmlns:a16="http://schemas.microsoft.com/office/drawing/2014/main" id="{F2A9B723-2C8D-4B44-9D57-3FF70C6066F4}"/>
+              </a:ext>
+            </a:extLst>
+          </p:cNvPr>
+          <p:cNvSpPr txBox="1">
+            <a:spLocks noGrp="1"/>
+          </p:cNvSpPr>
+          <p:nvPr>
+            <p:ph type="body" sz="quarter" idx="1"/>
+          </p:nvPr>
+        </p:nvSpPr>
+        <p:spPr>
+          <a:xfrm>
+            <a:off x="685800" y="4343400"/>
+            <a:ext cx="5486400" cy="4114800"/>
+          </a:xfrm>
+        </p:spPr>
+        <p:txBody>
+          <a:bodyPr lIns="91421" tIns="91421" rIns="91421" bIns="91421"/>
+          <a:lstStyle/>
+          <a:p>
+            <a:endParaRPr lang="it-IT"/>
+          </a:p>
+        </p:txBody>
+      </p:sp>
+      <p:sp>
+        <p:nvSpPr>
+          <p:cNvPr id="3" name="Google Shape;336;g70e28bffb8_2_316:notes">
+            <a:extLst>
+              <a:ext uri="{FF2B5EF4-FFF2-40B4-BE49-F238E27FC236}">
+                <a16:creationId xmlns:a16="http://schemas.microsoft.com/office/drawing/2014/main" id="{B64E2DA7-DCF0-4C96-801D-78CD4DD4E297}"/>
+              </a:ext>
+            </a:extLst>
+          </p:cNvPr>
+          <p:cNvSpPr>
+            <a:spLocks noGrp="1" noRot="1" noChangeAspect="1"/>
+          </p:cNvSpPr>
+          <p:nvPr>
+            <p:ph type="sldImg"/>
+          </p:nvPr>
+        </p:nvSpPr>
+        <p:spPr>
+          <a:xfrm>
+            <a:off x="381000" y="685800"/>
+            <a:ext cx="6096000" cy="3429000"/>
+          </a:xfrm>
+        </p:spPr>
+      </p:sp>
+    </p:spTree>
+    <p:extLst>
+      <p:ext uri="{BB962C8B-B14F-4D97-AF65-F5344CB8AC3E}">
+        <p14:creationId xmlns:p14="http://schemas.microsoft.com/office/powerpoint/2010/main" val="3019304273"/>
+      </p:ext>
+    </p:extLst>
+  </p:cSld>
+  <p:clrMapOvr>
+    <a:masterClrMapping/>
+  </p:clrMapOvr>
+</p:notes>
+</file>
+
+<file path=ppt/notesSlides/notesSlide6.xml><?xml version="1.0" encoding="utf-8"?>
+<p:notes xmlns:a="http://schemas.openxmlformats.org/drawingml/2006/main" xmlns:r="http://schemas.openxmlformats.org/officeDocument/2006/relationships" xmlns:p="http://schemas.openxmlformats.org/presentationml/2006/main" showMasterSp="0">
+  <p:cSld>
+    <p:spTree>
+      <p:nvGrpSpPr>
+        <p:cNvPr id="1" name=""/>
+        <p:cNvGrpSpPr/>
+        <p:nvPr/>
+      </p:nvGrpSpPr>
+      <p:grpSpPr>
+        <a:xfrm>
+          <a:off x="0" y="0"/>
+          <a:ext cx="0" cy="0"/>
+          <a:chOff x="0" y="0"/>
+          <a:chExt cx="0" cy="0"/>
+        </a:xfrm>
+      </p:grpSpPr>
+      <p:sp>
+        <p:nvSpPr>
+          <p:cNvPr id="2" name="Google Shape;335;g70e28bffb8_2_316:notes">
+            <a:extLst>
+              <a:ext uri="{FF2B5EF4-FFF2-40B4-BE49-F238E27FC236}">
+                <a16:creationId xmlns:a16="http://schemas.microsoft.com/office/drawing/2014/main" id="{F2A9B723-2C8D-4B44-9D57-3FF70C6066F4}"/>
+              </a:ext>
+            </a:extLst>
+          </p:cNvPr>
+          <p:cNvSpPr txBox="1">
+            <a:spLocks noGrp="1"/>
+          </p:cNvSpPr>
+          <p:nvPr>
+            <p:ph type="body" sz="quarter" idx="1"/>
+          </p:nvPr>
+        </p:nvSpPr>
+        <p:spPr>
+          <a:xfrm>
+            <a:off x="685800" y="4343400"/>
+            <a:ext cx="5486400" cy="4114800"/>
+          </a:xfrm>
+        </p:spPr>
+        <p:txBody>
+          <a:bodyPr lIns="91421" tIns="91421" rIns="91421" bIns="91421"/>
+          <a:lstStyle/>
+          <a:p>
+            <a:endParaRPr lang="it-IT"/>
+          </a:p>
+        </p:txBody>
+      </p:sp>
+      <p:sp>
+        <p:nvSpPr>
+          <p:cNvPr id="3" name="Google Shape;336;g70e28bffb8_2_316:notes">
+            <a:extLst>
+              <a:ext uri="{FF2B5EF4-FFF2-40B4-BE49-F238E27FC236}">
+                <a16:creationId xmlns:a16="http://schemas.microsoft.com/office/drawing/2014/main" id="{B64E2DA7-DCF0-4C96-801D-78CD4DD4E297}"/>
+              </a:ext>
+            </a:extLst>
+          </p:cNvPr>
+          <p:cNvSpPr>
+            <a:spLocks noGrp="1" noRot="1" noChangeAspect="1"/>
+          </p:cNvSpPr>
+          <p:nvPr>
+            <p:ph type="sldImg"/>
+          </p:nvPr>
+        </p:nvSpPr>
+        <p:spPr>
+          <a:xfrm>
+            <a:off x="381000" y="685800"/>
+            <a:ext cx="6096000" cy="3429000"/>
+          </a:xfrm>
+        </p:spPr>
+      </p:sp>
+    </p:spTree>
+    <p:extLst>
+      <p:ext uri="{BB962C8B-B14F-4D97-AF65-F5344CB8AC3E}">
+        <p14:creationId xmlns:p14="http://schemas.microsoft.com/office/powerpoint/2010/main" val="373009183"/>
+      </p:ext>
+    </p:extLst>
   </p:cSld>
   <p:clrMapOvr>
     <a:masterClrMapping/>
@@ -19505,6 +19836,9497 @@
     <p:extLst>
       <p:ext uri="{BB962C8B-B14F-4D97-AF65-F5344CB8AC3E}">
         <p14:creationId xmlns:p14="http://schemas.microsoft.com/office/powerpoint/2010/main" val="1520269695"/>
+      </p:ext>
+    </p:extLst>
+  </p:cSld>
+  <p:clrMapOvr>
+    <a:masterClrMapping/>
+  </p:clrMapOvr>
+</p:sld>
+</file>
+
+<file path=ppt/slides/slide15.xml><?xml version="1.0" encoding="utf-8"?>
+<p:sld xmlns:a="http://schemas.openxmlformats.org/drawingml/2006/main" xmlns:r="http://schemas.openxmlformats.org/officeDocument/2006/relationships" xmlns:p="http://schemas.openxmlformats.org/presentationml/2006/main">
+  <p:cSld>
+    <p:spTree>
+      <p:nvGrpSpPr>
+        <p:cNvPr id="1" name=""/>
+        <p:cNvGrpSpPr/>
+        <p:nvPr/>
+      </p:nvGrpSpPr>
+      <p:grpSpPr>
+        <a:xfrm>
+          <a:off x="0" y="0"/>
+          <a:ext cx="0" cy="0"/>
+          <a:chOff x="0" y="0"/>
+          <a:chExt cx="0" cy="0"/>
+        </a:xfrm>
+      </p:grpSpPr>
+      <p:sp>
+        <p:nvSpPr>
+          <p:cNvPr id="2" name="Google Shape;338;p39">
+            <a:extLst>
+              <a:ext uri="{FF2B5EF4-FFF2-40B4-BE49-F238E27FC236}">
+                <a16:creationId xmlns:a16="http://schemas.microsoft.com/office/drawing/2014/main" id="{526E08A6-471B-41C2-8D7D-87975710671B}"/>
+              </a:ext>
+            </a:extLst>
+          </p:cNvPr>
+          <p:cNvSpPr txBox="1">
+            <a:spLocks noGrp="1"/>
+          </p:cNvSpPr>
+          <p:nvPr>
+            <p:ph type="title"/>
+          </p:nvPr>
+        </p:nvSpPr>
+        <p:spPr>
+          <a:xfrm>
+            <a:off x="609600" y="48809"/>
+            <a:ext cx="10972800" cy="1143000"/>
+          </a:xfrm>
+        </p:spPr>
+        <p:txBody>
+          <a:bodyPr lIns="121898" tIns="60935" rIns="121898" bIns="60935">
+            <a:noAutofit/>
+          </a:bodyPr>
+          <a:lstStyle/>
+          <a:p>
+            <a:pPr lvl="0"/>
+            <a:r>
+              <a:rPr lang="es-419" sz="4000" dirty="0"/>
+              <a:t>Registrazione</a:t>
+            </a:r>
+          </a:p>
+        </p:txBody>
+      </p:sp>
+      <p:sp>
+        <p:nvSpPr>
+          <p:cNvPr id="3" name="Google Shape;339;p39">
+            <a:extLst>
+              <a:ext uri="{FF2B5EF4-FFF2-40B4-BE49-F238E27FC236}">
+                <a16:creationId xmlns:a16="http://schemas.microsoft.com/office/drawing/2014/main" id="{817DCDE5-FFE8-4305-B0EE-5F42C34505FF}"/>
+              </a:ext>
+            </a:extLst>
+          </p:cNvPr>
+          <p:cNvSpPr/>
+          <p:nvPr/>
+        </p:nvSpPr>
+        <p:spPr>
+          <a:xfrm>
+            <a:off x="1425301" y="1248515"/>
+            <a:ext cx="2060070" cy="367634"/>
+          </a:xfrm>
+          <a:prstGeom prst="rect">
+            <a:avLst/>
+          </a:prstGeom>
+          <a:solidFill>
+            <a:srgbClr val="FFFFFF"/>
+          </a:solidFill>
+          <a:ln w="25402" cap="flat">
+            <a:solidFill>
+              <a:srgbClr val="4472C4"/>
+            </a:solidFill>
+            <a:prstDash val="solid"/>
+            <a:round/>
+          </a:ln>
+        </p:spPr>
+        <p:txBody>
+          <a:bodyPr vert="horz" wrap="square" lIns="121898" tIns="60935" rIns="121898" bIns="60935" anchor="ctr" anchorCtr="1" compatLnSpc="1">
+            <a:noAutofit/>
+          </a:bodyPr>
+          <a:lstStyle/>
+          <a:p>
+            <a:pPr marL="0" marR="0" lvl="0" indent="0" algn="ctr" defTabSz="1219169" rtl="0" fontAlgn="auto" hangingPunct="1">
+              <a:lnSpc>
+                <a:spcPct val="100000"/>
+              </a:lnSpc>
+              <a:spcBef>
+                <a:spcPts val="0"/>
+              </a:spcBef>
+              <a:spcAft>
+                <a:spcPts val="0"/>
+              </a:spcAft>
+              <a:buNone/>
+              <a:tabLst/>
+              <a:defRPr sz="1800" b="0" i="0" u="none" strike="noStrike" kern="0" cap="none" spc="0" baseline="0">
+                <a:solidFill>
+                  <a:srgbClr val="000000"/>
+                </a:solidFill>
+                <a:uFillTx/>
+              </a:defRPr>
+            </a:pPr>
+            <a:r>
+              <a:rPr lang="it-IT" sz="1400" b="0" i="0" u="none" strike="noStrike" kern="0" cap="none" spc="0" baseline="0" dirty="0">
+                <a:solidFill>
+                  <a:srgbClr val="000000"/>
+                </a:solidFill>
+                <a:uFillTx/>
+                <a:latin typeface="Calibri"/>
+                <a:ea typeface="Calibri"/>
+                <a:cs typeface="Calibri"/>
+              </a:rPr>
+              <a:t>Registrazione</a:t>
+            </a:r>
+          </a:p>
+        </p:txBody>
+      </p:sp>
+      <p:cxnSp>
+        <p:nvCxnSpPr>
+          <p:cNvPr id="4" name="Google Shape;340;p39">
+            <a:extLst>
+              <a:ext uri="{FF2B5EF4-FFF2-40B4-BE49-F238E27FC236}">
+                <a16:creationId xmlns:a16="http://schemas.microsoft.com/office/drawing/2014/main" id="{D7F56118-F135-4AB6-8A70-7F0D6EEFA606}"/>
+              </a:ext>
+            </a:extLst>
+          </p:cNvPr>
+          <p:cNvCxnSpPr>
+            <a:cxnSpLocks/>
+            <a:stCxn id="3" idx="2"/>
+          </p:cNvCxnSpPr>
+          <p:nvPr/>
+        </p:nvCxnSpPr>
+        <p:spPr>
+          <a:xfrm flipH="1">
+            <a:off x="2406184" y="1616149"/>
+            <a:ext cx="49152" cy="5057853"/>
+          </a:xfrm>
+          <a:prstGeom prst="straightConnector1">
+            <a:avLst/>
+          </a:prstGeom>
+          <a:noFill/>
+          <a:ln w="38103" cap="flat">
+            <a:solidFill>
+              <a:srgbClr val="4472C4"/>
+            </a:solidFill>
+            <a:custDash>
+              <a:ds d="100000" sp="100000"/>
+            </a:custDash>
+            <a:round/>
+          </a:ln>
+          <a:effectLst>
+            <a:outerShdw dist="22997" dir="5400000" algn="tl">
+              <a:srgbClr val="000000">
+                <a:alpha val="34901"/>
+              </a:srgbClr>
+            </a:outerShdw>
+          </a:effectLst>
+        </p:spPr>
+      </p:cxnSp>
+      <p:cxnSp>
+        <p:nvCxnSpPr>
+          <p:cNvPr id="5" name="Google Shape;341;p39">
+            <a:extLst>
+              <a:ext uri="{FF2B5EF4-FFF2-40B4-BE49-F238E27FC236}">
+                <a16:creationId xmlns:a16="http://schemas.microsoft.com/office/drawing/2014/main" id="{2B6359AE-9B93-4926-A2CC-A97F7BBA796E}"/>
+              </a:ext>
+            </a:extLst>
+          </p:cNvPr>
+          <p:cNvCxnSpPr>
+            <a:cxnSpLocks/>
+          </p:cNvCxnSpPr>
+          <p:nvPr/>
+        </p:nvCxnSpPr>
+        <p:spPr>
+          <a:xfrm>
+            <a:off x="213653" y="2234451"/>
+            <a:ext cx="2090613" cy="0"/>
+          </a:xfrm>
+          <a:prstGeom prst="straightConnector1">
+            <a:avLst/>
+          </a:prstGeom>
+          <a:noFill/>
+          <a:ln w="25402" cap="flat">
+            <a:solidFill>
+              <a:srgbClr val="4472C4"/>
+            </a:solidFill>
+            <a:prstDash val="solid"/>
+            <a:round/>
+            <a:tailEnd type="arrow"/>
+          </a:ln>
+          <a:effectLst>
+            <a:outerShdw dist="19997" dir="5400000" algn="tl">
+              <a:srgbClr val="000000">
+                <a:alpha val="37647"/>
+              </a:srgbClr>
+            </a:outerShdw>
+          </a:effectLst>
+        </p:spPr>
+      </p:cxnSp>
+      <p:sp>
+        <p:nvSpPr>
+          <p:cNvPr id="6" name="Google Shape;342;p39">
+            <a:extLst>
+              <a:ext uri="{FF2B5EF4-FFF2-40B4-BE49-F238E27FC236}">
+                <a16:creationId xmlns:a16="http://schemas.microsoft.com/office/drawing/2014/main" id="{E4C2031B-6370-4C29-AC21-177468CFC913}"/>
+              </a:ext>
+            </a:extLst>
+          </p:cNvPr>
+          <p:cNvSpPr txBox="1"/>
+          <p:nvPr/>
+        </p:nvSpPr>
+        <p:spPr>
+          <a:xfrm>
+            <a:off x="187437" y="1795905"/>
+            <a:ext cx="1220842" cy="369335"/>
+          </a:xfrm>
+          <a:prstGeom prst="rect">
+            <a:avLst/>
+          </a:prstGeom>
+          <a:noFill/>
+          <a:ln cap="flat">
+            <a:noFill/>
+          </a:ln>
+        </p:spPr>
+        <p:txBody>
+          <a:bodyPr vert="horz" wrap="square" lIns="121898" tIns="60935" rIns="121898" bIns="60935" anchor="t" anchorCtr="0" compatLnSpc="1">
+            <a:noAutofit/>
+          </a:bodyPr>
+          <a:lstStyle/>
+          <a:p>
+            <a:pPr marL="0" marR="0" lvl="0" indent="0" algn="l" defTabSz="1219169" rtl="0" fontAlgn="auto" hangingPunct="1">
+              <a:lnSpc>
+                <a:spcPct val="100000"/>
+              </a:lnSpc>
+              <a:spcBef>
+                <a:spcPts val="0"/>
+              </a:spcBef>
+              <a:spcAft>
+                <a:spcPts val="0"/>
+              </a:spcAft>
+              <a:buNone/>
+              <a:tabLst/>
+              <a:defRPr sz="1800" b="0" i="0" u="none" strike="noStrike" kern="0" cap="none" spc="0" baseline="0">
+                <a:solidFill>
+                  <a:srgbClr val="000000"/>
+                </a:solidFill>
+                <a:uFillTx/>
+              </a:defRPr>
+            </a:pPr>
+            <a:r>
+              <a:rPr lang="es-419" sz="2400" b="0" i="0" u="none" strike="noStrike" kern="0" cap="none" spc="0" baseline="0">
+                <a:solidFill>
+                  <a:srgbClr val="000000"/>
+                </a:solidFill>
+                <a:uFillTx/>
+                <a:latin typeface="Calibri"/>
+                <a:ea typeface="Calibri"/>
+                <a:cs typeface="Calibri"/>
+              </a:rPr>
+              <a:t>doPOST</a:t>
+            </a:r>
+          </a:p>
+        </p:txBody>
+      </p:sp>
+      <p:sp>
+        <p:nvSpPr>
+          <p:cNvPr id="10" name="Google Shape;351;p39">
+            <a:extLst>
+              <a:ext uri="{FF2B5EF4-FFF2-40B4-BE49-F238E27FC236}">
+                <a16:creationId xmlns:a16="http://schemas.microsoft.com/office/drawing/2014/main" id="{12FB711D-3C15-405B-894B-F4C8FAB4A595}"/>
+              </a:ext>
+            </a:extLst>
+          </p:cNvPr>
+          <p:cNvSpPr/>
+          <p:nvPr/>
+        </p:nvSpPr>
+        <p:spPr>
+          <a:xfrm>
+            <a:off x="2269729" y="1865554"/>
+            <a:ext cx="353397" cy="4689989"/>
+          </a:xfrm>
+          <a:prstGeom prst="rect">
+            <a:avLst/>
+          </a:prstGeom>
+          <a:solidFill>
+            <a:srgbClr val="FFFFFF"/>
+          </a:solidFill>
+          <a:ln w="25402" cap="flat">
+            <a:solidFill>
+              <a:srgbClr val="4472C4"/>
+            </a:solidFill>
+            <a:prstDash val="solid"/>
+            <a:round/>
+          </a:ln>
+        </p:spPr>
+        <p:txBody>
+          <a:bodyPr vert="horz" wrap="square" lIns="121898" tIns="60935" rIns="121898" bIns="60935" anchor="ctr" anchorCtr="1" compatLnSpc="1">
+            <a:noAutofit/>
+          </a:bodyPr>
+          <a:lstStyle/>
+          <a:p>
+            <a:pPr marL="0" marR="0" lvl="0" indent="0" algn="ctr" defTabSz="1219169" rtl="0" fontAlgn="auto" hangingPunct="1">
+              <a:lnSpc>
+                <a:spcPct val="100000"/>
+              </a:lnSpc>
+              <a:spcBef>
+                <a:spcPts val="0"/>
+              </a:spcBef>
+              <a:spcAft>
+                <a:spcPts val="0"/>
+              </a:spcAft>
+              <a:buNone/>
+              <a:tabLst/>
+              <a:defRPr sz="1800" b="0" i="0" u="none" strike="noStrike" kern="0" cap="none" spc="0" baseline="0">
+                <a:solidFill>
+                  <a:srgbClr val="000000"/>
+                </a:solidFill>
+                <a:uFillTx/>
+              </a:defRPr>
+            </a:pPr>
+            <a:endParaRPr lang="it-IT" sz="2400" b="0" i="0" u="none" strike="noStrike" kern="0" cap="none" spc="0" baseline="0">
+              <a:solidFill>
+                <a:srgbClr val="000000"/>
+              </a:solidFill>
+              <a:uFillTx/>
+              <a:latin typeface="Calibri"/>
+              <a:ea typeface="Calibri"/>
+              <a:cs typeface="Calibri"/>
+            </a:endParaRPr>
+          </a:p>
+        </p:txBody>
+      </p:sp>
+      <p:cxnSp>
+        <p:nvCxnSpPr>
+          <p:cNvPr id="11" name="Google Shape;352;p39">
+            <a:extLst>
+              <a:ext uri="{FF2B5EF4-FFF2-40B4-BE49-F238E27FC236}">
+                <a16:creationId xmlns:a16="http://schemas.microsoft.com/office/drawing/2014/main" id="{EF9CE75F-2A48-419C-A107-FEEDF1A58F30}"/>
+              </a:ext>
+            </a:extLst>
+          </p:cNvPr>
+          <p:cNvCxnSpPr>
+            <a:cxnSpLocks/>
+          </p:cNvCxnSpPr>
+          <p:nvPr/>
+        </p:nvCxnSpPr>
+        <p:spPr>
+          <a:xfrm>
+            <a:off x="2615760" y="2288917"/>
+            <a:ext cx="1921677" cy="0"/>
+          </a:xfrm>
+          <a:prstGeom prst="straightConnector1">
+            <a:avLst/>
+          </a:prstGeom>
+          <a:noFill/>
+          <a:ln w="25402" cap="flat">
+            <a:solidFill>
+              <a:srgbClr val="4472C4"/>
+            </a:solidFill>
+            <a:prstDash val="solid"/>
+            <a:round/>
+            <a:tailEnd type="arrow"/>
+          </a:ln>
+          <a:effectLst>
+            <a:outerShdw dist="19997" dir="5400000" algn="tl">
+              <a:srgbClr val="000000">
+                <a:alpha val="37650"/>
+              </a:srgbClr>
+            </a:outerShdw>
+          </a:effectLst>
+        </p:spPr>
+      </p:cxnSp>
+      <p:sp>
+        <p:nvSpPr>
+          <p:cNvPr id="12" name="Google Shape;354;p39">
+            <a:extLst>
+              <a:ext uri="{FF2B5EF4-FFF2-40B4-BE49-F238E27FC236}">
+                <a16:creationId xmlns:a16="http://schemas.microsoft.com/office/drawing/2014/main" id="{397A677C-D0CA-4396-A52B-85DD34C8DEEE}"/>
+              </a:ext>
+            </a:extLst>
+          </p:cNvPr>
+          <p:cNvSpPr txBox="1"/>
+          <p:nvPr/>
+        </p:nvSpPr>
+        <p:spPr>
+          <a:xfrm>
+            <a:off x="216085" y="2727029"/>
+            <a:ext cx="1975865" cy="2066818"/>
+          </a:xfrm>
+          <a:prstGeom prst="rect">
+            <a:avLst/>
+          </a:prstGeom>
+          <a:noFill/>
+          <a:ln cap="flat">
+            <a:noFill/>
+          </a:ln>
+        </p:spPr>
+        <p:txBody>
+          <a:bodyPr vert="horz" wrap="square" lIns="121898" tIns="60935" rIns="121898" bIns="60935" anchor="t" anchorCtr="0" compatLnSpc="1">
+            <a:noAutofit/>
+          </a:bodyPr>
+          <a:lstStyle/>
+          <a:p>
+            <a:pPr marL="0" marR="0" lvl="0" indent="0" algn="l" defTabSz="1219169" rtl="0" fontAlgn="auto" hangingPunct="1">
+              <a:lnSpc>
+                <a:spcPct val="100000"/>
+              </a:lnSpc>
+              <a:spcBef>
+                <a:spcPts val="0"/>
+              </a:spcBef>
+              <a:spcAft>
+                <a:spcPts val="0"/>
+              </a:spcAft>
+              <a:buNone/>
+              <a:tabLst/>
+              <a:defRPr sz="1800" b="0" i="0" u="none" strike="noStrike" kern="0" cap="none" spc="0" baseline="0">
+                <a:solidFill>
+                  <a:srgbClr val="000000"/>
+                </a:solidFill>
+                <a:uFillTx/>
+              </a:defRPr>
+            </a:pPr>
+            <a:r>
+              <a:rPr lang="it-IT" sz="1400" b="0" i="0" u="none" strike="noStrike" kern="0" cap="none" spc="0" baseline="0" dirty="0">
+                <a:solidFill>
+                  <a:srgbClr val="000000"/>
+                </a:solidFill>
+                <a:uFillTx/>
+                <a:latin typeface="Calibri"/>
+                <a:ea typeface="Calibri"/>
+                <a:cs typeface="Calibri"/>
+              </a:rPr>
+              <a:t>POST</a:t>
+            </a:r>
+          </a:p>
+          <a:p>
+            <a:pPr marL="0" marR="0" lvl="0" indent="0" algn="l" defTabSz="1219169" rtl="0" fontAlgn="auto" hangingPunct="1">
+              <a:lnSpc>
+                <a:spcPct val="100000"/>
+              </a:lnSpc>
+              <a:spcBef>
+                <a:spcPts val="0"/>
+              </a:spcBef>
+              <a:spcAft>
+                <a:spcPts val="0"/>
+              </a:spcAft>
+              <a:buNone/>
+              <a:tabLst/>
+              <a:defRPr sz="1800" b="0" i="0" u="none" strike="noStrike" kern="0" cap="none" spc="0" baseline="0">
+                <a:solidFill>
+                  <a:srgbClr val="000000"/>
+                </a:solidFill>
+                <a:uFillTx/>
+              </a:defRPr>
+            </a:pPr>
+            <a:r>
+              <a:rPr lang="it-IT" sz="1400" b="0" i="0" u="none" strike="noStrike" kern="0" cap="none" spc="0" baseline="0" dirty="0">
+                <a:solidFill>
+                  <a:srgbClr val="000000"/>
+                </a:solidFill>
+                <a:uFillTx/>
+                <a:latin typeface="Calibri"/>
+                <a:ea typeface="Calibri"/>
+                <a:cs typeface="Calibri"/>
+              </a:rPr>
+              <a:t>/Registrazione</a:t>
+            </a:r>
+          </a:p>
+          <a:p>
+            <a:pPr marL="0" marR="0" lvl="0" indent="0" algn="l" defTabSz="1219169" rtl="0" fontAlgn="auto" hangingPunct="1">
+              <a:lnSpc>
+                <a:spcPct val="100000"/>
+              </a:lnSpc>
+              <a:spcBef>
+                <a:spcPts val="0"/>
+              </a:spcBef>
+              <a:spcAft>
+                <a:spcPts val="0"/>
+              </a:spcAft>
+              <a:buNone/>
+              <a:tabLst/>
+              <a:defRPr sz="1800" b="0" i="0" u="none" strike="noStrike" kern="0" cap="none" spc="0" baseline="0">
+                <a:solidFill>
+                  <a:srgbClr val="000000"/>
+                </a:solidFill>
+                <a:uFillTx/>
+              </a:defRPr>
+            </a:pPr>
+            <a:r>
+              <a:rPr lang="it-IT" sz="1400" b="0" i="0" u="none" strike="noStrike" kern="0" cap="none" spc="0" baseline="0" dirty="0">
+                <a:solidFill>
+                  <a:srgbClr val="000000"/>
+                </a:solidFill>
+                <a:uFillTx/>
+                <a:latin typeface="Calibri"/>
+                <a:ea typeface="Calibri"/>
+                <a:cs typeface="Calibri"/>
+              </a:rPr>
+              <a:t>Username,</a:t>
+            </a:r>
+          </a:p>
+          <a:p>
+            <a:pPr marL="0" marR="0" lvl="0" indent="0" algn="l" defTabSz="1219169" rtl="0" fontAlgn="auto" hangingPunct="1">
+              <a:lnSpc>
+                <a:spcPct val="100000"/>
+              </a:lnSpc>
+              <a:spcBef>
+                <a:spcPts val="0"/>
+              </a:spcBef>
+              <a:spcAft>
+                <a:spcPts val="0"/>
+              </a:spcAft>
+              <a:buNone/>
+              <a:tabLst/>
+              <a:defRPr sz="1800" b="0" i="0" u="none" strike="noStrike" kern="0" cap="none" spc="0" baseline="0">
+                <a:solidFill>
+                  <a:srgbClr val="000000"/>
+                </a:solidFill>
+                <a:uFillTx/>
+              </a:defRPr>
+            </a:pPr>
+            <a:r>
+              <a:rPr lang="it-IT" sz="1400" kern="0" dirty="0">
+                <a:solidFill>
+                  <a:srgbClr val="000000"/>
+                </a:solidFill>
+                <a:latin typeface="Calibri"/>
+                <a:ea typeface="Calibri"/>
+                <a:cs typeface="Calibri"/>
+              </a:rPr>
+              <a:t>Password/2</a:t>
+            </a:r>
+          </a:p>
+          <a:p>
+            <a:pPr marL="0" marR="0" lvl="0" indent="0" algn="l" defTabSz="1219169" rtl="0" fontAlgn="auto" hangingPunct="1">
+              <a:lnSpc>
+                <a:spcPct val="100000"/>
+              </a:lnSpc>
+              <a:spcBef>
+                <a:spcPts val="0"/>
+              </a:spcBef>
+              <a:spcAft>
+                <a:spcPts val="0"/>
+              </a:spcAft>
+              <a:buNone/>
+              <a:tabLst/>
+              <a:defRPr sz="1800" b="0" i="0" u="none" strike="noStrike" kern="0" cap="none" spc="0" baseline="0">
+                <a:solidFill>
+                  <a:srgbClr val="000000"/>
+                </a:solidFill>
+                <a:uFillTx/>
+              </a:defRPr>
+            </a:pPr>
+            <a:r>
+              <a:rPr lang="it-IT" sz="1400" b="0" i="0" u="none" strike="noStrike" kern="0" cap="none" spc="0" baseline="0" dirty="0">
+                <a:solidFill>
+                  <a:srgbClr val="000000"/>
+                </a:solidFill>
+                <a:uFillTx/>
+                <a:latin typeface="Calibri"/>
+                <a:ea typeface="Calibri"/>
+                <a:cs typeface="Calibri"/>
+              </a:rPr>
+              <a:t>nome</a:t>
+            </a:r>
+          </a:p>
+          <a:p>
+            <a:pPr marL="0" marR="0" lvl="0" indent="0" algn="l" defTabSz="1219169" rtl="0" fontAlgn="auto" hangingPunct="1">
+              <a:lnSpc>
+                <a:spcPct val="100000"/>
+              </a:lnSpc>
+              <a:spcBef>
+                <a:spcPts val="0"/>
+              </a:spcBef>
+              <a:spcAft>
+                <a:spcPts val="0"/>
+              </a:spcAft>
+              <a:buNone/>
+              <a:tabLst/>
+              <a:defRPr sz="1800" b="0" i="0" u="none" strike="noStrike" kern="0" cap="none" spc="0" baseline="0">
+                <a:solidFill>
+                  <a:srgbClr val="000000"/>
+                </a:solidFill>
+                <a:uFillTx/>
+              </a:defRPr>
+            </a:pPr>
+            <a:r>
+              <a:rPr lang="it-IT" sz="1400" kern="0" dirty="0">
+                <a:solidFill>
+                  <a:srgbClr val="000000"/>
+                </a:solidFill>
+                <a:latin typeface="Calibri"/>
+                <a:ea typeface="Calibri"/>
+                <a:cs typeface="Calibri"/>
+              </a:rPr>
+              <a:t>cognome</a:t>
+            </a:r>
+            <a:endParaRPr lang="it-IT" sz="1400" b="0" i="0" u="none" strike="noStrike" kern="0" cap="none" spc="0" baseline="0" dirty="0">
+              <a:solidFill>
+                <a:srgbClr val="000000"/>
+              </a:solidFill>
+              <a:uFillTx/>
+              <a:latin typeface="Calibri"/>
+              <a:ea typeface="Calibri"/>
+              <a:cs typeface="Calibri"/>
+            </a:endParaRPr>
+          </a:p>
+          <a:p>
+            <a:pPr marL="0" marR="0" lvl="0" indent="0" algn="l" defTabSz="1219169" rtl="0" fontAlgn="auto" hangingPunct="1">
+              <a:lnSpc>
+                <a:spcPct val="100000"/>
+              </a:lnSpc>
+              <a:spcBef>
+                <a:spcPts val="0"/>
+              </a:spcBef>
+              <a:spcAft>
+                <a:spcPts val="0"/>
+              </a:spcAft>
+              <a:buNone/>
+              <a:tabLst/>
+              <a:defRPr sz="1800" b="0" i="0" u="none" strike="noStrike" kern="0" cap="none" spc="0" baseline="0">
+                <a:solidFill>
+                  <a:srgbClr val="000000"/>
+                </a:solidFill>
+                <a:uFillTx/>
+              </a:defRPr>
+            </a:pPr>
+            <a:r>
+              <a:rPr lang="it-IT" sz="1400" b="0" i="0" u="none" strike="noStrike" kern="0" cap="none" spc="0" baseline="0" dirty="0">
+                <a:solidFill>
+                  <a:srgbClr val="000000"/>
+                </a:solidFill>
+                <a:uFillTx/>
+                <a:latin typeface="Calibri"/>
+                <a:ea typeface="Calibri"/>
+                <a:cs typeface="Calibri"/>
+              </a:rPr>
+              <a:t>From: </a:t>
+            </a:r>
+          </a:p>
+          <a:p>
+            <a:pPr marL="0" marR="0" lvl="0" indent="0" algn="l" defTabSz="1219169" rtl="0" fontAlgn="auto" hangingPunct="1">
+              <a:lnSpc>
+                <a:spcPct val="100000"/>
+              </a:lnSpc>
+              <a:spcBef>
+                <a:spcPts val="0"/>
+              </a:spcBef>
+              <a:spcAft>
+                <a:spcPts val="0"/>
+              </a:spcAft>
+              <a:buNone/>
+              <a:tabLst/>
+              <a:defRPr sz="1800" b="0" i="0" u="none" strike="noStrike" kern="0" cap="none" spc="0" baseline="0">
+                <a:solidFill>
+                  <a:srgbClr val="000000"/>
+                </a:solidFill>
+                <a:uFillTx/>
+              </a:defRPr>
+            </a:pPr>
+            <a:r>
+              <a:rPr lang="it-IT" sz="1400" kern="0" dirty="0" err="1">
+                <a:solidFill>
+                  <a:srgbClr val="000000"/>
+                </a:solidFill>
+                <a:latin typeface="Calibri"/>
+                <a:ea typeface="Calibri"/>
+                <a:cs typeface="Calibri"/>
+              </a:rPr>
+              <a:t>Registrazione.jsp</a:t>
+            </a:r>
+            <a:endParaRPr lang="it-IT" sz="1400" b="0" i="0" u="none" strike="noStrike" kern="0" cap="none" spc="0" baseline="0" dirty="0">
+              <a:solidFill>
+                <a:srgbClr val="000000"/>
+              </a:solidFill>
+              <a:uFillTx/>
+              <a:latin typeface="Calibri"/>
+              <a:ea typeface="Calibri"/>
+              <a:cs typeface="Calibri"/>
+            </a:endParaRPr>
+          </a:p>
+          <a:p>
+            <a:pPr marL="0" marR="0" lvl="0" indent="0" algn="l" defTabSz="1219169" rtl="0" fontAlgn="auto" hangingPunct="1">
+              <a:lnSpc>
+                <a:spcPct val="100000"/>
+              </a:lnSpc>
+              <a:spcBef>
+                <a:spcPts val="0"/>
+              </a:spcBef>
+              <a:spcAft>
+                <a:spcPts val="0"/>
+              </a:spcAft>
+              <a:buNone/>
+              <a:tabLst/>
+              <a:defRPr sz="1800" b="0" i="0" u="none" strike="noStrike" kern="0" cap="none" spc="0" baseline="0">
+                <a:solidFill>
+                  <a:srgbClr val="000000"/>
+                </a:solidFill>
+                <a:uFillTx/>
+              </a:defRPr>
+            </a:pPr>
+            <a:endParaRPr lang="it-IT" sz="1400" b="0" i="0" u="none" strike="noStrike" kern="0" cap="none" spc="0" baseline="0" dirty="0">
+              <a:solidFill>
+                <a:srgbClr val="000000"/>
+              </a:solidFill>
+              <a:uFillTx/>
+              <a:latin typeface="Calibri"/>
+              <a:ea typeface="Calibri"/>
+              <a:cs typeface="Calibri"/>
+            </a:endParaRPr>
+          </a:p>
+        </p:txBody>
+      </p:sp>
+      <p:sp>
+        <p:nvSpPr>
+          <p:cNvPr id="13" name="Google Shape;298;p37">
+            <a:extLst>
+              <a:ext uri="{FF2B5EF4-FFF2-40B4-BE49-F238E27FC236}">
+                <a16:creationId xmlns:a16="http://schemas.microsoft.com/office/drawing/2014/main" id="{315BDA54-DC43-4B16-AC2C-307F13E8184C}"/>
+              </a:ext>
+            </a:extLst>
+          </p:cNvPr>
+          <p:cNvSpPr txBox="1"/>
+          <p:nvPr/>
+        </p:nvSpPr>
+        <p:spPr>
+          <a:xfrm>
+            <a:off x="2615758" y="1871587"/>
+            <a:ext cx="1880781" cy="338401"/>
+          </a:xfrm>
+          <a:prstGeom prst="rect">
+            <a:avLst/>
+          </a:prstGeom>
+          <a:noFill/>
+          <a:ln cap="flat">
+            <a:noFill/>
+          </a:ln>
+        </p:spPr>
+        <p:txBody>
+          <a:bodyPr vert="horz" wrap="square" lIns="121898" tIns="60935" rIns="121898" bIns="60935" anchor="t" anchorCtr="1" compatLnSpc="1">
+            <a:noAutofit/>
+          </a:bodyPr>
+          <a:lstStyle/>
+          <a:p>
+            <a:pPr marL="0" marR="0" lvl="0" indent="0" algn="ctr" defTabSz="1219169" rtl="0" fontAlgn="auto" hangingPunct="1">
+              <a:lnSpc>
+                <a:spcPct val="100000"/>
+              </a:lnSpc>
+              <a:spcBef>
+                <a:spcPts val="0"/>
+              </a:spcBef>
+              <a:spcAft>
+                <a:spcPts val="0"/>
+              </a:spcAft>
+              <a:buNone/>
+              <a:tabLst/>
+              <a:defRPr sz="1800" b="0" i="0" u="none" strike="noStrike" kern="0" cap="none" spc="0" baseline="0">
+                <a:solidFill>
+                  <a:srgbClr val="000000"/>
+                </a:solidFill>
+                <a:uFillTx/>
+              </a:defRPr>
+            </a:pPr>
+            <a:r>
+              <a:rPr lang="es-419" sz="1200" kern="0" dirty="0">
+                <a:solidFill>
+                  <a:srgbClr val="000000"/>
+                </a:solidFill>
+                <a:latin typeface="Calibri"/>
+                <a:ea typeface="Calibri"/>
+                <a:cs typeface="Calibri"/>
+              </a:rPr>
+              <a:t>getParameter(username)</a:t>
+            </a:r>
+            <a:endParaRPr lang="es-419" sz="1100" b="0" i="0" u="none" strike="noStrike" kern="0" cap="none" spc="0" baseline="0" dirty="0">
+              <a:solidFill>
+                <a:srgbClr val="000000"/>
+              </a:solidFill>
+              <a:uFillTx/>
+              <a:latin typeface="Calibri"/>
+              <a:ea typeface="Calibri"/>
+              <a:cs typeface="Calibri"/>
+            </a:endParaRPr>
+          </a:p>
+        </p:txBody>
+      </p:sp>
+      <p:sp>
+        <p:nvSpPr>
+          <p:cNvPr id="14" name="Google Shape;343;p39">
+            <a:extLst>
+              <a:ext uri="{FF2B5EF4-FFF2-40B4-BE49-F238E27FC236}">
+                <a16:creationId xmlns:a16="http://schemas.microsoft.com/office/drawing/2014/main" id="{36E0ECD9-5EA2-4351-A9B9-01C488790E43}"/>
+              </a:ext>
+            </a:extLst>
+          </p:cNvPr>
+          <p:cNvSpPr/>
+          <p:nvPr/>
+        </p:nvSpPr>
+        <p:spPr>
+          <a:xfrm>
+            <a:off x="4539716" y="1899849"/>
+            <a:ext cx="457664" cy="2164768"/>
+          </a:xfrm>
+          <a:prstGeom prst="rect">
+            <a:avLst/>
+          </a:prstGeom>
+          <a:solidFill>
+            <a:srgbClr val="FFFFFF"/>
+          </a:solidFill>
+          <a:ln w="25402" cap="flat">
+            <a:solidFill>
+              <a:srgbClr val="4472C4"/>
+            </a:solidFill>
+            <a:prstDash val="solid"/>
+            <a:round/>
+          </a:ln>
+        </p:spPr>
+        <p:txBody>
+          <a:bodyPr vert="horz" wrap="square" lIns="121898" tIns="60935" rIns="121898" bIns="60935" anchor="ctr" anchorCtr="1" compatLnSpc="1">
+            <a:noAutofit/>
+          </a:bodyPr>
+          <a:lstStyle/>
+          <a:p>
+            <a:pPr marL="0" marR="0" lvl="0" indent="0" algn="ctr" defTabSz="1219169" rtl="0" fontAlgn="auto" hangingPunct="1">
+              <a:lnSpc>
+                <a:spcPct val="100000"/>
+              </a:lnSpc>
+              <a:spcBef>
+                <a:spcPts val="0"/>
+              </a:spcBef>
+              <a:spcAft>
+                <a:spcPts val="0"/>
+              </a:spcAft>
+              <a:buNone/>
+              <a:tabLst/>
+              <a:defRPr sz="1800" b="0" i="0" u="none" strike="noStrike" kern="0" cap="none" spc="0" baseline="0">
+                <a:solidFill>
+                  <a:srgbClr val="000000"/>
+                </a:solidFill>
+                <a:uFillTx/>
+              </a:defRPr>
+            </a:pPr>
+            <a:endParaRPr lang="it-IT" sz="2400" b="0" i="0" u="none" strike="noStrike" kern="0" cap="none" spc="0" baseline="0" dirty="0">
+              <a:solidFill>
+                <a:srgbClr val="000000"/>
+              </a:solidFill>
+              <a:uFillTx/>
+              <a:latin typeface="Calibri"/>
+              <a:ea typeface="Calibri"/>
+              <a:cs typeface="Calibri"/>
+            </a:endParaRPr>
+          </a:p>
+        </p:txBody>
+      </p:sp>
+      <p:sp>
+        <p:nvSpPr>
+          <p:cNvPr id="15" name="Google Shape;349;p39">
+            <a:extLst>
+              <a:ext uri="{FF2B5EF4-FFF2-40B4-BE49-F238E27FC236}">
+                <a16:creationId xmlns:a16="http://schemas.microsoft.com/office/drawing/2014/main" id="{1CB8FDCA-BC28-41BA-A3A3-155DE8B23331}"/>
+              </a:ext>
+            </a:extLst>
+          </p:cNvPr>
+          <p:cNvSpPr/>
+          <p:nvPr/>
+        </p:nvSpPr>
+        <p:spPr>
+          <a:xfrm>
+            <a:off x="3854120" y="1248515"/>
+            <a:ext cx="1799914" cy="385392"/>
+          </a:xfrm>
+          <a:prstGeom prst="rect">
+            <a:avLst/>
+          </a:prstGeom>
+          <a:solidFill>
+            <a:srgbClr val="FFFFFF"/>
+          </a:solidFill>
+          <a:ln w="25402" cap="flat">
+            <a:solidFill>
+              <a:srgbClr val="4472C4"/>
+            </a:solidFill>
+            <a:prstDash val="solid"/>
+            <a:round/>
+          </a:ln>
+        </p:spPr>
+        <p:txBody>
+          <a:bodyPr vert="horz" wrap="square" lIns="121898" tIns="60935" rIns="121898" bIns="60935" anchor="ctr" anchorCtr="1" compatLnSpc="1">
+            <a:noAutofit/>
+          </a:bodyPr>
+          <a:lstStyle/>
+          <a:p>
+            <a:pPr marL="0" marR="0" lvl="0" indent="0" algn="ctr" defTabSz="1219169" rtl="0" fontAlgn="auto" hangingPunct="1">
+              <a:lnSpc>
+                <a:spcPct val="100000"/>
+              </a:lnSpc>
+              <a:spcBef>
+                <a:spcPts val="0"/>
+              </a:spcBef>
+              <a:spcAft>
+                <a:spcPts val="0"/>
+              </a:spcAft>
+              <a:buNone/>
+              <a:tabLst/>
+              <a:defRPr sz="1800" b="0" i="0" u="none" strike="noStrike" kern="0" cap="none" spc="0" baseline="0">
+                <a:solidFill>
+                  <a:srgbClr val="000000"/>
+                </a:solidFill>
+                <a:uFillTx/>
+              </a:defRPr>
+            </a:pPr>
+            <a:r>
+              <a:rPr lang="es-419" sz="1400" b="0" i="0" u="none" strike="noStrike" kern="0" cap="none" spc="0" baseline="0" dirty="0">
+                <a:solidFill>
+                  <a:srgbClr val="000000"/>
+                </a:solidFill>
+                <a:uFillTx/>
+                <a:latin typeface="Calibri"/>
+                <a:ea typeface="Calibri"/>
+                <a:cs typeface="Calibri"/>
+              </a:rPr>
+              <a:t>Request</a:t>
+            </a:r>
+          </a:p>
+        </p:txBody>
+      </p:sp>
+      <p:cxnSp>
+        <p:nvCxnSpPr>
+          <p:cNvPr id="16" name="Google Shape;350;p39">
+            <a:extLst>
+              <a:ext uri="{FF2B5EF4-FFF2-40B4-BE49-F238E27FC236}">
+                <a16:creationId xmlns:a16="http://schemas.microsoft.com/office/drawing/2014/main" id="{BAAEC16D-424A-4180-88CB-D14C0AEFE3D9}"/>
+              </a:ext>
+            </a:extLst>
+          </p:cNvPr>
+          <p:cNvCxnSpPr>
+            <a:cxnSpLocks/>
+            <a:stCxn id="15" idx="2"/>
+          </p:cNvCxnSpPr>
+          <p:nvPr/>
+        </p:nvCxnSpPr>
+        <p:spPr>
+          <a:xfrm>
+            <a:off x="4754077" y="1633907"/>
+            <a:ext cx="5" cy="2425679"/>
+          </a:xfrm>
+          <a:prstGeom prst="straightConnector1">
+            <a:avLst/>
+          </a:prstGeom>
+          <a:noFill/>
+          <a:ln w="38103" cap="flat">
+            <a:solidFill>
+              <a:srgbClr val="4472C4"/>
+            </a:solidFill>
+            <a:custDash>
+              <a:ds d="100000" sp="100000"/>
+            </a:custDash>
+            <a:round/>
+          </a:ln>
+          <a:effectLst>
+            <a:outerShdw dist="22997" dir="5400000" algn="tl">
+              <a:srgbClr val="000000">
+                <a:alpha val="34900"/>
+              </a:srgbClr>
+            </a:outerShdw>
+          </a:effectLst>
+        </p:spPr>
+      </p:cxnSp>
+      <p:sp>
+        <p:nvSpPr>
+          <p:cNvPr id="20" name="Google Shape;349;p39">
+            <a:extLst>
+              <a:ext uri="{FF2B5EF4-FFF2-40B4-BE49-F238E27FC236}">
+                <a16:creationId xmlns:a16="http://schemas.microsoft.com/office/drawing/2014/main" id="{E57A84E2-B9BC-4075-8BD0-0B5283E613BE}"/>
+              </a:ext>
+            </a:extLst>
+          </p:cNvPr>
+          <p:cNvSpPr/>
+          <p:nvPr/>
+        </p:nvSpPr>
+        <p:spPr>
+          <a:xfrm>
+            <a:off x="9552049" y="1219540"/>
+            <a:ext cx="2189603" cy="388902"/>
+          </a:xfrm>
+          <a:prstGeom prst="rect">
+            <a:avLst/>
+          </a:prstGeom>
+          <a:solidFill>
+            <a:srgbClr val="FFFFFF"/>
+          </a:solidFill>
+          <a:ln w="25402" cap="flat">
+            <a:solidFill>
+              <a:srgbClr val="4472C4"/>
+            </a:solidFill>
+            <a:prstDash val="solid"/>
+            <a:round/>
+          </a:ln>
+        </p:spPr>
+        <p:txBody>
+          <a:bodyPr vert="horz" wrap="square" lIns="121898" tIns="60935" rIns="121898" bIns="60935" anchor="ctr" anchorCtr="1" compatLnSpc="1">
+            <a:noAutofit/>
+          </a:bodyPr>
+          <a:lstStyle/>
+          <a:p>
+            <a:pPr marL="0" marR="0" lvl="0" indent="0" algn="ctr" defTabSz="1219169" rtl="0" fontAlgn="auto" hangingPunct="1">
+              <a:lnSpc>
+                <a:spcPct val="100000"/>
+              </a:lnSpc>
+              <a:spcBef>
+                <a:spcPts val="0"/>
+              </a:spcBef>
+              <a:spcAft>
+                <a:spcPts val="0"/>
+              </a:spcAft>
+              <a:buNone/>
+              <a:tabLst/>
+              <a:defRPr sz="1800" b="0" i="0" u="none" strike="noStrike" kern="0" cap="none" spc="0" baseline="0">
+                <a:solidFill>
+                  <a:srgbClr val="000000"/>
+                </a:solidFill>
+                <a:uFillTx/>
+              </a:defRPr>
+            </a:pPr>
+            <a:r>
+              <a:rPr lang="es-419" sz="1400" kern="0" dirty="0">
+                <a:solidFill>
+                  <a:srgbClr val="000000"/>
+                </a:solidFill>
+                <a:latin typeface="Calibri"/>
+                <a:ea typeface="Calibri"/>
+                <a:cs typeface="Calibri"/>
+              </a:rPr>
+              <a:t>login.html</a:t>
+            </a:r>
+            <a:endParaRPr lang="es-419" sz="1400" b="0" i="0" u="none" strike="noStrike" kern="0" cap="none" spc="0" baseline="0" dirty="0">
+              <a:solidFill>
+                <a:srgbClr val="000000"/>
+              </a:solidFill>
+              <a:uFillTx/>
+              <a:latin typeface="Calibri"/>
+              <a:ea typeface="Calibri"/>
+              <a:cs typeface="Calibri"/>
+            </a:endParaRPr>
+          </a:p>
+        </p:txBody>
+      </p:sp>
+      <p:cxnSp>
+        <p:nvCxnSpPr>
+          <p:cNvPr id="21" name="Google Shape;350;p39">
+            <a:extLst>
+              <a:ext uri="{FF2B5EF4-FFF2-40B4-BE49-F238E27FC236}">
+                <a16:creationId xmlns:a16="http://schemas.microsoft.com/office/drawing/2014/main" id="{F0A751DF-8D47-4327-A8EF-1F833DADD388}"/>
+              </a:ext>
+            </a:extLst>
+          </p:cNvPr>
+          <p:cNvCxnSpPr>
+            <a:cxnSpLocks/>
+          </p:cNvCxnSpPr>
+          <p:nvPr/>
+        </p:nvCxnSpPr>
+        <p:spPr>
+          <a:xfrm>
+            <a:off x="10649756" y="1573005"/>
+            <a:ext cx="0" cy="5100997"/>
+          </a:xfrm>
+          <a:prstGeom prst="straightConnector1">
+            <a:avLst/>
+          </a:prstGeom>
+          <a:noFill/>
+          <a:ln w="38103" cap="flat">
+            <a:solidFill>
+              <a:srgbClr val="4472C4"/>
+            </a:solidFill>
+            <a:custDash>
+              <a:ds d="100000" sp="100000"/>
+            </a:custDash>
+            <a:round/>
+          </a:ln>
+          <a:effectLst>
+            <a:outerShdw dist="22997" dir="5400000" algn="tl">
+              <a:srgbClr val="000000">
+                <a:alpha val="34900"/>
+              </a:srgbClr>
+            </a:outerShdw>
+          </a:effectLst>
+        </p:spPr>
+      </p:cxnSp>
+      <p:sp>
+        <p:nvSpPr>
+          <p:cNvPr id="22" name="Google Shape;349;p39">
+            <a:extLst>
+              <a:ext uri="{FF2B5EF4-FFF2-40B4-BE49-F238E27FC236}">
+                <a16:creationId xmlns:a16="http://schemas.microsoft.com/office/drawing/2014/main" id="{D5335C9E-3831-441A-A9A7-C16CA83590C2}"/>
+              </a:ext>
+            </a:extLst>
+          </p:cNvPr>
+          <p:cNvSpPr/>
+          <p:nvPr/>
+        </p:nvSpPr>
+        <p:spPr>
+          <a:xfrm>
+            <a:off x="7625801" y="1238372"/>
+            <a:ext cx="1814534" cy="383865"/>
+          </a:xfrm>
+          <a:prstGeom prst="rect">
+            <a:avLst/>
+          </a:prstGeom>
+          <a:solidFill>
+            <a:srgbClr val="FFFFFF"/>
+          </a:solidFill>
+          <a:ln w="25402" cap="flat">
+            <a:solidFill>
+              <a:srgbClr val="4472C4"/>
+            </a:solidFill>
+            <a:prstDash val="solid"/>
+            <a:round/>
+          </a:ln>
+        </p:spPr>
+        <p:txBody>
+          <a:bodyPr vert="horz" wrap="square" lIns="121898" tIns="60935" rIns="121898" bIns="60935" anchor="ctr" anchorCtr="1" compatLnSpc="1">
+            <a:noAutofit/>
+          </a:bodyPr>
+          <a:lstStyle/>
+          <a:p>
+            <a:pPr marL="0" marR="0" lvl="0" indent="0" algn="ctr" defTabSz="1219169" rtl="0" fontAlgn="auto" hangingPunct="1">
+              <a:lnSpc>
+                <a:spcPct val="100000"/>
+              </a:lnSpc>
+              <a:spcBef>
+                <a:spcPts val="0"/>
+              </a:spcBef>
+              <a:spcAft>
+                <a:spcPts val="0"/>
+              </a:spcAft>
+              <a:buNone/>
+              <a:tabLst/>
+              <a:defRPr sz="1800" b="0" i="0" u="none" strike="noStrike" kern="0" cap="none" spc="0" baseline="0">
+                <a:solidFill>
+                  <a:srgbClr val="000000"/>
+                </a:solidFill>
+                <a:uFillTx/>
+              </a:defRPr>
+            </a:pPr>
+            <a:r>
+              <a:rPr lang="es-419" sz="1400" b="0" i="0" u="none" strike="noStrike" kern="0" cap="none" spc="0" baseline="0" dirty="0">
+                <a:solidFill>
+                  <a:srgbClr val="000000"/>
+                </a:solidFill>
+                <a:uFillTx/>
+                <a:latin typeface="Calibri"/>
+                <a:ea typeface="Calibri"/>
+                <a:cs typeface="Calibri"/>
+              </a:rPr>
+              <a:t>UtenteDao</a:t>
+            </a:r>
+          </a:p>
+        </p:txBody>
+      </p:sp>
+      <p:sp>
+        <p:nvSpPr>
+          <p:cNvPr id="24" name="Google Shape;343;p39">
+            <a:extLst>
+              <a:ext uri="{FF2B5EF4-FFF2-40B4-BE49-F238E27FC236}">
+                <a16:creationId xmlns:a16="http://schemas.microsoft.com/office/drawing/2014/main" id="{F3E6B1DA-0C18-4FED-ADC9-8EFB191B6F52}"/>
+              </a:ext>
+            </a:extLst>
+          </p:cNvPr>
+          <p:cNvSpPr/>
+          <p:nvPr/>
+        </p:nvSpPr>
+        <p:spPr>
+          <a:xfrm>
+            <a:off x="10441144" y="5873270"/>
+            <a:ext cx="408718" cy="793360"/>
+          </a:xfrm>
+          <a:prstGeom prst="rect">
+            <a:avLst/>
+          </a:prstGeom>
+          <a:solidFill>
+            <a:srgbClr val="FFFFFF"/>
+          </a:solidFill>
+          <a:ln w="25402" cap="flat">
+            <a:solidFill>
+              <a:srgbClr val="4472C4"/>
+            </a:solidFill>
+            <a:prstDash val="solid"/>
+            <a:round/>
+          </a:ln>
+        </p:spPr>
+        <p:txBody>
+          <a:bodyPr vert="horz" wrap="square" lIns="121898" tIns="60935" rIns="121898" bIns="60935" anchor="ctr" anchorCtr="1" compatLnSpc="1">
+            <a:noAutofit/>
+          </a:bodyPr>
+          <a:lstStyle/>
+          <a:p>
+            <a:pPr marL="0" marR="0" lvl="0" indent="0" algn="ctr" defTabSz="1219169" rtl="0" fontAlgn="auto" hangingPunct="1">
+              <a:lnSpc>
+                <a:spcPct val="100000"/>
+              </a:lnSpc>
+              <a:spcBef>
+                <a:spcPts val="0"/>
+              </a:spcBef>
+              <a:spcAft>
+                <a:spcPts val="0"/>
+              </a:spcAft>
+              <a:buNone/>
+              <a:tabLst/>
+              <a:defRPr sz="1800" b="0" i="0" u="none" strike="noStrike" kern="0" cap="none" spc="0" baseline="0">
+                <a:solidFill>
+                  <a:srgbClr val="000000"/>
+                </a:solidFill>
+                <a:uFillTx/>
+              </a:defRPr>
+            </a:pPr>
+            <a:endParaRPr lang="it-IT" sz="2400" b="0" i="0" u="none" strike="noStrike" kern="0" cap="none" spc="0" baseline="0">
+              <a:solidFill>
+                <a:srgbClr val="000000"/>
+              </a:solidFill>
+              <a:uFillTx/>
+              <a:latin typeface="Calibri"/>
+              <a:ea typeface="Calibri"/>
+              <a:cs typeface="Calibri"/>
+            </a:endParaRPr>
+          </a:p>
+        </p:txBody>
+      </p:sp>
+      <p:cxnSp>
+        <p:nvCxnSpPr>
+          <p:cNvPr id="25" name="Google Shape;352;p39">
+            <a:extLst>
+              <a:ext uri="{FF2B5EF4-FFF2-40B4-BE49-F238E27FC236}">
+                <a16:creationId xmlns:a16="http://schemas.microsoft.com/office/drawing/2014/main" id="{E8D37DDA-2D75-4928-8A7D-2A41F9B55DA9}"/>
+              </a:ext>
+            </a:extLst>
+          </p:cNvPr>
+          <p:cNvCxnSpPr>
+            <a:cxnSpLocks/>
+          </p:cNvCxnSpPr>
+          <p:nvPr/>
+        </p:nvCxnSpPr>
+        <p:spPr>
+          <a:xfrm flipV="1">
+            <a:off x="2615758" y="5345820"/>
+            <a:ext cx="5731488" cy="13361"/>
+          </a:xfrm>
+          <a:prstGeom prst="straightConnector1">
+            <a:avLst/>
+          </a:prstGeom>
+          <a:noFill/>
+          <a:ln w="25402" cap="flat">
+            <a:solidFill>
+              <a:srgbClr val="4472C4"/>
+            </a:solidFill>
+            <a:prstDash val="solid"/>
+            <a:round/>
+            <a:tailEnd type="arrow"/>
+          </a:ln>
+          <a:effectLst>
+            <a:outerShdw dist="19997" dir="5400000" algn="tl">
+              <a:srgbClr val="000000">
+                <a:alpha val="37650"/>
+              </a:srgbClr>
+            </a:outerShdw>
+          </a:effectLst>
+        </p:spPr>
+      </p:cxnSp>
+      <p:cxnSp>
+        <p:nvCxnSpPr>
+          <p:cNvPr id="26" name="Google Shape;352;p39">
+            <a:extLst>
+              <a:ext uri="{FF2B5EF4-FFF2-40B4-BE49-F238E27FC236}">
+                <a16:creationId xmlns:a16="http://schemas.microsoft.com/office/drawing/2014/main" id="{F214852C-3028-4B08-9A25-CEE90A681841}"/>
+              </a:ext>
+            </a:extLst>
+          </p:cNvPr>
+          <p:cNvCxnSpPr>
+            <a:cxnSpLocks/>
+          </p:cNvCxnSpPr>
+          <p:nvPr/>
+        </p:nvCxnSpPr>
+        <p:spPr>
+          <a:xfrm>
+            <a:off x="2615760" y="2681497"/>
+            <a:ext cx="1921677" cy="13018"/>
+          </a:xfrm>
+          <a:prstGeom prst="straightConnector1">
+            <a:avLst/>
+          </a:prstGeom>
+          <a:noFill/>
+          <a:ln w="25402" cap="flat">
+            <a:solidFill>
+              <a:srgbClr val="4472C4"/>
+            </a:solidFill>
+            <a:prstDash val="solid"/>
+            <a:round/>
+            <a:tailEnd type="arrow"/>
+          </a:ln>
+          <a:effectLst>
+            <a:outerShdw dist="19997" dir="5400000" algn="tl">
+              <a:srgbClr val="000000">
+                <a:alpha val="37650"/>
+              </a:srgbClr>
+            </a:outerShdw>
+          </a:effectLst>
+        </p:spPr>
+      </p:cxnSp>
+      <p:cxnSp>
+        <p:nvCxnSpPr>
+          <p:cNvPr id="28" name="Google Shape;352;p39">
+            <a:extLst>
+              <a:ext uri="{FF2B5EF4-FFF2-40B4-BE49-F238E27FC236}">
+                <a16:creationId xmlns:a16="http://schemas.microsoft.com/office/drawing/2014/main" id="{1B015341-24BA-4CDC-B962-EF8C4FE28E47}"/>
+              </a:ext>
+            </a:extLst>
+          </p:cNvPr>
+          <p:cNvCxnSpPr>
+            <a:cxnSpLocks/>
+          </p:cNvCxnSpPr>
+          <p:nvPr/>
+        </p:nvCxnSpPr>
+        <p:spPr>
+          <a:xfrm flipH="1">
+            <a:off x="2615759" y="4014975"/>
+            <a:ext cx="1921677" cy="0"/>
+          </a:xfrm>
+          <a:prstGeom prst="straightConnector1">
+            <a:avLst/>
+          </a:prstGeom>
+          <a:noFill/>
+          <a:ln w="25402" cap="flat">
+            <a:solidFill>
+              <a:srgbClr val="4472C4"/>
+            </a:solidFill>
+            <a:prstDash val="solid"/>
+            <a:round/>
+            <a:tailEnd type="arrow"/>
+          </a:ln>
+          <a:effectLst>
+            <a:outerShdw dist="19997" dir="5400000" algn="tl">
+              <a:srgbClr val="000000">
+                <a:alpha val="37650"/>
+              </a:srgbClr>
+            </a:outerShdw>
+          </a:effectLst>
+        </p:spPr>
+      </p:cxnSp>
+      <p:sp>
+        <p:nvSpPr>
+          <p:cNvPr id="29" name="Google Shape;298;p37">
+            <a:extLst>
+              <a:ext uri="{FF2B5EF4-FFF2-40B4-BE49-F238E27FC236}">
+                <a16:creationId xmlns:a16="http://schemas.microsoft.com/office/drawing/2014/main" id="{8090D4AB-7C8A-419A-9429-58AE4AAD04B8}"/>
+              </a:ext>
+            </a:extLst>
+          </p:cNvPr>
+          <p:cNvSpPr txBox="1"/>
+          <p:nvPr/>
+        </p:nvSpPr>
+        <p:spPr>
+          <a:xfrm>
+            <a:off x="2885197" y="5033610"/>
+            <a:ext cx="2890466" cy="338401"/>
+          </a:xfrm>
+          <a:prstGeom prst="rect">
+            <a:avLst/>
+          </a:prstGeom>
+          <a:noFill/>
+          <a:ln cap="flat">
+            <a:noFill/>
+          </a:ln>
+        </p:spPr>
+        <p:txBody>
+          <a:bodyPr vert="horz" wrap="square" lIns="121898" tIns="60935" rIns="121898" bIns="60935" anchor="t" anchorCtr="1" compatLnSpc="1">
+            <a:noAutofit/>
+          </a:bodyPr>
+          <a:lstStyle/>
+          <a:p>
+            <a:pPr marL="0" marR="0" lvl="0" indent="0" algn="ctr" defTabSz="1219169" rtl="0" fontAlgn="auto" hangingPunct="1">
+              <a:lnSpc>
+                <a:spcPct val="100000"/>
+              </a:lnSpc>
+              <a:spcBef>
+                <a:spcPts val="0"/>
+              </a:spcBef>
+              <a:spcAft>
+                <a:spcPts val="0"/>
+              </a:spcAft>
+              <a:buNone/>
+              <a:tabLst/>
+              <a:defRPr sz="1800" b="0" i="0" u="none" strike="noStrike" kern="0" cap="none" spc="0" baseline="0">
+                <a:solidFill>
+                  <a:srgbClr val="000000"/>
+                </a:solidFill>
+                <a:uFillTx/>
+              </a:defRPr>
+            </a:pPr>
+            <a:r>
+              <a:rPr lang="es-419" sz="1400" b="0" i="0" u="none" strike="noStrike" kern="0" cap="none" spc="0" baseline="0" dirty="0">
+                <a:solidFill>
+                  <a:srgbClr val="000000"/>
+                </a:solidFill>
+                <a:uFillTx/>
+                <a:latin typeface="Calibri"/>
+                <a:ea typeface="Calibri"/>
+                <a:cs typeface="Calibri"/>
+              </a:rPr>
+              <a:t>Usr=ne</a:t>
+            </a:r>
+            <a:r>
+              <a:rPr lang="es-419" sz="1400" kern="0" dirty="0">
+                <a:solidFill>
+                  <a:srgbClr val="000000"/>
+                </a:solidFill>
+                <a:latin typeface="Calibri"/>
+                <a:ea typeface="Calibri"/>
+                <a:cs typeface="Calibri"/>
+              </a:rPr>
+              <a:t>wUtenteDao(connection)</a:t>
+            </a:r>
+            <a:endParaRPr lang="es-419" sz="1400" b="0" i="0" u="none" strike="noStrike" kern="0" cap="none" spc="0" baseline="0" dirty="0">
+              <a:solidFill>
+                <a:srgbClr val="000000"/>
+              </a:solidFill>
+              <a:uFillTx/>
+              <a:latin typeface="Calibri"/>
+              <a:ea typeface="Calibri"/>
+              <a:cs typeface="Calibri"/>
+            </a:endParaRPr>
+          </a:p>
+        </p:txBody>
+      </p:sp>
+      <p:cxnSp>
+        <p:nvCxnSpPr>
+          <p:cNvPr id="47" name="Google Shape;352;p39">
+            <a:extLst>
+              <a:ext uri="{FF2B5EF4-FFF2-40B4-BE49-F238E27FC236}">
+                <a16:creationId xmlns:a16="http://schemas.microsoft.com/office/drawing/2014/main" id="{DB6942AB-B0AC-4961-B7E1-04E00C45F619}"/>
+              </a:ext>
+            </a:extLst>
+          </p:cNvPr>
+          <p:cNvCxnSpPr>
+            <a:cxnSpLocks/>
+          </p:cNvCxnSpPr>
+          <p:nvPr/>
+        </p:nvCxnSpPr>
+        <p:spPr>
+          <a:xfrm flipV="1">
+            <a:off x="2615758" y="5764591"/>
+            <a:ext cx="5731488" cy="34035"/>
+          </a:xfrm>
+          <a:prstGeom prst="straightConnector1">
+            <a:avLst/>
+          </a:prstGeom>
+          <a:noFill/>
+          <a:ln w="25402" cap="flat">
+            <a:solidFill>
+              <a:srgbClr val="4472C4"/>
+            </a:solidFill>
+            <a:prstDash val="solid"/>
+            <a:round/>
+            <a:tailEnd type="arrow"/>
+          </a:ln>
+          <a:effectLst>
+            <a:outerShdw dist="19997" dir="5400000" algn="tl">
+              <a:srgbClr val="000000">
+                <a:alpha val="37650"/>
+              </a:srgbClr>
+            </a:outerShdw>
+          </a:effectLst>
+        </p:spPr>
+      </p:cxnSp>
+      <p:sp>
+        <p:nvSpPr>
+          <p:cNvPr id="62" name="Google Shape;298;p37">
+            <a:extLst>
+              <a:ext uri="{FF2B5EF4-FFF2-40B4-BE49-F238E27FC236}">
+                <a16:creationId xmlns:a16="http://schemas.microsoft.com/office/drawing/2014/main" id="{72E0065B-4F80-4573-BFB2-3E071AB95350}"/>
+              </a:ext>
+            </a:extLst>
+          </p:cNvPr>
+          <p:cNvSpPr txBox="1"/>
+          <p:nvPr/>
+        </p:nvSpPr>
+        <p:spPr>
+          <a:xfrm>
+            <a:off x="2605946" y="2374158"/>
+            <a:ext cx="1881915" cy="338401"/>
+          </a:xfrm>
+          <a:prstGeom prst="rect">
+            <a:avLst/>
+          </a:prstGeom>
+          <a:noFill/>
+          <a:ln cap="flat">
+            <a:noFill/>
+          </a:ln>
+        </p:spPr>
+        <p:txBody>
+          <a:bodyPr vert="horz" wrap="square" lIns="121898" tIns="60935" rIns="121898" bIns="60935" anchor="t" anchorCtr="1" compatLnSpc="1">
+            <a:noAutofit/>
+          </a:bodyPr>
+          <a:lstStyle/>
+          <a:p>
+            <a:pPr marL="0" marR="0" lvl="0" indent="0" algn="ctr" defTabSz="1219169" rtl="0" fontAlgn="auto" hangingPunct="1">
+              <a:lnSpc>
+                <a:spcPct val="100000"/>
+              </a:lnSpc>
+              <a:spcBef>
+                <a:spcPts val="0"/>
+              </a:spcBef>
+              <a:spcAft>
+                <a:spcPts val="0"/>
+              </a:spcAft>
+              <a:buNone/>
+              <a:tabLst/>
+              <a:defRPr sz="1800" b="0" i="0" u="none" strike="noStrike" kern="0" cap="none" spc="0" baseline="0">
+                <a:solidFill>
+                  <a:srgbClr val="000000"/>
+                </a:solidFill>
+                <a:uFillTx/>
+              </a:defRPr>
+            </a:pPr>
+            <a:r>
+              <a:rPr lang="es-419" sz="1200" kern="0" dirty="0">
+                <a:solidFill>
+                  <a:srgbClr val="000000"/>
+                </a:solidFill>
+                <a:latin typeface="Calibri"/>
+                <a:ea typeface="Calibri"/>
+                <a:cs typeface="Calibri"/>
+              </a:rPr>
+              <a:t>getParameter(password)</a:t>
+            </a:r>
+            <a:endParaRPr lang="es-419" sz="1100" b="0" i="0" u="none" strike="noStrike" kern="0" cap="none" spc="0" baseline="0" dirty="0">
+              <a:solidFill>
+                <a:srgbClr val="000000"/>
+              </a:solidFill>
+              <a:uFillTx/>
+              <a:latin typeface="Calibri"/>
+              <a:ea typeface="Calibri"/>
+              <a:cs typeface="Calibri"/>
+            </a:endParaRPr>
+          </a:p>
+        </p:txBody>
+      </p:sp>
+      <p:cxnSp>
+        <p:nvCxnSpPr>
+          <p:cNvPr id="63" name="Google Shape;352;p39">
+            <a:extLst>
+              <a:ext uri="{FF2B5EF4-FFF2-40B4-BE49-F238E27FC236}">
+                <a16:creationId xmlns:a16="http://schemas.microsoft.com/office/drawing/2014/main" id="{99673125-22B2-454A-9F3F-05E0C102FC32}"/>
+              </a:ext>
+            </a:extLst>
+          </p:cNvPr>
+          <p:cNvCxnSpPr>
+            <a:cxnSpLocks/>
+          </p:cNvCxnSpPr>
+          <p:nvPr/>
+        </p:nvCxnSpPr>
+        <p:spPr>
+          <a:xfrm>
+            <a:off x="2616399" y="3005383"/>
+            <a:ext cx="1921677" cy="13018"/>
+          </a:xfrm>
+          <a:prstGeom prst="straightConnector1">
+            <a:avLst/>
+          </a:prstGeom>
+          <a:noFill/>
+          <a:ln w="25402" cap="flat">
+            <a:solidFill>
+              <a:srgbClr val="4472C4"/>
+            </a:solidFill>
+            <a:prstDash val="solid"/>
+            <a:round/>
+            <a:tailEnd type="arrow"/>
+          </a:ln>
+          <a:effectLst>
+            <a:outerShdw dist="19997" dir="5400000" algn="tl">
+              <a:srgbClr val="000000">
+                <a:alpha val="37650"/>
+              </a:srgbClr>
+            </a:outerShdw>
+          </a:effectLst>
+        </p:spPr>
+      </p:cxnSp>
+      <p:sp>
+        <p:nvSpPr>
+          <p:cNvPr id="64" name="Google Shape;298;p37">
+            <a:extLst>
+              <a:ext uri="{FF2B5EF4-FFF2-40B4-BE49-F238E27FC236}">
+                <a16:creationId xmlns:a16="http://schemas.microsoft.com/office/drawing/2014/main" id="{ADAABE44-3974-440B-8C45-0D78DA9C07DD}"/>
+              </a:ext>
+            </a:extLst>
+          </p:cNvPr>
+          <p:cNvSpPr txBox="1"/>
+          <p:nvPr/>
+        </p:nvSpPr>
+        <p:spPr>
+          <a:xfrm>
+            <a:off x="2591791" y="2737830"/>
+            <a:ext cx="1921717" cy="338401"/>
+          </a:xfrm>
+          <a:prstGeom prst="rect">
+            <a:avLst/>
+          </a:prstGeom>
+          <a:noFill/>
+          <a:ln cap="flat">
+            <a:noFill/>
+          </a:ln>
+        </p:spPr>
+        <p:txBody>
+          <a:bodyPr vert="horz" wrap="square" lIns="121898" tIns="60935" rIns="121898" bIns="60935" anchor="t" anchorCtr="1" compatLnSpc="1">
+            <a:noAutofit/>
+          </a:bodyPr>
+          <a:lstStyle/>
+          <a:p>
+            <a:pPr marL="0" marR="0" lvl="0" indent="0" algn="ctr" defTabSz="1219169" rtl="0" fontAlgn="auto" hangingPunct="1">
+              <a:lnSpc>
+                <a:spcPct val="100000"/>
+              </a:lnSpc>
+              <a:spcBef>
+                <a:spcPts val="0"/>
+              </a:spcBef>
+              <a:spcAft>
+                <a:spcPts val="0"/>
+              </a:spcAft>
+              <a:buNone/>
+              <a:tabLst/>
+              <a:defRPr sz="1800" b="0" i="0" u="none" strike="noStrike" kern="0" cap="none" spc="0" baseline="0">
+                <a:solidFill>
+                  <a:srgbClr val="000000"/>
+                </a:solidFill>
+                <a:uFillTx/>
+              </a:defRPr>
+            </a:pPr>
+            <a:r>
+              <a:rPr lang="es-419" sz="1200" kern="0" dirty="0">
+                <a:solidFill>
+                  <a:srgbClr val="000000"/>
+                </a:solidFill>
+                <a:latin typeface="Calibri"/>
+                <a:ea typeface="Calibri"/>
+                <a:cs typeface="Calibri"/>
+              </a:rPr>
+              <a:t>getParameter(password2)</a:t>
+            </a:r>
+            <a:endParaRPr lang="es-419" sz="1100" b="0" i="0" u="none" strike="noStrike" kern="0" cap="none" spc="0" baseline="0" dirty="0">
+              <a:solidFill>
+                <a:srgbClr val="000000"/>
+              </a:solidFill>
+              <a:uFillTx/>
+              <a:latin typeface="Calibri"/>
+              <a:ea typeface="Calibri"/>
+              <a:cs typeface="Calibri"/>
+            </a:endParaRPr>
+          </a:p>
+        </p:txBody>
+      </p:sp>
+      <p:sp>
+        <p:nvSpPr>
+          <p:cNvPr id="65" name="Google Shape;298;p37">
+            <a:extLst>
+              <a:ext uri="{FF2B5EF4-FFF2-40B4-BE49-F238E27FC236}">
+                <a16:creationId xmlns:a16="http://schemas.microsoft.com/office/drawing/2014/main" id="{C4868D26-A12F-4EC1-8808-A453BCBC8EF7}"/>
+              </a:ext>
+            </a:extLst>
+          </p:cNvPr>
+          <p:cNvSpPr txBox="1"/>
+          <p:nvPr/>
+        </p:nvSpPr>
+        <p:spPr>
+          <a:xfrm>
+            <a:off x="2623126" y="3115407"/>
+            <a:ext cx="1831935" cy="338401"/>
+          </a:xfrm>
+          <a:prstGeom prst="rect">
+            <a:avLst/>
+          </a:prstGeom>
+          <a:noFill/>
+          <a:ln cap="flat">
+            <a:noFill/>
+          </a:ln>
+        </p:spPr>
+        <p:txBody>
+          <a:bodyPr vert="horz" wrap="square" lIns="121898" tIns="60935" rIns="121898" bIns="60935" anchor="t" anchorCtr="1" compatLnSpc="1">
+            <a:noAutofit/>
+          </a:bodyPr>
+          <a:lstStyle/>
+          <a:p>
+            <a:pPr marL="0" marR="0" lvl="0" indent="0" algn="ctr" defTabSz="1219169" rtl="0" fontAlgn="auto" hangingPunct="1">
+              <a:lnSpc>
+                <a:spcPct val="100000"/>
+              </a:lnSpc>
+              <a:spcBef>
+                <a:spcPts val="0"/>
+              </a:spcBef>
+              <a:spcAft>
+                <a:spcPts val="0"/>
+              </a:spcAft>
+              <a:buNone/>
+              <a:tabLst/>
+              <a:defRPr sz="1800" b="0" i="0" u="none" strike="noStrike" kern="0" cap="none" spc="0" baseline="0">
+                <a:solidFill>
+                  <a:srgbClr val="000000"/>
+                </a:solidFill>
+                <a:uFillTx/>
+              </a:defRPr>
+            </a:pPr>
+            <a:r>
+              <a:rPr lang="es-419" sz="1200" kern="0" dirty="0">
+                <a:solidFill>
+                  <a:srgbClr val="000000"/>
+                </a:solidFill>
+                <a:latin typeface="Calibri"/>
+                <a:ea typeface="Calibri"/>
+                <a:cs typeface="Calibri"/>
+              </a:rPr>
+              <a:t>getParameter(nome)</a:t>
+            </a:r>
+            <a:endParaRPr lang="es-419" sz="1100" b="0" i="0" u="none" strike="noStrike" kern="0" cap="none" spc="0" baseline="0" dirty="0">
+              <a:solidFill>
+                <a:srgbClr val="000000"/>
+              </a:solidFill>
+              <a:uFillTx/>
+              <a:latin typeface="Calibri"/>
+              <a:ea typeface="Calibri"/>
+              <a:cs typeface="Calibri"/>
+            </a:endParaRPr>
+          </a:p>
+        </p:txBody>
+      </p:sp>
+      <p:cxnSp>
+        <p:nvCxnSpPr>
+          <p:cNvPr id="66" name="Google Shape;352;p39">
+            <a:extLst>
+              <a:ext uri="{FF2B5EF4-FFF2-40B4-BE49-F238E27FC236}">
+                <a16:creationId xmlns:a16="http://schemas.microsoft.com/office/drawing/2014/main" id="{330142E0-E4AE-4CB5-8854-0B6B6E259992}"/>
+              </a:ext>
+            </a:extLst>
+          </p:cNvPr>
+          <p:cNvCxnSpPr>
+            <a:cxnSpLocks/>
+          </p:cNvCxnSpPr>
+          <p:nvPr/>
+        </p:nvCxnSpPr>
+        <p:spPr>
+          <a:xfrm>
+            <a:off x="2615759" y="3514193"/>
+            <a:ext cx="1921677" cy="0"/>
+          </a:xfrm>
+          <a:prstGeom prst="straightConnector1">
+            <a:avLst/>
+          </a:prstGeom>
+          <a:noFill/>
+          <a:ln w="25402" cap="flat">
+            <a:solidFill>
+              <a:srgbClr val="4472C4"/>
+            </a:solidFill>
+            <a:prstDash val="solid"/>
+            <a:round/>
+            <a:tailEnd type="arrow"/>
+          </a:ln>
+          <a:effectLst>
+            <a:outerShdw dist="19997" dir="5400000" algn="tl">
+              <a:srgbClr val="000000">
+                <a:alpha val="37650"/>
+              </a:srgbClr>
+            </a:outerShdw>
+          </a:effectLst>
+        </p:spPr>
+      </p:cxnSp>
+      <p:cxnSp>
+        <p:nvCxnSpPr>
+          <p:cNvPr id="67" name="Google Shape;352;p39">
+            <a:extLst>
+              <a:ext uri="{FF2B5EF4-FFF2-40B4-BE49-F238E27FC236}">
+                <a16:creationId xmlns:a16="http://schemas.microsoft.com/office/drawing/2014/main" id="{63BBD228-3EB7-492E-8586-CDC7EA650069}"/>
+              </a:ext>
+            </a:extLst>
+          </p:cNvPr>
+          <p:cNvCxnSpPr>
+            <a:cxnSpLocks/>
+          </p:cNvCxnSpPr>
+          <p:nvPr/>
+        </p:nvCxnSpPr>
+        <p:spPr>
+          <a:xfrm>
+            <a:off x="2615759" y="3835406"/>
+            <a:ext cx="1921677" cy="0"/>
+          </a:xfrm>
+          <a:prstGeom prst="straightConnector1">
+            <a:avLst/>
+          </a:prstGeom>
+          <a:noFill/>
+          <a:ln w="25402" cap="flat">
+            <a:solidFill>
+              <a:srgbClr val="4472C4"/>
+            </a:solidFill>
+            <a:prstDash val="solid"/>
+            <a:round/>
+            <a:tailEnd type="arrow"/>
+          </a:ln>
+          <a:effectLst>
+            <a:outerShdw dist="19997" dir="5400000" algn="tl">
+              <a:srgbClr val="000000">
+                <a:alpha val="37650"/>
+              </a:srgbClr>
+            </a:outerShdw>
+          </a:effectLst>
+        </p:spPr>
+      </p:cxnSp>
+      <p:sp>
+        <p:nvSpPr>
+          <p:cNvPr id="68" name="Google Shape;298;p37">
+            <a:extLst>
+              <a:ext uri="{FF2B5EF4-FFF2-40B4-BE49-F238E27FC236}">
+                <a16:creationId xmlns:a16="http://schemas.microsoft.com/office/drawing/2014/main" id="{E817867C-4DE2-4DF6-8168-C4DAE2D9DA60}"/>
+              </a:ext>
+            </a:extLst>
+          </p:cNvPr>
+          <p:cNvSpPr txBox="1"/>
+          <p:nvPr/>
+        </p:nvSpPr>
+        <p:spPr>
+          <a:xfrm>
+            <a:off x="2661034" y="3521584"/>
+            <a:ext cx="1831935" cy="338401"/>
+          </a:xfrm>
+          <a:prstGeom prst="rect">
+            <a:avLst/>
+          </a:prstGeom>
+          <a:noFill/>
+          <a:ln cap="flat">
+            <a:noFill/>
+          </a:ln>
+        </p:spPr>
+        <p:txBody>
+          <a:bodyPr vert="horz" wrap="square" lIns="121898" tIns="60935" rIns="121898" bIns="60935" anchor="t" anchorCtr="1" compatLnSpc="1">
+            <a:noAutofit/>
+          </a:bodyPr>
+          <a:lstStyle/>
+          <a:p>
+            <a:pPr marL="0" marR="0" lvl="0" indent="0" algn="ctr" defTabSz="1219169" rtl="0" fontAlgn="auto" hangingPunct="1">
+              <a:lnSpc>
+                <a:spcPct val="100000"/>
+              </a:lnSpc>
+              <a:spcBef>
+                <a:spcPts val="0"/>
+              </a:spcBef>
+              <a:spcAft>
+                <a:spcPts val="0"/>
+              </a:spcAft>
+              <a:buNone/>
+              <a:tabLst/>
+              <a:defRPr sz="1800" b="0" i="0" u="none" strike="noStrike" kern="0" cap="none" spc="0" baseline="0">
+                <a:solidFill>
+                  <a:srgbClr val="000000"/>
+                </a:solidFill>
+                <a:uFillTx/>
+              </a:defRPr>
+            </a:pPr>
+            <a:r>
+              <a:rPr lang="es-419" sz="1200" kern="0" dirty="0">
+                <a:solidFill>
+                  <a:srgbClr val="000000"/>
+                </a:solidFill>
+                <a:latin typeface="Calibri"/>
+                <a:ea typeface="Calibri"/>
+                <a:cs typeface="Calibri"/>
+              </a:rPr>
+              <a:t>getParameter(cognome)</a:t>
+            </a:r>
+            <a:endParaRPr lang="es-419" sz="1100" b="0" i="0" u="none" strike="noStrike" kern="0" cap="none" spc="0" baseline="0" dirty="0">
+              <a:solidFill>
+                <a:srgbClr val="000000"/>
+              </a:solidFill>
+              <a:uFillTx/>
+              <a:latin typeface="Calibri"/>
+              <a:ea typeface="Calibri"/>
+              <a:cs typeface="Calibri"/>
+            </a:endParaRPr>
+          </a:p>
+        </p:txBody>
+      </p:sp>
+      <p:sp>
+        <p:nvSpPr>
+          <p:cNvPr id="86" name="Google Shape;298;p37">
+            <a:extLst>
+              <a:ext uri="{FF2B5EF4-FFF2-40B4-BE49-F238E27FC236}">
+                <a16:creationId xmlns:a16="http://schemas.microsoft.com/office/drawing/2014/main" id="{8428FC6E-2733-4BB9-8901-7413416586C8}"/>
+              </a:ext>
+            </a:extLst>
+          </p:cNvPr>
+          <p:cNvSpPr txBox="1"/>
+          <p:nvPr/>
+        </p:nvSpPr>
+        <p:spPr>
+          <a:xfrm>
+            <a:off x="2755430" y="5426189"/>
+            <a:ext cx="3297318" cy="338401"/>
+          </a:xfrm>
+          <a:prstGeom prst="rect">
+            <a:avLst/>
+          </a:prstGeom>
+          <a:noFill/>
+          <a:ln cap="flat">
+            <a:noFill/>
+          </a:ln>
+        </p:spPr>
+        <p:txBody>
+          <a:bodyPr vert="horz" wrap="square" lIns="121898" tIns="60935" rIns="121898" bIns="60935" anchor="t" anchorCtr="1" compatLnSpc="1">
+            <a:noAutofit/>
+          </a:bodyPr>
+          <a:lstStyle/>
+          <a:p>
+            <a:pPr marL="0" marR="0" lvl="0" indent="0" algn="ctr" defTabSz="1219169" rtl="0" fontAlgn="auto" hangingPunct="1">
+              <a:lnSpc>
+                <a:spcPct val="100000"/>
+              </a:lnSpc>
+              <a:spcBef>
+                <a:spcPts val="0"/>
+              </a:spcBef>
+              <a:spcAft>
+                <a:spcPts val="0"/>
+              </a:spcAft>
+              <a:buNone/>
+              <a:tabLst/>
+              <a:defRPr sz="1800" b="0" i="0" u="none" strike="noStrike" kern="0" cap="none" spc="0" baseline="0">
+                <a:solidFill>
+                  <a:srgbClr val="000000"/>
+                </a:solidFill>
+                <a:uFillTx/>
+              </a:defRPr>
+            </a:pPr>
+            <a:r>
+              <a:rPr lang="es-419" sz="1400" b="0" i="0" u="none" strike="noStrike" kern="0" cap="none" spc="0" baseline="0" dirty="0">
+                <a:solidFill>
+                  <a:srgbClr val="000000"/>
+                </a:solidFill>
+                <a:uFillTx/>
+                <a:latin typeface="Calibri"/>
+                <a:ea typeface="Calibri"/>
+                <a:cs typeface="Calibri"/>
+              </a:rPr>
+              <a:t>usr.addutente(u)</a:t>
+            </a:r>
+          </a:p>
+        </p:txBody>
+      </p:sp>
+      <p:sp>
+        <p:nvSpPr>
+          <p:cNvPr id="94" name="Google Shape;343;p39">
+            <a:extLst>
+              <a:ext uri="{FF2B5EF4-FFF2-40B4-BE49-F238E27FC236}">
+                <a16:creationId xmlns:a16="http://schemas.microsoft.com/office/drawing/2014/main" id="{1CD3B8F2-5B84-46D6-A761-224D2C8287DE}"/>
+              </a:ext>
+            </a:extLst>
+          </p:cNvPr>
+          <p:cNvSpPr/>
+          <p:nvPr/>
+        </p:nvSpPr>
+        <p:spPr>
+          <a:xfrm>
+            <a:off x="8329350" y="5086149"/>
+            <a:ext cx="351495" cy="901683"/>
+          </a:xfrm>
+          <a:prstGeom prst="rect">
+            <a:avLst/>
+          </a:prstGeom>
+          <a:solidFill>
+            <a:srgbClr val="FFFFFF"/>
+          </a:solidFill>
+          <a:ln w="25402" cap="flat">
+            <a:solidFill>
+              <a:srgbClr val="4472C4"/>
+            </a:solidFill>
+            <a:prstDash val="solid"/>
+            <a:round/>
+          </a:ln>
+        </p:spPr>
+        <p:txBody>
+          <a:bodyPr vert="horz" wrap="square" lIns="121898" tIns="60935" rIns="121898" bIns="60935" anchor="ctr" anchorCtr="1" compatLnSpc="1">
+            <a:noAutofit/>
+          </a:bodyPr>
+          <a:lstStyle/>
+          <a:p>
+            <a:pPr marL="0" marR="0" lvl="0" indent="0" algn="ctr" defTabSz="1219169" rtl="0" fontAlgn="auto" hangingPunct="1">
+              <a:lnSpc>
+                <a:spcPct val="100000"/>
+              </a:lnSpc>
+              <a:spcBef>
+                <a:spcPts val="0"/>
+              </a:spcBef>
+              <a:spcAft>
+                <a:spcPts val="0"/>
+              </a:spcAft>
+              <a:buNone/>
+              <a:tabLst/>
+              <a:defRPr sz="1800" b="0" i="0" u="none" strike="noStrike" kern="0" cap="none" spc="0" baseline="0">
+                <a:solidFill>
+                  <a:srgbClr val="000000"/>
+                </a:solidFill>
+                <a:uFillTx/>
+              </a:defRPr>
+            </a:pPr>
+            <a:endParaRPr lang="it-IT" sz="2400" b="0" i="0" u="none" strike="noStrike" kern="0" cap="none" spc="0" baseline="0" dirty="0">
+              <a:solidFill>
+                <a:srgbClr val="000000"/>
+              </a:solidFill>
+              <a:uFillTx/>
+              <a:latin typeface="Calibri"/>
+              <a:ea typeface="Calibri"/>
+              <a:cs typeface="Calibri"/>
+            </a:endParaRPr>
+          </a:p>
+        </p:txBody>
+      </p:sp>
+      <p:cxnSp>
+        <p:nvCxnSpPr>
+          <p:cNvPr id="95" name="Google Shape;350;p39">
+            <a:extLst>
+              <a:ext uri="{FF2B5EF4-FFF2-40B4-BE49-F238E27FC236}">
+                <a16:creationId xmlns:a16="http://schemas.microsoft.com/office/drawing/2014/main" id="{ECE260F9-A2EF-4367-8FED-0BAC85493A38}"/>
+              </a:ext>
+            </a:extLst>
+          </p:cNvPr>
+          <p:cNvCxnSpPr>
+            <a:cxnSpLocks/>
+          </p:cNvCxnSpPr>
+          <p:nvPr/>
+        </p:nvCxnSpPr>
+        <p:spPr>
+          <a:xfrm flipH="1">
+            <a:off x="8472233" y="1633907"/>
+            <a:ext cx="47320" cy="4456201"/>
+          </a:xfrm>
+          <a:prstGeom prst="straightConnector1">
+            <a:avLst/>
+          </a:prstGeom>
+          <a:noFill/>
+          <a:ln w="38103" cap="flat">
+            <a:solidFill>
+              <a:srgbClr val="4472C4"/>
+            </a:solidFill>
+            <a:custDash>
+              <a:ds d="100000" sp="100000"/>
+            </a:custDash>
+            <a:round/>
+          </a:ln>
+          <a:effectLst>
+            <a:outerShdw dist="22997" dir="5400000" algn="tl">
+              <a:srgbClr val="000000">
+                <a:alpha val="34900"/>
+              </a:srgbClr>
+            </a:outerShdw>
+          </a:effectLst>
+        </p:spPr>
+      </p:cxnSp>
+      <p:sp>
+        <p:nvSpPr>
+          <p:cNvPr id="96" name="Google Shape;349;p39">
+            <a:extLst>
+              <a:ext uri="{FF2B5EF4-FFF2-40B4-BE49-F238E27FC236}">
+                <a16:creationId xmlns:a16="http://schemas.microsoft.com/office/drawing/2014/main" id="{2FFDEC11-3F82-47CF-BAC6-8A77CB43A630}"/>
+              </a:ext>
+            </a:extLst>
+          </p:cNvPr>
+          <p:cNvSpPr/>
+          <p:nvPr/>
+        </p:nvSpPr>
+        <p:spPr>
+          <a:xfrm>
+            <a:off x="5707847" y="1241883"/>
+            <a:ext cx="1814534" cy="385392"/>
+          </a:xfrm>
+          <a:prstGeom prst="rect">
+            <a:avLst/>
+          </a:prstGeom>
+          <a:solidFill>
+            <a:srgbClr val="FFFFFF"/>
+          </a:solidFill>
+          <a:ln w="25402" cap="flat">
+            <a:solidFill>
+              <a:srgbClr val="4472C4"/>
+            </a:solidFill>
+            <a:prstDash val="solid"/>
+            <a:round/>
+          </a:ln>
+        </p:spPr>
+        <p:txBody>
+          <a:bodyPr vert="horz" wrap="square" lIns="121898" tIns="60935" rIns="121898" bIns="60935" anchor="ctr" anchorCtr="1" compatLnSpc="1">
+            <a:noAutofit/>
+          </a:bodyPr>
+          <a:lstStyle/>
+          <a:p>
+            <a:pPr marL="0" marR="0" lvl="0" indent="0" algn="ctr" defTabSz="1219169" rtl="0" fontAlgn="auto" hangingPunct="1">
+              <a:lnSpc>
+                <a:spcPct val="100000"/>
+              </a:lnSpc>
+              <a:spcBef>
+                <a:spcPts val="0"/>
+              </a:spcBef>
+              <a:spcAft>
+                <a:spcPts val="0"/>
+              </a:spcAft>
+              <a:buNone/>
+              <a:tabLst/>
+              <a:defRPr sz="1800" b="0" i="0" u="none" strike="noStrike" kern="0" cap="none" spc="0" baseline="0">
+                <a:solidFill>
+                  <a:srgbClr val="000000"/>
+                </a:solidFill>
+                <a:uFillTx/>
+              </a:defRPr>
+            </a:pPr>
+            <a:r>
+              <a:rPr lang="es-419" sz="1400" b="0" i="0" u="none" strike="noStrike" kern="0" cap="none" spc="0" baseline="0" dirty="0">
+                <a:solidFill>
+                  <a:srgbClr val="000000"/>
+                </a:solidFill>
+                <a:uFillTx/>
+                <a:latin typeface="Calibri"/>
+                <a:ea typeface="Calibri"/>
+                <a:cs typeface="Calibri"/>
+              </a:rPr>
+              <a:t>Utente</a:t>
+            </a:r>
+          </a:p>
+        </p:txBody>
+      </p:sp>
+      <p:sp>
+        <p:nvSpPr>
+          <p:cNvPr id="97" name="Google Shape;343;p39">
+            <a:extLst>
+              <a:ext uri="{FF2B5EF4-FFF2-40B4-BE49-F238E27FC236}">
+                <a16:creationId xmlns:a16="http://schemas.microsoft.com/office/drawing/2014/main" id="{B490DE2D-872F-4B5C-A2E2-08154F23EC46}"/>
+              </a:ext>
+            </a:extLst>
+          </p:cNvPr>
+          <p:cNvSpPr/>
+          <p:nvPr/>
+        </p:nvSpPr>
+        <p:spPr>
+          <a:xfrm>
+            <a:off x="6324134" y="4192176"/>
+            <a:ext cx="351495" cy="779311"/>
+          </a:xfrm>
+          <a:prstGeom prst="rect">
+            <a:avLst/>
+          </a:prstGeom>
+          <a:solidFill>
+            <a:srgbClr val="FFFFFF"/>
+          </a:solidFill>
+          <a:ln w="25402" cap="flat">
+            <a:solidFill>
+              <a:srgbClr val="4472C4"/>
+            </a:solidFill>
+            <a:prstDash val="solid"/>
+            <a:round/>
+          </a:ln>
+        </p:spPr>
+        <p:txBody>
+          <a:bodyPr vert="horz" wrap="square" lIns="121898" tIns="60935" rIns="121898" bIns="60935" anchor="ctr" anchorCtr="1" compatLnSpc="1">
+            <a:noAutofit/>
+          </a:bodyPr>
+          <a:lstStyle/>
+          <a:p>
+            <a:pPr marL="0" marR="0" lvl="0" indent="0" algn="ctr" defTabSz="1219169" rtl="0" fontAlgn="auto" hangingPunct="1">
+              <a:lnSpc>
+                <a:spcPct val="100000"/>
+              </a:lnSpc>
+              <a:spcBef>
+                <a:spcPts val="0"/>
+              </a:spcBef>
+              <a:spcAft>
+                <a:spcPts val="0"/>
+              </a:spcAft>
+              <a:buNone/>
+              <a:tabLst/>
+              <a:defRPr sz="1800" b="0" i="0" u="none" strike="noStrike" kern="0" cap="none" spc="0" baseline="0">
+                <a:solidFill>
+                  <a:srgbClr val="000000"/>
+                </a:solidFill>
+                <a:uFillTx/>
+              </a:defRPr>
+            </a:pPr>
+            <a:endParaRPr lang="it-IT" sz="2400" b="0" i="0" u="none" strike="noStrike" kern="0" cap="none" spc="0" baseline="0" dirty="0">
+              <a:solidFill>
+                <a:srgbClr val="000000"/>
+              </a:solidFill>
+              <a:uFillTx/>
+              <a:latin typeface="Calibri"/>
+              <a:ea typeface="Calibri"/>
+              <a:cs typeface="Calibri"/>
+            </a:endParaRPr>
+          </a:p>
+        </p:txBody>
+      </p:sp>
+      <p:cxnSp>
+        <p:nvCxnSpPr>
+          <p:cNvPr id="98" name="Google Shape;350;p39">
+            <a:extLst>
+              <a:ext uri="{FF2B5EF4-FFF2-40B4-BE49-F238E27FC236}">
+                <a16:creationId xmlns:a16="http://schemas.microsoft.com/office/drawing/2014/main" id="{F73FC622-27E0-4D46-9A87-921EE1F11245}"/>
+              </a:ext>
+            </a:extLst>
+          </p:cNvPr>
+          <p:cNvCxnSpPr>
+            <a:cxnSpLocks/>
+          </p:cNvCxnSpPr>
+          <p:nvPr/>
+        </p:nvCxnSpPr>
+        <p:spPr>
+          <a:xfrm flipH="1">
+            <a:off x="6514859" y="1608442"/>
+            <a:ext cx="35783" cy="4498819"/>
+          </a:xfrm>
+          <a:prstGeom prst="straightConnector1">
+            <a:avLst/>
+          </a:prstGeom>
+          <a:noFill/>
+          <a:ln w="38103" cap="flat">
+            <a:solidFill>
+              <a:srgbClr val="4472C4"/>
+            </a:solidFill>
+            <a:custDash>
+              <a:ds d="100000" sp="100000"/>
+            </a:custDash>
+            <a:round/>
+          </a:ln>
+          <a:effectLst>
+            <a:outerShdw dist="22997" dir="5400000" algn="tl">
+              <a:srgbClr val="000000">
+                <a:alpha val="34900"/>
+              </a:srgbClr>
+            </a:outerShdw>
+          </a:effectLst>
+        </p:spPr>
+      </p:cxnSp>
+      <p:cxnSp>
+        <p:nvCxnSpPr>
+          <p:cNvPr id="99" name="Google Shape;352;p39">
+            <a:extLst>
+              <a:ext uri="{FF2B5EF4-FFF2-40B4-BE49-F238E27FC236}">
+                <a16:creationId xmlns:a16="http://schemas.microsoft.com/office/drawing/2014/main" id="{3F032ADA-ADDC-4A7B-BBB8-AA817E0EC993}"/>
+              </a:ext>
+            </a:extLst>
+          </p:cNvPr>
+          <p:cNvCxnSpPr>
+            <a:cxnSpLocks/>
+          </p:cNvCxnSpPr>
+          <p:nvPr/>
+        </p:nvCxnSpPr>
+        <p:spPr>
+          <a:xfrm flipV="1">
+            <a:off x="2609260" y="4450442"/>
+            <a:ext cx="3742050" cy="1"/>
+          </a:xfrm>
+          <a:prstGeom prst="straightConnector1">
+            <a:avLst/>
+          </a:prstGeom>
+          <a:noFill/>
+          <a:ln w="25402" cap="flat">
+            <a:solidFill>
+              <a:srgbClr val="4472C4"/>
+            </a:solidFill>
+            <a:prstDash val="solid"/>
+            <a:round/>
+            <a:tailEnd type="arrow"/>
+          </a:ln>
+          <a:effectLst>
+            <a:outerShdw dist="19997" dir="5400000" algn="tl">
+              <a:srgbClr val="000000">
+                <a:alpha val="37650"/>
+              </a:srgbClr>
+            </a:outerShdw>
+          </a:effectLst>
+        </p:spPr>
+      </p:cxnSp>
+      <p:sp>
+        <p:nvSpPr>
+          <p:cNvPr id="100" name="Google Shape;298;p37">
+            <a:extLst>
+              <a:ext uri="{FF2B5EF4-FFF2-40B4-BE49-F238E27FC236}">
+                <a16:creationId xmlns:a16="http://schemas.microsoft.com/office/drawing/2014/main" id="{41914CB6-187E-4E22-8986-4D2923410208}"/>
+              </a:ext>
+            </a:extLst>
+          </p:cNvPr>
+          <p:cNvSpPr txBox="1"/>
+          <p:nvPr/>
+        </p:nvSpPr>
+        <p:spPr>
+          <a:xfrm>
+            <a:off x="3110970" y="4089981"/>
+            <a:ext cx="2967845" cy="338401"/>
+          </a:xfrm>
+          <a:prstGeom prst="rect">
+            <a:avLst/>
+          </a:prstGeom>
+          <a:noFill/>
+          <a:ln cap="flat">
+            <a:noFill/>
+          </a:ln>
+        </p:spPr>
+        <p:txBody>
+          <a:bodyPr vert="horz" wrap="square" lIns="121898" tIns="60935" rIns="121898" bIns="60935" anchor="t" anchorCtr="1" compatLnSpc="1">
+            <a:noAutofit/>
+          </a:bodyPr>
+          <a:lstStyle/>
+          <a:p>
+            <a:pPr marL="0" marR="0" lvl="0" indent="0" algn="ctr" defTabSz="1219169" rtl="0" fontAlgn="auto" hangingPunct="1">
+              <a:lnSpc>
+                <a:spcPct val="100000"/>
+              </a:lnSpc>
+              <a:spcBef>
+                <a:spcPts val="0"/>
+              </a:spcBef>
+              <a:spcAft>
+                <a:spcPts val="0"/>
+              </a:spcAft>
+              <a:buNone/>
+              <a:tabLst/>
+              <a:defRPr sz="1800" b="0" i="0" u="none" strike="noStrike" kern="0" cap="none" spc="0" baseline="0">
+                <a:solidFill>
+                  <a:srgbClr val="000000"/>
+                </a:solidFill>
+                <a:uFillTx/>
+              </a:defRPr>
+            </a:pPr>
+            <a:r>
+              <a:rPr lang="es-419" sz="1400" kern="0" dirty="0">
+                <a:solidFill>
+                  <a:srgbClr val="000000"/>
+                </a:solidFill>
+                <a:latin typeface="Calibri"/>
+                <a:ea typeface="Calibri"/>
+                <a:cs typeface="Calibri"/>
+              </a:rPr>
+              <a:t>u=newutente</a:t>
+            </a:r>
+            <a:endParaRPr lang="es-419" sz="1400" b="0" i="0" u="none" strike="noStrike" kern="0" cap="none" spc="0" baseline="0" dirty="0">
+              <a:solidFill>
+                <a:srgbClr val="000000"/>
+              </a:solidFill>
+              <a:uFillTx/>
+              <a:latin typeface="Calibri"/>
+              <a:ea typeface="Calibri"/>
+              <a:cs typeface="Calibri"/>
+            </a:endParaRPr>
+          </a:p>
+        </p:txBody>
+      </p:sp>
+      <p:sp>
+        <p:nvSpPr>
+          <p:cNvPr id="102" name="Rettangolo 101">
+            <a:extLst>
+              <a:ext uri="{FF2B5EF4-FFF2-40B4-BE49-F238E27FC236}">
+                <a16:creationId xmlns:a16="http://schemas.microsoft.com/office/drawing/2014/main" id="{684FFDE3-7EBB-4DD9-B382-215EBD21F94C}"/>
+              </a:ext>
+            </a:extLst>
+          </p:cNvPr>
+          <p:cNvSpPr/>
+          <p:nvPr/>
+        </p:nvSpPr>
+        <p:spPr>
+          <a:xfrm>
+            <a:off x="2654061" y="4467212"/>
+            <a:ext cx="3304110" cy="307777"/>
+          </a:xfrm>
+          <a:prstGeom prst="rect">
+            <a:avLst/>
+          </a:prstGeom>
+        </p:spPr>
+        <p:txBody>
+          <a:bodyPr wrap="none">
+            <a:spAutoFit/>
+          </a:bodyPr>
+          <a:lstStyle/>
+          <a:p>
+            <a:r>
+              <a:rPr lang="es-419" sz="1400" kern="0" dirty="0">
+                <a:solidFill>
+                  <a:srgbClr val="000000"/>
+                </a:solidFill>
+                <a:ea typeface="Calibri"/>
+                <a:cs typeface="Calibri"/>
+              </a:rPr>
+              <a:t>[password=password/2] u.setparameters()</a:t>
+            </a:r>
+            <a:endParaRPr lang="it-IT" sz="1400" dirty="0"/>
+          </a:p>
+        </p:txBody>
+      </p:sp>
+      <p:cxnSp>
+        <p:nvCxnSpPr>
+          <p:cNvPr id="103" name="Google Shape;352;p39">
+            <a:extLst>
+              <a:ext uri="{FF2B5EF4-FFF2-40B4-BE49-F238E27FC236}">
+                <a16:creationId xmlns:a16="http://schemas.microsoft.com/office/drawing/2014/main" id="{1E1AB352-7927-473B-8E8C-822DB031386D}"/>
+              </a:ext>
+            </a:extLst>
+          </p:cNvPr>
+          <p:cNvCxnSpPr>
+            <a:cxnSpLocks/>
+          </p:cNvCxnSpPr>
+          <p:nvPr/>
+        </p:nvCxnSpPr>
+        <p:spPr>
+          <a:xfrm>
+            <a:off x="2635687" y="4893375"/>
+            <a:ext cx="3715623" cy="0"/>
+          </a:xfrm>
+          <a:prstGeom prst="straightConnector1">
+            <a:avLst/>
+          </a:prstGeom>
+          <a:noFill/>
+          <a:ln w="25402" cap="flat">
+            <a:solidFill>
+              <a:srgbClr val="4472C4"/>
+            </a:solidFill>
+            <a:prstDash val="solid"/>
+            <a:round/>
+            <a:tailEnd type="arrow"/>
+          </a:ln>
+          <a:effectLst>
+            <a:outerShdw dist="19997" dir="5400000" algn="tl">
+              <a:srgbClr val="000000">
+                <a:alpha val="37650"/>
+              </a:srgbClr>
+            </a:outerShdw>
+          </a:effectLst>
+        </p:spPr>
+      </p:cxnSp>
+      <p:cxnSp>
+        <p:nvCxnSpPr>
+          <p:cNvPr id="108" name="Google Shape;352;p39">
+            <a:extLst>
+              <a:ext uri="{FF2B5EF4-FFF2-40B4-BE49-F238E27FC236}">
+                <a16:creationId xmlns:a16="http://schemas.microsoft.com/office/drawing/2014/main" id="{D24760AC-D5E1-47D4-BD77-71A73492C2D6}"/>
+              </a:ext>
+            </a:extLst>
+          </p:cNvPr>
+          <p:cNvCxnSpPr>
+            <a:cxnSpLocks/>
+            <a:endCxn id="24" idx="1"/>
+          </p:cNvCxnSpPr>
+          <p:nvPr/>
+        </p:nvCxnSpPr>
+        <p:spPr>
+          <a:xfrm>
+            <a:off x="2597432" y="6237238"/>
+            <a:ext cx="7843712" cy="32712"/>
+          </a:xfrm>
+          <a:prstGeom prst="straightConnector1">
+            <a:avLst/>
+          </a:prstGeom>
+          <a:noFill/>
+          <a:ln w="25402" cap="flat">
+            <a:solidFill>
+              <a:srgbClr val="4472C4"/>
+            </a:solidFill>
+            <a:prstDash val="solid"/>
+            <a:round/>
+            <a:tailEnd type="arrow"/>
+          </a:ln>
+          <a:effectLst>
+            <a:outerShdw dist="19997" dir="5400000" algn="tl">
+              <a:srgbClr val="000000">
+                <a:alpha val="37650"/>
+              </a:srgbClr>
+            </a:outerShdw>
+          </a:effectLst>
+        </p:spPr>
+      </p:cxnSp>
+      <p:sp>
+        <p:nvSpPr>
+          <p:cNvPr id="110" name="Google Shape;298;p37">
+            <a:extLst>
+              <a:ext uri="{FF2B5EF4-FFF2-40B4-BE49-F238E27FC236}">
+                <a16:creationId xmlns:a16="http://schemas.microsoft.com/office/drawing/2014/main" id="{A411A26A-FEB1-4119-8768-75863CC2DD73}"/>
+              </a:ext>
+            </a:extLst>
+          </p:cNvPr>
+          <p:cNvSpPr txBox="1"/>
+          <p:nvPr/>
+        </p:nvSpPr>
+        <p:spPr>
+          <a:xfrm>
+            <a:off x="3623162" y="5875696"/>
+            <a:ext cx="2890466" cy="338401"/>
+          </a:xfrm>
+          <a:prstGeom prst="rect">
+            <a:avLst/>
+          </a:prstGeom>
+          <a:noFill/>
+          <a:ln cap="flat">
+            <a:noFill/>
+          </a:ln>
+        </p:spPr>
+        <p:txBody>
+          <a:bodyPr vert="horz" wrap="square" lIns="121898" tIns="60935" rIns="121898" bIns="60935" anchor="t" anchorCtr="1" compatLnSpc="1">
+            <a:noAutofit/>
+          </a:bodyPr>
+          <a:lstStyle/>
+          <a:p>
+            <a:pPr marL="0" marR="0" lvl="0" indent="0" algn="ctr" defTabSz="1219169" rtl="0" fontAlgn="auto" hangingPunct="1">
+              <a:lnSpc>
+                <a:spcPct val="100000"/>
+              </a:lnSpc>
+              <a:spcBef>
+                <a:spcPts val="0"/>
+              </a:spcBef>
+              <a:spcAft>
+                <a:spcPts val="0"/>
+              </a:spcAft>
+              <a:buNone/>
+              <a:tabLst/>
+              <a:defRPr sz="1800" b="0" i="0" u="none" strike="noStrike" kern="0" cap="none" spc="0" baseline="0">
+                <a:solidFill>
+                  <a:srgbClr val="000000"/>
+                </a:solidFill>
+                <a:uFillTx/>
+              </a:defRPr>
+            </a:pPr>
+            <a:r>
+              <a:rPr lang="es-419" sz="1400" b="0" i="0" u="none" strike="noStrike" kern="0" cap="none" spc="0" baseline="0" dirty="0">
+                <a:solidFill>
+                  <a:srgbClr val="000000"/>
+                </a:solidFill>
+                <a:uFillTx/>
+                <a:latin typeface="Calibri"/>
+                <a:ea typeface="Calibri"/>
+                <a:cs typeface="Calibri"/>
+              </a:rPr>
+              <a:t>Response.sendredirect(path)</a:t>
+            </a:r>
+          </a:p>
+        </p:txBody>
+      </p:sp>
+    </p:spTree>
+    <p:extLst>
+      <p:ext uri="{BB962C8B-B14F-4D97-AF65-F5344CB8AC3E}">
+        <p14:creationId xmlns:p14="http://schemas.microsoft.com/office/powerpoint/2010/main" val="1752536059"/>
+      </p:ext>
+    </p:extLst>
+  </p:cSld>
+  <p:clrMapOvr>
+    <a:masterClrMapping/>
+  </p:clrMapOvr>
+</p:sld>
+</file>
+
+<file path=ppt/slides/slide16.xml><?xml version="1.0" encoding="utf-8"?>
+<p:sld xmlns:a="http://schemas.openxmlformats.org/drawingml/2006/main" xmlns:r="http://schemas.openxmlformats.org/officeDocument/2006/relationships" xmlns:p="http://schemas.openxmlformats.org/presentationml/2006/main">
+  <p:cSld>
+    <p:spTree>
+      <p:nvGrpSpPr>
+        <p:cNvPr id="1" name=""/>
+        <p:cNvGrpSpPr/>
+        <p:nvPr/>
+      </p:nvGrpSpPr>
+      <p:grpSpPr>
+        <a:xfrm>
+          <a:off x="0" y="0"/>
+          <a:ext cx="0" cy="0"/>
+          <a:chOff x="0" y="0"/>
+          <a:chExt cx="0" cy="0"/>
+        </a:xfrm>
+      </p:grpSpPr>
+      <p:sp>
+        <p:nvSpPr>
+          <p:cNvPr id="2" name="Google Shape;338;p39">
+            <a:extLst>
+              <a:ext uri="{FF2B5EF4-FFF2-40B4-BE49-F238E27FC236}">
+                <a16:creationId xmlns:a16="http://schemas.microsoft.com/office/drawing/2014/main" id="{526E08A6-471B-41C2-8D7D-87975710671B}"/>
+              </a:ext>
+            </a:extLst>
+          </p:cNvPr>
+          <p:cNvSpPr txBox="1">
+            <a:spLocks noGrp="1"/>
+          </p:cNvSpPr>
+          <p:nvPr>
+            <p:ph type="title"/>
+          </p:nvPr>
+        </p:nvSpPr>
+        <p:spPr>
+          <a:xfrm>
+            <a:off x="609600" y="76945"/>
+            <a:ext cx="10972800" cy="1143000"/>
+          </a:xfrm>
+        </p:spPr>
+        <p:txBody>
+          <a:bodyPr lIns="121898" tIns="60935" rIns="121898" bIns="60935">
+            <a:noAutofit/>
+          </a:bodyPr>
+          <a:lstStyle/>
+          <a:p>
+            <a:pPr lvl="0"/>
+            <a:r>
+              <a:rPr lang="es-419" sz="4000" dirty="0"/>
+              <a:t>Evento: controlla numero partecipanti</a:t>
+            </a:r>
+          </a:p>
+        </p:txBody>
+      </p:sp>
+      <p:sp>
+        <p:nvSpPr>
+          <p:cNvPr id="3" name="Google Shape;339;p39">
+            <a:extLst>
+              <a:ext uri="{FF2B5EF4-FFF2-40B4-BE49-F238E27FC236}">
+                <a16:creationId xmlns:a16="http://schemas.microsoft.com/office/drawing/2014/main" id="{817DCDE5-FFE8-4305-B0EE-5F42C34505FF}"/>
+              </a:ext>
+            </a:extLst>
+          </p:cNvPr>
+          <p:cNvSpPr/>
+          <p:nvPr/>
+        </p:nvSpPr>
+        <p:spPr>
+          <a:xfrm>
+            <a:off x="1425301" y="1248515"/>
+            <a:ext cx="2060070" cy="367634"/>
+          </a:xfrm>
+          <a:prstGeom prst="rect">
+            <a:avLst/>
+          </a:prstGeom>
+          <a:solidFill>
+            <a:srgbClr val="FFFFFF"/>
+          </a:solidFill>
+          <a:ln w="25402" cap="flat">
+            <a:solidFill>
+              <a:srgbClr val="4472C4"/>
+            </a:solidFill>
+            <a:prstDash val="solid"/>
+            <a:round/>
+          </a:ln>
+        </p:spPr>
+        <p:txBody>
+          <a:bodyPr vert="horz" wrap="square" lIns="121898" tIns="60935" rIns="121898" bIns="60935" anchor="ctr" anchorCtr="1" compatLnSpc="1">
+            <a:noAutofit/>
+          </a:bodyPr>
+          <a:lstStyle/>
+          <a:p>
+            <a:pPr marL="0" marR="0" lvl="0" indent="0" algn="ctr" defTabSz="1219169" rtl="0" fontAlgn="auto" hangingPunct="1">
+              <a:lnSpc>
+                <a:spcPct val="100000"/>
+              </a:lnSpc>
+              <a:spcBef>
+                <a:spcPts val="0"/>
+              </a:spcBef>
+              <a:spcAft>
+                <a:spcPts val="0"/>
+              </a:spcAft>
+              <a:buNone/>
+              <a:tabLst/>
+              <a:defRPr sz="1800" b="0" i="0" u="none" strike="noStrike" kern="0" cap="none" spc="0" baseline="0">
+                <a:solidFill>
+                  <a:srgbClr val="000000"/>
+                </a:solidFill>
+                <a:uFillTx/>
+              </a:defRPr>
+            </a:pPr>
+            <a:r>
+              <a:rPr lang="it-IT" sz="1400" b="0" i="0" u="none" strike="noStrike" kern="0" cap="none" spc="0" baseline="0" dirty="0" err="1">
+                <a:solidFill>
+                  <a:srgbClr val="000000"/>
+                </a:solidFill>
+                <a:uFillTx/>
+                <a:latin typeface="Calibri"/>
+                <a:ea typeface="Calibri"/>
+                <a:cs typeface="Calibri"/>
+              </a:rPr>
+              <a:t>Checkpartecipanti</a:t>
+            </a:r>
+            <a:endParaRPr lang="it-IT" sz="1400" b="0" i="0" u="none" strike="noStrike" kern="0" cap="none" spc="0" baseline="0" dirty="0">
+              <a:solidFill>
+                <a:srgbClr val="000000"/>
+              </a:solidFill>
+              <a:uFillTx/>
+              <a:latin typeface="Calibri"/>
+              <a:ea typeface="Calibri"/>
+              <a:cs typeface="Calibri"/>
+            </a:endParaRPr>
+          </a:p>
+        </p:txBody>
+      </p:sp>
+      <p:cxnSp>
+        <p:nvCxnSpPr>
+          <p:cNvPr id="4" name="Google Shape;340;p39">
+            <a:extLst>
+              <a:ext uri="{FF2B5EF4-FFF2-40B4-BE49-F238E27FC236}">
+                <a16:creationId xmlns:a16="http://schemas.microsoft.com/office/drawing/2014/main" id="{D7F56118-F135-4AB6-8A70-7F0D6EEFA606}"/>
+              </a:ext>
+            </a:extLst>
+          </p:cNvPr>
+          <p:cNvCxnSpPr>
+            <a:stCxn id="3" idx="2"/>
+          </p:cNvCxnSpPr>
+          <p:nvPr/>
+        </p:nvCxnSpPr>
+        <p:spPr>
+          <a:xfrm flipH="1">
+            <a:off x="2430309" y="1616141"/>
+            <a:ext cx="25018" cy="4343601"/>
+          </a:xfrm>
+          <a:prstGeom prst="straightConnector1">
+            <a:avLst/>
+          </a:prstGeom>
+          <a:noFill/>
+          <a:ln w="38103" cap="flat">
+            <a:solidFill>
+              <a:srgbClr val="4472C4"/>
+            </a:solidFill>
+            <a:custDash>
+              <a:ds d="100000" sp="100000"/>
+            </a:custDash>
+            <a:round/>
+          </a:ln>
+          <a:effectLst>
+            <a:outerShdw dist="22997" dir="5400000" algn="tl">
+              <a:srgbClr val="000000">
+                <a:alpha val="34901"/>
+              </a:srgbClr>
+            </a:outerShdw>
+          </a:effectLst>
+        </p:spPr>
+      </p:cxnSp>
+      <p:cxnSp>
+        <p:nvCxnSpPr>
+          <p:cNvPr id="5" name="Google Shape;341;p39">
+            <a:extLst>
+              <a:ext uri="{FF2B5EF4-FFF2-40B4-BE49-F238E27FC236}">
+                <a16:creationId xmlns:a16="http://schemas.microsoft.com/office/drawing/2014/main" id="{2B6359AE-9B93-4926-A2CC-A97F7BBA796E}"/>
+              </a:ext>
+            </a:extLst>
+          </p:cNvPr>
+          <p:cNvCxnSpPr>
+            <a:cxnSpLocks/>
+          </p:cNvCxnSpPr>
+          <p:nvPr/>
+        </p:nvCxnSpPr>
+        <p:spPr>
+          <a:xfrm>
+            <a:off x="200776" y="2490959"/>
+            <a:ext cx="2090613" cy="0"/>
+          </a:xfrm>
+          <a:prstGeom prst="straightConnector1">
+            <a:avLst/>
+          </a:prstGeom>
+          <a:noFill/>
+          <a:ln w="25402" cap="flat">
+            <a:solidFill>
+              <a:srgbClr val="4472C4"/>
+            </a:solidFill>
+            <a:prstDash val="solid"/>
+            <a:round/>
+            <a:tailEnd type="arrow"/>
+          </a:ln>
+          <a:effectLst>
+            <a:outerShdw dist="19997" dir="5400000" algn="tl">
+              <a:srgbClr val="000000">
+                <a:alpha val="37647"/>
+              </a:srgbClr>
+            </a:outerShdw>
+          </a:effectLst>
+        </p:spPr>
+      </p:cxnSp>
+      <p:sp>
+        <p:nvSpPr>
+          <p:cNvPr id="6" name="Google Shape;342;p39">
+            <a:extLst>
+              <a:ext uri="{FF2B5EF4-FFF2-40B4-BE49-F238E27FC236}">
+                <a16:creationId xmlns:a16="http://schemas.microsoft.com/office/drawing/2014/main" id="{E4C2031B-6370-4C29-AC21-177468CFC913}"/>
+              </a:ext>
+            </a:extLst>
+          </p:cNvPr>
+          <p:cNvSpPr txBox="1"/>
+          <p:nvPr/>
+        </p:nvSpPr>
+        <p:spPr>
+          <a:xfrm>
+            <a:off x="174560" y="2052413"/>
+            <a:ext cx="1220842" cy="369335"/>
+          </a:xfrm>
+          <a:prstGeom prst="rect">
+            <a:avLst/>
+          </a:prstGeom>
+          <a:noFill/>
+          <a:ln cap="flat">
+            <a:noFill/>
+          </a:ln>
+        </p:spPr>
+        <p:txBody>
+          <a:bodyPr vert="horz" wrap="square" lIns="121898" tIns="60935" rIns="121898" bIns="60935" anchor="t" anchorCtr="0" compatLnSpc="1">
+            <a:noAutofit/>
+          </a:bodyPr>
+          <a:lstStyle/>
+          <a:p>
+            <a:pPr marL="0" marR="0" lvl="0" indent="0" algn="l" defTabSz="1219169" rtl="0" fontAlgn="auto" hangingPunct="1">
+              <a:lnSpc>
+                <a:spcPct val="100000"/>
+              </a:lnSpc>
+              <a:spcBef>
+                <a:spcPts val="0"/>
+              </a:spcBef>
+              <a:spcAft>
+                <a:spcPts val="0"/>
+              </a:spcAft>
+              <a:buNone/>
+              <a:tabLst/>
+              <a:defRPr sz="1800" b="0" i="0" u="none" strike="noStrike" kern="0" cap="none" spc="0" baseline="0">
+                <a:solidFill>
+                  <a:srgbClr val="000000"/>
+                </a:solidFill>
+                <a:uFillTx/>
+              </a:defRPr>
+            </a:pPr>
+            <a:r>
+              <a:rPr lang="es-419" sz="2400" b="0" i="0" u="none" strike="noStrike" kern="0" cap="none" spc="0" baseline="0">
+                <a:solidFill>
+                  <a:srgbClr val="000000"/>
+                </a:solidFill>
+                <a:uFillTx/>
+                <a:latin typeface="Calibri"/>
+                <a:ea typeface="Calibri"/>
+                <a:cs typeface="Calibri"/>
+              </a:rPr>
+              <a:t>doPOST</a:t>
+            </a:r>
+          </a:p>
+        </p:txBody>
+      </p:sp>
+      <p:sp>
+        <p:nvSpPr>
+          <p:cNvPr id="10" name="Google Shape;351;p39">
+            <a:extLst>
+              <a:ext uri="{FF2B5EF4-FFF2-40B4-BE49-F238E27FC236}">
+                <a16:creationId xmlns:a16="http://schemas.microsoft.com/office/drawing/2014/main" id="{12FB711D-3C15-405B-894B-F4C8FAB4A595}"/>
+              </a:ext>
+            </a:extLst>
+          </p:cNvPr>
+          <p:cNvSpPr/>
+          <p:nvPr/>
+        </p:nvSpPr>
+        <p:spPr>
+          <a:xfrm>
+            <a:off x="2256852" y="2122063"/>
+            <a:ext cx="353397" cy="4013954"/>
+          </a:xfrm>
+          <a:prstGeom prst="rect">
+            <a:avLst/>
+          </a:prstGeom>
+          <a:solidFill>
+            <a:srgbClr val="FFFFFF"/>
+          </a:solidFill>
+          <a:ln w="25402" cap="flat">
+            <a:solidFill>
+              <a:srgbClr val="4472C4"/>
+            </a:solidFill>
+            <a:prstDash val="solid"/>
+            <a:round/>
+          </a:ln>
+        </p:spPr>
+        <p:txBody>
+          <a:bodyPr vert="horz" wrap="square" lIns="121898" tIns="60935" rIns="121898" bIns="60935" anchor="ctr" anchorCtr="1" compatLnSpc="1">
+            <a:noAutofit/>
+          </a:bodyPr>
+          <a:lstStyle/>
+          <a:p>
+            <a:pPr marL="0" marR="0" lvl="0" indent="0" algn="ctr" defTabSz="1219169" rtl="0" fontAlgn="auto" hangingPunct="1">
+              <a:lnSpc>
+                <a:spcPct val="100000"/>
+              </a:lnSpc>
+              <a:spcBef>
+                <a:spcPts val="0"/>
+              </a:spcBef>
+              <a:spcAft>
+                <a:spcPts val="0"/>
+              </a:spcAft>
+              <a:buNone/>
+              <a:tabLst/>
+              <a:defRPr sz="1800" b="0" i="0" u="none" strike="noStrike" kern="0" cap="none" spc="0" baseline="0">
+                <a:solidFill>
+                  <a:srgbClr val="000000"/>
+                </a:solidFill>
+                <a:uFillTx/>
+              </a:defRPr>
+            </a:pPr>
+            <a:endParaRPr lang="it-IT" sz="2400" b="0" i="0" u="none" strike="noStrike" kern="0" cap="none" spc="0" baseline="0">
+              <a:solidFill>
+                <a:srgbClr val="000000"/>
+              </a:solidFill>
+              <a:uFillTx/>
+              <a:latin typeface="Calibri"/>
+              <a:ea typeface="Calibri"/>
+              <a:cs typeface="Calibri"/>
+            </a:endParaRPr>
+          </a:p>
+        </p:txBody>
+      </p:sp>
+      <p:cxnSp>
+        <p:nvCxnSpPr>
+          <p:cNvPr id="11" name="Google Shape;352;p39">
+            <a:extLst>
+              <a:ext uri="{FF2B5EF4-FFF2-40B4-BE49-F238E27FC236}">
+                <a16:creationId xmlns:a16="http://schemas.microsoft.com/office/drawing/2014/main" id="{EF9CE75F-2A48-419C-A107-FEEDF1A58F30}"/>
+              </a:ext>
+            </a:extLst>
+          </p:cNvPr>
+          <p:cNvCxnSpPr>
+            <a:cxnSpLocks/>
+            <a:endCxn id="14" idx="1"/>
+          </p:cNvCxnSpPr>
+          <p:nvPr/>
+        </p:nvCxnSpPr>
+        <p:spPr>
+          <a:xfrm>
+            <a:off x="2602883" y="2545425"/>
+            <a:ext cx="1929725" cy="0"/>
+          </a:xfrm>
+          <a:prstGeom prst="straightConnector1">
+            <a:avLst/>
+          </a:prstGeom>
+          <a:noFill/>
+          <a:ln w="25402" cap="flat">
+            <a:solidFill>
+              <a:srgbClr val="4472C4"/>
+            </a:solidFill>
+            <a:prstDash val="solid"/>
+            <a:round/>
+            <a:tailEnd type="arrow"/>
+          </a:ln>
+          <a:effectLst>
+            <a:outerShdw dist="19997" dir="5400000" algn="tl">
+              <a:srgbClr val="000000">
+                <a:alpha val="37650"/>
+              </a:srgbClr>
+            </a:outerShdw>
+          </a:effectLst>
+        </p:spPr>
+      </p:cxnSp>
+      <p:sp>
+        <p:nvSpPr>
+          <p:cNvPr id="12" name="Google Shape;354;p39">
+            <a:extLst>
+              <a:ext uri="{FF2B5EF4-FFF2-40B4-BE49-F238E27FC236}">
+                <a16:creationId xmlns:a16="http://schemas.microsoft.com/office/drawing/2014/main" id="{397A677C-D0CA-4396-A52B-85DD34C8DEEE}"/>
+              </a:ext>
+            </a:extLst>
+          </p:cNvPr>
+          <p:cNvSpPr txBox="1"/>
+          <p:nvPr/>
+        </p:nvSpPr>
+        <p:spPr>
+          <a:xfrm>
+            <a:off x="203208" y="2983537"/>
+            <a:ext cx="2350501" cy="2066818"/>
+          </a:xfrm>
+          <a:prstGeom prst="rect">
+            <a:avLst/>
+          </a:prstGeom>
+          <a:noFill/>
+          <a:ln cap="flat">
+            <a:noFill/>
+          </a:ln>
+        </p:spPr>
+        <p:txBody>
+          <a:bodyPr vert="horz" wrap="square" lIns="121898" tIns="60935" rIns="121898" bIns="60935" anchor="t" anchorCtr="0" compatLnSpc="1">
+            <a:noAutofit/>
+          </a:bodyPr>
+          <a:lstStyle/>
+          <a:p>
+            <a:pPr marL="0" marR="0" lvl="0" indent="0" algn="l" defTabSz="1219169" rtl="0" fontAlgn="auto" hangingPunct="1">
+              <a:lnSpc>
+                <a:spcPct val="100000"/>
+              </a:lnSpc>
+              <a:spcBef>
+                <a:spcPts val="0"/>
+              </a:spcBef>
+              <a:spcAft>
+                <a:spcPts val="0"/>
+              </a:spcAft>
+              <a:buNone/>
+              <a:tabLst/>
+              <a:defRPr sz="1800" b="0" i="0" u="none" strike="noStrike" kern="0" cap="none" spc="0" baseline="0">
+                <a:solidFill>
+                  <a:srgbClr val="000000"/>
+                </a:solidFill>
+                <a:uFillTx/>
+              </a:defRPr>
+            </a:pPr>
+            <a:r>
+              <a:rPr lang="it-IT" sz="1400" b="0" i="0" u="none" strike="noStrike" kern="0" cap="none" spc="0" baseline="0" dirty="0">
+                <a:solidFill>
+                  <a:srgbClr val="000000"/>
+                </a:solidFill>
+                <a:uFillTx/>
+                <a:latin typeface="Calibri"/>
+                <a:ea typeface="Calibri"/>
+                <a:cs typeface="Calibri"/>
+              </a:rPr>
+              <a:t>POST</a:t>
+            </a:r>
+          </a:p>
+          <a:p>
+            <a:pPr marL="0" marR="0" lvl="0" indent="0" algn="l" defTabSz="1219169" rtl="0" fontAlgn="auto" hangingPunct="1">
+              <a:lnSpc>
+                <a:spcPct val="100000"/>
+              </a:lnSpc>
+              <a:spcBef>
+                <a:spcPts val="0"/>
+              </a:spcBef>
+              <a:spcAft>
+                <a:spcPts val="0"/>
+              </a:spcAft>
+              <a:buNone/>
+              <a:tabLst/>
+              <a:defRPr sz="1800" b="0" i="0" u="none" strike="noStrike" kern="0" cap="none" spc="0" baseline="0">
+                <a:solidFill>
+                  <a:srgbClr val="000000"/>
+                </a:solidFill>
+                <a:uFillTx/>
+              </a:defRPr>
+            </a:pPr>
+            <a:r>
+              <a:rPr lang="it-IT" sz="1400" b="0" i="0" u="none" strike="noStrike" kern="0" cap="none" spc="0" baseline="0" dirty="0">
+                <a:solidFill>
+                  <a:srgbClr val="000000"/>
+                </a:solidFill>
+                <a:uFillTx/>
+                <a:latin typeface="Calibri"/>
+                <a:ea typeface="Calibri"/>
+                <a:cs typeface="Calibri"/>
+              </a:rPr>
+              <a:t>/</a:t>
+            </a:r>
+            <a:r>
+              <a:rPr lang="it-IT" sz="1400" b="0" i="0" u="none" strike="noStrike" kern="0" cap="none" spc="0" baseline="0" dirty="0" err="1">
+                <a:solidFill>
+                  <a:srgbClr val="000000"/>
+                </a:solidFill>
+                <a:uFillTx/>
+                <a:latin typeface="Calibri"/>
+                <a:ea typeface="Calibri"/>
+                <a:cs typeface="Calibri"/>
+              </a:rPr>
+              <a:t>CheckPartecipanti</a:t>
+            </a:r>
+            <a:endParaRPr lang="it-IT" sz="1400" b="0" i="0" u="none" strike="noStrike" kern="0" cap="none" spc="0" baseline="0" dirty="0">
+              <a:solidFill>
+                <a:srgbClr val="000000"/>
+              </a:solidFill>
+              <a:uFillTx/>
+              <a:latin typeface="Calibri"/>
+              <a:ea typeface="Calibri"/>
+              <a:cs typeface="Calibri"/>
+            </a:endParaRPr>
+          </a:p>
+          <a:p>
+            <a:pPr marL="0" marR="0" lvl="0" indent="0" algn="l" defTabSz="1219169" rtl="0" fontAlgn="auto" hangingPunct="1">
+              <a:lnSpc>
+                <a:spcPct val="100000"/>
+              </a:lnSpc>
+              <a:spcBef>
+                <a:spcPts val="0"/>
+              </a:spcBef>
+              <a:spcAft>
+                <a:spcPts val="0"/>
+              </a:spcAft>
+              <a:buNone/>
+              <a:tabLst/>
+              <a:defRPr sz="1800" b="0" i="0" u="none" strike="noStrike" kern="0" cap="none" spc="0" baseline="0">
+                <a:solidFill>
+                  <a:srgbClr val="000000"/>
+                </a:solidFill>
+                <a:uFillTx/>
+              </a:defRPr>
+            </a:pPr>
+            <a:r>
+              <a:rPr lang="it-IT" sz="1400" b="0" i="0" u="none" strike="noStrike" kern="0" cap="none" spc="0" baseline="0" dirty="0" err="1">
+                <a:solidFill>
+                  <a:srgbClr val="000000"/>
+                </a:solidFill>
+                <a:uFillTx/>
+                <a:latin typeface="Calibri"/>
+                <a:ea typeface="Calibri"/>
+                <a:cs typeface="Calibri"/>
+              </a:rPr>
+              <a:t>Idpartecipanti</a:t>
+            </a:r>
+            <a:r>
+              <a:rPr lang="it-IT" sz="1400" b="0" i="0" u="none" strike="noStrike" kern="0" cap="none" spc="0" baseline="0" dirty="0">
+                <a:solidFill>
+                  <a:srgbClr val="000000"/>
+                </a:solidFill>
+                <a:uFillTx/>
+                <a:latin typeface="Calibri"/>
+                <a:ea typeface="Calibri"/>
+                <a:cs typeface="Calibri"/>
+              </a:rPr>
+              <a:t> (</a:t>
+            </a:r>
+            <a:r>
+              <a:rPr lang="it-IT" sz="1400" b="0" i="0" u="none" strike="noStrike" kern="0" cap="none" spc="0" baseline="0" dirty="0" err="1">
+                <a:solidFill>
+                  <a:srgbClr val="000000"/>
+                </a:solidFill>
+                <a:uFillTx/>
+                <a:latin typeface="Calibri"/>
+                <a:ea typeface="Calibri"/>
+                <a:cs typeface="Calibri"/>
+              </a:rPr>
+              <a:t>checkbox</a:t>
+            </a:r>
+            <a:r>
+              <a:rPr lang="it-IT" sz="1400" b="0" i="0" u="none" strike="noStrike" kern="0" cap="none" spc="0" baseline="0" dirty="0">
+                <a:solidFill>
+                  <a:srgbClr val="000000"/>
+                </a:solidFill>
+                <a:uFillTx/>
+                <a:latin typeface="Calibri"/>
+                <a:ea typeface="Calibri"/>
+                <a:cs typeface="Calibri"/>
+              </a:rPr>
+              <a:t>)</a:t>
+            </a:r>
+          </a:p>
+          <a:p>
+            <a:pPr marL="0" marR="0" lvl="0" indent="0" algn="l" defTabSz="1219169" rtl="0" fontAlgn="auto" hangingPunct="1">
+              <a:lnSpc>
+                <a:spcPct val="100000"/>
+              </a:lnSpc>
+              <a:spcBef>
+                <a:spcPts val="0"/>
+              </a:spcBef>
+              <a:spcAft>
+                <a:spcPts val="0"/>
+              </a:spcAft>
+              <a:buNone/>
+              <a:tabLst/>
+              <a:defRPr sz="1800" b="0" i="0" u="none" strike="noStrike" kern="0" cap="none" spc="0" baseline="0">
+                <a:solidFill>
+                  <a:srgbClr val="000000"/>
+                </a:solidFill>
+                <a:uFillTx/>
+              </a:defRPr>
+            </a:pPr>
+            <a:r>
+              <a:rPr lang="it-IT" sz="1400" b="0" i="0" u="none" strike="noStrike" kern="0" cap="none" spc="0" baseline="0" dirty="0">
+                <a:solidFill>
+                  <a:srgbClr val="000000"/>
+                </a:solidFill>
+                <a:uFillTx/>
+                <a:latin typeface="Calibri"/>
+                <a:ea typeface="Calibri"/>
+                <a:cs typeface="Calibri"/>
+              </a:rPr>
+              <a:t>From: </a:t>
+            </a:r>
+          </a:p>
+          <a:p>
+            <a:pPr marL="0" marR="0" lvl="0" indent="0" algn="l" defTabSz="1219169" rtl="0" fontAlgn="auto" hangingPunct="1">
+              <a:lnSpc>
+                <a:spcPct val="100000"/>
+              </a:lnSpc>
+              <a:spcBef>
+                <a:spcPts val="0"/>
+              </a:spcBef>
+              <a:spcAft>
+                <a:spcPts val="0"/>
+              </a:spcAft>
+              <a:buNone/>
+              <a:tabLst/>
+              <a:defRPr sz="1800" b="0" i="0" u="none" strike="noStrike" kern="0" cap="none" spc="0" baseline="0">
+                <a:solidFill>
+                  <a:srgbClr val="000000"/>
+                </a:solidFill>
+                <a:uFillTx/>
+              </a:defRPr>
+            </a:pPr>
+            <a:r>
+              <a:rPr lang="it-IT" sz="1400" b="0" i="0" u="none" strike="noStrike" kern="0" cap="none" spc="0" baseline="0" dirty="0" err="1">
+                <a:solidFill>
+                  <a:srgbClr val="000000"/>
+                </a:solidFill>
+                <a:uFillTx/>
+                <a:latin typeface="Calibri"/>
+                <a:ea typeface="Calibri"/>
+                <a:cs typeface="Calibri"/>
+              </a:rPr>
+              <a:t>PaginaAnagrafica</a:t>
+            </a:r>
+            <a:endParaRPr lang="it-IT" sz="1400" b="0" i="0" u="none" strike="noStrike" kern="0" cap="none" spc="0" baseline="0" dirty="0">
+              <a:solidFill>
+                <a:srgbClr val="000000"/>
+              </a:solidFill>
+              <a:uFillTx/>
+              <a:latin typeface="Calibri"/>
+              <a:ea typeface="Calibri"/>
+              <a:cs typeface="Calibri"/>
+            </a:endParaRPr>
+          </a:p>
+        </p:txBody>
+      </p:sp>
+      <p:sp>
+        <p:nvSpPr>
+          <p:cNvPr id="13" name="Google Shape;298;p37">
+            <a:extLst>
+              <a:ext uri="{FF2B5EF4-FFF2-40B4-BE49-F238E27FC236}">
+                <a16:creationId xmlns:a16="http://schemas.microsoft.com/office/drawing/2014/main" id="{315BDA54-DC43-4B16-AC2C-307F13E8184C}"/>
+              </a:ext>
+            </a:extLst>
+          </p:cNvPr>
+          <p:cNvSpPr txBox="1"/>
+          <p:nvPr/>
+        </p:nvSpPr>
+        <p:spPr>
+          <a:xfrm>
+            <a:off x="2311722" y="2139383"/>
+            <a:ext cx="2476963" cy="338401"/>
+          </a:xfrm>
+          <a:prstGeom prst="rect">
+            <a:avLst/>
+          </a:prstGeom>
+          <a:noFill/>
+          <a:ln cap="flat">
+            <a:noFill/>
+          </a:ln>
+        </p:spPr>
+        <p:txBody>
+          <a:bodyPr vert="horz" wrap="square" lIns="121898" tIns="60935" rIns="121898" bIns="60935" anchor="t" anchorCtr="1" compatLnSpc="1">
+            <a:noAutofit/>
+          </a:bodyPr>
+          <a:lstStyle/>
+          <a:p>
+            <a:pPr marL="0" marR="0" lvl="0" indent="0" algn="ctr" defTabSz="1219169" rtl="0" fontAlgn="auto" hangingPunct="1">
+              <a:lnSpc>
+                <a:spcPct val="100000"/>
+              </a:lnSpc>
+              <a:spcBef>
+                <a:spcPts val="0"/>
+              </a:spcBef>
+              <a:spcAft>
+                <a:spcPts val="0"/>
+              </a:spcAft>
+              <a:buNone/>
+              <a:tabLst/>
+              <a:defRPr sz="1800" b="0" i="0" u="none" strike="noStrike" kern="0" cap="none" spc="0" baseline="0">
+                <a:solidFill>
+                  <a:srgbClr val="000000"/>
+                </a:solidFill>
+                <a:uFillTx/>
+              </a:defRPr>
+            </a:pPr>
+            <a:r>
+              <a:rPr lang="es-419" sz="1200" b="0" i="0" u="none" strike="noStrike" kern="0" cap="none" spc="0" baseline="0" dirty="0">
+                <a:solidFill>
+                  <a:srgbClr val="000000"/>
+                </a:solidFill>
+                <a:uFillTx/>
+                <a:latin typeface="Calibri"/>
+                <a:ea typeface="Calibri"/>
+                <a:cs typeface="Calibri"/>
+              </a:rPr>
+              <a:t>[</a:t>
+            </a:r>
+            <a:r>
+              <a:rPr lang="es-419" sz="1100" b="0" i="0" u="none" strike="noStrike" kern="0" cap="none" spc="0" baseline="0" dirty="0">
+                <a:solidFill>
+                  <a:srgbClr val="000000"/>
+                </a:solidFill>
+                <a:uFillTx/>
+                <a:latin typeface="Calibri"/>
+                <a:ea typeface="Calibri"/>
+                <a:cs typeface="Calibri"/>
+              </a:rPr>
+              <a:t>checkbox == null ] redirect</a:t>
+            </a:r>
+          </a:p>
+        </p:txBody>
+      </p:sp>
+      <p:sp>
+        <p:nvSpPr>
+          <p:cNvPr id="14" name="Google Shape;343;p39">
+            <a:extLst>
+              <a:ext uri="{FF2B5EF4-FFF2-40B4-BE49-F238E27FC236}">
+                <a16:creationId xmlns:a16="http://schemas.microsoft.com/office/drawing/2014/main" id="{36E0ECD9-5EA2-4351-A9B9-01C488790E43}"/>
+              </a:ext>
+            </a:extLst>
+          </p:cNvPr>
+          <p:cNvSpPr/>
+          <p:nvPr/>
+        </p:nvSpPr>
+        <p:spPr>
+          <a:xfrm>
+            <a:off x="4532608" y="2166577"/>
+            <a:ext cx="408718" cy="757696"/>
+          </a:xfrm>
+          <a:prstGeom prst="rect">
+            <a:avLst/>
+          </a:prstGeom>
+          <a:solidFill>
+            <a:srgbClr val="FFFFFF"/>
+          </a:solidFill>
+          <a:ln w="25402" cap="flat">
+            <a:solidFill>
+              <a:srgbClr val="4472C4"/>
+            </a:solidFill>
+            <a:prstDash val="solid"/>
+            <a:round/>
+          </a:ln>
+        </p:spPr>
+        <p:txBody>
+          <a:bodyPr vert="horz" wrap="square" lIns="121898" tIns="60935" rIns="121898" bIns="60935" anchor="ctr" anchorCtr="1" compatLnSpc="1">
+            <a:noAutofit/>
+          </a:bodyPr>
+          <a:lstStyle/>
+          <a:p>
+            <a:pPr marL="0" marR="0" lvl="0" indent="0" algn="ctr" defTabSz="1219169" rtl="0" fontAlgn="auto" hangingPunct="1">
+              <a:lnSpc>
+                <a:spcPct val="100000"/>
+              </a:lnSpc>
+              <a:spcBef>
+                <a:spcPts val="0"/>
+              </a:spcBef>
+              <a:spcAft>
+                <a:spcPts val="0"/>
+              </a:spcAft>
+              <a:buNone/>
+              <a:tabLst/>
+              <a:defRPr sz="1800" b="0" i="0" u="none" strike="noStrike" kern="0" cap="none" spc="0" baseline="0">
+                <a:solidFill>
+                  <a:srgbClr val="000000"/>
+                </a:solidFill>
+                <a:uFillTx/>
+              </a:defRPr>
+            </a:pPr>
+            <a:endParaRPr lang="it-IT" sz="2400" b="0" i="0" u="none" strike="noStrike" kern="0" cap="none" spc="0" baseline="0">
+              <a:solidFill>
+                <a:srgbClr val="000000"/>
+              </a:solidFill>
+              <a:uFillTx/>
+              <a:latin typeface="Calibri"/>
+              <a:ea typeface="Calibri"/>
+              <a:cs typeface="Calibri"/>
+            </a:endParaRPr>
+          </a:p>
+        </p:txBody>
+      </p:sp>
+      <p:sp>
+        <p:nvSpPr>
+          <p:cNvPr id="15" name="Google Shape;349;p39">
+            <a:extLst>
+              <a:ext uri="{FF2B5EF4-FFF2-40B4-BE49-F238E27FC236}">
+                <a16:creationId xmlns:a16="http://schemas.microsoft.com/office/drawing/2014/main" id="{1CB8FDCA-BC28-41BA-A3A3-155DE8B23331}"/>
+              </a:ext>
+            </a:extLst>
+          </p:cNvPr>
+          <p:cNvSpPr/>
+          <p:nvPr/>
+        </p:nvSpPr>
+        <p:spPr>
+          <a:xfrm>
+            <a:off x="3810943" y="1258733"/>
+            <a:ext cx="1799914" cy="385392"/>
+          </a:xfrm>
+          <a:prstGeom prst="rect">
+            <a:avLst/>
+          </a:prstGeom>
+          <a:solidFill>
+            <a:srgbClr val="FFFFFF"/>
+          </a:solidFill>
+          <a:ln w="25402" cap="flat">
+            <a:solidFill>
+              <a:srgbClr val="4472C4"/>
+            </a:solidFill>
+            <a:prstDash val="solid"/>
+            <a:round/>
+          </a:ln>
+        </p:spPr>
+        <p:txBody>
+          <a:bodyPr vert="horz" wrap="square" lIns="121898" tIns="60935" rIns="121898" bIns="60935" anchor="ctr" anchorCtr="1" compatLnSpc="1">
+            <a:noAutofit/>
+          </a:bodyPr>
+          <a:lstStyle/>
+          <a:p>
+            <a:pPr marL="0" marR="0" lvl="0" indent="0" algn="ctr" defTabSz="1219169" rtl="0" fontAlgn="auto" hangingPunct="1">
+              <a:lnSpc>
+                <a:spcPct val="100000"/>
+              </a:lnSpc>
+              <a:spcBef>
+                <a:spcPts val="0"/>
+              </a:spcBef>
+              <a:spcAft>
+                <a:spcPts val="0"/>
+              </a:spcAft>
+              <a:buNone/>
+              <a:tabLst/>
+              <a:defRPr sz="1800" b="0" i="0" u="none" strike="noStrike" kern="0" cap="none" spc="0" baseline="0">
+                <a:solidFill>
+                  <a:srgbClr val="000000"/>
+                </a:solidFill>
+                <a:uFillTx/>
+              </a:defRPr>
+            </a:pPr>
+            <a:r>
+              <a:rPr lang="es-419" sz="1400" b="0" i="0" u="none" strike="noStrike" kern="0" cap="none" spc="0" baseline="0" dirty="0">
+                <a:solidFill>
+                  <a:srgbClr val="000000"/>
+                </a:solidFill>
+                <a:uFillTx/>
+                <a:latin typeface="Calibri"/>
+                <a:ea typeface="Calibri"/>
+                <a:cs typeface="Calibri"/>
+              </a:rPr>
+              <a:t>PaginaAnagrafica</a:t>
+            </a:r>
+          </a:p>
+        </p:txBody>
+      </p:sp>
+      <p:cxnSp>
+        <p:nvCxnSpPr>
+          <p:cNvPr id="16" name="Google Shape;350;p39">
+            <a:extLst>
+              <a:ext uri="{FF2B5EF4-FFF2-40B4-BE49-F238E27FC236}">
+                <a16:creationId xmlns:a16="http://schemas.microsoft.com/office/drawing/2014/main" id="{BAAEC16D-424A-4180-88CB-D14C0AEFE3D9}"/>
+              </a:ext>
+            </a:extLst>
+          </p:cNvPr>
+          <p:cNvCxnSpPr>
+            <a:cxnSpLocks/>
+            <a:stCxn id="15" idx="2"/>
+          </p:cNvCxnSpPr>
+          <p:nvPr/>
+        </p:nvCxnSpPr>
+        <p:spPr>
+          <a:xfrm>
+            <a:off x="4710900" y="1644125"/>
+            <a:ext cx="5" cy="1339412"/>
+          </a:xfrm>
+          <a:prstGeom prst="straightConnector1">
+            <a:avLst/>
+          </a:prstGeom>
+          <a:noFill/>
+          <a:ln w="38103" cap="flat">
+            <a:solidFill>
+              <a:srgbClr val="4472C4"/>
+            </a:solidFill>
+            <a:custDash>
+              <a:ds d="100000" sp="100000"/>
+            </a:custDash>
+            <a:round/>
+          </a:ln>
+          <a:effectLst>
+            <a:outerShdw dist="22997" dir="5400000" algn="tl">
+              <a:srgbClr val="000000">
+                <a:alpha val="34900"/>
+              </a:srgbClr>
+            </a:outerShdw>
+          </a:effectLst>
+        </p:spPr>
+      </p:cxnSp>
+      <p:sp>
+        <p:nvSpPr>
+          <p:cNvPr id="17" name="Google Shape;343;p39">
+            <a:extLst>
+              <a:ext uri="{FF2B5EF4-FFF2-40B4-BE49-F238E27FC236}">
+                <a16:creationId xmlns:a16="http://schemas.microsoft.com/office/drawing/2014/main" id="{C51A8AF9-C7D6-45D0-AE74-A187E1F91D66}"/>
+              </a:ext>
+            </a:extLst>
+          </p:cNvPr>
+          <p:cNvSpPr/>
+          <p:nvPr/>
+        </p:nvSpPr>
+        <p:spPr>
+          <a:xfrm>
+            <a:off x="6719740" y="3066710"/>
+            <a:ext cx="351495" cy="2409546"/>
+          </a:xfrm>
+          <a:prstGeom prst="rect">
+            <a:avLst/>
+          </a:prstGeom>
+          <a:solidFill>
+            <a:srgbClr val="FFFFFF"/>
+          </a:solidFill>
+          <a:ln w="25402" cap="flat">
+            <a:solidFill>
+              <a:srgbClr val="4472C4"/>
+            </a:solidFill>
+            <a:prstDash val="solid"/>
+            <a:round/>
+          </a:ln>
+        </p:spPr>
+        <p:txBody>
+          <a:bodyPr vert="horz" wrap="square" lIns="121898" tIns="60935" rIns="121898" bIns="60935" anchor="ctr" anchorCtr="1" compatLnSpc="1">
+            <a:noAutofit/>
+          </a:bodyPr>
+          <a:lstStyle/>
+          <a:p>
+            <a:pPr marL="0" marR="0" lvl="0" indent="0" algn="ctr" defTabSz="1219169" rtl="0" fontAlgn="auto" hangingPunct="1">
+              <a:lnSpc>
+                <a:spcPct val="100000"/>
+              </a:lnSpc>
+              <a:spcBef>
+                <a:spcPts val="0"/>
+              </a:spcBef>
+              <a:spcAft>
+                <a:spcPts val="0"/>
+              </a:spcAft>
+              <a:buNone/>
+              <a:tabLst/>
+              <a:defRPr sz="1800" b="0" i="0" u="none" strike="noStrike" kern="0" cap="none" spc="0" baseline="0">
+                <a:solidFill>
+                  <a:srgbClr val="000000"/>
+                </a:solidFill>
+                <a:uFillTx/>
+              </a:defRPr>
+            </a:pPr>
+            <a:endParaRPr lang="it-IT" sz="2400" b="0" i="0" u="none" strike="noStrike" kern="0" cap="none" spc="0" baseline="0">
+              <a:solidFill>
+                <a:srgbClr val="000000"/>
+              </a:solidFill>
+              <a:uFillTx/>
+              <a:latin typeface="Calibri"/>
+              <a:ea typeface="Calibri"/>
+              <a:cs typeface="Calibri"/>
+            </a:endParaRPr>
+          </a:p>
+        </p:txBody>
+      </p:sp>
+      <p:cxnSp>
+        <p:nvCxnSpPr>
+          <p:cNvPr id="18" name="Google Shape;352;p39">
+            <a:extLst>
+              <a:ext uri="{FF2B5EF4-FFF2-40B4-BE49-F238E27FC236}">
+                <a16:creationId xmlns:a16="http://schemas.microsoft.com/office/drawing/2014/main" id="{B42D825E-4A74-479C-91AB-C80D45C40DB1}"/>
+              </a:ext>
+            </a:extLst>
+          </p:cNvPr>
+          <p:cNvCxnSpPr>
+            <a:cxnSpLocks/>
+          </p:cNvCxnSpPr>
+          <p:nvPr/>
+        </p:nvCxnSpPr>
+        <p:spPr>
+          <a:xfrm flipV="1">
+            <a:off x="2640673" y="3521015"/>
+            <a:ext cx="4066007" cy="12780"/>
+          </a:xfrm>
+          <a:prstGeom prst="straightConnector1">
+            <a:avLst/>
+          </a:prstGeom>
+          <a:noFill/>
+          <a:ln w="25402" cap="flat">
+            <a:solidFill>
+              <a:srgbClr val="4472C4"/>
+            </a:solidFill>
+            <a:prstDash val="solid"/>
+            <a:round/>
+            <a:tailEnd type="arrow"/>
+          </a:ln>
+          <a:effectLst>
+            <a:outerShdw dist="19997" dir="5400000" algn="tl">
+              <a:srgbClr val="000000">
+                <a:alpha val="37650"/>
+              </a:srgbClr>
+            </a:outerShdw>
+          </a:effectLst>
+        </p:spPr>
+      </p:cxnSp>
+      <p:sp>
+        <p:nvSpPr>
+          <p:cNvPr id="19" name="Google Shape;298;p37">
+            <a:extLst>
+              <a:ext uri="{FF2B5EF4-FFF2-40B4-BE49-F238E27FC236}">
+                <a16:creationId xmlns:a16="http://schemas.microsoft.com/office/drawing/2014/main" id="{94416E3F-E36A-401F-B398-CE99C210D323}"/>
+              </a:ext>
+            </a:extLst>
+          </p:cNvPr>
+          <p:cNvSpPr txBox="1"/>
+          <p:nvPr/>
+        </p:nvSpPr>
+        <p:spPr>
+          <a:xfrm>
+            <a:off x="2796594" y="3074526"/>
+            <a:ext cx="3634511" cy="338401"/>
+          </a:xfrm>
+          <a:prstGeom prst="rect">
+            <a:avLst/>
+          </a:prstGeom>
+          <a:noFill/>
+          <a:ln cap="flat">
+            <a:noFill/>
+          </a:ln>
+        </p:spPr>
+        <p:txBody>
+          <a:bodyPr vert="horz" wrap="square" lIns="121898" tIns="60935" rIns="121898" bIns="60935" anchor="t" anchorCtr="1" compatLnSpc="1">
+            <a:noAutofit/>
+          </a:bodyPr>
+          <a:lstStyle/>
+          <a:p>
+            <a:pPr marL="0" marR="0" lvl="0" indent="0" algn="ctr" defTabSz="1219169" rtl="0" fontAlgn="auto" hangingPunct="1">
+              <a:lnSpc>
+                <a:spcPct val="100000"/>
+              </a:lnSpc>
+              <a:spcBef>
+                <a:spcPts val="0"/>
+              </a:spcBef>
+              <a:spcAft>
+                <a:spcPts val="0"/>
+              </a:spcAft>
+              <a:buNone/>
+              <a:tabLst/>
+              <a:defRPr sz="1800" b="0" i="0" u="none" strike="noStrike" kern="0" cap="none" spc="0" baseline="0">
+                <a:solidFill>
+                  <a:srgbClr val="000000"/>
+                </a:solidFill>
+                <a:uFillTx/>
+              </a:defRPr>
+            </a:pPr>
+            <a:r>
+              <a:rPr lang="es-419" sz="1400" kern="0" dirty="0">
+                <a:solidFill>
+                  <a:srgbClr val="000000"/>
+                </a:solidFill>
+                <a:latin typeface="Calibri"/>
+                <a:ea typeface="Calibri"/>
+                <a:cs typeface="Calibri"/>
+              </a:rPr>
+              <a:t>s</a:t>
+            </a:r>
+            <a:r>
+              <a:rPr lang="es-419" sz="1400" b="0" i="0" u="none" strike="noStrike" kern="0" cap="none" spc="0" baseline="0" dirty="0">
+                <a:solidFill>
+                  <a:srgbClr val="000000"/>
+                </a:solidFill>
+                <a:uFillTx/>
+                <a:latin typeface="Calibri"/>
+                <a:ea typeface="Calibri"/>
+                <a:cs typeface="Calibri"/>
+              </a:rPr>
+              <a:t>etattribute(select,utentiselezionati)</a:t>
+            </a:r>
+          </a:p>
+        </p:txBody>
+      </p:sp>
+      <p:sp>
+        <p:nvSpPr>
+          <p:cNvPr id="20" name="Google Shape;349;p39">
+            <a:extLst>
+              <a:ext uri="{FF2B5EF4-FFF2-40B4-BE49-F238E27FC236}">
+                <a16:creationId xmlns:a16="http://schemas.microsoft.com/office/drawing/2014/main" id="{E57A84E2-B9BC-4075-8BD0-0B5283E613BE}"/>
+              </a:ext>
+            </a:extLst>
+          </p:cNvPr>
+          <p:cNvSpPr/>
+          <p:nvPr/>
+        </p:nvSpPr>
+        <p:spPr>
+          <a:xfrm>
+            <a:off x="8462530" y="1253809"/>
+            <a:ext cx="2189603" cy="381195"/>
+          </a:xfrm>
+          <a:prstGeom prst="rect">
+            <a:avLst/>
+          </a:prstGeom>
+          <a:solidFill>
+            <a:srgbClr val="FFFFFF"/>
+          </a:solidFill>
+          <a:ln w="25402" cap="flat">
+            <a:solidFill>
+              <a:srgbClr val="4472C4"/>
+            </a:solidFill>
+            <a:prstDash val="solid"/>
+            <a:round/>
+          </a:ln>
+        </p:spPr>
+        <p:txBody>
+          <a:bodyPr vert="horz" wrap="square" lIns="121898" tIns="60935" rIns="121898" bIns="60935" anchor="ctr" anchorCtr="1" compatLnSpc="1">
+            <a:noAutofit/>
+          </a:bodyPr>
+          <a:lstStyle/>
+          <a:p>
+            <a:pPr marL="0" marR="0" lvl="0" indent="0" algn="ctr" defTabSz="1219169" rtl="0" fontAlgn="auto" hangingPunct="1">
+              <a:lnSpc>
+                <a:spcPct val="100000"/>
+              </a:lnSpc>
+              <a:spcBef>
+                <a:spcPts val="0"/>
+              </a:spcBef>
+              <a:spcAft>
+                <a:spcPts val="0"/>
+              </a:spcAft>
+              <a:buNone/>
+              <a:tabLst/>
+              <a:defRPr sz="1800" b="0" i="0" u="none" strike="noStrike" kern="0" cap="none" spc="0" baseline="0">
+                <a:solidFill>
+                  <a:srgbClr val="000000"/>
+                </a:solidFill>
+                <a:uFillTx/>
+              </a:defRPr>
+            </a:pPr>
+            <a:r>
+              <a:rPr lang="es-419" sz="1400" b="0" i="0" u="none" strike="noStrike" kern="0" cap="none" spc="0" baseline="0" dirty="0">
+                <a:solidFill>
+                  <a:srgbClr val="000000"/>
+                </a:solidFill>
+                <a:uFillTx/>
+                <a:latin typeface="Calibri"/>
+                <a:ea typeface="Calibri"/>
+                <a:cs typeface="Calibri"/>
+              </a:rPr>
+              <a:t>PaginaAnagrafica</a:t>
+            </a:r>
+          </a:p>
+        </p:txBody>
+      </p:sp>
+      <p:cxnSp>
+        <p:nvCxnSpPr>
+          <p:cNvPr id="21" name="Google Shape;350;p39">
+            <a:extLst>
+              <a:ext uri="{FF2B5EF4-FFF2-40B4-BE49-F238E27FC236}">
+                <a16:creationId xmlns:a16="http://schemas.microsoft.com/office/drawing/2014/main" id="{F0A751DF-8D47-4327-A8EF-1F833DADD388}"/>
+              </a:ext>
+            </a:extLst>
+          </p:cNvPr>
+          <p:cNvCxnSpPr>
+            <a:cxnSpLocks/>
+          </p:cNvCxnSpPr>
+          <p:nvPr/>
+        </p:nvCxnSpPr>
+        <p:spPr>
+          <a:xfrm>
+            <a:off x="9532604" y="1635004"/>
+            <a:ext cx="0" cy="4119820"/>
+          </a:xfrm>
+          <a:prstGeom prst="straightConnector1">
+            <a:avLst/>
+          </a:prstGeom>
+          <a:noFill/>
+          <a:ln w="38103" cap="flat">
+            <a:solidFill>
+              <a:srgbClr val="4472C4"/>
+            </a:solidFill>
+            <a:custDash>
+              <a:ds d="100000" sp="100000"/>
+            </a:custDash>
+            <a:round/>
+          </a:ln>
+          <a:effectLst>
+            <a:outerShdw dist="22997" dir="5400000" algn="tl">
+              <a:srgbClr val="000000">
+                <a:alpha val="34900"/>
+              </a:srgbClr>
+            </a:outerShdw>
+          </a:effectLst>
+        </p:spPr>
+      </p:cxnSp>
+      <p:sp>
+        <p:nvSpPr>
+          <p:cNvPr id="22" name="Google Shape;349;p39">
+            <a:extLst>
+              <a:ext uri="{FF2B5EF4-FFF2-40B4-BE49-F238E27FC236}">
+                <a16:creationId xmlns:a16="http://schemas.microsoft.com/office/drawing/2014/main" id="{D5335C9E-3831-441A-A9A7-C16CA83590C2}"/>
+              </a:ext>
+            </a:extLst>
+          </p:cNvPr>
+          <p:cNvSpPr/>
+          <p:nvPr/>
+        </p:nvSpPr>
+        <p:spPr>
+          <a:xfrm>
+            <a:off x="5825857" y="1269016"/>
+            <a:ext cx="2189603" cy="385392"/>
+          </a:xfrm>
+          <a:prstGeom prst="rect">
+            <a:avLst/>
+          </a:prstGeom>
+          <a:solidFill>
+            <a:srgbClr val="FFFFFF"/>
+          </a:solidFill>
+          <a:ln w="25402" cap="flat">
+            <a:solidFill>
+              <a:srgbClr val="4472C4"/>
+            </a:solidFill>
+            <a:prstDash val="solid"/>
+            <a:round/>
+          </a:ln>
+        </p:spPr>
+        <p:txBody>
+          <a:bodyPr vert="horz" wrap="square" lIns="121898" tIns="60935" rIns="121898" bIns="60935" anchor="ctr" anchorCtr="1" compatLnSpc="1">
+            <a:noAutofit/>
+          </a:bodyPr>
+          <a:lstStyle/>
+          <a:p>
+            <a:pPr marL="0" marR="0" lvl="0" indent="0" algn="ctr" defTabSz="1219169" rtl="0" fontAlgn="auto" hangingPunct="1">
+              <a:lnSpc>
+                <a:spcPct val="100000"/>
+              </a:lnSpc>
+              <a:spcBef>
+                <a:spcPts val="0"/>
+              </a:spcBef>
+              <a:spcAft>
+                <a:spcPts val="0"/>
+              </a:spcAft>
+              <a:buNone/>
+              <a:tabLst/>
+              <a:defRPr sz="1800" b="0" i="0" u="none" strike="noStrike" kern="0" cap="none" spc="0" baseline="0">
+                <a:solidFill>
+                  <a:srgbClr val="000000"/>
+                </a:solidFill>
+                <a:uFillTx/>
+              </a:defRPr>
+            </a:pPr>
+            <a:r>
+              <a:rPr lang="es-419" sz="1400" kern="0" dirty="0">
+                <a:solidFill>
+                  <a:srgbClr val="000000"/>
+                </a:solidFill>
+                <a:latin typeface="Calibri"/>
+                <a:ea typeface="Calibri"/>
+                <a:cs typeface="Calibri"/>
+              </a:rPr>
+              <a:t>S</a:t>
+            </a:r>
+            <a:r>
+              <a:rPr lang="es-419" sz="1400" b="0" i="0" u="none" strike="noStrike" kern="0" cap="none" spc="0" baseline="0" dirty="0">
+                <a:solidFill>
+                  <a:srgbClr val="000000"/>
+                </a:solidFill>
+                <a:uFillTx/>
+                <a:latin typeface="Calibri"/>
+                <a:ea typeface="Calibri"/>
+                <a:cs typeface="Calibri"/>
+              </a:rPr>
+              <a:t>ession</a:t>
+            </a:r>
+          </a:p>
+        </p:txBody>
+      </p:sp>
+      <p:cxnSp>
+        <p:nvCxnSpPr>
+          <p:cNvPr id="23" name="Google Shape;350;p39">
+            <a:extLst>
+              <a:ext uri="{FF2B5EF4-FFF2-40B4-BE49-F238E27FC236}">
+                <a16:creationId xmlns:a16="http://schemas.microsoft.com/office/drawing/2014/main" id="{5898E3CC-75E5-4784-A538-9A983FEB72EA}"/>
+              </a:ext>
+            </a:extLst>
+          </p:cNvPr>
+          <p:cNvCxnSpPr>
+            <a:cxnSpLocks/>
+            <a:endCxn id="17" idx="2"/>
+          </p:cNvCxnSpPr>
+          <p:nvPr/>
+        </p:nvCxnSpPr>
+        <p:spPr>
+          <a:xfrm flipH="1">
+            <a:off x="6895488" y="1616141"/>
+            <a:ext cx="25172" cy="3860115"/>
+          </a:xfrm>
+          <a:prstGeom prst="straightConnector1">
+            <a:avLst/>
+          </a:prstGeom>
+          <a:noFill/>
+          <a:ln w="38103" cap="flat">
+            <a:solidFill>
+              <a:srgbClr val="4472C4"/>
+            </a:solidFill>
+            <a:custDash>
+              <a:ds d="100000" sp="100000"/>
+            </a:custDash>
+            <a:round/>
+          </a:ln>
+          <a:effectLst>
+            <a:outerShdw dist="22997" dir="5400000" algn="tl">
+              <a:srgbClr val="000000">
+                <a:alpha val="34900"/>
+              </a:srgbClr>
+            </a:outerShdw>
+          </a:effectLst>
+        </p:spPr>
+      </p:cxnSp>
+      <p:sp>
+        <p:nvSpPr>
+          <p:cNvPr id="24" name="Google Shape;343;p39">
+            <a:extLst>
+              <a:ext uri="{FF2B5EF4-FFF2-40B4-BE49-F238E27FC236}">
+                <a16:creationId xmlns:a16="http://schemas.microsoft.com/office/drawing/2014/main" id="{F3E6B1DA-0C18-4FED-ADC9-8EFB191B6F52}"/>
+              </a:ext>
+            </a:extLst>
+          </p:cNvPr>
+          <p:cNvSpPr/>
+          <p:nvPr/>
+        </p:nvSpPr>
+        <p:spPr>
+          <a:xfrm>
+            <a:off x="9352973" y="5342659"/>
+            <a:ext cx="408718" cy="793360"/>
+          </a:xfrm>
+          <a:prstGeom prst="rect">
+            <a:avLst/>
+          </a:prstGeom>
+          <a:solidFill>
+            <a:srgbClr val="FFFFFF"/>
+          </a:solidFill>
+          <a:ln w="25402" cap="flat">
+            <a:solidFill>
+              <a:srgbClr val="4472C4"/>
+            </a:solidFill>
+            <a:prstDash val="solid"/>
+            <a:round/>
+          </a:ln>
+        </p:spPr>
+        <p:txBody>
+          <a:bodyPr vert="horz" wrap="square" lIns="121898" tIns="60935" rIns="121898" bIns="60935" anchor="ctr" anchorCtr="1" compatLnSpc="1">
+            <a:noAutofit/>
+          </a:bodyPr>
+          <a:lstStyle/>
+          <a:p>
+            <a:pPr marL="0" marR="0" lvl="0" indent="0" algn="ctr" defTabSz="1219169" rtl="0" fontAlgn="auto" hangingPunct="1">
+              <a:lnSpc>
+                <a:spcPct val="100000"/>
+              </a:lnSpc>
+              <a:spcBef>
+                <a:spcPts val="0"/>
+              </a:spcBef>
+              <a:spcAft>
+                <a:spcPts val="0"/>
+              </a:spcAft>
+              <a:buNone/>
+              <a:tabLst/>
+              <a:defRPr sz="1800" b="0" i="0" u="none" strike="noStrike" kern="0" cap="none" spc="0" baseline="0">
+                <a:solidFill>
+                  <a:srgbClr val="000000"/>
+                </a:solidFill>
+                <a:uFillTx/>
+              </a:defRPr>
+            </a:pPr>
+            <a:endParaRPr lang="it-IT" sz="2400" b="0" i="0" u="none" strike="noStrike" kern="0" cap="none" spc="0" baseline="0">
+              <a:solidFill>
+                <a:srgbClr val="000000"/>
+              </a:solidFill>
+              <a:uFillTx/>
+              <a:latin typeface="Calibri"/>
+              <a:ea typeface="Calibri"/>
+              <a:cs typeface="Calibri"/>
+            </a:endParaRPr>
+          </a:p>
+        </p:txBody>
+      </p:sp>
+      <p:cxnSp>
+        <p:nvCxnSpPr>
+          <p:cNvPr id="25" name="Google Shape;352;p39">
+            <a:extLst>
+              <a:ext uri="{FF2B5EF4-FFF2-40B4-BE49-F238E27FC236}">
+                <a16:creationId xmlns:a16="http://schemas.microsoft.com/office/drawing/2014/main" id="{E8D37DDA-2D75-4928-8A7D-2A41F9B55DA9}"/>
+              </a:ext>
+            </a:extLst>
+          </p:cNvPr>
+          <p:cNvCxnSpPr>
+            <a:cxnSpLocks/>
+          </p:cNvCxnSpPr>
+          <p:nvPr/>
+        </p:nvCxnSpPr>
+        <p:spPr>
+          <a:xfrm>
+            <a:off x="2602883" y="4851327"/>
+            <a:ext cx="4117566" cy="21689"/>
+          </a:xfrm>
+          <a:prstGeom prst="straightConnector1">
+            <a:avLst/>
+          </a:prstGeom>
+          <a:noFill/>
+          <a:ln w="25402" cap="flat">
+            <a:solidFill>
+              <a:srgbClr val="4472C4"/>
+            </a:solidFill>
+            <a:prstDash val="solid"/>
+            <a:round/>
+            <a:tailEnd type="arrow"/>
+          </a:ln>
+          <a:effectLst>
+            <a:outerShdw dist="19997" dir="5400000" algn="tl">
+              <a:srgbClr val="000000">
+                <a:alpha val="37650"/>
+              </a:srgbClr>
+            </a:outerShdw>
+          </a:effectLst>
+        </p:spPr>
+      </p:cxnSp>
+      <p:cxnSp>
+        <p:nvCxnSpPr>
+          <p:cNvPr id="26" name="Google Shape;352;p39">
+            <a:extLst>
+              <a:ext uri="{FF2B5EF4-FFF2-40B4-BE49-F238E27FC236}">
+                <a16:creationId xmlns:a16="http://schemas.microsoft.com/office/drawing/2014/main" id="{F214852C-3028-4B08-9A25-CEE90A681841}"/>
+              </a:ext>
+            </a:extLst>
+          </p:cNvPr>
+          <p:cNvCxnSpPr>
+            <a:cxnSpLocks/>
+          </p:cNvCxnSpPr>
+          <p:nvPr/>
+        </p:nvCxnSpPr>
+        <p:spPr>
+          <a:xfrm>
+            <a:off x="2610249" y="4098664"/>
+            <a:ext cx="4093556" cy="1"/>
+          </a:xfrm>
+          <a:prstGeom prst="straightConnector1">
+            <a:avLst/>
+          </a:prstGeom>
+          <a:noFill/>
+          <a:ln w="25402" cap="flat">
+            <a:solidFill>
+              <a:srgbClr val="4472C4"/>
+            </a:solidFill>
+            <a:prstDash val="solid"/>
+            <a:round/>
+            <a:tailEnd type="arrow"/>
+          </a:ln>
+          <a:effectLst>
+            <a:outerShdw dist="19997" dir="5400000" algn="tl">
+              <a:srgbClr val="000000">
+                <a:alpha val="37650"/>
+              </a:srgbClr>
+            </a:outerShdw>
+          </a:effectLst>
+        </p:spPr>
+      </p:cxnSp>
+      <p:sp>
+        <p:nvSpPr>
+          <p:cNvPr id="27" name="Google Shape;298;p37">
+            <a:extLst>
+              <a:ext uri="{FF2B5EF4-FFF2-40B4-BE49-F238E27FC236}">
+                <a16:creationId xmlns:a16="http://schemas.microsoft.com/office/drawing/2014/main" id="{DBB58416-75EF-4EF9-B98C-50CAEE93ECCC}"/>
+              </a:ext>
+            </a:extLst>
+          </p:cNvPr>
+          <p:cNvSpPr txBox="1"/>
+          <p:nvPr/>
+        </p:nvSpPr>
+        <p:spPr>
+          <a:xfrm>
+            <a:off x="2851795" y="3666305"/>
+            <a:ext cx="3634511" cy="338401"/>
+          </a:xfrm>
+          <a:prstGeom prst="rect">
+            <a:avLst/>
+          </a:prstGeom>
+          <a:noFill/>
+          <a:ln cap="flat">
+            <a:noFill/>
+          </a:ln>
+        </p:spPr>
+        <p:txBody>
+          <a:bodyPr vert="horz" wrap="square" lIns="121898" tIns="60935" rIns="121898" bIns="60935" anchor="t" anchorCtr="1" compatLnSpc="1">
+            <a:noAutofit/>
+          </a:bodyPr>
+          <a:lstStyle/>
+          <a:p>
+            <a:pPr marL="0" marR="0" lvl="0" indent="0" algn="ctr" defTabSz="1219169" rtl="0" fontAlgn="auto" hangingPunct="1">
+              <a:lnSpc>
+                <a:spcPct val="100000"/>
+              </a:lnSpc>
+              <a:spcBef>
+                <a:spcPts val="0"/>
+              </a:spcBef>
+              <a:spcAft>
+                <a:spcPts val="0"/>
+              </a:spcAft>
+              <a:buNone/>
+              <a:tabLst/>
+              <a:defRPr sz="1800" b="0" i="0" u="none" strike="noStrike" kern="0" cap="none" spc="0" baseline="0">
+                <a:solidFill>
+                  <a:srgbClr val="000000"/>
+                </a:solidFill>
+                <a:uFillTx/>
+              </a:defRPr>
+            </a:pPr>
+            <a:r>
+              <a:rPr lang="es-419" sz="1400" kern="0" dirty="0">
+                <a:solidFill>
+                  <a:srgbClr val="000000"/>
+                </a:solidFill>
+                <a:latin typeface="Calibri"/>
+                <a:ea typeface="Calibri"/>
+                <a:cs typeface="Calibri"/>
+              </a:rPr>
+              <a:t>g</a:t>
+            </a:r>
+            <a:r>
+              <a:rPr lang="es-419" sz="1400" b="0" i="0" u="none" strike="noStrike" kern="0" cap="none" spc="0" baseline="0" dirty="0">
+                <a:solidFill>
+                  <a:srgbClr val="000000"/>
+                </a:solidFill>
+                <a:uFillTx/>
+                <a:latin typeface="Calibri"/>
+                <a:ea typeface="Calibri"/>
+                <a:cs typeface="Calibri"/>
+              </a:rPr>
+              <a:t>etattribute(cont)</a:t>
+            </a:r>
+          </a:p>
+        </p:txBody>
+      </p:sp>
+      <p:cxnSp>
+        <p:nvCxnSpPr>
+          <p:cNvPr id="28" name="Google Shape;352;p39">
+            <a:extLst>
+              <a:ext uri="{FF2B5EF4-FFF2-40B4-BE49-F238E27FC236}">
+                <a16:creationId xmlns:a16="http://schemas.microsoft.com/office/drawing/2014/main" id="{1B015341-24BA-4CDC-B962-EF8C4FE28E47}"/>
+              </a:ext>
+            </a:extLst>
+          </p:cNvPr>
+          <p:cNvCxnSpPr>
+            <a:cxnSpLocks/>
+          </p:cNvCxnSpPr>
+          <p:nvPr/>
+        </p:nvCxnSpPr>
+        <p:spPr>
+          <a:xfrm flipH="1">
+            <a:off x="2625123" y="4490317"/>
+            <a:ext cx="4046537" cy="0"/>
+          </a:xfrm>
+          <a:prstGeom prst="straightConnector1">
+            <a:avLst/>
+          </a:prstGeom>
+          <a:noFill/>
+          <a:ln w="25402" cap="flat">
+            <a:solidFill>
+              <a:srgbClr val="4472C4"/>
+            </a:solidFill>
+            <a:prstDash val="solid"/>
+            <a:round/>
+            <a:tailEnd type="arrow"/>
+          </a:ln>
+          <a:effectLst>
+            <a:outerShdw dist="19997" dir="5400000" algn="tl">
+              <a:srgbClr val="000000">
+                <a:alpha val="37650"/>
+              </a:srgbClr>
+            </a:outerShdw>
+          </a:effectLst>
+        </p:spPr>
+      </p:cxnSp>
+      <p:sp>
+        <p:nvSpPr>
+          <p:cNvPr id="29" name="Google Shape;298;p37">
+            <a:extLst>
+              <a:ext uri="{FF2B5EF4-FFF2-40B4-BE49-F238E27FC236}">
+                <a16:creationId xmlns:a16="http://schemas.microsoft.com/office/drawing/2014/main" id="{8090D4AB-7C8A-419A-9429-58AE4AAD04B8}"/>
+              </a:ext>
+            </a:extLst>
+          </p:cNvPr>
+          <p:cNvSpPr txBox="1"/>
+          <p:nvPr/>
+        </p:nvSpPr>
+        <p:spPr>
+          <a:xfrm>
+            <a:off x="2893644" y="4490317"/>
+            <a:ext cx="3634511" cy="338401"/>
+          </a:xfrm>
+          <a:prstGeom prst="rect">
+            <a:avLst/>
+          </a:prstGeom>
+          <a:noFill/>
+          <a:ln cap="flat">
+            <a:noFill/>
+          </a:ln>
+        </p:spPr>
+        <p:txBody>
+          <a:bodyPr vert="horz" wrap="square" lIns="121898" tIns="60935" rIns="121898" bIns="60935" anchor="t" anchorCtr="1" compatLnSpc="1">
+            <a:noAutofit/>
+          </a:bodyPr>
+          <a:lstStyle/>
+          <a:p>
+            <a:pPr marL="0" marR="0" lvl="0" indent="0" algn="ctr" defTabSz="1219169" rtl="0" fontAlgn="auto" hangingPunct="1">
+              <a:lnSpc>
+                <a:spcPct val="100000"/>
+              </a:lnSpc>
+              <a:spcBef>
+                <a:spcPts val="0"/>
+              </a:spcBef>
+              <a:spcAft>
+                <a:spcPts val="0"/>
+              </a:spcAft>
+              <a:buNone/>
+              <a:tabLst/>
+              <a:defRPr sz="1800" b="0" i="0" u="none" strike="noStrike" kern="0" cap="none" spc="0" baseline="0">
+                <a:solidFill>
+                  <a:srgbClr val="000000"/>
+                </a:solidFill>
+                <a:uFillTx/>
+              </a:defRPr>
+            </a:pPr>
+            <a:r>
+              <a:rPr lang="es-419" sz="1400" kern="0" dirty="0">
+                <a:solidFill>
+                  <a:srgbClr val="000000"/>
+                </a:solidFill>
+                <a:latin typeface="Calibri"/>
+                <a:ea typeface="Calibri"/>
+                <a:cs typeface="Calibri"/>
+              </a:rPr>
+              <a:t>setattribute(cont,cont+1)</a:t>
+            </a:r>
+            <a:endParaRPr lang="es-419" sz="1400" b="0" i="0" u="none" strike="noStrike" kern="0" cap="none" spc="0" baseline="0" dirty="0">
+              <a:solidFill>
+                <a:srgbClr val="000000"/>
+              </a:solidFill>
+              <a:uFillTx/>
+              <a:latin typeface="Calibri"/>
+              <a:ea typeface="Calibri"/>
+              <a:cs typeface="Calibri"/>
+            </a:endParaRPr>
+          </a:p>
+        </p:txBody>
+      </p:sp>
+      <p:sp>
+        <p:nvSpPr>
+          <p:cNvPr id="30" name="Google Shape;298;p37">
+            <a:extLst>
+              <a:ext uri="{FF2B5EF4-FFF2-40B4-BE49-F238E27FC236}">
+                <a16:creationId xmlns:a16="http://schemas.microsoft.com/office/drawing/2014/main" id="{C31394A2-4F91-4AFB-AFEF-0EC5CE79425B}"/>
+              </a:ext>
+            </a:extLst>
+          </p:cNvPr>
+          <p:cNvSpPr txBox="1"/>
+          <p:nvPr/>
+        </p:nvSpPr>
+        <p:spPr>
+          <a:xfrm>
+            <a:off x="2762487" y="4069428"/>
+            <a:ext cx="3634511" cy="338401"/>
+          </a:xfrm>
+          <a:prstGeom prst="rect">
+            <a:avLst/>
+          </a:prstGeom>
+          <a:noFill/>
+          <a:ln cap="flat">
+            <a:noFill/>
+          </a:ln>
+        </p:spPr>
+        <p:txBody>
+          <a:bodyPr vert="horz" wrap="square" lIns="121898" tIns="60935" rIns="121898" bIns="60935" anchor="t" anchorCtr="1" compatLnSpc="1">
+            <a:noAutofit/>
+          </a:bodyPr>
+          <a:lstStyle/>
+          <a:p>
+            <a:pPr marL="0" marR="0" lvl="0" indent="0" algn="ctr" defTabSz="1219169" rtl="0" fontAlgn="auto" hangingPunct="1">
+              <a:lnSpc>
+                <a:spcPct val="100000"/>
+              </a:lnSpc>
+              <a:spcBef>
+                <a:spcPts val="0"/>
+              </a:spcBef>
+              <a:spcAft>
+                <a:spcPts val="0"/>
+              </a:spcAft>
+              <a:buNone/>
+              <a:tabLst/>
+              <a:defRPr sz="1800" b="0" i="0" u="none" strike="noStrike" kern="0" cap="none" spc="0" baseline="0">
+                <a:solidFill>
+                  <a:srgbClr val="000000"/>
+                </a:solidFill>
+                <a:uFillTx/>
+              </a:defRPr>
+            </a:pPr>
+            <a:r>
+              <a:rPr lang="es-419" sz="1400" b="0" i="0" u="none" strike="noStrike" kern="0" cap="none" spc="0" baseline="0" dirty="0">
+                <a:solidFill>
+                  <a:srgbClr val="000000"/>
+                </a:solidFill>
+                <a:uFillTx/>
+                <a:latin typeface="Calibri"/>
+                <a:ea typeface="Calibri"/>
+                <a:cs typeface="Calibri"/>
+              </a:rPr>
+              <a:t>cont</a:t>
+            </a:r>
+          </a:p>
+        </p:txBody>
+      </p:sp>
+      <p:sp>
+        <p:nvSpPr>
+          <p:cNvPr id="42" name="Google Shape;354;p39">
+            <a:extLst>
+              <a:ext uri="{FF2B5EF4-FFF2-40B4-BE49-F238E27FC236}">
+                <a16:creationId xmlns:a16="http://schemas.microsoft.com/office/drawing/2014/main" id="{2D700D4E-7E3B-4DD7-8941-9B424F3C283C}"/>
+              </a:ext>
+            </a:extLst>
+          </p:cNvPr>
+          <p:cNvSpPr txBox="1"/>
+          <p:nvPr/>
+        </p:nvSpPr>
+        <p:spPr>
+          <a:xfrm>
+            <a:off x="4941326" y="6281347"/>
+            <a:ext cx="2398727" cy="392655"/>
+          </a:xfrm>
+          <a:prstGeom prst="rect">
+            <a:avLst/>
+          </a:prstGeom>
+          <a:noFill/>
+          <a:ln cap="flat">
+            <a:noFill/>
+          </a:ln>
+        </p:spPr>
+        <p:txBody>
+          <a:bodyPr vert="horz" wrap="square" lIns="121898" tIns="60935" rIns="121898" bIns="60935" anchor="t" anchorCtr="0" compatLnSpc="1">
+            <a:noAutofit/>
+          </a:bodyPr>
+          <a:lstStyle/>
+          <a:p>
+            <a:pPr marL="0" marR="0" lvl="0" indent="0" algn="l" defTabSz="1219169" rtl="0" fontAlgn="auto" hangingPunct="1">
+              <a:lnSpc>
+                <a:spcPct val="100000"/>
+              </a:lnSpc>
+              <a:spcBef>
+                <a:spcPts val="0"/>
+              </a:spcBef>
+              <a:spcAft>
+                <a:spcPts val="0"/>
+              </a:spcAft>
+              <a:buNone/>
+              <a:tabLst/>
+              <a:defRPr sz="1800" b="0" i="0" u="none" strike="noStrike" kern="0" cap="none" spc="0" baseline="0">
+                <a:solidFill>
+                  <a:srgbClr val="000000"/>
+                </a:solidFill>
+                <a:uFillTx/>
+              </a:defRPr>
+            </a:pPr>
+            <a:r>
+              <a:rPr lang="it-IT" sz="2400" b="0" i="0" u="none" strike="noStrike" kern="0" cap="none" spc="0" baseline="0" dirty="0">
+                <a:solidFill>
+                  <a:srgbClr val="000000"/>
+                </a:solidFill>
+                <a:uFillTx/>
+                <a:latin typeface="Calibri"/>
+                <a:ea typeface="Calibri"/>
+                <a:cs typeface="Calibri"/>
+              </a:rPr>
+              <a:t>Part&gt;3 </a:t>
+            </a:r>
+            <a:r>
+              <a:rPr lang="it-IT" sz="2400" b="0" i="0" u="none" strike="noStrike" kern="0" cap="none" spc="0" baseline="0" dirty="0" err="1">
+                <a:solidFill>
+                  <a:srgbClr val="000000"/>
+                </a:solidFill>
+                <a:uFillTx/>
+                <a:latin typeface="Calibri"/>
+                <a:ea typeface="Calibri"/>
+                <a:cs typeface="Calibri"/>
+              </a:rPr>
+              <a:t>cont</a:t>
+            </a:r>
+            <a:r>
+              <a:rPr lang="it-IT" sz="2400" b="0" i="0" u="none" strike="noStrike" kern="0" cap="none" spc="0" baseline="0" dirty="0">
+                <a:solidFill>
+                  <a:srgbClr val="000000"/>
+                </a:solidFill>
+                <a:uFillTx/>
+                <a:latin typeface="Calibri"/>
+                <a:ea typeface="Calibri"/>
+                <a:cs typeface="Calibri"/>
+              </a:rPr>
+              <a:t>&lt;2</a:t>
+            </a:r>
+          </a:p>
+        </p:txBody>
+      </p:sp>
+      <p:cxnSp>
+        <p:nvCxnSpPr>
+          <p:cNvPr id="47" name="Google Shape;352;p39">
+            <a:extLst>
+              <a:ext uri="{FF2B5EF4-FFF2-40B4-BE49-F238E27FC236}">
+                <a16:creationId xmlns:a16="http://schemas.microsoft.com/office/drawing/2014/main" id="{DB6942AB-B0AC-4961-B7E1-04E00C45F619}"/>
+              </a:ext>
+            </a:extLst>
+          </p:cNvPr>
+          <p:cNvCxnSpPr>
+            <a:cxnSpLocks/>
+          </p:cNvCxnSpPr>
+          <p:nvPr/>
+        </p:nvCxnSpPr>
+        <p:spPr>
+          <a:xfrm>
+            <a:off x="2627008" y="5300223"/>
+            <a:ext cx="4117566" cy="21689"/>
+          </a:xfrm>
+          <a:prstGeom prst="straightConnector1">
+            <a:avLst/>
+          </a:prstGeom>
+          <a:noFill/>
+          <a:ln w="25402" cap="flat">
+            <a:solidFill>
+              <a:srgbClr val="4472C4"/>
+            </a:solidFill>
+            <a:prstDash val="solid"/>
+            <a:round/>
+            <a:tailEnd type="arrow"/>
+          </a:ln>
+          <a:effectLst>
+            <a:outerShdw dist="19997" dir="5400000" algn="tl">
+              <a:srgbClr val="000000">
+                <a:alpha val="37650"/>
+              </a:srgbClr>
+            </a:outerShdw>
+          </a:effectLst>
+        </p:spPr>
+      </p:cxnSp>
+      <p:sp>
+        <p:nvSpPr>
+          <p:cNvPr id="48" name="Google Shape;298;p37">
+            <a:extLst>
+              <a:ext uri="{FF2B5EF4-FFF2-40B4-BE49-F238E27FC236}">
+                <a16:creationId xmlns:a16="http://schemas.microsoft.com/office/drawing/2014/main" id="{193C3DF4-E1DB-453A-9CB7-B09902656460}"/>
+              </a:ext>
+            </a:extLst>
+          </p:cNvPr>
+          <p:cNvSpPr txBox="1"/>
+          <p:nvPr/>
+        </p:nvSpPr>
+        <p:spPr>
+          <a:xfrm>
+            <a:off x="2930307" y="4925719"/>
+            <a:ext cx="3634511" cy="338401"/>
+          </a:xfrm>
+          <a:prstGeom prst="rect">
+            <a:avLst/>
+          </a:prstGeom>
+          <a:noFill/>
+          <a:ln cap="flat">
+            <a:noFill/>
+          </a:ln>
+        </p:spPr>
+        <p:txBody>
+          <a:bodyPr vert="horz" wrap="square" lIns="121898" tIns="60935" rIns="121898" bIns="60935" anchor="t" anchorCtr="1" compatLnSpc="1">
+            <a:noAutofit/>
+          </a:bodyPr>
+          <a:lstStyle/>
+          <a:p>
+            <a:pPr marL="0" marR="0" lvl="0" indent="0" algn="ctr" defTabSz="1219169" rtl="0" fontAlgn="auto" hangingPunct="1">
+              <a:lnSpc>
+                <a:spcPct val="100000"/>
+              </a:lnSpc>
+              <a:spcBef>
+                <a:spcPts val="0"/>
+              </a:spcBef>
+              <a:spcAft>
+                <a:spcPts val="0"/>
+              </a:spcAft>
+              <a:buNone/>
+              <a:tabLst/>
+              <a:defRPr sz="1800" b="0" i="0" u="none" strike="noStrike" kern="0" cap="none" spc="0" baseline="0">
+                <a:solidFill>
+                  <a:srgbClr val="000000"/>
+                </a:solidFill>
+                <a:uFillTx/>
+              </a:defRPr>
+            </a:pPr>
+            <a:r>
+              <a:rPr lang="es-419" sz="1400" kern="0" dirty="0">
+                <a:solidFill>
+                  <a:srgbClr val="000000"/>
+                </a:solidFill>
+                <a:latin typeface="Calibri"/>
+                <a:ea typeface="Calibri"/>
+                <a:cs typeface="Calibri"/>
+              </a:rPr>
+              <a:t>setattribute(eccessivo,part-3)</a:t>
+            </a:r>
+            <a:endParaRPr lang="es-419" sz="1400" b="0" i="0" u="none" strike="noStrike" kern="0" cap="none" spc="0" baseline="0" dirty="0">
+              <a:solidFill>
+                <a:srgbClr val="000000"/>
+              </a:solidFill>
+              <a:uFillTx/>
+              <a:latin typeface="Calibri"/>
+              <a:ea typeface="Calibri"/>
+              <a:cs typeface="Calibri"/>
+            </a:endParaRPr>
+          </a:p>
+        </p:txBody>
+      </p:sp>
+      <p:cxnSp>
+        <p:nvCxnSpPr>
+          <p:cNvPr id="53" name="Google Shape;352;p39">
+            <a:extLst>
+              <a:ext uri="{FF2B5EF4-FFF2-40B4-BE49-F238E27FC236}">
+                <a16:creationId xmlns:a16="http://schemas.microsoft.com/office/drawing/2014/main" id="{DA30A613-CA01-4289-AC68-C5ABCABC5F93}"/>
+              </a:ext>
+            </a:extLst>
+          </p:cNvPr>
+          <p:cNvCxnSpPr>
+            <a:cxnSpLocks/>
+          </p:cNvCxnSpPr>
+          <p:nvPr/>
+        </p:nvCxnSpPr>
+        <p:spPr>
+          <a:xfrm flipV="1">
+            <a:off x="2610249" y="5878549"/>
+            <a:ext cx="6742724" cy="18887"/>
+          </a:xfrm>
+          <a:prstGeom prst="straightConnector1">
+            <a:avLst/>
+          </a:prstGeom>
+          <a:noFill/>
+          <a:ln w="25402" cap="flat">
+            <a:solidFill>
+              <a:srgbClr val="4472C4"/>
+            </a:solidFill>
+            <a:prstDash val="solid"/>
+            <a:round/>
+            <a:tailEnd type="arrow"/>
+          </a:ln>
+          <a:effectLst>
+            <a:outerShdw dist="19997" dir="5400000" algn="tl">
+              <a:srgbClr val="000000">
+                <a:alpha val="37650"/>
+              </a:srgbClr>
+            </a:outerShdw>
+          </a:effectLst>
+        </p:spPr>
+      </p:cxnSp>
+      <p:sp>
+        <p:nvSpPr>
+          <p:cNvPr id="55" name="Google Shape;298;p37">
+            <a:extLst>
+              <a:ext uri="{FF2B5EF4-FFF2-40B4-BE49-F238E27FC236}">
+                <a16:creationId xmlns:a16="http://schemas.microsoft.com/office/drawing/2014/main" id="{6F077D25-DA39-4596-BC14-267D0F68C2A6}"/>
+              </a:ext>
+            </a:extLst>
+          </p:cNvPr>
+          <p:cNvSpPr txBox="1"/>
+          <p:nvPr/>
+        </p:nvSpPr>
+        <p:spPr>
+          <a:xfrm>
+            <a:off x="2940269" y="5488299"/>
+            <a:ext cx="3634511" cy="338401"/>
+          </a:xfrm>
+          <a:prstGeom prst="rect">
+            <a:avLst/>
+          </a:prstGeom>
+          <a:noFill/>
+          <a:ln cap="flat">
+            <a:noFill/>
+          </a:ln>
+        </p:spPr>
+        <p:txBody>
+          <a:bodyPr vert="horz" wrap="square" lIns="121898" tIns="60935" rIns="121898" bIns="60935" anchor="t" anchorCtr="1" compatLnSpc="1">
+            <a:noAutofit/>
+          </a:bodyPr>
+          <a:lstStyle/>
+          <a:p>
+            <a:pPr marL="0" marR="0" lvl="0" indent="0" algn="ctr" defTabSz="1219169" rtl="0" fontAlgn="auto" hangingPunct="1">
+              <a:lnSpc>
+                <a:spcPct val="100000"/>
+              </a:lnSpc>
+              <a:spcBef>
+                <a:spcPts val="0"/>
+              </a:spcBef>
+              <a:spcAft>
+                <a:spcPts val="0"/>
+              </a:spcAft>
+              <a:buNone/>
+              <a:tabLst/>
+              <a:defRPr sz="1800" b="0" i="0" u="none" strike="noStrike" kern="0" cap="none" spc="0" baseline="0">
+                <a:solidFill>
+                  <a:srgbClr val="000000"/>
+                </a:solidFill>
+                <a:uFillTx/>
+              </a:defRPr>
+            </a:pPr>
+            <a:r>
+              <a:rPr lang="es-419" sz="1400" b="0" i="0" u="none" strike="noStrike" kern="0" cap="none" spc="0" baseline="0" dirty="0">
+                <a:solidFill>
+                  <a:srgbClr val="000000"/>
+                </a:solidFill>
+                <a:uFillTx/>
+                <a:latin typeface="Calibri"/>
+                <a:ea typeface="Calibri"/>
+                <a:cs typeface="Calibri"/>
+              </a:rPr>
+              <a:t>Response.redi</a:t>
+            </a:r>
+            <a:r>
+              <a:rPr lang="es-419" sz="1400" kern="0" dirty="0">
+                <a:solidFill>
+                  <a:srgbClr val="000000"/>
+                </a:solidFill>
+                <a:latin typeface="Calibri"/>
+                <a:ea typeface="Calibri"/>
+                <a:cs typeface="Calibri"/>
+              </a:rPr>
+              <a:t>rect(path)</a:t>
+            </a:r>
+            <a:endParaRPr lang="es-419" sz="1400" b="0" i="0" u="none" strike="noStrike" kern="0" cap="none" spc="0" baseline="0" dirty="0">
+              <a:solidFill>
+                <a:srgbClr val="000000"/>
+              </a:solidFill>
+              <a:uFillTx/>
+              <a:latin typeface="Calibri"/>
+              <a:ea typeface="Calibri"/>
+              <a:cs typeface="Calibri"/>
+            </a:endParaRPr>
+          </a:p>
+        </p:txBody>
+      </p:sp>
+    </p:spTree>
+  </p:cSld>
+  <p:clrMapOvr>
+    <a:masterClrMapping/>
+  </p:clrMapOvr>
+</p:sld>
+</file>
+
+<file path=ppt/slides/slide17.xml><?xml version="1.0" encoding="utf-8"?>
+<p:sld xmlns:a="http://schemas.openxmlformats.org/drawingml/2006/main" xmlns:r="http://schemas.openxmlformats.org/officeDocument/2006/relationships" xmlns:p="http://schemas.openxmlformats.org/presentationml/2006/main">
+  <p:cSld>
+    <p:spTree>
+      <p:nvGrpSpPr>
+        <p:cNvPr id="1" name=""/>
+        <p:cNvGrpSpPr/>
+        <p:nvPr/>
+      </p:nvGrpSpPr>
+      <p:grpSpPr>
+        <a:xfrm>
+          <a:off x="0" y="0"/>
+          <a:ext cx="0" cy="0"/>
+          <a:chOff x="0" y="0"/>
+          <a:chExt cx="0" cy="0"/>
+        </a:xfrm>
+      </p:grpSpPr>
+      <p:sp>
+        <p:nvSpPr>
+          <p:cNvPr id="2" name="Google Shape;338;p39">
+            <a:extLst>
+              <a:ext uri="{FF2B5EF4-FFF2-40B4-BE49-F238E27FC236}">
+                <a16:creationId xmlns:a16="http://schemas.microsoft.com/office/drawing/2014/main" id="{526E08A6-471B-41C2-8D7D-87975710671B}"/>
+              </a:ext>
+            </a:extLst>
+          </p:cNvPr>
+          <p:cNvSpPr txBox="1">
+            <a:spLocks noGrp="1"/>
+          </p:cNvSpPr>
+          <p:nvPr>
+            <p:ph type="title"/>
+          </p:nvPr>
+        </p:nvSpPr>
+        <p:spPr>
+          <a:xfrm>
+            <a:off x="609600" y="76945"/>
+            <a:ext cx="10972800" cy="1143000"/>
+          </a:xfrm>
+        </p:spPr>
+        <p:txBody>
+          <a:bodyPr lIns="121898" tIns="60935" rIns="121898" bIns="60935">
+            <a:noAutofit/>
+          </a:bodyPr>
+          <a:lstStyle/>
+          <a:p>
+            <a:pPr lvl="0"/>
+            <a:r>
+              <a:rPr lang="es-419" sz="4000" dirty="0"/>
+              <a:t>Evento: controlla il  numero partecipanti</a:t>
+            </a:r>
+          </a:p>
+        </p:txBody>
+      </p:sp>
+      <p:sp>
+        <p:nvSpPr>
+          <p:cNvPr id="3" name="Google Shape;339;p39">
+            <a:extLst>
+              <a:ext uri="{FF2B5EF4-FFF2-40B4-BE49-F238E27FC236}">
+                <a16:creationId xmlns:a16="http://schemas.microsoft.com/office/drawing/2014/main" id="{817DCDE5-FFE8-4305-B0EE-5F42C34505FF}"/>
+              </a:ext>
+            </a:extLst>
+          </p:cNvPr>
+          <p:cNvSpPr/>
+          <p:nvPr/>
+        </p:nvSpPr>
+        <p:spPr>
+          <a:xfrm>
+            <a:off x="1425301" y="1248515"/>
+            <a:ext cx="2060070" cy="367634"/>
+          </a:xfrm>
+          <a:prstGeom prst="rect">
+            <a:avLst/>
+          </a:prstGeom>
+          <a:solidFill>
+            <a:srgbClr val="FFFFFF"/>
+          </a:solidFill>
+          <a:ln w="25402" cap="flat">
+            <a:solidFill>
+              <a:srgbClr val="4472C4"/>
+            </a:solidFill>
+            <a:prstDash val="solid"/>
+            <a:round/>
+          </a:ln>
+        </p:spPr>
+        <p:txBody>
+          <a:bodyPr vert="horz" wrap="square" lIns="121898" tIns="60935" rIns="121898" bIns="60935" anchor="ctr" anchorCtr="1" compatLnSpc="1">
+            <a:noAutofit/>
+          </a:bodyPr>
+          <a:lstStyle/>
+          <a:p>
+            <a:pPr marL="0" marR="0" lvl="0" indent="0" algn="ctr" defTabSz="1219169" rtl="0" fontAlgn="auto" hangingPunct="1">
+              <a:lnSpc>
+                <a:spcPct val="100000"/>
+              </a:lnSpc>
+              <a:spcBef>
+                <a:spcPts val="0"/>
+              </a:spcBef>
+              <a:spcAft>
+                <a:spcPts val="0"/>
+              </a:spcAft>
+              <a:buNone/>
+              <a:tabLst/>
+              <a:defRPr sz="1800" b="0" i="0" u="none" strike="noStrike" kern="0" cap="none" spc="0" baseline="0">
+                <a:solidFill>
+                  <a:srgbClr val="000000"/>
+                </a:solidFill>
+                <a:uFillTx/>
+              </a:defRPr>
+            </a:pPr>
+            <a:r>
+              <a:rPr lang="it-IT" sz="1400" b="0" i="0" u="none" strike="noStrike" kern="0" cap="none" spc="0" baseline="0" dirty="0" err="1">
+                <a:solidFill>
+                  <a:srgbClr val="000000"/>
+                </a:solidFill>
+                <a:uFillTx/>
+                <a:latin typeface="Calibri"/>
+                <a:ea typeface="Calibri"/>
+                <a:cs typeface="Calibri"/>
+              </a:rPr>
+              <a:t>Checkpartecipanti</a:t>
+            </a:r>
+            <a:endParaRPr lang="it-IT" sz="1400" b="0" i="0" u="none" strike="noStrike" kern="0" cap="none" spc="0" baseline="0" dirty="0">
+              <a:solidFill>
+                <a:srgbClr val="000000"/>
+              </a:solidFill>
+              <a:uFillTx/>
+              <a:latin typeface="Calibri"/>
+              <a:ea typeface="Calibri"/>
+              <a:cs typeface="Calibri"/>
+            </a:endParaRPr>
+          </a:p>
+        </p:txBody>
+      </p:sp>
+      <p:cxnSp>
+        <p:nvCxnSpPr>
+          <p:cNvPr id="4" name="Google Shape;340;p39">
+            <a:extLst>
+              <a:ext uri="{FF2B5EF4-FFF2-40B4-BE49-F238E27FC236}">
+                <a16:creationId xmlns:a16="http://schemas.microsoft.com/office/drawing/2014/main" id="{D7F56118-F135-4AB6-8A70-7F0D6EEFA606}"/>
+              </a:ext>
+            </a:extLst>
+          </p:cNvPr>
+          <p:cNvCxnSpPr>
+            <a:stCxn id="3" idx="2"/>
+          </p:cNvCxnSpPr>
+          <p:nvPr/>
+        </p:nvCxnSpPr>
+        <p:spPr>
+          <a:xfrm flipH="1">
+            <a:off x="2430309" y="1616141"/>
+            <a:ext cx="25018" cy="4343601"/>
+          </a:xfrm>
+          <a:prstGeom prst="straightConnector1">
+            <a:avLst/>
+          </a:prstGeom>
+          <a:noFill/>
+          <a:ln w="38103" cap="flat">
+            <a:solidFill>
+              <a:srgbClr val="4472C4"/>
+            </a:solidFill>
+            <a:custDash>
+              <a:ds d="100000" sp="100000"/>
+            </a:custDash>
+            <a:round/>
+          </a:ln>
+          <a:effectLst>
+            <a:outerShdw dist="22997" dir="5400000" algn="tl">
+              <a:srgbClr val="000000">
+                <a:alpha val="34901"/>
+              </a:srgbClr>
+            </a:outerShdw>
+          </a:effectLst>
+        </p:spPr>
+      </p:cxnSp>
+      <p:cxnSp>
+        <p:nvCxnSpPr>
+          <p:cNvPr id="5" name="Google Shape;341;p39">
+            <a:extLst>
+              <a:ext uri="{FF2B5EF4-FFF2-40B4-BE49-F238E27FC236}">
+                <a16:creationId xmlns:a16="http://schemas.microsoft.com/office/drawing/2014/main" id="{2B6359AE-9B93-4926-A2CC-A97F7BBA796E}"/>
+              </a:ext>
+            </a:extLst>
+          </p:cNvPr>
+          <p:cNvCxnSpPr>
+            <a:cxnSpLocks/>
+          </p:cNvCxnSpPr>
+          <p:nvPr/>
+        </p:nvCxnSpPr>
+        <p:spPr>
+          <a:xfrm>
+            <a:off x="200776" y="2490959"/>
+            <a:ext cx="2090613" cy="0"/>
+          </a:xfrm>
+          <a:prstGeom prst="straightConnector1">
+            <a:avLst/>
+          </a:prstGeom>
+          <a:noFill/>
+          <a:ln w="25402" cap="flat">
+            <a:solidFill>
+              <a:srgbClr val="4472C4"/>
+            </a:solidFill>
+            <a:prstDash val="solid"/>
+            <a:round/>
+            <a:tailEnd type="arrow"/>
+          </a:ln>
+          <a:effectLst>
+            <a:outerShdw dist="19997" dir="5400000" algn="tl">
+              <a:srgbClr val="000000">
+                <a:alpha val="37647"/>
+              </a:srgbClr>
+            </a:outerShdw>
+          </a:effectLst>
+        </p:spPr>
+      </p:cxnSp>
+      <p:sp>
+        <p:nvSpPr>
+          <p:cNvPr id="6" name="Google Shape;342;p39">
+            <a:extLst>
+              <a:ext uri="{FF2B5EF4-FFF2-40B4-BE49-F238E27FC236}">
+                <a16:creationId xmlns:a16="http://schemas.microsoft.com/office/drawing/2014/main" id="{E4C2031B-6370-4C29-AC21-177468CFC913}"/>
+              </a:ext>
+            </a:extLst>
+          </p:cNvPr>
+          <p:cNvSpPr txBox="1"/>
+          <p:nvPr/>
+        </p:nvSpPr>
+        <p:spPr>
+          <a:xfrm>
+            <a:off x="174560" y="2052413"/>
+            <a:ext cx="1220842" cy="369335"/>
+          </a:xfrm>
+          <a:prstGeom prst="rect">
+            <a:avLst/>
+          </a:prstGeom>
+          <a:noFill/>
+          <a:ln cap="flat">
+            <a:noFill/>
+          </a:ln>
+        </p:spPr>
+        <p:txBody>
+          <a:bodyPr vert="horz" wrap="square" lIns="121898" tIns="60935" rIns="121898" bIns="60935" anchor="t" anchorCtr="0" compatLnSpc="1">
+            <a:noAutofit/>
+          </a:bodyPr>
+          <a:lstStyle/>
+          <a:p>
+            <a:pPr marL="0" marR="0" lvl="0" indent="0" algn="l" defTabSz="1219169" rtl="0" fontAlgn="auto" hangingPunct="1">
+              <a:lnSpc>
+                <a:spcPct val="100000"/>
+              </a:lnSpc>
+              <a:spcBef>
+                <a:spcPts val="0"/>
+              </a:spcBef>
+              <a:spcAft>
+                <a:spcPts val="0"/>
+              </a:spcAft>
+              <a:buNone/>
+              <a:tabLst/>
+              <a:defRPr sz="1800" b="0" i="0" u="none" strike="noStrike" kern="0" cap="none" spc="0" baseline="0">
+                <a:solidFill>
+                  <a:srgbClr val="000000"/>
+                </a:solidFill>
+                <a:uFillTx/>
+              </a:defRPr>
+            </a:pPr>
+            <a:r>
+              <a:rPr lang="es-419" sz="2400" b="0" i="0" u="none" strike="noStrike" kern="0" cap="none" spc="0" baseline="0">
+                <a:solidFill>
+                  <a:srgbClr val="000000"/>
+                </a:solidFill>
+                <a:uFillTx/>
+                <a:latin typeface="Calibri"/>
+                <a:ea typeface="Calibri"/>
+                <a:cs typeface="Calibri"/>
+              </a:rPr>
+              <a:t>doPOST</a:t>
+            </a:r>
+          </a:p>
+        </p:txBody>
+      </p:sp>
+      <p:sp>
+        <p:nvSpPr>
+          <p:cNvPr id="10" name="Google Shape;351;p39">
+            <a:extLst>
+              <a:ext uri="{FF2B5EF4-FFF2-40B4-BE49-F238E27FC236}">
+                <a16:creationId xmlns:a16="http://schemas.microsoft.com/office/drawing/2014/main" id="{12FB711D-3C15-405B-894B-F4C8FAB4A595}"/>
+              </a:ext>
+            </a:extLst>
+          </p:cNvPr>
+          <p:cNvSpPr/>
+          <p:nvPr/>
+        </p:nvSpPr>
+        <p:spPr>
+          <a:xfrm>
+            <a:off x="2256852" y="2122063"/>
+            <a:ext cx="353397" cy="4013954"/>
+          </a:xfrm>
+          <a:prstGeom prst="rect">
+            <a:avLst/>
+          </a:prstGeom>
+          <a:solidFill>
+            <a:srgbClr val="FFFFFF"/>
+          </a:solidFill>
+          <a:ln w="25402" cap="flat">
+            <a:solidFill>
+              <a:srgbClr val="4472C4"/>
+            </a:solidFill>
+            <a:prstDash val="solid"/>
+            <a:round/>
+          </a:ln>
+        </p:spPr>
+        <p:txBody>
+          <a:bodyPr vert="horz" wrap="square" lIns="121898" tIns="60935" rIns="121898" bIns="60935" anchor="ctr" anchorCtr="1" compatLnSpc="1">
+            <a:noAutofit/>
+          </a:bodyPr>
+          <a:lstStyle/>
+          <a:p>
+            <a:pPr marL="0" marR="0" lvl="0" indent="0" algn="ctr" defTabSz="1219169" rtl="0" fontAlgn="auto" hangingPunct="1">
+              <a:lnSpc>
+                <a:spcPct val="100000"/>
+              </a:lnSpc>
+              <a:spcBef>
+                <a:spcPts val="0"/>
+              </a:spcBef>
+              <a:spcAft>
+                <a:spcPts val="0"/>
+              </a:spcAft>
+              <a:buNone/>
+              <a:tabLst/>
+              <a:defRPr sz="1800" b="0" i="0" u="none" strike="noStrike" kern="0" cap="none" spc="0" baseline="0">
+                <a:solidFill>
+                  <a:srgbClr val="000000"/>
+                </a:solidFill>
+                <a:uFillTx/>
+              </a:defRPr>
+            </a:pPr>
+            <a:endParaRPr lang="it-IT" sz="2400" b="0" i="0" u="none" strike="noStrike" kern="0" cap="none" spc="0" baseline="0">
+              <a:solidFill>
+                <a:srgbClr val="000000"/>
+              </a:solidFill>
+              <a:uFillTx/>
+              <a:latin typeface="Calibri"/>
+              <a:ea typeface="Calibri"/>
+              <a:cs typeface="Calibri"/>
+            </a:endParaRPr>
+          </a:p>
+        </p:txBody>
+      </p:sp>
+      <p:cxnSp>
+        <p:nvCxnSpPr>
+          <p:cNvPr id="11" name="Google Shape;352;p39">
+            <a:extLst>
+              <a:ext uri="{FF2B5EF4-FFF2-40B4-BE49-F238E27FC236}">
+                <a16:creationId xmlns:a16="http://schemas.microsoft.com/office/drawing/2014/main" id="{EF9CE75F-2A48-419C-A107-FEEDF1A58F30}"/>
+              </a:ext>
+            </a:extLst>
+          </p:cNvPr>
+          <p:cNvCxnSpPr>
+            <a:cxnSpLocks/>
+            <a:endCxn id="14" idx="1"/>
+          </p:cNvCxnSpPr>
+          <p:nvPr/>
+        </p:nvCxnSpPr>
+        <p:spPr>
+          <a:xfrm>
+            <a:off x="2602883" y="2545425"/>
+            <a:ext cx="1929725" cy="0"/>
+          </a:xfrm>
+          <a:prstGeom prst="straightConnector1">
+            <a:avLst/>
+          </a:prstGeom>
+          <a:noFill/>
+          <a:ln w="25402" cap="flat">
+            <a:solidFill>
+              <a:srgbClr val="4472C4"/>
+            </a:solidFill>
+            <a:prstDash val="solid"/>
+            <a:round/>
+            <a:tailEnd type="arrow"/>
+          </a:ln>
+          <a:effectLst>
+            <a:outerShdw dist="19997" dir="5400000" algn="tl">
+              <a:srgbClr val="000000">
+                <a:alpha val="37650"/>
+              </a:srgbClr>
+            </a:outerShdw>
+          </a:effectLst>
+        </p:spPr>
+      </p:cxnSp>
+      <p:sp>
+        <p:nvSpPr>
+          <p:cNvPr id="12" name="Google Shape;354;p39">
+            <a:extLst>
+              <a:ext uri="{FF2B5EF4-FFF2-40B4-BE49-F238E27FC236}">
+                <a16:creationId xmlns:a16="http://schemas.microsoft.com/office/drawing/2014/main" id="{397A677C-D0CA-4396-A52B-85DD34C8DEEE}"/>
+              </a:ext>
+            </a:extLst>
+          </p:cNvPr>
+          <p:cNvSpPr txBox="1"/>
+          <p:nvPr/>
+        </p:nvSpPr>
+        <p:spPr>
+          <a:xfrm>
+            <a:off x="203208" y="2983537"/>
+            <a:ext cx="2350501" cy="2066818"/>
+          </a:xfrm>
+          <a:prstGeom prst="rect">
+            <a:avLst/>
+          </a:prstGeom>
+          <a:noFill/>
+          <a:ln cap="flat">
+            <a:noFill/>
+          </a:ln>
+        </p:spPr>
+        <p:txBody>
+          <a:bodyPr vert="horz" wrap="square" lIns="121898" tIns="60935" rIns="121898" bIns="60935" anchor="t" anchorCtr="0" compatLnSpc="1">
+            <a:noAutofit/>
+          </a:bodyPr>
+          <a:lstStyle/>
+          <a:p>
+            <a:pPr marL="0" marR="0" lvl="0" indent="0" algn="l" defTabSz="1219169" rtl="0" fontAlgn="auto" hangingPunct="1">
+              <a:lnSpc>
+                <a:spcPct val="100000"/>
+              </a:lnSpc>
+              <a:spcBef>
+                <a:spcPts val="0"/>
+              </a:spcBef>
+              <a:spcAft>
+                <a:spcPts val="0"/>
+              </a:spcAft>
+              <a:buNone/>
+              <a:tabLst/>
+              <a:defRPr sz="1800" b="0" i="0" u="none" strike="noStrike" kern="0" cap="none" spc="0" baseline="0">
+                <a:solidFill>
+                  <a:srgbClr val="000000"/>
+                </a:solidFill>
+                <a:uFillTx/>
+              </a:defRPr>
+            </a:pPr>
+            <a:r>
+              <a:rPr lang="it-IT" sz="1400" b="0" i="0" u="none" strike="noStrike" kern="0" cap="none" spc="0" baseline="0" dirty="0">
+                <a:solidFill>
+                  <a:srgbClr val="000000"/>
+                </a:solidFill>
+                <a:uFillTx/>
+                <a:latin typeface="Calibri"/>
+                <a:ea typeface="Calibri"/>
+                <a:cs typeface="Calibri"/>
+              </a:rPr>
+              <a:t>POST</a:t>
+            </a:r>
+          </a:p>
+          <a:p>
+            <a:pPr marL="0" marR="0" lvl="0" indent="0" algn="l" defTabSz="1219169" rtl="0" fontAlgn="auto" hangingPunct="1">
+              <a:lnSpc>
+                <a:spcPct val="100000"/>
+              </a:lnSpc>
+              <a:spcBef>
+                <a:spcPts val="0"/>
+              </a:spcBef>
+              <a:spcAft>
+                <a:spcPts val="0"/>
+              </a:spcAft>
+              <a:buNone/>
+              <a:tabLst/>
+              <a:defRPr sz="1800" b="0" i="0" u="none" strike="noStrike" kern="0" cap="none" spc="0" baseline="0">
+                <a:solidFill>
+                  <a:srgbClr val="000000"/>
+                </a:solidFill>
+                <a:uFillTx/>
+              </a:defRPr>
+            </a:pPr>
+            <a:r>
+              <a:rPr lang="it-IT" sz="1400" b="0" i="0" u="none" strike="noStrike" kern="0" cap="none" spc="0" baseline="0" dirty="0">
+                <a:solidFill>
+                  <a:srgbClr val="000000"/>
+                </a:solidFill>
+                <a:uFillTx/>
+                <a:latin typeface="Calibri"/>
+                <a:ea typeface="Calibri"/>
+                <a:cs typeface="Calibri"/>
+              </a:rPr>
+              <a:t>/</a:t>
+            </a:r>
+            <a:r>
+              <a:rPr lang="it-IT" sz="1400" b="0" i="0" u="none" strike="noStrike" kern="0" cap="none" spc="0" baseline="0" dirty="0" err="1">
+                <a:solidFill>
+                  <a:srgbClr val="000000"/>
+                </a:solidFill>
+                <a:uFillTx/>
+                <a:latin typeface="Calibri"/>
+                <a:ea typeface="Calibri"/>
+                <a:cs typeface="Calibri"/>
+              </a:rPr>
+              <a:t>CheckPartecipanti</a:t>
+            </a:r>
+            <a:endParaRPr lang="it-IT" sz="1400" b="0" i="0" u="none" strike="noStrike" kern="0" cap="none" spc="0" baseline="0" dirty="0">
+              <a:solidFill>
+                <a:srgbClr val="000000"/>
+              </a:solidFill>
+              <a:uFillTx/>
+              <a:latin typeface="Calibri"/>
+              <a:ea typeface="Calibri"/>
+              <a:cs typeface="Calibri"/>
+            </a:endParaRPr>
+          </a:p>
+          <a:p>
+            <a:pPr marL="0" marR="0" lvl="0" indent="0" algn="l" defTabSz="1219169" rtl="0" fontAlgn="auto" hangingPunct="1">
+              <a:lnSpc>
+                <a:spcPct val="100000"/>
+              </a:lnSpc>
+              <a:spcBef>
+                <a:spcPts val="0"/>
+              </a:spcBef>
+              <a:spcAft>
+                <a:spcPts val="0"/>
+              </a:spcAft>
+              <a:buNone/>
+              <a:tabLst/>
+              <a:defRPr sz="1800" b="0" i="0" u="none" strike="noStrike" kern="0" cap="none" spc="0" baseline="0">
+                <a:solidFill>
+                  <a:srgbClr val="000000"/>
+                </a:solidFill>
+                <a:uFillTx/>
+              </a:defRPr>
+            </a:pPr>
+            <a:r>
+              <a:rPr lang="it-IT" sz="1400" b="0" i="0" u="none" strike="noStrike" kern="0" cap="none" spc="0" baseline="0" dirty="0" err="1">
+                <a:solidFill>
+                  <a:srgbClr val="000000"/>
+                </a:solidFill>
+                <a:uFillTx/>
+                <a:latin typeface="Calibri"/>
+                <a:ea typeface="Calibri"/>
+                <a:cs typeface="Calibri"/>
+              </a:rPr>
+              <a:t>Idpartecipanti</a:t>
+            </a:r>
+            <a:r>
+              <a:rPr lang="it-IT" sz="1400" b="0" i="0" u="none" strike="noStrike" kern="0" cap="none" spc="0" baseline="0" dirty="0">
+                <a:solidFill>
+                  <a:srgbClr val="000000"/>
+                </a:solidFill>
+                <a:uFillTx/>
+                <a:latin typeface="Calibri"/>
+                <a:ea typeface="Calibri"/>
+                <a:cs typeface="Calibri"/>
+              </a:rPr>
+              <a:t> (</a:t>
+            </a:r>
+            <a:r>
+              <a:rPr lang="it-IT" sz="1400" b="0" i="0" u="none" strike="noStrike" kern="0" cap="none" spc="0" baseline="0" dirty="0" err="1">
+                <a:solidFill>
+                  <a:srgbClr val="000000"/>
+                </a:solidFill>
+                <a:uFillTx/>
+                <a:latin typeface="Calibri"/>
+                <a:ea typeface="Calibri"/>
+                <a:cs typeface="Calibri"/>
+              </a:rPr>
+              <a:t>checkbox</a:t>
+            </a:r>
+            <a:r>
+              <a:rPr lang="it-IT" sz="1400" b="0" i="0" u="none" strike="noStrike" kern="0" cap="none" spc="0" baseline="0" dirty="0">
+                <a:solidFill>
+                  <a:srgbClr val="000000"/>
+                </a:solidFill>
+                <a:uFillTx/>
+                <a:latin typeface="Calibri"/>
+                <a:ea typeface="Calibri"/>
+                <a:cs typeface="Calibri"/>
+              </a:rPr>
+              <a:t>)</a:t>
+            </a:r>
+          </a:p>
+          <a:p>
+            <a:pPr marL="0" marR="0" lvl="0" indent="0" algn="l" defTabSz="1219169" rtl="0" fontAlgn="auto" hangingPunct="1">
+              <a:lnSpc>
+                <a:spcPct val="100000"/>
+              </a:lnSpc>
+              <a:spcBef>
+                <a:spcPts val="0"/>
+              </a:spcBef>
+              <a:spcAft>
+                <a:spcPts val="0"/>
+              </a:spcAft>
+              <a:buNone/>
+              <a:tabLst/>
+              <a:defRPr sz="1800" b="0" i="0" u="none" strike="noStrike" kern="0" cap="none" spc="0" baseline="0">
+                <a:solidFill>
+                  <a:srgbClr val="000000"/>
+                </a:solidFill>
+                <a:uFillTx/>
+              </a:defRPr>
+            </a:pPr>
+            <a:r>
+              <a:rPr lang="it-IT" sz="1400" b="0" i="0" u="none" strike="noStrike" kern="0" cap="none" spc="0" baseline="0" dirty="0">
+                <a:solidFill>
+                  <a:srgbClr val="000000"/>
+                </a:solidFill>
+                <a:uFillTx/>
+                <a:latin typeface="Calibri"/>
+                <a:ea typeface="Calibri"/>
+                <a:cs typeface="Calibri"/>
+              </a:rPr>
+              <a:t>From: </a:t>
+            </a:r>
+          </a:p>
+          <a:p>
+            <a:pPr marL="0" marR="0" lvl="0" indent="0" algn="l" defTabSz="1219169" rtl="0" fontAlgn="auto" hangingPunct="1">
+              <a:lnSpc>
+                <a:spcPct val="100000"/>
+              </a:lnSpc>
+              <a:spcBef>
+                <a:spcPts val="0"/>
+              </a:spcBef>
+              <a:spcAft>
+                <a:spcPts val="0"/>
+              </a:spcAft>
+              <a:buNone/>
+              <a:tabLst/>
+              <a:defRPr sz="1800" b="0" i="0" u="none" strike="noStrike" kern="0" cap="none" spc="0" baseline="0">
+                <a:solidFill>
+                  <a:srgbClr val="000000"/>
+                </a:solidFill>
+                <a:uFillTx/>
+              </a:defRPr>
+            </a:pPr>
+            <a:r>
+              <a:rPr lang="it-IT" sz="1400" b="0" i="0" u="none" strike="noStrike" kern="0" cap="none" spc="0" baseline="0" dirty="0" err="1">
+                <a:solidFill>
+                  <a:srgbClr val="000000"/>
+                </a:solidFill>
+                <a:uFillTx/>
+                <a:latin typeface="Calibri"/>
+                <a:ea typeface="Calibri"/>
+                <a:cs typeface="Calibri"/>
+              </a:rPr>
+              <a:t>PaginaAnagrafica</a:t>
+            </a:r>
+            <a:endParaRPr lang="it-IT" sz="1400" b="0" i="0" u="none" strike="noStrike" kern="0" cap="none" spc="0" baseline="0" dirty="0">
+              <a:solidFill>
+                <a:srgbClr val="000000"/>
+              </a:solidFill>
+              <a:uFillTx/>
+              <a:latin typeface="Calibri"/>
+              <a:ea typeface="Calibri"/>
+              <a:cs typeface="Calibri"/>
+            </a:endParaRPr>
+          </a:p>
+        </p:txBody>
+      </p:sp>
+      <p:sp>
+        <p:nvSpPr>
+          <p:cNvPr id="13" name="Google Shape;298;p37">
+            <a:extLst>
+              <a:ext uri="{FF2B5EF4-FFF2-40B4-BE49-F238E27FC236}">
+                <a16:creationId xmlns:a16="http://schemas.microsoft.com/office/drawing/2014/main" id="{315BDA54-DC43-4B16-AC2C-307F13E8184C}"/>
+              </a:ext>
+            </a:extLst>
+          </p:cNvPr>
+          <p:cNvSpPr txBox="1"/>
+          <p:nvPr/>
+        </p:nvSpPr>
+        <p:spPr>
+          <a:xfrm>
+            <a:off x="2311722" y="2139383"/>
+            <a:ext cx="2476963" cy="338401"/>
+          </a:xfrm>
+          <a:prstGeom prst="rect">
+            <a:avLst/>
+          </a:prstGeom>
+          <a:noFill/>
+          <a:ln cap="flat">
+            <a:noFill/>
+          </a:ln>
+        </p:spPr>
+        <p:txBody>
+          <a:bodyPr vert="horz" wrap="square" lIns="121898" tIns="60935" rIns="121898" bIns="60935" anchor="t" anchorCtr="1" compatLnSpc="1">
+            <a:noAutofit/>
+          </a:bodyPr>
+          <a:lstStyle/>
+          <a:p>
+            <a:pPr marL="0" marR="0" lvl="0" indent="0" algn="ctr" defTabSz="1219169" rtl="0" fontAlgn="auto" hangingPunct="1">
+              <a:lnSpc>
+                <a:spcPct val="100000"/>
+              </a:lnSpc>
+              <a:spcBef>
+                <a:spcPts val="0"/>
+              </a:spcBef>
+              <a:spcAft>
+                <a:spcPts val="0"/>
+              </a:spcAft>
+              <a:buNone/>
+              <a:tabLst/>
+              <a:defRPr sz="1800" b="0" i="0" u="none" strike="noStrike" kern="0" cap="none" spc="0" baseline="0">
+                <a:solidFill>
+                  <a:srgbClr val="000000"/>
+                </a:solidFill>
+                <a:uFillTx/>
+              </a:defRPr>
+            </a:pPr>
+            <a:r>
+              <a:rPr lang="es-419" sz="1200" b="0" i="0" u="none" strike="noStrike" kern="0" cap="none" spc="0" baseline="0" dirty="0">
+                <a:solidFill>
+                  <a:srgbClr val="000000"/>
+                </a:solidFill>
+                <a:uFillTx/>
+                <a:latin typeface="Calibri"/>
+                <a:ea typeface="Calibri"/>
+                <a:cs typeface="Calibri"/>
+              </a:rPr>
+              <a:t>[</a:t>
+            </a:r>
+            <a:r>
+              <a:rPr lang="es-419" sz="1100" b="0" i="0" u="none" strike="noStrike" kern="0" cap="none" spc="0" baseline="0" dirty="0">
+                <a:solidFill>
+                  <a:srgbClr val="000000"/>
+                </a:solidFill>
+                <a:uFillTx/>
+                <a:latin typeface="Calibri"/>
+                <a:ea typeface="Calibri"/>
+                <a:cs typeface="Calibri"/>
+              </a:rPr>
+              <a:t>checkbox == null ] redirect</a:t>
+            </a:r>
+          </a:p>
+        </p:txBody>
+      </p:sp>
+      <p:sp>
+        <p:nvSpPr>
+          <p:cNvPr id="14" name="Google Shape;343;p39">
+            <a:extLst>
+              <a:ext uri="{FF2B5EF4-FFF2-40B4-BE49-F238E27FC236}">
+                <a16:creationId xmlns:a16="http://schemas.microsoft.com/office/drawing/2014/main" id="{36E0ECD9-5EA2-4351-A9B9-01C488790E43}"/>
+              </a:ext>
+            </a:extLst>
+          </p:cNvPr>
+          <p:cNvSpPr/>
+          <p:nvPr/>
+        </p:nvSpPr>
+        <p:spPr>
+          <a:xfrm>
+            <a:off x="4532608" y="2166577"/>
+            <a:ext cx="408718" cy="757696"/>
+          </a:xfrm>
+          <a:prstGeom prst="rect">
+            <a:avLst/>
+          </a:prstGeom>
+          <a:solidFill>
+            <a:srgbClr val="FFFFFF"/>
+          </a:solidFill>
+          <a:ln w="25402" cap="flat">
+            <a:solidFill>
+              <a:srgbClr val="4472C4"/>
+            </a:solidFill>
+            <a:prstDash val="solid"/>
+            <a:round/>
+          </a:ln>
+        </p:spPr>
+        <p:txBody>
+          <a:bodyPr vert="horz" wrap="square" lIns="121898" tIns="60935" rIns="121898" bIns="60935" anchor="ctr" anchorCtr="1" compatLnSpc="1">
+            <a:noAutofit/>
+          </a:bodyPr>
+          <a:lstStyle/>
+          <a:p>
+            <a:pPr marL="0" marR="0" lvl="0" indent="0" algn="ctr" defTabSz="1219169" rtl="0" fontAlgn="auto" hangingPunct="1">
+              <a:lnSpc>
+                <a:spcPct val="100000"/>
+              </a:lnSpc>
+              <a:spcBef>
+                <a:spcPts val="0"/>
+              </a:spcBef>
+              <a:spcAft>
+                <a:spcPts val="0"/>
+              </a:spcAft>
+              <a:buNone/>
+              <a:tabLst/>
+              <a:defRPr sz="1800" b="0" i="0" u="none" strike="noStrike" kern="0" cap="none" spc="0" baseline="0">
+                <a:solidFill>
+                  <a:srgbClr val="000000"/>
+                </a:solidFill>
+                <a:uFillTx/>
+              </a:defRPr>
+            </a:pPr>
+            <a:endParaRPr lang="it-IT" sz="2400" b="0" i="0" u="none" strike="noStrike" kern="0" cap="none" spc="0" baseline="0">
+              <a:solidFill>
+                <a:srgbClr val="000000"/>
+              </a:solidFill>
+              <a:uFillTx/>
+              <a:latin typeface="Calibri"/>
+              <a:ea typeface="Calibri"/>
+              <a:cs typeface="Calibri"/>
+            </a:endParaRPr>
+          </a:p>
+        </p:txBody>
+      </p:sp>
+      <p:sp>
+        <p:nvSpPr>
+          <p:cNvPr id="15" name="Google Shape;349;p39">
+            <a:extLst>
+              <a:ext uri="{FF2B5EF4-FFF2-40B4-BE49-F238E27FC236}">
+                <a16:creationId xmlns:a16="http://schemas.microsoft.com/office/drawing/2014/main" id="{1CB8FDCA-BC28-41BA-A3A3-155DE8B23331}"/>
+              </a:ext>
+            </a:extLst>
+          </p:cNvPr>
+          <p:cNvSpPr/>
+          <p:nvPr/>
+        </p:nvSpPr>
+        <p:spPr>
+          <a:xfrm>
+            <a:off x="3810943" y="1258733"/>
+            <a:ext cx="1799914" cy="385392"/>
+          </a:xfrm>
+          <a:prstGeom prst="rect">
+            <a:avLst/>
+          </a:prstGeom>
+          <a:solidFill>
+            <a:srgbClr val="FFFFFF"/>
+          </a:solidFill>
+          <a:ln w="25402" cap="flat">
+            <a:solidFill>
+              <a:srgbClr val="4472C4"/>
+            </a:solidFill>
+            <a:prstDash val="solid"/>
+            <a:round/>
+          </a:ln>
+        </p:spPr>
+        <p:txBody>
+          <a:bodyPr vert="horz" wrap="square" lIns="121898" tIns="60935" rIns="121898" bIns="60935" anchor="ctr" anchorCtr="1" compatLnSpc="1">
+            <a:noAutofit/>
+          </a:bodyPr>
+          <a:lstStyle/>
+          <a:p>
+            <a:pPr marL="0" marR="0" lvl="0" indent="0" algn="ctr" defTabSz="1219169" rtl="0" fontAlgn="auto" hangingPunct="1">
+              <a:lnSpc>
+                <a:spcPct val="100000"/>
+              </a:lnSpc>
+              <a:spcBef>
+                <a:spcPts val="0"/>
+              </a:spcBef>
+              <a:spcAft>
+                <a:spcPts val="0"/>
+              </a:spcAft>
+              <a:buNone/>
+              <a:tabLst/>
+              <a:defRPr sz="1800" b="0" i="0" u="none" strike="noStrike" kern="0" cap="none" spc="0" baseline="0">
+                <a:solidFill>
+                  <a:srgbClr val="000000"/>
+                </a:solidFill>
+                <a:uFillTx/>
+              </a:defRPr>
+            </a:pPr>
+            <a:r>
+              <a:rPr lang="es-419" sz="1400" b="0" i="0" u="none" strike="noStrike" kern="0" cap="none" spc="0" baseline="0" dirty="0">
+                <a:solidFill>
+                  <a:srgbClr val="000000"/>
+                </a:solidFill>
+                <a:uFillTx/>
+                <a:latin typeface="Calibri"/>
+                <a:ea typeface="Calibri"/>
+                <a:cs typeface="Calibri"/>
+              </a:rPr>
+              <a:t>PaginaAnagrafica</a:t>
+            </a:r>
+          </a:p>
+        </p:txBody>
+      </p:sp>
+      <p:cxnSp>
+        <p:nvCxnSpPr>
+          <p:cNvPr id="16" name="Google Shape;350;p39">
+            <a:extLst>
+              <a:ext uri="{FF2B5EF4-FFF2-40B4-BE49-F238E27FC236}">
+                <a16:creationId xmlns:a16="http://schemas.microsoft.com/office/drawing/2014/main" id="{BAAEC16D-424A-4180-88CB-D14C0AEFE3D9}"/>
+              </a:ext>
+            </a:extLst>
+          </p:cNvPr>
+          <p:cNvCxnSpPr>
+            <a:stCxn id="15" idx="2"/>
+          </p:cNvCxnSpPr>
+          <p:nvPr/>
+        </p:nvCxnSpPr>
+        <p:spPr>
+          <a:xfrm>
+            <a:off x="4710905" y="1644125"/>
+            <a:ext cx="0" cy="2681186"/>
+          </a:xfrm>
+          <a:prstGeom prst="straightConnector1">
+            <a:avLst/>
+          </a:prstGeom>
+          <a:noFill/>
+          <a:ln w="38103" cap="flat">
+            <a:solidFill>
+              <a:srgbClr val="4472C4"/>
+            </a:solidFill>
+            <a:custDash>
+              <a:ds d="100000" sp="100000"/>
+            </a:custDash>
+            <a:round/>
+          </a:ln>
+          <a:effectLst>
+            <a:outerShdw dist="22997" dir="5400000" algn="tl">
+              <a:srgbClr val="000000">
+                <a:alpha val="34900"/>
+              </a:srgbClr>
+            </a:outerShdw>
+          </a:effectLst>
+        </p:spPr>
+      </p:cxnSp>
+      <p:sp>
+        <p:nvSpPr>
+          <p:cNvPr id="17" name="Google Shape;343;p39">
+            <a:extLst>
+              <a:ext uri="{FF2B5EF4-FFF2-40B4-BE49-F238E27FC236}">
+                <a16:creationId xmlns:a16="http://schemas.microsoft.com/office/drawing/2014/main" id="{C51A8AF9-C7D6-45D0-AE74-A187E1F91D66}"/>
+              </a:ext>
+            </a:extLst>
+          </p:cNvPr>
+          <p:cNvSpPr/>
+          <p:nvPr/>
+        </p:nvSpPr>
+        <p:spPr>
+          <a:xfrm>
+            <a:off x="6691818" y="3062570"/>
+            <a:ext cx="351495" cy="1688168"/>
+          </a:xfrm>
+          <a:prstGeom prst="rect">
+            <a:avLst/>
+          </a:prstGeom>
+          <a:solidFill>
+            <a:srgbClr val="FFFFFF"/>
+          </a:solidFill>
+          <a:ln w="25402" cap="flat">
+            <a:solidFill>
+              <a:srgbClr val="4472C4"/>
+            </a:solidFill>
+            <a:prstDash val="solid"/>
+            <a:round/>
+          </a:ln>
+        </p:spPr>
+        <p:txBody>
+          <a:bodyPr vert="horz" wrap="square" lIns="121898" tIns="60935" rIns="121898" bIns="60935" anchor="ctr" anchorCtr="1" compatLnSpc="1">
+            <a:noAutofit/>
+          </a:bodyPr>
+          <a:lstStyle/>
+          <a:p>
+            <a:pPr marL="0" marR="0" lvl="0" indent="0" algn="ctr" defTabSz="1219169" rtl="0" fontAlgn="auto" hangingPunct="1">
+              <a:lnSpc>
+                <a:spcPct val="100000"/>
+              </a:lnSpc>
+              <a:spcBef>
+                <a:spcPts val="0"/>
+              </a:spcBef>
+              <a:spcAft>
+                <a:spcPts val="0"/>
+              </a:spcAft>
+              <a:buNone/>
+              <a:tabLst/>
+              <a:defRPr sz="1800" b="0" i="0" u="none" strike="noStrike" kern="0" cap="none" spc="0" baseline="0">
+                <a:solidFill>
+                  <a:srgbClr val="000000"/>
+                </a:solidFill>
+                <a:uFillTx/>
+              </a:defRPr>
+            </a:pPr>
+            <a:endParaRPr lang="it-IT" sz="2400" b="0" i="0" u="none" strike="noStrike" kern="0" cap="none" spc="0" baseline="0">
+              <a:solidFill>
+                <a:srgbClr val="000000"/>
+              </a:solidFill>
+              <a:uFillTx/>
+              <a:latin typeface="Calibri"/>
+              <a:ea typeface="Calibri"/>
+              <a:cs typeface="Calibri"/>
+            </a:endParaRPr>
+          </a:p>
+        </p:txBody>
+      </p:sp>
+      <p:cxnSp>
+        <p:nvCxnSpPr>
+          <p:cNvPr id="18" name="Google Shape;352;p39">
+            <a:extLst>
+              <a:ext uri="{FF2B5EF4-FFF2-40B4-BE49-F238E27FC236}">
+                <a16:creationId xmlns:a16="http://schemas.microsoft.com/office/drawing/2014/main" id="{B42D825E-4A74-479C-91AB-C80D45C40DB1}"/>
+              </a:ext>
+            </a:extLst>
+          </p:cNvPr>
+          <p:cNvCxnSpPr>
+            <a:cxnSpLocks/>
+          </p:cNvCxnSpPr>
+          <p:nvPr/>
+        </p:nvCxnSpPr>
+        <p:spPr>
+          <a:xfrm flipV="1">
+            <a:off x="2640673" y="3521015"/>
+            <a:ext cx="4066007" cy="12780"/>
+          </a:xfrm>
+          <a:prstGeom prst="straightConnector1">
+            <a:avLst/>
+          </a:prstGeom>
+          <a:noFill/>
+          <a:ln w="25402" cap="flat">
+            <a:solidFill>
+              <a:srgbClr val="4472C4"/>
+            </a:solidFill>
+            <a:prstDash val="solid"/>
+            <a:round/>
+            <a:tailEnd type="arrow"/>
+          </a:ln>
+          <a:effectLst>
+            <a:outerShdw dist="19997" dir="5400000" algn="tl">
+              <a:srgbClr val="000000">
+                <a:alpha val="37650"/>
+              </a:srgbClr>
+            </a:outerShdw>
+          </a:effectLst>
+        </p:spPr>
+      </p:cxnSp>
+      <p:sp>
+        <p:nvSpPr>
+          <p:cNvPr id="19" name="Google Shape;298;p37">
+            <a:extLst>
+              <a:ext uri="{FF2B5EF4-FFF2-40B4-BE49-F238E27FC236}">
+                <a16:creationId xmlns:a16="http://schemas.microsoft.com/office/drawing/2014/main" id="{94416E3F-E36A-401F-B398-CE99C210D323}"/>
+              </a:ext>
+            </a:extLst>
+          </p:cNvPr>
+          <p:cNvSpPr txBox="1"/>
+          <p:nvPr/>
+        </p:nvSpPr>
+        <p:spPr>
+          <a:xfrm>
+            <a:off x="2796594" y="3074526"/>
+            <a:ext cx="3634511" cy="338401"/>
+          </a:xfrm>
+          <a:prstGeom prst="rect">
+            <a:avLst/>
+          </a:prstGeom>
+          <a:noFill/>
+          <a:ln cap="flat">
+            <a:noFill/>
+          </a:ln>
+        </p:spPr>
+        <p:txBody>
+          <a:bodyPr vert="horz" wrap="square" lIns="121898" tIns="60935" rIns="121898" bIns="60935" anchor="t" anchorCtr="1" compatLnSpc="1">
+            <a:noAutofit/>
+          </a:bodyPr>
+          <a:lstStyle/>
+          <a:p>
+            <a:pPr marL="0" marR="0" lvl="0" indent="0" algn="ctr" defTabSz="1219169" rtl="0" fontAlgn="auto" hangingPunct="1">
+              <a:lnSpc>
+                <a:spcPct val="100000"/>
+              </a:lnSpc>
+              <a:spcBef>
+                <a:spcPts val="0"/>
+              </a:spcBef>
+              <a:spcAft>
+                <a:spcPts val="0"/>
+              </a:spcAft>
+              <a:buNone/>
+              <a:tabLst/>
+              <a:defRPr sz="1800" b="0" i="0" u="none" strike="noStrike" kern="0" cap="none" spc="0" baseline="0">
+                <a:solidFill>
+                  <a:srgbClr val="000000"/>
+                </a:solidFill>
+                <a:uFillTx/>
+              </a:defRPr>
+            </a:pPr>
+            <a:r>
+              <a:rPr lang="es-419" sz="1400" kern="0" dirty="0">
+                <a:solidFill>
+                  <a:srgbClr val="000000"/>
+                </a:solidFill>
+                <a:latin typeface="Calibri"/>
+                <a:ea typeface="Calibri"/>
+                <a:cs typeface="Calibri"/>
+              </a:rPr>
+              <a:t>s</a:t>
+            </a:r>
+            <a:r>
+              <a:rPr lang="es-419" sz="1400" b="0" i="0" u="none" strike="noStrike" kern="0" cap="none" spc="0" baseline="0" dirty="0">
+                <a:solidFill>
+                  <a:srgbClr val="000000"/>
+                </a:solidFill>
+                <a:uFillTx/>
+                <a:latin typeface="Calibri"/>
+                <a:ea typeface="Calibri"/>
+                <a:cs typeface="Calibri"/>
+              </a:rPr>
+              <a:t>etattribute(select,utentiselezionati)</a:t>
+            </a:r>
+          </a:p>
+        </p:txBody>
+      </p:sp>
+      <p:sp>
+        <p:nvSpPr>
+          <p:cNvPr id="20" name="Google Shape;349;p39">
+            <a:extLst>
+              <a:ext uri="{FF2B5EF4-FFF2-40B4-BE49-F238E27FC236}">
+                <a16:creationId xmlns:a16="http://schemas.microsoft.com/office/drawing/2014/main" id="{E57A84E2-B9BC-4075-8BD0-0B5283E613BE}"/>
+              </a:ext>
+            </a:extLst>
+          </p:cNvPr>
+          <p:cNvSpPr/>
+          <p:nvPr/>
+        </p:nvSpPr>
+        <p:spPr>
+          <a:xfrm>
+            <a:off x="8080656" y="1269016"/>
+            <a:ext cx="2189603" cy="381195"/>
+          </a:xfrm>
+          <a:prstGeom prst="rect">
+            <a:avLst/>
+          </a:prstGeom>
+          <a:solidFill>
+            <a:srgbClr val="FFFFFF"/>
+          </a:solidFill>
+          <a:ln w="25402" cap="flat">
+            <a:solidFill>
+              <a:srgbClr val="4472C4"/>
+            </a:solidFill>
+            <a:prstDash val="solid"/>
+            <a:round/>
+          </a:ln>
+        </p:spPr>
+        <p:txBody>
+          <a:bodyPr vert="horz" wrap="square" lIns="121898" tIns="60935" rIns="121898" bIns="60935" anchor="ctr" anchorCtr="1" compatLnSpc="1">
+            <a:noAutofit/>
+          </a:bodyPr>
+          <a:lstStyle/>
+          <a:p>
+            <a:pPr marL="0" marR="0" lvl="0" indent="0" algn="ctr" defTabSz="1219169" rtl="0" fontAlgn="auto" hangingPunct="1">
+              <a:lnSpc>
+                <a:spcPct val="100000"/>
+              </a:lnSpc>
+              <a:spcBef>
+                <a:spcPts val="0"/>
+              </a:spcBef>
+              <a:spcAft>
+                <a:spcPts val="0"/>
+              </a:spcAft>
+              <a:buNone/>
+              <a:tabLst/>
+              <a:defRPr sz="1800" b="0" i="0" u="none" strike="noStrike" kern="0" cap="none" spc="0" baseline="0">
+                <a:solidFill>
+                  <a:srgbClr val="000000"/>
+                </a:solidFill>
+                <a:uFillTx/>
+              </a:defRPr>
+            </a:pPr>
+            <a:r>
+              <a:rPr lang="es-419" sz="1400" b="0" i="0" u="none" strike="noStrike" kern="0" cap="none" spc="0" baseline="0" dirty="0">
+                <a:solidFill>
+                  <a:srgbClr val="000000"/>
+                </a:solidFill>
+                <a:uFillTx/>
+                <a:latin typeface="Calibri"/>
+                <a:ea typeface="Calibri"/>
+                <a:cs typeface="Calibri"/>
+              </a:rPr>
+              <a:t>DIspatcher</a:t>
+            </a:r>
+          </a:p>
+        </p:txBody>
+      </p:sp>
+      <p:cxnSp>
+        <p:nvCxnSpPr>
+          <p:cNvPr id="21" name="Google Shape;350;p39">
+            <a:extLst>
+              <a:ext uri="{FF2B5EF4-FFF2-40B4-BE49-F238E27FC236}">
+                <a16:creationId xmlns:a16="http://schemas.microsoft.com/office/drawing/2014/main" id="{F0A751DF-8D47-4327-A8EF-1F833DADD388}"/>
+              </a:ext>
+            </a:extLst>
+          </p:cNvPr>
+          <p:cNvCxnSpPr>
+            <a:cxnSpLocks/>
+            <a:stCxn id="20" idx="2"/>
+            <a:endCxn id="24" idx="2"/>
+          </p:cNvCxnSpPr>
+          <p:nvPr/>
+        </p:nvCxnSpPr>
+        <p:spPr>
+          <a:xfrm flipH="1">
+            <a:off x="9139611" y="1650211"/>
+            <a:ext cx="35847" cy="3765851"/>
+          </a:xfrm>
+          <a:prstGeom prst="straightConnector1">
+            <a:avLst/>
+          </a:prstGeom>
+          <a:noFill/>
+          <a:ln w="38103" cap="flat">
+            <a:solidFill>
+              <a:srgbClr val="4472C4"/>
+            </a:solidFill>
+            <a:custDash>
+              <a:ds d="100000" sp="100000"/>
+            </a:custDash>
+            <a:round/>
+          </a:ln>
+          <a:effectLst>
+            <a:outerShdw dist="22997" dir="5400000" algn="tl">
+              <a:srgbClr val="000000">
+                <a:alpha val="34900"/>
+              </a:srgbClr>
+            </a:outerShdw>
+          </a:effectLst>
+        </p:spPr>
+      </p:cxnSp>
+      <p:sp>
+        <p:nvSpPr>
+          <p:cNvPr id="22" name="Google Shape;349;p39">
+            <a:extLst>
+              <a:ext uri="{FF2B5EF4-FFF2-40B4-BE49-F238E27FC236}">
+                <a16:creationId xmlns:a16="http://schemas.microsoft.com/office/drawing/2014/main" id="{D5335C9E-3831-441A-A9A7-C16CA83590C2}"/>
+              </a:ext>
+            </a:extLst>
+          </p:cNvPr>
+          <p:cNvSpPr/>
+          <p:nvPr/>
+        </p:nvSpPr>
+        <p:spPr>
+          <a:xfrm>
+            <a:off x="5716760" y="1256447"/>
+            <a:ext cx="2298699" cy="385392"/>
+          </a:xfrm>
+          <a:prstGeom prst="rect">
+            <a:avLst/>
+          </a:prstGeom>
+          <a:solidFill>
+            <a:srgbClr val="FFFFFF"/>
+          </a:solidFill>
+          <a:ln w="25402" cap="flat">
+            <a:solidFill>
+              <a:srgbClr val="4472C4"/>
+            </a:solidFill>
+            <a:prstDash val="solid"/>
+            <a:round/>
+          </a:ln>
+        </p:spPr>
+        <p:txBody>
+          <a:bodyPr vert="horz" wrap="square" lIns="121898" tIns="60935" rIns="121898" bIns="60935" anchor="ctr" anchorCtr="1" compatLnSpc="1">
+            <a:noAutofit/>
+          </a:bodyPr>
+          <a:lstStyle/>
+          <a:p>
+            <a:pPr marL="0" marR="0" lvl="0" indent="0" algn="ctr" defTabSz="1219169" rtl="0" fontAlgn="auto" hangingPunct="1">
+              <a:lnSpc>
+                <a:spcPct val="100000"/>
+              </a:lnSpc>
+              <a:spcBef>
+                <a:spcPts val="0"/>
+              </a:spcBef>
+              <a:spcAft>
+                <a:spcPts val="0"/>
+              </a:spcAft>
+              <a:buNone/>
+              <a:tabLst/>
+              <a:defRPr sz="1800" b="0" i="0" u="none" strike="noStrike" kern="0" cap="none" spc="0" baseline="0">
+                <a:solidFill>
+                  <a:srgbClr val="000000"/>
+                </a:solidFill>
+                <a:uFillTx/>
+              </a:defRPr>
+            </a:pPr>
+            <a:r>
+              <a:rPr lang="es-419" sz="1400" kern="0" dirty="0">
+                <a:solidFill>
+                  <a:srgbClr val="000000"/>
+                </a:solidFill>
+                <a:latin typeface="Calibri"/>
+                <a:ea typeface="Calibri"/>
+                <a:cs typeface="Calibri"/>
+              </a:rPr>
+              <a:t>S</a:t>
+            </a:r>
+            <a:r>
+              <a:rPr lang="es-419" sz="1400" b="0" i="0" u="none" strike="noStrike" kern="0" cap="none" spc="0" baseline="0" dirty="0">
+                <a:solidFill>
+                  <a:srgbClr val="000000"/>
+                </a:solidFill>
+                <a:uFillTx/>
+                <a:latin typeface="Calibri"/>
+                <a:ea typeface="Calibri"/>
+                <a:cs typeface="Calibri"/>
+              </a:rPr>
+              <a:t>ession</a:t>
+            </a:r>
+          </a:p>
+        </p:txBody>
+      </p:sp>
+      <p:cxnSp>
+        <p:nvCxnSpPr>
+          <p:cNvPr id="23" name="Google Shape;350;p39">
+            <a:extLst>
+              <a:ext uri="{FF2B5EF4-FFF2-40B4-BE49-F238E27FC236}">
+                <a16:creationId xmlns:a16="http://schemas.microsoft.com/office/drawing/2014/main" id="{5898E3CC-75E5-4784-A538-9A983FEB72EA}"/>
+              </a:ext>
+            </a:extLst>
+          </p:cNvPr>
+          <p:cNvCxnSpPr>
+            <a:cxnSpLocks/>
+            <a:endCxn id="17" idx="2"/>
+          </p:cNvCxnSpPr>
+          <p:nvPr/>
+        </p:nvCxnSpPr>
+        <p:spPr>
+          <a:xfrm flipH="1">
+            <a:off x="6867566" y="1616141"/>
+            <a:ext cx="13516" cy="3134597"/>
+          </a:xfrm>
+          <a:prstGeom prst="straightConnector1">
+            <a:avLst/>
+          </a:prstGeom>
+          <a:noFill/>
+          <a:ln w="38103" cap="flat">
+            <a:solidFill>
+              <a:srgbClr val="4472C4"/>
+            </a:solidFill>
+            <a:custDash>
+              <a:ds d="100000" sp="100000"/>
+            </a:custDash>
+            <a:round/>
+          </a:ln>
+          <a:effectLst>
+            <a:outerShdw dist="22997" dir="5400000" algn="tl">
+              <a:srgbClr val="000000">
+                <a:alpha val="34900"/>
+              </a:srgbClr>
+            </a:outerShdw>
+          </a:effectLst>
+        </p:spPr>
+      </p:cxnSp>
+      <p:sp>
+        <p:nvSpPr>
+          <p:cNvPr id="24" name="Google Shape;343;p39">
+            <a:extLst>
+              <a:ext uri="{FF2B5EF4-FFF2-40B4-BE49-F238E27FC236}">
+                <a16:creationId xmlns:a16="http://schemas.microsoft.com/office/drawing/2014/main" id="{F3E6B1DA-0C18-4FED-ADC9-8EFB191B6F52}"/>
+              </a:ext>
+            </a:extLst>
+          </p:cNvPr>
+          <p:cNvSpPr/>
+          <p:nvPr/>
+        </p:nvSpPr>
+        <p:spPr>
+          <a:xfrm>
+            <a:off x="8935252" y="4771755"/>
+            <a:ext cx="408718" cy="644307"/>
+          </a:xfrm>
+          <a:prstGeom prst="rect">
+            <a:avLst/>
+          </a:prstGeom>
+          <a:solidFill>
+            <a:srgbClr val="FFFFFF"/>
+          </a:solidFill>
+          <a:ln w="25402" cap="flat">
+            <a:solidFill>
+              <a:srgbClr val="4472C4"/>
+            </a:solidFill>
+            <a:prstDash val="solid"/>
+            <a:round/>
+          </a:ln>
+        </p:spPr>
+        <p:txBody>
+          <a:bodyPr vert="horz" wrap="square" lIns="121898" tIns="60935" rIns="121898" bIns="60935" anchor="ctr" anchorCtr="1" compatLnSpc="1">
+            <a:noAutofit/>
+          </a:bodyPr>
+          <a:lstStyle/>
+          <a:p>
+            <a:pPr marL="0" marR="0" lvl="0" indent="0" algn="ctr" defTabSz="1219169" rtl="0" fontAlgn="auto" hangingPunct="1">
+              <a:lnSpc>
+                <a:spcPct val="100000"/>
+              </a:lnSpc>
+              <a:spcBef>
+                <a:spcPts val="0"/>
+              </a:spcBef>
+              <a:spcAft>
+                <a:spcPts val="0"/>
+              </a:spcAft>
+              <a:buNone/>
+              <a:tabLst/>
+              <a:defRPr sz="1800" b="0" i="0" u="none" strike="noStrike" kern="0" cap="none" spc="0" baseline="0">
+                <a:solidFill>
+                  <a:srgbClr val="000000"/>
+                </a:solidFill>
+                <a:uFillTx/>
+              </a:defRPr>
+            </a:pPr>
+            <a:endParaRPr lang="it-IT" sz="2400" b="0" i="0" u="none" strike="noStrike" kern="0" cap="none" spc="0" baseline="0">
+              <a:solidFill>
+                <a:srgbClr val="000000"/>
+              </a:solidFill>
+              <a:uFillTx/>
+              <a:latin typeface="Calibri"/>
+              <a:ea typeface="Calibri"/>
+              <a:cs typeface="Calibri"/>
+            </a:endParaRPr>
+          </a:p>
+        </p:txBody>
+      </p:sp>
+      <p:cxnSp>
+        <p:nvCxnSpPr>
+          <p:cNvPr id="26" name="Google Shape;352;p39">
+            <a:extLst>
+              <a:ext uri="{FF2B5EF4-FFF2-40B4-BE49-F238E27FC236}">
+                <a16:creationId xmlns:a16="http://schemas.microsoft.com/office/drawing/2014/main" id="{F214852C-3028-4B08-9A25-CEE90A681841}"/>
+              </a:ext>
+            </a:extLst>
+          </p:cNvPr>
+          <p:cNvCxnSpPr>
+            <a:cxnSpLocks/>
+          </p:cNvCxnSpPr>
+          <p:nvPr/>
+        </p:nvCxnSpPr>
+        <p:spPr>
+          <a:xfrm>
+            <a:off x="2610249" y="4098664"/>
+            <a:ext cx="4093556" cy="1"/>
+          </a:xfrm>
+          <a:prstGeom prst="straightConnector1">
+            <a:avLst/>
+          </a:prstGeom>
+          <a:noFill/>
+          <a:ln w="25402" cap="flat">
+            <a:solidFill>
+              <a:srgbClr val="4472C4"/>
+            </a:solidFill>
+            <a:prstDash val="solid"/>
+            <a:round/>
+            <a:tailEnd type="arrow"/>
+          </a:ln>
+          <a:effectLst>
+            <a:outerShdw dist="19997" dir="5400000" algn="tl">
+              <a:srgbClr val="000000">
+                <a:alpha val="37650"/>
+              </a:srgbClr>
+            </a:outerShdw>
+          </a:effectLst>
+        </p:spPr>
+      </p:cxnSp>
+      <p:sp>
+        <p:nvSpPr>
+          <p:cNvPr id="27" name="Google Shape;298;p37">
+            <a:extLst>
+              <a:ext uri="{FF2B5EF4-FFF2-40B4-BE49-F238E27FC236}">
+                <a16:creationId xmlns:a16="http://schemas.microsoft.com/office/drawing/2014/main" id="{DBB58416-75EF-4EF9-B98C-50CAEE93ECCC}"/>
+              </a:ext>
+            </a:extLst>
+          </p:cNvPr>
+          <p:cNvSpPr txBox="1"/>
+          <p:nvPr/>
+        </p:nvSpPr>
+        <p:spPr>
+          <a:xfrm>
+            <a:off x="2851795" y="3666305"/>
+            <a:ext cx="3634511" cy="338401"/>
+          </a:xfrm>
+          <a:prstGeom prst="rect">
+            <a:avLst/>
+          </a:prstGeom>
+          <a:noFill/>
+          <a:ln cap="flat">
+            <a:noFill/>
+          </a:ln>
+        </p:spPr>
+        <p:txBody>
+          <a:bodyPr vert="horz" wrap="square" lIns="121898" tIns="60935" rIns="121898" bIns="60935" anchor="t" anchorCtr="1" compatLnSpc="1">
+            <a:noAutofit/>
+          </a:bodyPr>
+          <a:lstStyle/>
+          <a:p>
+            <a:pPr marL="0" marR="0" lvl="0" indent="0" algn="ctr" defTabSz="1219169" rtl="0" fontAlgn="auto" hangingPunct="1">
+              <a:lnSpc>
+                <a:spcPct val="100000"/>
+              </a:lnSpc>
+              <a:spcBef>
+                <a:spcPts val="0"/>
+              </a:spcBef>
+              <a:spcAft>
+                <a:spcPts val="0"/>
+              </a:spcAft>
+              <a:buNone/>
+              <a:tabLst/>
+              <a:defRPr sz="1800" b="0" i="0" u="none" strike="noStrike" kern="0" cap="none" spc="0" baseline="0">
+                <a:solidFill>
+                  <a:srgbClr val="000000"/>
+                </a:solidFill>
+                <a:uFillTx/>
+              </a:defRPr>
+            </a:pPr>
+            <a:r>
+              <a:rPr lang="es-419" sz="1400" kern="0" dirty="0">
+                <a:solidFill>
+                  <a:srgbClr val="000000"/>
+                </a:solidFill>
+                <a:latin typeface="Calibri"/>
+                <a:ea typeface="Calibri"/>
+                <a:cs typeface="Calibri"/>
+              </a:rPr>
+              <a:t>g</a:t>
+            </a:r>
+            <a:r>
+              <a:rPr lang="es-419" sz="1400" b="0" i="0" u="none" strike="noStrike" kern="0" cap="none" spc="0" baseline="0" dirty="0">
+                <a:solidFill>
+                  <a:srgbClr val="000000"/>
+                </a:solidFill>
+                <a:uFillTx/>
+                <a:latin typeface="Calibri"/>
+                <a:ea typeface="Calibri"/>
+                <a:cs typeface="Calibri"/>
+              </a:rPr>
+              <a:t>etattribute(cont)</a:t>
+            </a:r>
+          </a:p>
+        </p:txBody>
+      </p:sp>
+      <p:cxnSp>
+        <p:nvCxnSpPr>
+          <p:cNvPr id="28" name="Google Shape;352;p39">
+            <a:extLst>
+              <a:ext uri="{FF2B5EF4-FFF2-40B4-BE49-F238E27FC236}">
+                <a16:creationId xmlns:a16="http://schemas.microsoft.com/office/drawing/2014/main" id="{1B015341-24BA-4CDC-B962-EF8C4FE28E47}"/>
+              </a:ext>
+            </a:extLst>
+          </p:cNvPr>
+          <p:cNvCxnSpPr>
+            <a:cxnSpLocks/>
+          </p:cNvCxnSpPr>
+          <p:nvPr/>
+        </p:nvCxnSpPr>
+        <p:spPr>
+          <a:xfrm flipH="1">
+            <a:off x="2625123" y="4490317"/>
+            <a:ext cx="4046537" cy="0"/>
+          </a:xfrm>
+          <a:prstGeom prst="straightConnector1">
+            <a:avLst/>
+          </a:prstGeom>
+          <a:noFill/>
+          <a:ln w="25402" cap="flat">
+            <a:solidFill>
+              <a:srgbClr val="4472C4"/>
+            </a:solidFill>
+            <a:prstDash val="solid"/>
+            <a:round/>
+            <a:tailEnd type="arrow"/>
+          </a:ln>
+          <a:effectLst>
+            <a:outerShdw dist="19997" dir="5400000" algn="tl">
+              <a:srgbClr val="000000">
+                <a:alpha val="37650"/>
+              </a:srgbClr>
+            </a:outerShdw>
+          </a:effectLst>
+        </p:spPr>
+      </p:cxnSp>
+      <p:sp>
+        <p:nvSpPr>
+          <p:cNvPr id="30" name="Google Shape;298;p37">
+            <a:extLst>
+              <a:ext uri="{FF2B5EF4-FFF2-40B4-BE49-F238E27FC236}">
+                <a16:creationId xmlns:a16="http://schemas.microsoft.com/office/drawing/2014/main" id="{C31394A2-4F91-4AFB-AFEF-0EC5CE79425B}"/>
+              </a:ext>
+            </a:extLst>
+          </p:cNvPr>
+          <p:cNvSpPr txBox="1"/>
+          <p:nvPr/>
+        </p:nvSpPr>
+        <p:spPr>
+          <a:xfrm>
+            <a:off x="2801212" y="4140058"/>
+            <a:ext cx="3634511" cy="338401"/>
+          </a:xfrm>
+          <a:prstGeom prst="rect">
+            <a:avLst/>
+          </a:prstGeom>
+          <a:noFill/>
+          <a:ln cap="flat">
+            <a:noFill/>
+          </a:ln>
+        </p:spPr>
+        <p:txBody>
+          <a:bodyPr vert="horz" wrap="square" lIns="121898" tIns="60935" rIns="121898" bIns="60935" anchor="t" anchorCtr="1" compatLnSpc="1">
+            <a:noAutofit/>
+          </a:bodyPr>
+          <a:lstStyle/>
+          <a:p>
+            <a:pPr marL="0" marR="0" lvl="0" indent="0" algn="ctr" defTabSz="1219169" rtl="0" fontAlgn="auto" hangingPunct="1">
+              <a:lnSpc>
+                <a:spcPct val="100000"/>
+              </a:lnSpc>
+              <a:spcBef>
+                <a:spcPts val="0"/>
+              </a:spcBef>
+              <a:spcAft>
+                <a:spcPts val="0"/>
+              </a:spcAft>
+              <a:buNone/>
+              <a:tabLst/>
+              <a:defRPr sz="1800" b="0" i="0" u="none" strike="noStrike" kern="0" cap="none" spc="0" baseline="0">
+                <a:solidFill>
+                  <a:srgbClr val="000000"/>
+                </a:solidFill>
+                <a:uFillTx/>
+              </a:defRPr>
+            </a:pPr>
+            <a:r>
+              <a:rPr lang="es-419" sz="1400" b="0" i="0" u="none" strike="noStrike" kern="0" cap="none" spc="0" baseline="0" dirty="0">
+                <a:solidFill>
+                  <a:srgbClr val="000000"/>
+                </a:solidFill>
+                <a:uFillTx/>
+                <a:latin typeface="Calibri"/>
+                <a:ea typeface="Calibri"/>
+                <a:cs typeface="Calibri"/>
+              </a:rPr>
+              <a:t>cont</a:t>
+            </a:r>
+          </a:p>
+        </p:txBody>
+      </p:sp>
+      <p:sp>
+        <p:nvSpPr>
+          <p:cNvPr id="42" name="Google Shape;354;p39">
+            <a:extLst>
+              <a:ext uri="{FF2B5EF4-FFF2-40B4-BE49-F238E27FC236}">
+                <a16:creationId xmlns:a16="http://schemas.microsoft.com/office/drawing/2014/main" id="{2D700D4E-7E3B-4DD7-8941-9B424F3C283C}"/>
+              </a:ext>
+            </a:extLst>
+          </p:cNvPr>
+          <p:cNvSpPr txBox="1"/>
+          <p:nvPr/>
+        </p:nvSpPr>
+        <p:spPr>
+          <a:xfrm>
+            <a:off x="4941326" y="6281347"/>
+            <a:ext cx="2398727" cy="392655"/>
+          </a:xfrm>
+          <a:prstGeom prst="rect">
+            <a:avLst/>
+          </a:prstGeom>
+          <a:noFill/>
+          <a:ln cap="flat">
+            <a:noFill/>
+          </a:ln>
+        </p:spPr>
+        <p:txBody>
+          <a:bodyPr vert="horz" wrap="square" lIns="121898" tIns="60935" rIns="121898" bIns="60935" anchor="t" anchorCtr="0" compatLnSpc="1">
+            <a:noAutofit/>
+          </a:bodyPr>
+          <a:lstStyle/>
+          <a:p>
+            <a:pPr marL="0" marR="0" lvl="0" indent="0" algn="l" defTabSz="1219169" rtl="0" fontAlgn="auto" hangingPunct="1">
+              <a:lnSpc>
+                <a:spcPct val="100000"/>
+              </a:lnSpc>
+              <a:spcBef>
+                <a:spcPts val="0"/>
+              </a:spcBef>
+              <a:spcAft>
+                <a:spcPts val="0"/>
+              </a:spcAft>
+              <a:buNone/>
+              <a:tabLst/>
+              <a:defRPr sz="1800" b="0" i="0" u="none" strike="noStrike" kern="0" cap="none" spc="0" baseline="0">
+                <a:solidFill>
+                  <a:srgbClr val="000000"/>
+                </a:solidFill>
+                <a:uFillTx/>
+              </a:defRPr>
+            </a:pPr>
+            <a:r>
+              <a:rPr lang="it-IT" sz="2400" b="0" i="0" u="none" strike="noStrike" kern="0" cap="none" spc="0" baseline="0" dirty="0">
+                <a:solidFill>
+                  <a:srgbClr val="000000"/>
+                </a:solidFill>
+                <a:uFillTx/>
+                <a:latin typeface="Calibri"/>
+                <a:ea typeface="Calibri"/>
+                <a:cs typeface="Calibri"/>
+              </a:rPr>
+              <a:t>Part&gt;3 </a:t>
+            </a:r>
+            <a:r>
+              <a:rPr lang="it-IT" sz="2400" b="0" i="0" u="none" strike="noStrike" kern="0" cap="none" spc="0" baseline="0" dirty="0" err="1">
+                <a:solidFill>
+                  <a:srgbClr val="000000"/>
+                </a:solidFill>
+                <a:uFillTx/>
+                <a:latin typeface="Calibri"/>
+                <a:ea typeface="Calibri"/>
+                <a:cs typeface="Calibri"/>
+              </a:rPr>
+              <a:t>cont</a:t>
+            </a:r>
+            <a:r>
+              <a:rPr lang="it-IT" sz="2400" kern="0" dirty="0">
+                <a:solidFill>
+                  <a:srgbClr val="000000"/>
+                </a:solidFill>
+                <a:latin typeface="Calibri"/>
+                <a:ea typeface="Calibri"/>
+                <a:cs typeface="Calibri"/>
+              </a:rPr>
+              <a:t>=2</a:t>
+            </a:r>
+            <a:endParaRPr lang="it-IT" sz="2400" b="0" i="0" u="none" strike="noStrike" kern="0" cap="none" spc="0" baseline="0" dirty="0">
+              <a:solidFill>
+                <a:srgbClr val="000000"/>
+              </a:solidFill>
+              <a:uFillTx/>
+              <a:latin typeface="Calibri"/>
+              <a:ea typeface="Calibri"/>
+              <a:cs typeface="Calibri"/>
+            </a:endParaRPr>
+          </a:p>
+        </p:txBody>
+      </p:sp>
+      <p:cxnSp>
+        <p:nvCxnSpPr>
+          <p:cNvPr id="53" name="Google Shape;352;p39">
+            <a:extLst>
+              <a:ext uri="{FF2B5EF4-FFF2-40B4-BE49-F238E27FC236}">
+                <a16:creationId xmlns:a16="http://schemas.microsoft.com/office/drawing/2014/main" id="{DA30A613-CA01-4289-AC68-C5ABCABC5F93}"/>
+              </a:ext>
+            </a:extLst>
+          </p:cNvPr>
+          <p:cNvCxnSpPr>
+            <a:cxnSpLocks/>
+          </p:cNvCxnSpPr>
+          <p:nvPr/>
+        </p:nvCxnSpPr>
+        <p:spPr>
+          <a:xfrm>
+            <a:off x="2625123" y="4980411"/>
+            <a:ext cx="6310129" cy="0"/>
+          </a:xfrm>
+          <a:prstGeom prst="straightConnector1">
+            <a:avLst/>
+          </a:prstGeom>
+          <a:noFill/>
+          <a:ln w="25402" cap="flat">
+            <a:solidFill>
+              <a:srgbClr val="4472C4"/>
+            </a:solidFill>
+            <a:prstDash val="solid"/>
+            <a:round/>
+            <a:tailEnd type="arrow"/>
+          </a:ln>
+          <a:effectLst>
+            <a:outerShdw dist="19997" dir="5400000" algn="tl">
+              <a:srgbClr val="000000">
+                <a:alpha val="37650"/>
+              </a:srgbClr>
+            </a:outerShdw>
+          </a:effectLst>
+        </p:spPr>
+      </p:cxnSp>
+      <p:sp>
+        <p:nvSpPr>
+          <p:cNvPr id="55" name="Google Shape;298;p37">
+            <a:extLst>
+              <a:ext uri="{FF2B5EF4-FFF2-40B4-BE49-F238E27FC236}">
+                <a16:creationId xmlns:a16="http://schemas.microsoft.com/office/drawing/2014/main" id="{6F077D25-DA39-4596-BC14-267D0F68C2A6}"/>
+              </a:ext>
+            </a:extLst>
+          </p:cNvPr>
+          <p:cNvSpPr txBox="1"/>
+          <p:nvPr/>
+        </p:nvSpPr>
+        <p:spPr>
+          <a:xfrm>
+            <a:off x="2715352" y="4671376"/>
+            <a:ext cx="3634511" cy="338401"/>
+          </a:xfrm>
+          <a:prstGeom prst="rect">
+            <a:avLst/>
+          </a:prstGeom>
+          <a:noFill/>
+          <a:ln cap="flat">
+            <a:noFill/>
+          </a:ln>
+        </p:spPr>
+        <p:txBody>
+          <a:bodyPr vert="horz" wrap="square" lIns="121898" tIns="60935" rIns="121898" bIns="60935" anchor="t" anchorCtr="1" compatLnSpc="1">
+            <a:noAutofit/>
+          </a:bodyPr>
+          <a:lstStyle/>
+          <a:p>
+            <a:pPr marL="0" marR="0" lvl="0" indent="0" algn="ctr" defTabSz="1219169" rtl="0" fontAlgn="auto" hangingPunct="1">
+              <a:lnSpc>
+                <a:spcPct val="100000"/>
+              </a:lnSpc>
+              <a:spcBef>
+                <a:spcPts val="0"/>
+              </a:spcBef>
+              <a:spcAft>
+                <a:spcPts val="0"/>
+              </a:spcAft>
+              <a:buNone/>
+              <a:tabLst/>
+              <a:defRPr sz="1800" b="0" i="0" u="none" strike="noStrike" kern="0" cap="none" spc="0" baseline="0">
+                <a:solidFill>
+                  <a:srgbClr val="000000"/>
+                </a:solidFill>
+                <a:uFillTx/>
+              </a:defRPr>
+            </a:pPr>
+            <a:r>
+              <a:rPr lang="es-419" sz="1400" kern="0" dirty="0">
+                <a:solidFill>
+                  <a:srgbClr val="000000"/>
+                </a:solidFill>
+                <a:latin typeface="Calibri"/>
+                <a:ea typeface="Calibri"/>
+                <a:cs typeface="Calibri"/>
+              </a:rPr>
+              <a:t>Request.getRequestDispatcher(pathend)</a:t>
+            </a:r>
+            <a:endParaRPr lang="es-419" sz="1400" b="0" i="0" u="none" strike="noStrike" kern="0" cap="none" spc="0" baseline="0" dirty="0">
+              <a:solidFill>
+                <a:srgbClr val="000000"/>
+              </a:solidFill>
+              <a:uFillTx/>
+              <a:latin typeface="Calibri"/>
+              <a:ea typeface="Calibri"/>
+              <a:cs typeface="Calibri"/>
+            </a:endParaRPr>
+          </a:p>
+        </p:txBody>
+      </p:sp>
+      <p:sp>
+        <p:nvSpPr>
+          <p:cNvPr id="33" name="Google Shape;349;p39">
+            <a:extLst>
+              <a:ext uri="{FF2B5EF4-FFF2-40B4-BE49-F238E27FC236}">
+                <a16:creationId xmlns:a16="http://schemas.microsoft.com/office/drawing/2014/main" id="{DC024AC2-0C66-438B-8D48-500302AE718F}"/>
+              </a:ext>
+            </a:extLst>
+          </p:cNvPr>
+          <p:cNvSpPr/>
+          <p:nvPr/>
+        </p:nvSpPr>
+        <p:spPr>
+          <a:xfrm>
+            <a:off x="10335456" y="1248515"/>
+            <a:ext cx="1799914" cy="381195"/>
+          </a:xfrm>
+          <a:prstGeom prst="rect">
+            <a:avLst/>
+          </a:prstGeom>
+          <a:solidFill>
+            <a:srgbClr val="FFFFFF"/>
+          </a:solidFill>
+          <a:ln w="25402" cap="flat">
+            <a:solidFill>
+              <a:srgbClr val="4472C4"/>
+            </a:solidFill>
+            <a:prstDash val="solid"/>
+            <a:round/>
+          </a:ln>
+        </p:spPr>
+        <p:txBody>
+          <a:bodyPr vert="horz" wrap="square" lIns="121898" tIns="60935" rIns="121898" bIns="60935" anchor="ctr" anchorCtr="1" compatLnSpc="1">
+            <a:noAutofit/>
+          </a:bodyPr>
+          <a:lstStyle/>
+          <a:p>
+            <a:pPr marL="0" marR="0" lvl="0" indent="0" algn="ctr" defTabSz="1219169" rtl="0" fontAlgn="auto" hangingPunct="1">
+              <a:lnSpc>
+                <a:spcPct val="100000"/>
+              </a:lnSpc>
+              <a:spcBef>
+                <a:spcPts val="0"/>
+              </a:spcBef>
+              <a:spcAft>
+                <a:spcPts val="0"/>
+              </a:spcAft>
+              <a:buNone/>
+              <a:tabLst/>
+              <a:defRPr sz="1800" b="0" i="0" u="none" strike="noStrike" kern="0" cap="none" spc="0" baseline="0">
+                <a:solidFill>
+                  <a:srgbClr val="000000"/>
+                </a:solidFill>
+                <a:uFillTx/>
+              </a:defRPr>
+            </a:pPr>
+            <a:r>
+              <a:rPr lang="es-419" sz="1400" kern="0" dirty="0">
+                <a:solidFill>
+                  <a:srgbClr val="000000"/>
+                </a:solidFill>
+                <a:latin typeface="Calibri"/>
+                <a:ea typeface="Calibri"/>
+                <a:cs typeface="Calibri"/>
+              </a:rPr>
+              <a:t>PaginaCancellazione</a:t>
+            </a:r>
+            <a:endParaRPr lang="es-419" sz="1400" b="0" i="0" u="none" strike="noStrike" kern="0" cap="none" spc="0" baseline="0" dirty="0">
+              <a:solidFill>
+                <a:srgbClr val="000000"/>
+              </a:solidFill>
+              <a:uFillTx/>
+              <a:latin typeface="Calibri"/>
+              <a:ea typeface="Calibri"/>
+              <a:cs typeface="Calibri"/>
+            </a:endParaRPr>
+          </a:p>
+        </p:txBody>
+      </p:sp>
+      <p:cxnSp>
+        <p:nvCxnSpPr>
+          <p:cNvPr id="34" name="Google Shape;350;p39">
+            <a:extLst>
+              <a:ext uri="{FF2B5EF4-FFF2-40B4-BE49-F238E27FC236}">
+                <a16:creationId xmlns:a16="http://schemas.microsoft.com/office/drawing/2014/main" id="{75E337AF-F30E-4BE6-A21B-AEA999AA1A78}"/>
+              </a:ext>
+            </a:extLst>
+          </p:cNvPr>
+          <p:cNvCxnSpPr>
+            <a:cxnSpLocks/>
+          </p:cNvCxnSpPr>
+          <p:nvPr/>
+        </p:nvCxnSpPr>
+        <p:spPr>
+          <a:xfrm>
+            <a:off x="11253779" y="1606395"/>
+            <a:ext cx="0" cy="4119820"/>
+          </a:xfrm>
+          <a:prstGeom prst="straightConnector1">
+            <a:avLst/>
+          </a:prstGeom>
+          <a:noFill/>
+          <a:ln w="38103" cap="flat">
+            <a:solidFill>
+              <a:srgbClr val="4472C4"/>
+            </a:solidFill>
+            <a:custDash>
+              <a:ds d="100000" sp="100000"/>
+            </a:custDash>
+            <a:round/>
+          </a:ln>
+          <a:effectLst>
+            <a:outerShdw dist="22997" dir="5400000" algn="tl">
+              <a:srgbClr val="000000">
+                <a:alpha val="34900"/>
+              </a:srgbClr>
+            </a:outerShdw>
+          </a:effectLst>
+        </p:spPr>
+      </p:cxnSp>
+      <p:sp>
+        <p:nvSpPr>
+          <p:cNvPr id="35" name="Google Shape;343;p39">
+            <a:extLst>
+              <a:ext uri="{FF2B5EF4-FFF2-40B4-BE49-F238E27FC236}">
+                <a16:creationId xmlns:a16="http://schemas.microsoft.com/office/drawing/2014/main" id="{71F598FA-3717-438B-86F1-835499379FC4}"/>
+              </a:ext>
+            </a:extLst>
+          </p:cNvPr>
+          <p:cNvSpPr/>
+          <p:nvPr/>
+        </p:nvSpPr>
+        <p:spPr>
+          <a:xfrm>
+            <a:off x="11010598" y="5296733"/>
+            <a:ext cx="408718" cy="793360"/>
+          </a:xfrm>
+          <a:prstGeom prst="rect">
+            <a:avLst/>
+          </a:prstGeom>
+          <a:solidFill>
+            <a:srgbClr val="FFFFFF"/>
+          </a:solidFill>
+          <a:ln w="25402" cap="flat">
+            <a:solidFill>
+              <a:srgbClr val="4472C4"/>
+            </a:solidFill>
+            <a:prstDash val="solid"/>
+            <a:round/>
+          </a:ln>
+        </p:spPr>
+        <p:txBody>
+          <a:bodyPr vert="horz" wrap="square" lIns="121898" tIns="60935" rIns="121898" bIns="60935" anchor="ctr" anchorCtr="1" compatLnSpc="1">
+            <a:noAutofit/>
+          </a:bodyPr>
+          <a:lstStyle/>
+          <a:p>
+            <a:pPr marL="0" marR="0" lvl="0" indent="0" algn="ctr" defTabSz="1219169" rtl="0" fontAlgn="auto" hangingPunct="1">
+              <a:lnSpc>
+                <a:spcPct val="100000"/>
+              </a:lnSpc>
+              <a:spcBef>
+                <a:spcPts val="0"/>
+              </a:spcBef>
+              <a:spcAft>
+                <a:spcPts val="0"/>
+              </a:spcAft>
+              <a:buNone/>
+              <a:tabLst/>
+              <a:defRPr sz="1800" b="0" i="0" u="none" strike="noStrike" kern="0" cap="none" spc="0" baseline="0">
+                <a:solidFill>
+                  <a:srgbClr val="000000"/>
+                </a:solidFill>
+                <a:uFillTx/>
+              </a:defRPr>
+            </a:pPr>
+            <a:endParaRPr lang="it-IT" sz="2400" b="0" i="0" u="none" strike="noStrike" kern="0" cap="none" spc="0" baseline="0">
+              <a:solidFill>
+                <a:srgbClr val="000000"/>
+              </a:solidFill>
+              <a:uFillTx/>
+              <a:latin typeface="Calibri"/>
+              <a:ea typeface="Calibri"/>
+              <a:cs typeface="Calibri"/>
+            </a:endParaRPr>
+          </a:p>
+        </p:txBody>
+      </p:sp>
+      <p:cxnSp>
+        <p:nvCxnSpPr>
+          <p:cNvPr id="41" name="Google Shape;352;p39">
+            <a:extLst>
+              <a:ext uri="{FF2B5EF4-FFF2-40B4-BE49-F238E27FC236}">
+                <a16:creationId xmlns:a16="http://schemas.microsoft.com/office/drawing/2014/main" id="{B5D64516-241A-443C-90C0-26063FBE869D}"/>
+              </a:ext>
+            </a:extLst>
+          </p:cNvPr>
+          <p:cNvCxnSpPr>
+            <a:cxnSpLocks/>
+          </p:cNvCxnSpPr>
+          <p:nvPr/>
+        </p:nvCxnSpPr>
+        <p:spPr>
+          <a:xfrm>
+            <a:off x="2625123" y="5887507"/>
+            <a:ext cx="8385475" cy="0"/>
+          </a:xfrm>
+          <a:prstGeom prst="straightConnector1">
+            <a:avLst/>
+          </a:prstGeom>
+          <a:noFill/>
+          <a:ln w="25402" cap="flat">
+            <a:solidFill>
+              <a:srgbClr val="4472C4"/>
+            </a:solidFill>
+            <a:prstDash val="solid"/>
+            <a:round/>
+            <a:tailEnd type="arrow"/>
+          </a:ln>
+          <a:effectLst>
+            <a:outerShdw dist="19997" dir="5400000" algn="tl">
+              <a:srgbClr val="000000">
+                <a:alpha val="37650"/>
+              </a:srgbClr>
+            </a:outerShdw>
+          </a:effectLst>
+        </p:spPr>
+      </p:cxnSp>
+      <p:sp>
+        <p:nvSpPr>
+          <p:cNvPr id="43" name="Google Shape;298;p37">
+            <a:extLst>
+              <a:ext uri="{FF2B5EF4-FFF2-40B4-BE49-F238E27FC236}">
+                <a16:creationId xmlns:a16="http://schemas.microsoft.com/office/drawing/2014/main" id="{30E62897-51C4-4359-9706-D206735150B5}"/>
+              </a:ext>
+            </a:extLst>
+          </p:cNvPr>
+          <p:cNvSpPr txBox="1"/>
+          <p:nvPr/>
+        </p:nvSpPr>
+        <p:spPr>
+          <a:xfrm>
+            <a:off x="3087371" y="5524212"/>
+            <a:ext cx="3634511" cy="338401"/>
+          </a:xfrm>
+          <a:prstGeom prst="rect">
+            <a:avLst/>
+          </a:prstGeom>
+          <a:noFill/>
+          <a:ln cap="flat">
+            <a:noFill/>
+          </a:ln>
+        </p:spPr>
+        <p:txBody>
+          <a:bodyPr vert="horz" wrap="square" lIns="121898" tIns="60935" rIns="121898" bIns="60935" anchor="t" anchorCtr="1" compatLnSpc="1">
+            <a:noAutofit/>
+          </a:bodyPr>
+          <a:lstStyle/>
+          <a:p>
+            <a:pPr marL="0" marR="0" lvl="0" indent="0" algn="ctr" defTabSz="1219169" rtl="0" fontAlgn="auto" hangingPunct="1">
+              <a:lnSpc>
+                <a:spcPct val="100000"/>
+              </a:lnSpc>
+              <a:spcBef>
+                <a:spcPts val="0"/>
+              </a:spcBef>
+              <a:spcAft>
+                <a:spcPts val="0"/>
+              </a:spcAft>
+              <a:buNone/>
+              <a:tabLst/>
+              <a:defRPr sz="1800" b="0" i="0" u="none" strike="noStrike" kern="0" cap="none" spc="0" baseline="0">
+                <a:solidFill>
+                  <a:srgbClr val="000000"/>
+                </a:solidFill>
+                <a:uFillTx/>
+              </a:defRPr>
+            </a:pPr>
+            <a:r>
+              <a:rPr lang="es-419" sz="1400" b="0" i="0" u="none" strike="noStrike" kern="0" cap="none" spc="0" baseline="0" dirty="0">
+                <a:solidFill>
+                  <a:srgbClr val="000000"/>
+                </a:solidFill>
+                <a:uFillTx/>
+                <a:latin typeface="Calibri"/>
+                <a:ea typeface="Calibri"/>
+                <a:cs typeface="Calibri"/>
+              </a:rPr>
+              <a:t>Dispatcher.forward(request,response)</a:t>
+            </a:r>
+          </a:p>
+        </p:txBody>
+      </p:sp>
+    </p:spTree>
+    <p:extLst>
+      <p:ext uri="{BB962C8B-B14F-4D97-AF65-F5344CB8AC3E}">
+        <p14:creationId xmlns:p14="http://schemas.microsoft.com/office/powerpoint/2010/main" val="1487867888"/>
+      </p:ext>
+    </p:extLst>
+  </p:cSld>
+  <p:clrMapOvr>
+    <a:masterClrMapping/>
+  </p:clrMapOvr>
+</p:sld>
+</file>
+
+<file path=ppt/slides/slide18.xml><?xml version="1.0" encoding="utf-8"?>
+<p:sld xmlns:a="http://schemas.openxmlformats.org/drawingml/2006/main" xmlns:r="http://schemas.openxmlformats.org/officeDocument/2006/relationships" xmlns:p="http://schemas.openxmlformats.org/presentationml/2006/main">
+  <p:cSld>
+    <p:spTree>
+      <p:nvGrpSpPr>
+        <p:cNvPr id="1" name=""/>
+        <p:cNvGrpSpPr/>
+        <p:nvPr/>
+      </p:nvGrpSpPr>
+      <p:grpSpPr>
+        <a:xfrm>
+          <a:off x="0" y="0"/>
+          <a:ext cx="0" cy="0"/>
+          <a:chOff x="0" y="0"/>
+          <a:chExt cx="0" cy="0"/>
+        </a:xfrm>
+      </p:grpSpPr>
+      <p:sp>
+        <p:nvSpPr>
+          <p:cNvPr id="2" name="Google Shape;338;p39">
+            <a:extLst>
+              <a:ext uri="{FF2B5EF4-FFF2-40B4-BE49-F238E27FC236}">
+                <a16:creationId xmlns:a16="http://schemas.microsoft.com/office/drawing/2014/main" id="{526E08A6-471B-41C2-8D7D-87975710671B}"/>
+              </a:ext>
+            </a:extLst>
+          </p:cNvPr>
+          <p:cNvSpPr txBox="1">
+            <a:spLocks noGrp="1"/>
+          </p:cNvSpPr>
+          <p:nvPr>
+            <p:ph type="title"/>
+          </p:nvPr>
+        </p:nvSpPr>
+        <p:spPr>
+          <a:xfrm>
+            <a:off x="609600" y="76945"/>
+            <a:ext cx="10972800" cy="1143000"/>
+          </a:xfrm>
+        </p:spPr>
+        <p:txBody>
+          <a:bodyPr lIns="121898" tIns="60935" rIns="121898" bIns="60935">
+            <a:noAutofit/>
+          </a:bodyPr>
+          <a:lstStyle/>
+          <a:p>
+            <a:pPr lvl="0"/>
+            <a:r>
+              <a:rPr lang="es-419" sz="4000" dirty="0"/>
+              <a:t>Evento: controlla il numero partecipanti</a:t>
+            </a:r>
+          </a:p>
+        </p:txBody>
+      </p:sp>
+      <p:sp>
+        <p:nvSpPr>
+          <p:cNvPr id="3" name="Google Shape;339;p39">
+            <a:extLst>
+              <a:ext uri="{FF2B5EF4-FFF2-40B4-BE49-F238E27FC236}">
+                <a16:creationId xmlns:a16="http://schemas.microsoft.com/office/drawing/2014/main" id="{817DCDE5-FFE8-4305-B0EE-5F42C34505FF}"/>
+              </a:ext>
+            </a:extLst>
+          </p:cNvPr>
+          <p:cNvSpPr/>
+          <p:nvPr/>
+        </p:nvSpPr>
+        <p:spPr>
+          <a:xfrm>
+            <a:off x="1425301" y="1248515"/>
+            <a:ext cx="2060070" cy="367634"/>
+          </a:xfrm>
+          <a:prstGeom prst="rect">
+            <a:avLst/>
+          </a:prstGeom>
+          <a:solidFill>
+            <a:srgbClr val="FFFFFF"/>
+          </a:solidFill>
+          <a:ln w="25402" cap="flat">
+            <a:solidFill>
+              <a:srgbClr val="4472C4"/>
+            </a:solidFill>
+            <a:prstDash val="solid"/>
+            <a:round/>
+          </a:ln>
+        </p:spPr>
+        <p:txBody>
+          <a:bodyPr vert="horz" wrap="square" lIns="121898" tIns="60935" rIns="121898" bIns="60935" anchor="ctr" anchorCtr="1" compatLnSpc="1">
+            <a:noAutofit/>
+          </a:bodyPr>
+          <a:lstStyle/>
+          <a:p>
+            <a:pPr marL="0" marR="0" lvl="0" indent="0" algn="ctr" defTabSz="1219169" rtl="0" fontAlgn="auto" hangingPunct="1">
+              <a:lnSpc>
+                <a:spcPct val="100000"/>
+              </a:lnSpc>
+              <a:spcBef>
+                <a:spcPts val="0"/>
+              </a:spcBef>
+              <a:spcAft>
+                <a:spcPts val="0"/>
+              </a:spcAft>
+              <a:buNone/>
+              <a:tabLst/>
+              <a:defRPr sz="1800" b="0" i="0" u="none" strike="noStrike" kern="0" cap="none" spc="0" baseline="0">
+                <a:solidFill>
+                  <a:srgbClr val="000000"/>
+                </a:solidFill>
+                <a:uFillTx/>
+              </a:defRPr>
+            </a:pPr>
+            <a:r>
+              <a:rPr lang="it-IT" sz="1400" b="0" i="0" u="none" strike="noStrike" kern="0" cap="none" spc="0" baseline="0" dirty="0" err="1">
+                <a:solidFill>
+                  <a:srgbClr val="000000"/>
+                </a:solidFill>
+                <a:uFillTx/>
+                <a:latin typeface="Calibri"/>
+                <a:ea typeface="Calibri"/>
+                <a:cs typeface="Calibri"/>
+              </a:rPr>
+              <a:t>Checkpartecipanti</a:t>
+            </a:r>
+            <a:endParaRPr lang="it-IT" sz="1400" b="0" i="0" u="none" strike="noStrike" kern="0" cap="none" spc="0" baseline="0" dirty="0">
+              <a:solidFill>
+                <a:srgbClr val="000000"/>
+              </a:solidFill>
+              <a:uFillTx/>
+              <a:latin typeface="Calibri"/>
+              <a:ea typeface="Calibri"/>
+              <a:cs typeface="Calibri"/>
+            </a:endParaRPr>
+          </a:p>
+        </p:txBody>
+      </p:sp>
+      <p:cxnSp>
+        <p:nvCxnSpPr>
+          <p:cNvPr id="4" name="Google Shape;340;p39">
+            <a:extLst>
+              <a:ext uri="{FF2B5EF4-FFF2-40B4-BE49-F238E27FC236}">
+                <a16:creationId xmlns:a16="http://schemas.microsoft.com/office/drawing/2014/main" id="{D7F56118-F135-4AB6-8A70-7F0D6EEFA606}"/>
+              </a:ext>
+            </a:extLst>
+          </p:cNvPr>
+          <p:cNvCxnSpPr>
+            <a:stCxn id="3" idx="2"/>
+          </p:cNvCxnSpPr>
+          <p:nvPr/>
+        </p:nvCxnSpPr>
+        <p:spPr>
+          <a:xfrm flipH="1">
+            <a:off x="2430309" y="1616141"/>
+            <a:ext cx="25018" cy="4343601"/>
+          </a:xfrm>
+          <a:prstGeom prst="straightConnector1">
+            <a:avLst/>
+          </a:prstGeom>
+          <a:noFill/>
+          <a:ln w="38103" cap="flat">
+            <a:solidFill>
+              <a:srgbClr val="4472C4"/>
+            </a:solidFill>
+            <a:custDash>
+              <a:ds d="100000" sp="100000"/>
+            </a:custDash>
+            <a:round/>
+          </a:ln>
+          <a:effectLst>
+            <a:outerShdw dist="22997" dir="5400000" algn="tl">
+              <a:srgbClr val="000000">
+                <a:alpha val="34901"/>
+              </a:srgbClr>
+            </a:outerShdw>
+          </a:effectLst>
+        </p:spPr>
+      </p:cxnSp>
+      <p:cxnSp>
+        <p:nvCxnSpPr>
+          <p:cNvPr id="5" name="Google Shape;341;p39">
+            <a:extLst>
+              <a:ext uri="{FF2B5EF4-FFF2-40B4-BE49-F238E27FC236}">
+                <a16:creationId xmlns:a16="http://schemas.microsoft.com/office/drawing/2014/main" id="{2B6359AE-9B93-4926-A2CC-A97F7BBA796E}"/>
+              </a:ext>
+            </a:extLst>
+          </p:cNvPr>
+          <p:cNvCxnSpPr>
+            <a:cxnSpLocks/>
+          </p:cNvCxnSpPr>
+          <p:nvPr/>
+        </p:nvCxnSpPr>
+        <p:spPr>
+          <a:xfrm>
+            <a:off x="200776" y="2490959"/>
+            <a:ext cx="2090613" cy="0"/>
+          </a:xfrm>
+          <a:prstGeom prst="straightConnector1">
+            <a:avLst/>
+          </a:prstGeom>
+          <a:noFill/>
+          <a:ln w="25402" cap="flat">
+            <a:solidFill>
+              <a:srgbClr val="4472C4"/>
+            </a:solidFill>
+            <a:prstDash val="solid"/>
+            <a:round/>
+            <a:tailEnd type="arrow"/>
+          </a:ln>
+          <a:effectLst>
+            <a:outerShdw dist="19997" dir="5400000" algn="tl">
+              <a:srgbClr val="000000">
+                <a:alpha val="37647"/>
+              </a:srgbClr>
+            </a:outerShdw>
+          </a:effectLst>
+        </p:spPr>
+      </p:cxnSp>
+      <p:sp>
+        <p:nvSpPr>
+          <p:cNvPr id="6" name="Google Shape;342;p39">
+            <a:extLst>
+              <a:ext uri="{FF2B5EF4-FFF2-40B4-BE49-F238E27FC236}">
+                <a16:creationId xmlns:a16="http://schemas.microsoft.com/office/drawing/2014/main" id="{E4C2031B-6370-4C29-AC21-177468CFC913}"/>
+              </a:ext>
+            </a:extLst>
+          </p:cNvPr>
+          <p:cNvSpPr txBox="1"/>
+          <p:nvPr/>
+        </p:nvSpPr>
+        <p:spPr>
+          <a:xfrm>
+            <a:off x="174560" y="2052413"/>
+            <a:ext cx="1220842" cy="369335"/>
+          </a:xfrm>
+          <a:prstGeom prst="rect">
+            <a:avLst/>
+          </a:prstGeom>
+          <a:noFill/>
+          <a:ln cap="flat">
+            <a:noFill/>
+          </a:ln>
+        </p:spPr>
+        <p:txBody>
+          <a:bodyPr vert="horz" wrap="square" lIns="121898" tIns="60935" rIns="121898" bIns="60935" anchor="t" anchorCtr="0" compatLnSpc="1">
+            <a:noAutofit/>
+          </a:bodyPr>
+          <a:lstStyle/>
+          <a:p>
+            <a:pPr marL="0" marR="0" lvl="0" indent="0" algn="l" defTabSz="1219169" rtl="0" fontAlgn="auto" hangingPunct="1">
+              <a:lnSpc>
+                <a:spcPct val="100000"/>
+              </a:lnSpc>
+              <a:spcBef>
+                <a:spcPts val="0"/>
+              </a:spcBef>
+              <a:spcAft>
+                <a:spcPts val="0"/>
+              </a:spcAft>
+              <a:buNone/>
+              <a:tabLst/>
+              <a:defRPr sz="1800" b="0" i="0" u="none" strike="noStrike" kern="0" cap="none" spc="0" baseline="0">
+                <a:solidFill>
+                  <a:srgbClr val="000000"/>
+                </a:solidFill>
+                <a:uFillTx/>
+              </a:defRPr>
+            </a:pPr>
+            <a:r>
+              <a:rPr lang="es-419" sz="2400" b="0" i="0" u="none" strike="noStrike" kern="0" cap="none" spc="0" baseline="0">
+                <a:solidFill>
+                  <a:srgbClr val="000000"/>
+                </a:solidFill>
+                <a:uFillTx/>
+                <a:latin typeface="Calibri"/>
+                <a:ea typeface="Calibri"/>
+                <a:cs typeface="Calibri"/>
+              </a:rPr>
+              <a:t>doPOST</a:t>
+            </a:r>
+          </a:p>
+        </p:txBody>
+      </p:sp>
+      <p:sp>
+        <p:nvSpPr>
+          <p:cNvPr id="10" name="Google Shape;351;p39">
+            <a:extLst>
+              <a:ext uri="{FF2B5EF4-FFF2-40B4-BE49-F238E27FC236}">
+                <a16:creationId xmlns:a16="http://schemas.microsoft.com/office/drawing/2014/main" id="{12FB711D-3C15-405B-894B-F4C8FAB4A595}"/>
+              </a:ext>
+            </a:extLst>
+          </p:cNvPr>
+          <p:cNvSpPr/>
+          <p:nvPr/>
+        </p:nvSpPr>
+        <p:spPr>
+          <a:xfrm>
+            <a:off x="2256852" y="2122062"/>
+            <a:ext cx="353397" cy="4721965"/>
+          </a:xfrm>
+          <a:prstGeom prst="rect">
+            <a:avLst/>
+          </a:prstGeom>
+          <a:solidFill>
+            <a:srgbClr val="FFFFFF"/>
+          </a:solidFill>
+          <a:ln w="25402" cap="flat">
+            <a:solidFill>
+              <a:srgbClr val="4472C4"/>
+            </a:solidFill>
+            <a:prstDash val="solid"/>
+            <a:round/>
+          </a:ln>
+        </p:spPr>
+        <p:txBody>
+          <a:bodyPr vert="horz" wrap="square" lIns="121898" tIns="60935" rIns="121898" bIns="60935" anchor="ctr" anchorCtr="1" compatLnSpc="1">
+            <a:noAutofit/>
+          </a:bodyPr>
+          <a:lstStyle/>
+          <a:p>
+            <a:pPr marL="0" marR="0" lvl="0" indent="0" algn="ctr" defTabSz="1219169" rtl="0" fontAlgn="auto" hangingPunct="1">
+              <a:lnSpc>
+                <a:spcPct val="100000"/>
+              </a:lnSpc>
+              <a:spcBef>
+                <a:spcPts val="0"/>
+              </a:spcBef>
+              <a:spcAft>
+                <a:spcPts val="0"/>
+              </a:spcAft>
+              <a:buNone/>
+              <a:tabLst/>
+              <a:defRPr sz="1800" b="0" i="0" u="none" strike="noStrike" kern="0" cap="none" spc="0" baseline="0">
+                <a:solidFill>
+                  <a:srgbClr val="000000"/>
+                </a:solidFill>
+                <a:uFillTx/>
+              </a:defRPr>
+            </a:pPr>
+            <a:endParaRPr lang="it-IT" sz="2400" b="0" i="0" u="none" strike="noStrike" kern="0" cap="none" spc="0" baseline="0">
+              <a:solidFill>
+                <a:srgbClr val="000000"/>
+              </a:solidFill>
+              <a:uFillTx/>
+              <a:latin typeface="Calibri"/>
+              <a:ea typeface="Calibri"/>
+              <a:cs typeface="Calibri"/>
+            </a:endParaRPr>
+          </a:p>
+        </p:txBody>
+      </p:sp>
+      <p:cxnSp>
+        <p:nvCxnSpPr>
+          <p:cNvPr id="11" name="Google Shape;352;p39">
+            <a:extLst>
+              <a:ext uri="{FF2B5EF4-FFF2-40B4-BE49-F238E27FC236}">
+                <a16:creationId xmlns:a16="http://schemas.microsoft.com/office/drawing/2014/main" id="{EF9CE75F-2A48-419C-A107-FEEDF1A58F30}"/>
+              </a:ext>
+            </a:extLst>
+          </p:cNvPr>
+          <p:cNvCxnSpPr>
+            <a:cxnSpLocks/>
+            <a:endCxn id="14" idx="1"/>
+          </p:cNvCxnSpPr>
+          <p:nvPr/>
+        </p:nvCxnSpPr>
+        <p:spPr>
+          <a:xfrm>
+            <a:off x="2602883" y="2545425"/>
+            <a:ext cx="1929725" cy="0"/>
+          </a:xfrm>
+          <a:prstGeom prst="straightConnector1">
+            <a:avLst/>
+          </a:prstGeom>
+          <a:noFill/>
+          <a:ln w="25402" cap="flat">
+            <a:solidFill>
+              <a:srgbClr val="4472C4"/>
+            </a:solidFill>
+            <a:prstDash val="solid"/>
+            <a:round/>
+            <a:tailEnd type="arrow"/>
+          </a:ln>
+          <a:effectLst>
+            <a:outerShdw dist="19997" dir="5400000" algn="tl">
+              <a:srgbClr val="000000">
+                <a:alpha val="37650"/>
+              </a:srgbClr>
+            </a:outerShdw>
+          </a:effectLst>
+        </p:spPr>
+      </p:cxnSp>
+      <p:sp>
+        <p:nvSpPr>
+          <p:cNvPr id="12" name="Google Shape;354;p39">
+            <a:extLst>
+              <a:ext uri="{FF2B5EF4-FFF2-40B4-BE49-F238E27FC236}">
+                <a16:creationId xmlns:a16="http://schemas.microsoft.com/office/drawing/2014/main" id="{397A677C-D0CA-4396-A52B-85DD34C8DEEE}"/>
+              </a:ext>
+            </a:extLst>
+          </p:cNvPr>
+          <p:cNvSpPr txBox="1"/>
+          <p:nvPr/>
+        </p:nvSpPr>
+        <p:spPr>
+          <a:xfrm>
+            <a:off x="203208" y="2983537"/>
+            <a:ext cx="2350501" cy="2066818"/>
+          </a:xfrm>
+          <a:prstGeom prst="rect">
+            <a:avLst/>
+          </a:prstGeom>
+          <a:noFill/>
+          <a:ln cap="flat">
+            <a:noFill/>
+          </a:ln>
+        </p:spPr>
+        <p:txBody>
+          <a:bodyPr vert="horz" wrap="square" lIns="121898" tIns="60935" rIns="121898" bIns="60935" anchor="t" anchorCtr="0" compatLnSpc="1">
+            <a:noAutofit/>
+          </a:bodyPr>
+          <a:lstStyle/>
+          <a:p>
+            <a:pPr marL="0" marR="0" lvl="0" indent="0" algn="l" defTabSz="1219169" rtl="0" fontAlgn="auto" hangingPunct="1">
+              <a:lnSpc>
+                <a:spcPct val="100000"/>
+              </a:lnSpc>
+              <a:spcBef>
+                <a:spcPts val="0"/>
+              </a:spcBef>
+              <a:spcAft>
+                <a:spcPts val="0"/>
+              </a:spcAft>
+              <a:buNone/>
+              <a:tabLst/>
+              <a:defRPr sz="1800" b="0" i="0" u="none" strike="noStrike" kern="0" cap="none" spc="0" baseline="0">
+                <a:solidFill>
+                  <a:srgbClr val="000000"/>
+                </a:solidFill>
+                <a:uFillTx/>
+              </a:defRPr>
+            </a:pPr>
+            <a:r>
+              <a:rPr lang="it-IT" sz="1400" b="0" i="0" u="none" strike="noStrike" kern="0" cap="none" spc="0" baseline="0" dirty="0">
+                <a:solidFill>
+                  <a:srgbClr val="000000"/>
+                </a:solidFill>
+                <a:uFillTx/>
+                <a:latin typeface="Calibri"/>
+                <a:ea typeface="Calibri"/>
+                <a:cs typeface="Calibri"/>
+              </a:rPr>
+              <a:t>POST</a:t>
+            </a:r>
+          </a:p>
+          <a:p>
+            <a:pPr marL="0" marR="0" lvl="0" indent="0" algn="l" defTabSz="1219169" rtl="0" fontAlgn="auto" hangingPunct="1">
+              <a:lnSpc>
+                <a:spcPct val="100000"/>
+              </a:lnSpc>
+              <a:spcBef>
+                <a:spcPts val="0"/>
+              </a:spcBef>
+              <a:spcAft>
+                <a:spcPts val="0"/>
+              </a:spcAft>
+              <a:buNone/>
+              <a:tabLst/>
+              <a:defRPr sz="1800" b="0" i="0" u="none" strike="noStrike" kern="0" cap="none" spc="0" baseline="0">
+                <a:solidFill>
+                  <a:srgbClr val="000000"/>
+                </a:solidFill>
+                <a:uFillTx/>
+              </a:defRPr>
+            </a:pPr>
+            <a:r>
+              <a:rPr lang="it-IT" sz="1400" b="0" i="0" u="none" strike="noStrike" kern="0" cap="none" spc="0" baseline="0" dirty="0">
+                <a:solidFill>
+                  <a:srgbClr val="000000"/>
+                </a:solidFill>
+                <a:uFillTx/>
+                <a:latin typeface="Calibri"/>
+                <a:ea typeface="Calibri"/>
+                <a:cs typeface="Calibri"/>
+              </a:rPr>
+              <a:t>/</a:t>
+            </a:r>
+            <a:r>
+              <a:rPr lang="it-IT" sz="1400" b="0" i="0" u="none" strike="noStrike" kern="0" cap="none" spc="0" baseline="0" dirty="0" err="1">
+                <a:solidFill>
+                  <a:srgbClr val="000000"/>
+                </a:solidFill>
+                <a:uFillTx/>
+                <a:latin typeface="Calibri"/>
+                <a:ea typeface="Calibri"/>
+                <a:cs typeface="Calibri"/>
+              </a:rPr>
+              <a:t>CheckPartecipanti</a:t>
+            </a:r>
+            <a:endParaRPr lang="it-IT" sz="1400" b="0" i="0" u="none" strike="noStrike" kern="0" cap="none" spc="0" baseline="0" dirty="0">
+              <a:solidFill>
+                <a:srgbClr val="000000"/>
+              </a:solidFill>
+              <a:uFillTx/>
+              <a:latin typeface="Calibri"/>
+              <a:ea typeface="Calibri"/>
+              <a:cs typeface="Calibri"/>
+            </a:endParaRPr>
+          </a:p>
+          <a:p>
+            <a:pPr marL="0" marR="0" lvl="0" indent="0" algn="l" defTabSz="1219169" rtl="0" fontAlgn="auto" hangingPunct="1">
+              <a:lnSpc>
+                <a:spcPct val="100000"/>
+              </a:lnSpc>
+              <a:spcBef>
+                <a:spcPts val="0"/>
+              </a:spcBef>
+              <a:spcAft>
+                <a:spcPts val="0"/>
+              </a:spcAft>
+              <a:buNone/>
+              <a:tabLst/>
+              <a:defRPr sz="1800" b="0" i="0" u="none" strike="noStrike" kern="0" cap="none" spc="0" baseline="0">
+                <a:solidFill>
+                  <a:srgbClr val="000000"/>
+                </a:solidFill>
+                <a:uFillTx/>
+              </a:defRPr>
+            </a:pPr>
+            <a:r>
+              <a:rPr lang="it-IT" sz="1400" b="0" i="0" u="none" strike="noStrike" kern="0" cap="none" spc="0" baseline="0" dirty="0" err="1">
+                <a:solidFill>
+                  <a:srgbClr val="000000"/>
+                </a:solidFill>
+                <a:uFillTx/>
+                <a:latin typeface="Calibri"/>
+                <a:ea typeface="Calibri"/>
+                <a:cs typeface="Calibri"/>
+              </a:rPr>
+              <a:t>Idpartecipanti</a:t>
+            </a:r>
+            <a:r>
+              <a:rPr lang="it-IT" sz="1400" b="0" i="0" u="none" strike="noStrike" kern="0" cap="none" spc="0" baseline="0" dirty="0">
+                <a:solidFill>
+                  <a:srgbClr val="000000"/>
+                </a:solidFill>
+                <a:uFillTx/>
+                <a:latin typeface="Calibri"/>
+                <a:ea typeface="Calibri"/>
+                <a:cs typeface="Calibri"/>
+              </a:rPr>
+              <a:t> (</a:t>
+            </a:r>
+            <a:r>
+              <a:rPr lang="it-IT" sz="1400" b="0" i="0" u="none" strike="noStrike" kern="0" cap="none" spc="0" baseline="0" dirty="0" err="1">
+                <a:solidFill>
+                  <a:srgbClr val="000000"/>
+                </a:solidFill>
+                <a:uFillTx/>
+                <a:latin typeface="Calibri"/>
+                <a:ea typeface="Calibri"/>
+                <a:cs typeface="Calibri"/>
+              </a:rPr>
+              <a:t>checkbox</a:t>
+            </a:r>
+            <a:r>
+              <a:rPr lang="it-IT" sz="1400" b="0" i="0" u="none" strike="noStrike" kern="0" cap="none" spc="0" baseline="0" dirty="0">
+                <a:solidFill>
+                  <a:srgbClr val="000000"/>
+                </a:solidFill>
+                <a:uFillTx/>
+                <a:latin typeface="Calibri"/>
+                <a:ea typeface="Calibri"/>
+                <a:cs typeface="Calibri"/>
+              </a:rPr>
+              <a:t>)</a:t>
+            </a:r>
+          </a:p>
+          <a:p>
+            <a:pPr marL="0" marR="0" lvl="0" indent="0" algn="l" defTabSz="1219169" rtl="0" fontAlgn="auto" hangingPunct="1">
+              <a:lnSpc>
+                <a:spcPct val="100000"/>
+              </a:lnSpc>
+              <a:spcBef>
+                <a:spcPts val="0"/>
+              </a:spcBef>
+              <a:spcAft>
+                <a:spcPts val="0"/>
+              </a:spcAft>
+              <a:buNone/>
+              <a:tabLst/>
+              <a:defRPr sz="1800" b="0" i="0" u="none" strike="noStrike" kern="0" cap="none" spc="0" baseline="0">
+                <a:solidFill>
+                  <a:srgbClr val="000000"/>
+                </a:solidFill>
+                <a:uFillTx/>
+              </a:defRPr>
+            </a:pPr>
+            <a:r>
+              <a:rPr lang="it-IT" sz="1400" b="0" i="0" u="none" strike="noStrike" kern="0" cap="none" spc="0" baseline="0" dirty="0">
+                <a:solidFill>
+                  <a:srgbClr val="000000"/>
+                </a:solidFill>
+                <a:uFillTx/>
+                <a:latin typeface="Calibri"/>
+                <a:ea typeface="Calibri"/>
+                <a:cs typeface="Calibri"/>
+              </a:rPr>
+              <a:t>From: </a:t>
+            </a:r>
+          </a:p>
+          <a:p>
+            <a:pPr marL="0" marR="0" lvl="0" indent="0" algn="l" defTabSz="1219169" rtl="0" fontAlgn="auto" hangingPunct="1">
+              <a:lnSpc>
+                <a:spcPct val="100000"/>
+              </a:lnSpc>
+              <a:spcBef>
+                <a:spcPts val="0"/>
+              </a:spcBef>
+              <a:spcAft>
+                <a:spcPts val="0"/>
+              </a:spcAft>
+              <a:buNone/>
+              <a:tabLst/>
+              <a:defRPr sz="1800" b="0" i="0" u="none" strike="noStrike" kern="0" cap="none" spc="0" baseline="0">
+                <a:solidFill>
+                  <a:srgbClr val="000000"/>
+                </a:solidFill>
+                <a:uFillTx/>
+              </a:defRPr>
+            </a:pPr>
+            <a:r>
+              <a:rPr lang="it-IT" sz="1400" b="0" i="0" u="none" strike="noStrike" kern="0" cap="none" spc="0" baseline="0" dirty="0" err="1">
+                <a:solidFill>
+                  <a:srgbClr val="000000"/>
+                </a:solidFill>
+                <a:uFillTx/>
+                <a:latin typeface="Calibri"/>
+                <a:ea typeface="Calibri"/>
+                <a:cs typeface="Calibri"/>
+              </a:rPr>
+              <a:t>PaginaAnagrafica</a:t>
+            </a:r>
+            <a:endParaRPr lang="it-IT" sz="1400" b="0" i="0" u="none" strike="noStrike" kern="0" cap="none" spc="0" baseline="0" dirty="0">
+              <a:solidFill>
+                <a:srgbClr val="000000"/>
+              </a:solidFill>
+              <a:uFillTx/>
+              <a:latin typeface="Calibri"/>
+              <a:ea typeface="Calibri"/>
+              <a:cs typeface="Calibri"/>
+            </a:endParaRPr>
+          </a:p>
+        </p:txBody>
+      </p:sp>
+      <p:sp>
+        <p:nvSpPr>
+          <p:cNvPr id="13" name="Google Shape;298;p37">
+            <a:extLst>
+              <a:ext uri="{FF2B5EF4-FFF2-40B4-BE49-F238E27FC236}">
+                <a16:creationId xmlns:a16="http://schemas.microsoft.com/office/drawing/2014/main" id="{315BDA54-DC43-4B16-AC2C-307F13E8184C}"/>
+              </a:ext>
+            </a:extLst>
+          </p:cNvPr>
+          <p:cNvSpPr txBox="1"/>
+          <p:nvPr/>
+        </p:nvSpPr>
+        <p:spPr>
+          <a:xfrm>
+            <a:off x="2311722" y="2139383"/>
+            <a:ext cx="2476963" cy="338401"/>
+          </a:xfrm>
+          <a:prstGeom prst="rect">
+            <a:avLst/>
+          </a:prstGeom>
+          <a:noFill/>
+          <a:ln cap="flat">
+            <a:noFill/>
+          </a:ln>
+        </p:spPr>
+        <p:txBody>
+          <a:bodyPr vert="horz" wrap="square" lIns="121898" tIns="60935" rIns="121898" bIns="60935" anchor="t" anchorCtr="1" compatLnSpc="1">
+            <a:noAutofit/>
+          </a:bodyPr>
+          <a:lstStyle/>
+          <a:p>
+            <a:pPr marL="0" marR="0" lvl="0" indent="0" algn="ctr" defTabSz="1219169" rtl="0" fontAlgn="auto" hangingPunct="1">
+              <a:lnSpc>
+                <a:spcPct val="100000"/>
+              </a:lnSpc>
+              <a:spcBef>
+                <a:spcPts val="0"/>
+              </a:spcBef>
+              <a:spcAft>
+                <a:spcPts val="0"/>
+              </a:spcAft>
+              <a:buNone/>
+              <a:tabLst/>
+              <a:defRPr sz="1800" b="0" i="0" u="none" strike="noStrike" kern="0" cap="none" spc="0" baseline="0">
+                <a:solidFill>
+                  <a:srgbClr val="000000"/>
+                </a:solidFill>
+                <a:uFillTx/>
+              </a:defRPr>
+            </a:pPr>
+            <a:r>
+              <a:rPr lang="es-419" sz="1200" b="0" i="0" u="none" strike="noStrike" kern="0" cap="none" spc="0" baseline="0" dirty="0">
+                <a:solidFill>
+                  <a:srgbClr val="000000"/>
+                </a:solidFill>
+                <a:uFillTx/>
+                <a:latin typeface="Calibri"/>
+                <a:ea typeface="Calibri"/>
+                <a:cs typeface="Calibri"/>
+              </a:rPr>
+              <a:t>[</a:t>
+            </a:r>
+            <a:r>
+              <a:rPr lang="es-419" sz="1100" b="0" i="0" u="none" strike="noStrike" kern="0" cap="none" spc="0" baseline="0" dirty="0">
+                <a:solidFill>
+                  <a:srgbClr val="000000"/>
+                </a:solidFill>
+                <a:uFillTx/>
+                <a:latin typeface="Calibri"/>
+                <a:ea typeface="Calibri"/>
+                <a:cs typeface="Calibri"/>
+              </a:rPr>
+              <a:t>checkbox == null ] redirect</a:t>
+            </a:r>
+          </a:p>
+        </p:txBody>
+      </p:sp>
+      <p:sp>
+        <p:nvSpPr>
+          <p:cNvPr id="14" name="Google Shape;343;p39">
+            <a:extLst>
+              <a:ext uri="{FF2B5EF4-FFF2-40B4-BE49-F238E27FC236}">
+                <a16:creationId xmlns:a16="http://schemas.microsoft.com/office/drawing/2014/main" id="{36E0ECD9-5EA2-4351-A9B9-01C488790E43}"/>
+              </a:ext>
+            </a:extLst>
+          </p:cNvPr>
+          <p:cNvSpPr/>
+          <p:nvPr/>
+        </p:nvSpPr>
+        <p:spPr>
+          <a:xfrm>
+            <a:off x="4532608" y="2166577"/>
+            <a:ext cx="408718" cy="757696"/>
+          </a:xfrm>
+          <a:prstGeom prst="rect">
+            <a:avLst/>
+          </a:prstGeom>
+          <a:solidFill>
+            <a:srgbClr val="FFFFFF"/>
+          </a:solidFill>
+          <a:ln w="25402" cap="flat">
+            <a:solidFill>
+              <a:srgbClr val="4472C4"/>
+            </a:solidFill>
+            <a:prstDash val="solid"/>
+            <a:round/>
+          </a:ln>
+        </p:spPr>
+        <p:txBody>
+          <a:bodyPr vert="horz" wrap="square" lIns="121898" tIns="60935" rIns="121898" bIns="60935" anchor="ctr" anchorCtr="1" compatLnSpc="1">
+            <a:noAutofit/>
+          </a:bodyPr>
+          <a:lstStyle/>
+          <a:p>
+            <a:pPr marL="0" marR="0" lvl="0" indent="0" algn="ctr" defTabSz="1219169" rtl="0" fontAlgn="auto" hangingPunct="1">
+              <a:lnSpc>
+                <a:spcPct val="100000"/>
+              </a:lnSpc>
+              <a:spcBef>
+                <a:spcPts val="0"/>
+              </a:spcBef>
+              <a:spcAft>
+                <a:spcPts val="0"/>
+              </a:spcAft>
+              <a:buNone/>
+              <a:tabLst/>
+              <a:defRPr sz="1800" b="0" i="0" u="none" strike="noStrike" kern="0" cap="none" spc="0" baseline="0">
+                <a:solidFill>
+                  <a:srgbClr val="000000"/>
+                </a:solidFill>
+                <a:uFillTx/>
+              </a:defRPr>
+            </a:pPr>
+            <a:endParaRPr lang="it-IT" sz="2400" b="0" i="0" u="none" strike="noStrike" kern="0" cap="none" spc="0" baseline="0">
+              <a:solidFill>
+                <a:srgbClr val="000000"/>
+              </a:solidFill>
+              <a:uFillTx/>
+              <a:latin typeface="Calibri"/>
+              <a:ea typeface="Calibri"/>
+              <a:cs typeface="Calibri"/>
+            </a:endParaRPr>
+          </a:p>
+        </p:txBody>
+      </p:sp>
+      <p:sp>
+        <p:nvSpPr>
+          <p:cNvPr id="15" name="Google Shape;349;p39">
+            <a:extLst>
+              <a:ext uri="{FF2B5EF4-FFF2-40B4-BE49-F238E27FC236}">
+                <a16:creationId xmlns:a16="http://schemas.microsoft.com/office/drawing/2014/main" id="{1CB8FDCA-BC28-41BA-A3A3-155DE8B23331}"/>
+              </a:ext>
+            </a:extLst>
+          </p:cNvPr>
+          <p:cNvSpPr/>
+          <p:nvPr/>
+        </p:nvSpPr>
+        <p:spPr>
+          <a:xfrm>
+            <a:off x="3810943" y="1258733"/>
+            <a:ext cx="1799914" cy="385392"/>
+          </a:xfrm>
+          <a:prstGeom prst="rect">
+            <a:avLst/>
+          </a:prstGeom>
+          <a:solidFill>
+            <a:srgbClr val="FFFFFF"/>
+          </a:solidFill>
+          <a:ln w="25402" cap="flat">
+            <a:solidFill>
+              <a:srgbClr val="4472C4"/>
+            </a:solidFill>
+            <a:prstDash val="solid"/>
+            <a:round/>
+          </a:ln>
+        </p:spPr>
+        <p:txBody>
+          <a:bodyPr vert="horz" wrap="square" lIns="121898" tIns="60935" rIns="121898" bIns="60935" anchor="ctr" anchorCtr="1" compatLnSpc="1">
+            <a:noAutofit/>
+          </a:bodyPr>
+          <a:lstStyle/>
+          <a:p>
+            <a:pPr marL="0" marR="0" lvl="0" indent="0" algn="ctr" defTabSz="1219169" rtl="0" fontAlgn="auto" hangingPunct="1">
+              <a:lnSpc>
+                <a:spcPct val="100000"/>
+              </a:lnSpc>
+              <a:spcBef>
+                <a:spcPts val="0"/>
+              </a:spcBef>
+              <a:spcAft>
+                <a:spcPts val="0"/>
+              </a:spcAft>
+              <a:buNone/>
+              <a:tabLst/>
+              <a:defRPr sz="1800" b="0" i="0" u="none" strike="noStrike" kern="0" cap="none" spc="0" baseline="0">
+                <a:solidFill>
+                  <a:srgbClr val="000000"/>
+                </a:solidFill>
+                <a:uFillTx/>
+              </a:defRPr>
+            </a:pPr>
+            <a:r>
+              <a:rPr lang="es-419" sz="1400" b="0" i="0" u="none" strike="noStrike" kern="0" cap="none" spc="0" baseline="0" dirty="0">
+                <a:solidFill>
+                  <a:srgbClr val="000000"/>
+                </a:solidFill>
+                <a:uFillTx/>
+                <a:latin typeface="Calibri"/>
+                <a:ea typeface="Calibri"/>
+                <a:cs typeface="Calibri"/>
+              </a:rPr>
+              <a:t>PaginaAnagrafica</a:t>
+            </a:r>
+          </a:p>
+        </p:txBody>
+      </p:sp>
+      <p:cxnSp>
+        <p:nvCxnSpPr>
+          <p:cNvPr id="16" name="Google Shape;350;p39">
+            <a:extLst>
+              <a:ext uri="{FF2B5EF4-FFF2-40B4-BE49-F238E27FC236}">
+                <a16:creationId xmlns:a16="http://schemas.microsoft.com/office/drawing/2014/main" id="{BAAEC16D-424A-4180-88CB-D14C0AEFE3D9}"/>
+              </a:ext>
+            </a:extLst>
+          </p:cNvPr>
+          <p:cNvCxnSpPr>
+            <a:stCxn id="15" idx="2"/>
+          </p:cNvCxnSpPr>
+          <p:nvPr/>
+        </p:nvCxnSpPr>
+        <p:spPr>
+          <a:xfrm>
+            <a:off x="4710905" y="1644125"/>
+            <a:ext cx="0" cy="2681186"/>
+          </a:xfrm>
+          <a:prstGeom prst="straightConnector1">
+            <a:avLst/>
+          </a:prstGeom>
+          <a:noFill/>
+          <a:ln w="38103" cap="flat">
+            <a:solidFill>
+              <a:srgbClr val="4472C4"/>
+            </a:solidFill>
+            <a:custDash>
+              <a:ds d="100000" sp="100000"/>
+            </a:custDash>
+            <a:round/>
+          </a:ln>
+          <a:effectLst>
+            <a:outerShdw dist="22997" dir="5400000" algn="tl">
+              <a:srgbClr val="000000">
+                <a:alpha val="34900"/>
+              </a:srgbClr>
+            </a:outerShdw>
+          </a:effectLst>
+        </p:spPr>
+      </p:cxnSp>
+      <p:sp>
+        <p:nvSpPr>
+          <p:cNvPr id="17" name="Google Shape;343;p39">
+            <a:extLst>
+              <a:ext uri="{FF2B5EF4-FFF2-40B4-BE49-F238E27FC236}">
+                <a16:creationId xmlns:a16="http://schemas.microsoft.com/office/drawing/2014/main" id="{C51A8AF9-C7D6-45D0-AE74-A187E1F91D66}"/>
+              </a:ext>
+            </a:extLst>
+          </p:cNvPr>
+          <p:cNvSpPr/>
+          <p:nvPr/>
+        </p:nvSpPr>
+        <p:spPr>
+          <a:xfrm>
+            <a:off x="6356427" y="3097943"/>
+            <a:ext cx="351495" cy="1688168"/>
+          </a:xfrm>
+          <a:prstGeom prst="rect">
+            <a:avLst/>
+          </a:prstGeom>
+          <a:solidFill>
+            <a:srgbClr val="FFFFFF"/>
+          </a:solidFill>
+          <a:ln w="25402" cap="flat">
+            <a:solidFill>
+              <a:srgbClr val="4472C4"/>
+            </a:solidFill>
+            <a:prstDash val="solid"/>
+            <a:round/>
+          </a:ln>
+        </p:spPr>
+        <p:txBody>
+          <a:bodyPr vert="horz" wrap="square" lIns="121898" tIns="60935" rIns="121898" bIns="60935" anchor="ctr" anchorCtr="1" compatLnSpc="1">
+            <a:noAutofit/>
+          </a:bodyPr>
+          <a:lstStyle/>
+          <a:p>
+            <a:pPr marL="0" marR="0" lvl="0" indent="0" algn="ctr" defTabSz="1219169" rtl="0" fontAlgn="auto" hangingPunct="1">
+              <a:lnSpc>
+                <a:spcPct val="100000"/>
+              </a:lnSpc>
+              <a:spcBef>
+                <a:spcPts val="0"/>
+              </a:spcBef>
+              <a:spcAft>
+                <a:spcPts val="0"/>
+              </a:spcAft>
+              <a:buNone/>
+              <a:tabLst/>
+              <a:defRPr sz="1800" b="0" i="0" u="none" strike="noStrike" kern="0" cap="none" spc="0" baseline="0">
+                <a:solidFill>
+                  <a:srgbClr val="000000"/>
+                </a:solidFill>
+                <a:uFillTx/>
+              </a:defRPr>
+            </a:pPr>
+            <a:endParaRPr lang="it-IT" sz="2400" b="0" i="0" u="none" strike="noStrike" kern="0" cap="none" spc="0" baseline="0">
+              <a:solidFill>
+                <a:srgbClr val="000000"/>
+              </a:solidFill>
+              <a:uFillTx/>
+              <a:latin typeface="Calibri"/>
+              <a:ea typeface="Calibri"/>
+              <a:cs typeface="Calibri"/>
+            </a:endParaRPr>
+          </a:p>
+        </p:txBody>
+      </p:sp>
+      <p:cxnSp>
+        <p:nvCxnSpPr>
+          <p:cNvPr id="18" name="Google Shape;352;p39">
+            <a:extLst>
+              <a:ext uri="{FF2B5EF4-FFF2-40B4-BE49-F238E27FC236}">
+                <a16:creationId xmlns:a16="http://schemas.microsoft.com/office/drawing/2014/main" id="{B42D825E-4A74-479C-91AB-C80D45C40DB1}"/>
+              </a:ext>
+            </a:extLst>
+          </p:cNvPr>
+          <p:cNvCxnSpPr>
+            <a:cxnSpLocks/>
+          </p:cNvCxnSpPr>
+          <p:nvPr/>
+        </p:nvCxnSpPr>
+        <p:spPr>
+          <a:xfrm flipV="1">
+            <a:off x="2640673" y="3519825"/>
+            <a:ext cx="3700880" cy="13970"/>
+          </a:xfrm>
+          <a:prstGeom prst="straightConnector1">
+            <a:avLst/>
+          </a:prstGeom>
+          <a:noFill/>
+          <a:ln w="25402" cap="flat">
+            <a:solidFill>
+              <a:srgbClr val="4472C4"/>
+            </a:solidFill>
+            <a:prstDash val="solid"/>
+            <a:round/>
+            <a:tailEnd type="arrow"/>
+          </a:ln>
+          <a:effectLst>
+            <a:outerShdw dist="19997" dir="5400000" algn="tl">
+              <a:srgbClr val="000000">
+                <a:alpha val="37650"/>
+              </a:srgbClr>
+            </a:outerShdw>
+          </a:effectLst>
+        </p:spPr>
+      </p:cxnSp>
+      <p:sp>
+        <p:nvSpPr>
+          <p:cNvPr id="19" name="Google Shape;298;p37">
+            <a:extLst>
+              <a:ext uri="{FF2B5EF4-FFF2-40B4-BE49-F238E27FC236}">
+                <a16:creationId xmlns:a16="http://schemas.microsoft.com/office/drawing/2014/main" id="{94416E3F-E36A-401F-B398-CE99C210D323}"/>
+              </a:ext>
+            </a:extLst>
+          </p:cNvPr>
+          <p:cNvSpPr txBox="1"/>
+          <p:nvPr/>
+        </p:nvSpPr>
+        <p:spPr>
+          <a:xfrm>
+            <a:off x="2796594" y="3074526"/>
+            <a:ext cx="3634511" cy="338401"/>
+          </a:xfrm>
+          <a:prstGeom prst="rect">
+            <a:avLst/>
+          </a:prstGeom>
+          <a:noFill/>
+          <a:ln cap="flat">
+            <a:noFill/>
+          </a:ln>
+        </p:spPr>
+        <p:txBody>
+          <a:bodyPr vert="horz" wrap="square" lIns="121898" tIns="60935" rIns="121898" bIns="60935" anchor="t" anchorCtr="1" compatLnSpc="1">
+            <a:noAutofit/>
+          </a:bodyPr>
+          <a:lstStyle/>
+          <a:p>
+            <a:pPr marL="0" marR="0" lvl="0" indent="0" algn="ctr" defTabSz="1219169" rtl="0" fontAlgn="auto" hangingPunct="1">
+              <a:lnSpc>
+                <a:spcPct val="100000"/>
+              </a:lnSpc>
+              <a:spcBef>
+                <a:spcPts val="0"/>
+              </a:spcBef>
+              <a:spcAft>
+                <a:spcPts val="0"/>
+              </a:spcAft>
+              <a:buNone/>
+              <a:tabLst/>
+              <a:defRPr sz="1800" b="0" i="0" u="none" strike="noStrike" kern="0" cap="none" spc="0" baseline="0">
+                <a:solidFill>
+                  <a:srgbClr val="000000"/>
+                </a:solidFill>
+                <a:uFillTx/>
+              </a:defRPr>
+            </a:pPr>
+            <a:r>
+              <a:rPr lang="es-419" sz="1400" kern="0" dirty="0">
+                <a:solidFill>
+                  <a:srgbClr val="000000"/>
+                </a:solidFill>
+                <a:latin typeface="Calibri"/>
+                <a:ea typeface="Calibri"/>
+                <a:cs typeface="Calibri"/>
+              </a:rPr>
+              <a:t>s</a:t>
+            </a:r>
+            <a:r>
+              <a:rPr lang="es-419" sz="1400" b="0" i="0" u="none" strike="noStrike" kern="0" cap="none" spc="0" baseline="0" dirty="0">
+                <a:solidFill>
+                  <a:srgbClr val="000000"/>
+                </a:solidFill>
+                <a:uFillTx/>
+                <a:latin typeface="Calibri"/>
+                <a:ea typeface="Calibri"/>
+                <a:cs typeface="Calibri"/>
+              </a:rPr>
+              <a:t>etattribute(select,utentiselezionati)</a:t>
+            </a:r>
+          </a:p>
+        </p:txBody>
+      </p:sp>
+      <p:sp>
+        <p:nvSpPr>
+          <p:cNvPr id="20" name="Google Shape;349;p39">
+            <a:extLst>
+              <a:ext uri="{FF2B5EF4-FFF2-40B4-BE49-F238E27FC236}">
+                <a16:creationId xmlns:a16="http://schemas.microsoft.com/office/drawing/2014/main" id="{E57A84E2-B9BC-4075-8BD0-0B5283E613BE}"/>
+              </a:ext>
+            </a:extLst>
+          </p:cNvPr>
+          <p:cNvSpPr/>
+          <p:nvPr/>
+        </p:nvSpPr>
+        <p:spPr>
+          <a:xfrm>
+            <a:off x="7605825" y="1256447"/>
+            <a:ext cx="1645252" cy="381195"/>
+          </a:xfrm>
+          <a:prstGeom prst="rect">
+            <a:avLst/>
+          </a:prstGeom>
+          <a:solidFill>
+            <a:srgbClr val="FFFFFF"/>
+          </a:solidFill>
+          <a:ln w="25402" cap="flat">
+            <a:solidFill>
+              <a:srgbClr val="4472C4"/>
+            </a:solidFill>
+            <a:prstDash val="solid"/>
+            <a:round/>
+          </a:ln>
+        </p:spPr>
+        <p:txBody>
+          <a:bodyPr vert="horz" wrap="square" lIns="121898" tIns="60935" rIns="121898" bIns="60935" anchor="ctr" anchorCtr="1" compatLnSpc="1">
+            <a:noAutofit/>
+          </a:bodyPr>
+          <a:lstStyle/>
+          <a:p>
+            <a:pPr marL="0" marR="0" lvl="0" indent="0" algn="ctr" defTabSz="1219169" rtl="0" fontAlgn="auto" hangingPunct="1">
+              <a:lnSpc>
+                <a:spcPct val="100000"/>
+              </a:lnSpc>
+              <a:spcBef>
+                <a:spcPts val="0"/>
+              </a:spcBef>
+              <a:spcAft>
+                <a:spcPts val="0"/>
+              </a:spcAft>
+              <a:buNone/>
+              <a:tabLst/>
+              <a:defRPr sz="1800" b="0" i="0" u="none" strike="noStrike" kern="0" cap="none" spc="0" baseline="0">
+                <a:solidFill>
+                  <a:srgbClr val="000000"/>
+                </a:solidFill>
+                <a:uFillTx/>
+              </a:defRPr>
+            </a:pPr>
+            <a:r>
+              <a:rPr lang="es-419" sz="1400" kern="0" dirty="0">
+                <a:solidFill>
+                  <a:srgbClr val="000000"/>
+                </a:solidFill>
+                <a:latin typeface="Calibri"/>
+                <a:ea typeface="Calibri"/>
+                <a:cs typeface="Calibri"/>
+              </a:rPr>
+              <a:t>RIunioniDao</a:t>
+            </a:r>
+            <a:endParaRPr lang="es-419" sz="1400" b="0" i="0" u="none" strike="noStrike" kern="0" cap="none" spc="0" baseline="0" dirty="0">
+              <a:solidFill>
+                <a:srgbClr val="000000"/>
+              </a:solidFill>
+              <a:uFillTx/>
+              <a:latin typeface="Calibri"/>
+              <a:ea typeface="Calibri"/>
+              <a:cs typeface="Calibri"/>
+            </a:endParaRPr>
+          </a:p>
+        </p:txBody>
+      </p:sp>
+      <p:cxnSp>
+        <p:nvCxnSpPr>
+          <p:cNvPr id="21" name="Google Shape;350;p39">
+            <a:extLst>
+              <a:ext uri="{FF2B5EF4-FFF2-40B4-BE49-F238E27FC236}">
+                <a16:creationId xmlns:a16="http://schemas.microsoft.com/office/drawing/2014/main" id="{F0A751DF-8D47-4327-A8EF-1F833DADD388}"/>
+              </a:ext>
+            </a:extLst>
+          </p:cNvPr>
+          <p:cNvCxnSpPr>
+            <a:cxnSpLocks/>
+            <a:stCxn id="20" idx="2"/>
+            <a:endCxn id="24" idx="2"/>
+          </p:cNvCxnSpPr>
+          <p:nvPr/>
+        </p:nvCxnSpPr>
+        <p:spPr>
+          <a:xfrm>
+            <a:off x="8428451" y="1637642"/>
+            <a:ext cx="7717" cy="3781394"/>
+          </a:xfrm>
+          <a:prstGeom prst="straightConnector1">
+            <a:avLst/>
+          </a:prstGeom>
+          <a:noFill/>
+          <a:ln w="38103" cap="flat">
+            <a:solidFill>
+              <a:srgbClr val="4472C4"/>
+            </a:solidFill>
+            <a:custDash>
+              <a:ds d="100000" sp="100000"/>
+            </a:custDash>
+            <a:round/>
+          </a:ln>
+          <a:effectLst>
+            <a:outerShdw dist="22997" dir="5400000" algn="tl">
+              <a:srgbClr val="000000">
+                <a:alpha val="34900"/>
+              </a:srgbClr>
+            </a:outerShdw>
+          </a:effectLst>
+        </p:spPr>
+      </p:cxnSp>
+      <p:sp>
+        <p:nvSpPr>
+          <p:cNvPr id="22" name="Google Shape;349;p39">
+            <a:extLst>
+              <a:ext uri="{FF2B5EF4-FFF2-40B4-BE49-F238E27FC236}">
+                <a16:creationId xmlns:a16="http://schemas.microsoft.com/office/drawing/2014/main" id="{D5335C9E-3831-441A-A9A7-C16CA83590C2}"/>
+              </a:ext>
+            </a:extLst>
+          </p:cNvPr>
+          <p:cNvSpPr/>
+          <p:nvPr/>
+        </p:nvSpPr>
+        <p:spPr>
+          <a:xfrm>
+            <a:off x="5716760" y="1256447"/>
+            <a:ext cx="1623293" cy="385392"/>
+          </a:xfrm>
+          <a:prstGeom prst="rect">
+            <a:avLst/>
+          </a:prstGeom>
+          <a:solidFill>
+            <a:srgbClr val="FFFFFF"/>
+          </a:solidFill>
+          <a:ln w="25402" cap="flat">
+            <a:solidFill>
+              <a:srgbClr val="4472C4"/>
+            </a:solidFill>
+            <a:prstDash val="solid"/>
+            <a:round/>
+          </a:ln>
+        </p:spPr>
+        <p:txBody>
+          <a:bodyPr vert="horz" wrap="square" lIns="121898" tIns="60935" rIns="121898" bIns="60935" anchor="ctr" anchorCtr="1" compatLnSpc="1">
+            <a:noAutofit/>
+          </a:bodyPr>
+          <a:lstStyle/>
+          <a:p>
+            <a:pPr marL="0" marR="0" lvl="0" indent="0" algn="ctr" defTabSz="1219169" rtl="0" fontAlgn="auto" hangingPunct="1">
+              <a:lnSpc>
+                <a:spcPct val="100000"/>
+              </a:lnSpc>
+              <a:spcBef>
+                <a:spcPts val="0"/>
+              </a:spcBef>
+              <a:spcAft>
+                <a:spcPts val="0"/>
+              </a:spcAft>
+              <a:buNone/>
+              <a:tabLst/>
+              <a:defRPr sz="1800" b="0" i="0" u="none" strike="noStrike" kern="0" cap="none" spc="0" baseline="0">
+                <a:solidFill>
+                  <a:srgbClr val="000000"/>
+                </a:solidFill>
+                <a:uFillTx/>
+              </a:defRPr>
+            </a:pPr>
+            <a:r>
+              <a:rPr lang="es-419" sz="1400" kern="0" dirty="0">
+                <a:solidFill>
+                  <a:srgbClr val="000000"/>
+                </a:solidFill>
+                <a:latin typeface="Calibri"/>
+                <a:ea typeface="Calibri"/>
+                <a:cs typeface="Calibri"/>
+              </a:rPr>
+              <a:t>S</a:t>
+            </a:r>
+            <a:r>
+              <a:rPr lang="es-419" sz="1400" b="0" i="0" u="none" strike="noStrike" kern="0" cap="none" spc="0" baseline="0" dirty="0">
+                <a:solidFill>
+                  <a:srgbClr val="000000"/>
+                </a:solidFill>
+                <a:uFillTx/>
+                <a:latin typeface="Calibri"/>
+                <a:ea typeface="Calibri"/>
+                <a:cs typeface="Calibri"/>
+              </a:rPr>
+              <a:t>ession</a:t>
+            </a:r>
+          </a:p>
+        </p:txBody>
+      </p:sp>
+      <p:cxnSp>
+        <p:nvCxnSpPr>
+          <p:cNvPr id="23" name="Google Shape;350;p39">
+            <a:extLst>
+              <a:ext uri="{FF2B5EF4-FFF2-40B4-BE49-F238E27FC236}">
+                <a16:creationId xmlns:a16="http://schemas.microsoft.com/office/drawing/2014/main" id="{5898E3CC-75E5-4784-A538-9A983FEB72EA}"/>
+              </a:ext>
+            </a:extLst>
+          </p:cNvPr>
+          <p:cNvCxnSpPr>
+            <a:cxnSpLocks/>
+          </p:cNvCxnSpPr>
+          <p:nvPr/>
+        </p:nvCxnSpPr>
+        <p:spPr>
+          <a:xfrm flipH="1">
+            <a:off x="6494540" y="1606395"/>
+            <a:ext cx="35783" cy="4498819"/>
+          </a:xfrm>
+          <a:prstGeom prst="straightConnector1">
+            <a:avLst/>
+          </a:prstGeom>
+          <a:noFill/>
+          <a:ln w="38103" cap="flat">
+            <a:solidFill>
+              <a:srgbClr val="4472C4"/>
+            </a:solidFill>
+            <a:custDash>
+              <a:ds d="100000" sp="100000"/>
+            </a:custDash>
+            <a:round/>
+          </a:ln>
+          <a:effectLst>
+            <a:outerShdw dist="22997" dir="5400000" algn="tl">
+              <a:srgbClr val="000000">
+                <a:alpha val="34900"/>
+              </a:srgbClr>
+            </a:outerShdw>
+          </a:effectLst>
+        </p:spPr>
+      </p:cxnSp>
+      <p:sp>
+        <p:nvSpPr>
+          <p:cNvPr id="24" name="Google Shape;343;p39">
+            <a:extLst>
+              <a:ext uri="{FF2B5EF4-FFF2-40B4-BE49-F238E27FC236}">
+                <a16:creationId xmlns:a16="http://schemas.microsoft.com/office/drawing/2014/main" id="{F3E6B1DA-0C18-4FED-ADC9-8EFB191B6F52}"/>
+              </a:ext>
+            </a:extLst>
+          </p:cNvPr>
+          <p:cNvSpPr/>
+          <p:nvPr/>
+        </p:nvSpPr>
+        <p:spPr>
+          <a:xfrm>
+            <a:off x="8231809" y="4774729"/>
+            <a:ext cx="408718" cy="644307"/>
+          </a:xfrm>
+          <a:prstGeom prst="rect">
+            <a:avLst/>
+          </a:prstGeom>
+          <a:solidFill>
+            <a:srgbClr val="FFFFFF"/>
+          </a:solidFill>
+          <a:ln w="25402" cap="flat">
+            <a:solidFill>
+              <a:srgbClr val="4472C4"/>
+            </a:solidFill>
+            <a:prstDash val="solid"/>
+            <a:round/>
+          </a:ln>
+        </p:spPr>
+        <p:txBody>
+          <a:bodyPr vert="horz" wrap="square" lIns="121898" tIns="60935" rIns="121898" bIns="60935" anchor="ctr" anchorCtr="1" compatLnSpc="1">
+            <a:noAutofit/>
+          </a:bodyPr>
+          <a:lstStyle/>
+          <a:p>
+            <a:pPr marL="0" marR="0" lvl="0" indent="0" algn="ctr" defTabSz="1219169" rtl="0" fontAlgn="auto" hangingPunct="1">
+              <a:lnSpc>
+                <a:spcPct val="100000"/>
+              </a:lnSpc>
+              <a:spcBef>
+                <a:spcPts val="0"/>
+              </a:spcBef>
+              <a:spcAft>
+                <a:spcPts val="0"/>
+              </a:spcAft>
+              <a:buNone/>
+              <a:tabLst/>
+              <a:defRPr sz="1800" b="0" i="0" u="none" strike="noStrike" kern="0" cap="none" spc="0" baseline="0">
+                <a:solidFill>
+                  <a:srgbClr val="000000"/>
+                </a:solidFill>
+                <a:uFillTx/>
+              </a:defRPr>
+            </a:pPr>
+            <a:endParaRPr lang="it-IT" sz="2400" b="0" i="0" u="none" strike="noStrike" kern="0" cap="none" spc="0" baseline="0">
+              <a:solidFill>
+                <a:srgbClr val="000000"/>
+              </a:solidFill>
+              <a:uFillTx/>
+              <a:latin typeface="Calibri"/>
+              <a:ea typeface="Calibri"/>
+              <a:cs typeface="Calibri"/>
+            </a:endParaRPr>
+          </a:p>
+        </p:txBody>
+      </p:sp>
+      <p:cxnSp>
+        <p:nvCxnSpPr>
+          <p:cNvPr id="26" name="Google Shape;352;p39">
+            <a:extLst>
+              <a:ext uri="{FF2B5EF4-FFF2-40B4-BE49-F238E27FC236}">
+                <a16:creationId xmlns:a16="http://schemas.microsoft.com/office/drawing/2014/main" id="{F214852C-3028-4B08-9A25-CEE90A681841}"/>
+              </a:ext>
+            </a:extLst>
+          </p:cNvPr>
+          <p:cNvCxnSpPr>
+            <a:cxnSpLocks/>
+          </p:cNvCxnSpPr>
+          <p:nvPr/>
+        </p:nvCxnSpPr>
+        <p:spPr>
+          <a:xfrm>
+            <a:off x="2610249" y="4098664"/>
+            <a:ext cx="3774299" cy="12940"/>
+          </a:xfrm>
+          <a:prstGeom prst="straightConnector1">
+            <a:avLst/>
+          </a:prstGeom>
+          <a:noFill/>
+          <a:ln w="25402" cap="flat">
+            <a:solidFill>
+              <a:srgbClr val="4472C4"/>
+            </a:solidFill>
+            <a:prstDash val="solid"/>
+            <a:round/>
+            <a:tailEnd type="arrow"/>
+          </a:ln>
+          <a:effectLst>
+            <a:outerShdw dist="19997" dir="5400000" algn="tl">
+              <a:srgbClr val="000000">
+                <a:alpha val="37650"/>
+              </a:srgbClr>
+            </a:outerShdw>
+          </a:effectLst>
+        </p:spPr>
+      </p:cxnSp>
+      <p:sp>
+        <p:nvSpPr>
+          <p:cNvPr id="27" name="Google Shape;298;p37">
+            <a:extLst>
+              <a:ext uri="{FF2B5EF4-FFF2-40B4-BE49-F238E27FC236}">
+                <a16:creationId xmlns:a16="http://schemas.microsoft.com/office/drawing/2014/main" id="{DBB58416-75EF-4EF9-B98C-50CAEE93ECCC}"/>
+              </a:ext>
+            </a:extLst>
+          </p:cNvPr>
+          <p:cNvSpPr txBox="1"/>
+          <p:nvPr/>
+        </p:nvSpPr>
+        <p:spPr>
+          <a:xfrm>
+            <a:off x="2851795" y="3666305"/>
+            <a:ext cx="3634511" cy="338401"/>
+          </a:xfrm>
+          <a:prstGeom prst="rect">
+            <a:avLst/>
+          </a:prstGeom>
+          <a:noFill/>
+          <a:ln cap="flat">
+            <a:noFill/>
+          </a:ln>
+        </p:spPr>
+        <p:txBody>
+          <a:bodyPr vert="horz" wrap="square" lIns="121898" tIns="60935" rIns="121898" bIns="60935" anchor="t" anchorCtr="1" compatLnSpc="1">
+            <a:noAutofit/>
+          </a:bodyPr>
+          <a:lstStyle/>
+          <a:p>
+            <a:pPr marL="0" marR="0" lvl="0" indent="0" algn="ctr" defTabSz="1219169" rtl="0" fontAlgn="auto" hangingPunct="1">
+              <a:lnSpc>
+                <a:spcPct val="100000"/>
+              </a:lnSpc>
+              <a:spcBef>
+                <a:spcPts val="0"/>
+              </a:spcBef>
+              <a:spcAft>
+                <a:spcPts val="0"/>
+              </a:spcAft>
+              <a:buNone/>
+              <a:tabLst/>
+              <a:defRPr sz="1800" b="0" i="0" u="none" strike="noStrike" kern="0" cap="none" spc="0" baseline="0">
+                <a:solidFill>
+                  <a:srgbClr val="000000"/>
+                </a:solidFill>
+                <a:uFillTx/>
+              </a:defRPr>
+            </a:pPr>
+            <a:r>
+              <a:rPr lang="es-419" sz="1400" kern="0" dirty="0">
+                <a:solidFill>
+                  <a:srgbClr val="000000"/>
+                </a:solidFill>
+                <a:latin typeface="Calibri"/>
+                <a:ea typeface="Calibri"/>
+                <a:cs typeface="Calibri"/>
+              </a:rPr>
+              <a:t>g</a:t>
+            </a:r>
+            <a:r>
+              <a:rPr lang="es-419" sz="1400" b="0" i="0" u="none" strike="noStrike" kern="0" cap="none" spc="0" baseline="0" dirty="0">
+                <a:solidFill>
+                  <a:srgbClr val="000000"/>
+                </a:solidFill>
+                <a:uFillTx/>
+                <a:latin typeface="Calibri"/>
+                <a:ea typeface="Calibri"/>
+                <a:cs typeface="Calibri"/>
+              </a:rPr>
+              <a:t>etattribute(cont)</a:t>
+            </a:r>
+          </a:p>
+        </p:txBody>
+      </p:sp>
+      <p:cxnSp>
+        <p:nvCxnSpPr>
+          <p:cNvPr id="28" name="Google Shape;352;p39">
+            <a:extLst>
+              <a:ext uri="{FF2B5EF4-FFF2-40B4-BE49-F238E27FC236}">
+                <a16:creationId xmlns:a16="http://schemas.microsoft.com/office/drawing/2014/main" id="{1B015341-24BA-4CDC-B962-EF8C4FE28E47}"/>
+              </a:ext>
+            </a:extLst>
+          </p:cNvPr>
+          <p:cNvCxnSpPr>
+            <a:cxnSpLocks/>
+            <a:endCxn id="10" idx="3"/>
+          </p:cNvCxnSpPr>
+          <p:nvPr/>
+        </p:nvCxnSpPr>
+        <p:spPr>
+          <a:xfrm flipH="1" flipV="1">
+            <a:off x="2610249" y="4483045"/>
+            <a:ext cx="3731306" cy="7272"/>
+          </a:xfrm>
+          <a:prstGeom prst="straightConnector1">
+            <a:avLst/>
+          </a:prstGeom>
+          <a:noFill/>
+          <a:ln w="25402" cap="flat">
+            <a:solidFill>
+              <a:srgbClr val="4472C4"/>
+            </a:solidFill>
+            <a:prstDash val="solid"/>
+            <a:round/>
+            <a:tailEnd type="arrow"/>
+          </a:ln>
+          <a:effectLst>
+            <a:outerShdw dist="19997" dir="5400000" algn="tl">
+              <a:srgbClr val="000000">
+                <a:alpha val="37650"/>
+              </a:srgbClr>
+            </a:outerShdw>
+          </a:effectLst>
+        </p:spPr>
+      </p:cxnSp>
+      <p:sp>
+        <p:nvSpPr>
+          <p:cNvPr id="30" name="Google Shape;298;p37">
+            <a:extLst>
+              <a:ext uri="{FF2B5EF4-FFF2-40B4-BE49-F238E27FC236}">
+                <a16:creationId xmlns:a16="http://schemas.microsoft.com/office/drawing/2014/main" id="{C31394A2-4F91-4AFB-AFEF-0EC5CE79425B}"/>
+              </a:ext>
+            </a:extLst>
+          </p:cNvPr>
+          <p:cNvSpPr txBox="1"/>
+          <p:nvPr/>
+        </p:nvSpPr>
+        <p:spPr>
+          <a:xfrm>
+            <a:off x="2801212" y="4140058"/>
+            <a:ext cx="3634511" cy="338401"/>
+          </a:xfrm>
+          <a:prstGeom prst="rect">
+            <a:avLst/>
+          </a:prstGeom>
+          <a:noFill/>
+          <a:ln cap="flat">
+            <a:noFill/>
+          </a:ln>
+        </p:spPr>
+        <p:txBody>
+          <a:bodyPr vert="horz" wrap="square" lIns="121898" tIns="60935" rIns="121898" bIns="60935" anchor="t" anchorCtr="1" compatLnSpc="1">
+            <a:noAutofit/>
+          </a:bodyPr>
+          <a:lstStyle/>
+          <a:p>
+            <a:pPr marL="0" marR="0" lvl="0" indent="0" algn="ctr" defTabSz="1219169" rtl="0" fontAlgn="auto" hangingPunct="1">
+              <a:lnSpc>
+                <a:spcPct val="100000"/>
+              </a:lnSpc>
+              <a:spcBef>
+                <a:spcPts val="0"/>
+              </a:spcBef>
+              <a:spcAft>
+                <a:spcPts val="0"/>
+              </a:spcAft>
+              <a:buNone/>
+              <a:tabLst/>
+              <a:defRPr sz="1800" b="0" i="0" u="none" strike="noStrike" kern="0" cap="none" spc="0" baseline="0">
+                <a:solidFill>
+                  <a:srgbClr val="000000"/>
+                </a:solidFill>
+                <a:uFillTx/>
+              </a:defRPr>
+            </a:pPr>
+            <a:r>
+              <a:rPr lang="es-419" sz="1400" b="0" i="0" u="none" strike="noStrike" kern="0" cap="none" spc="0" baseline="0" dirty="0">
+                <a:solidFill>
+                  <a:srgbClr val="000000"/>
+                </a:solidFill>
+                <a:uFillTx/>
+                <a:latin typeface="Calibri"/>
+                <a:ea typeface="Calibri"/>
+                <a:cs typeface="Calibri"/>
+              </a:rPr>
+              <a:t>cont</a:t>
+            </a:r>
+          </a:p>
+        </p:txBody>
+      </p:sp>
+      <p:sp>
+        <p:nvSpPr>
+          <p:cNvPr id="42" name="Google Shape;354;p39">
+            <a:extLst>
+              <a:ext uri="{FF2B5EF4-FFF2-40B4-BE49-F238E27FC236}">
+                <a16:creationId xmlns:a16="http://schemas.microsoft.com/office/drawing/2014/main" id="{2D700D4E-7E3B-4DD7-8941-9B424F3C283C}"/>
+              </a:ext>
+            </a:extLst>
+          </p:cNvPr>
+          <p:cNvSpPr txBox="1"/>
+          <p:nvPr/>
+        </p:nvSpPr>
+        <p:spPr>
+          <a:xfrm>
+            <a:off x="171399" y="5928856"/>
+            <a:ext cx="2398727" cy="392655"/>
+          </a:xfrm>
+          <a:prstGeom prst="rect">
+            <a:avLst/>
+          </a:prstGeom>
+          <a:noFill/>
+          <a:ln cap="flat">
+            <a:noFill/>
+          </a:ln>
+        </p:spPr>
+        <p:txBody>
+          <a:bodyPr vert="horz" wrap="square" lIns="121898" tIns="60935" rIns="121898" bIns="60935" anchor="t" anchorCtr="0" compatLnSpc="1">
+            <a:noAutofit/>
+          </a:bodyPr>
+          <a:lstStyle/>
+          <a:p>
+            <a:pPr marL="0" marR="0" lvl="0" indent="0" algn="l" defTabSz="1219169" rtl="0" fontAlgn="auto" hangingPunct="1">
+              <a:lnSpc>
+                <a:spcPct val="100000"/>
+              </a:lnSpc>
+              <a:spcBef>
+                <a:spcPts val="0"/>
+              </a:spcBef>
+              <a:spcAft>
+                <a:spcPts val="0"/>
+              </a:spcAft>
+              <a:buNone/>
+              <a:tabLst/>
+              <a:defRPr sz="1800" b="0" i="0" u="none" strike="noStrike" kern="0" cap="none" spc="0" baseline="0">
+                <a:solidFill>
+                  <a:srgbClr val="000000"/>
+                </a:solidFill>
+                <a:uFillTx/>
+              </a:defRPr>
+            </a:pPr>
+            <a:r>
+              <a:rPr lang="it-IT" sz="2400" b="0" i="0" u="none" strike="noStrike" kern="0" cap="none" spc="0" baseline="0" dirty="0">
+                <a:solidFill>
+                  <a:srgbClr val="000000"/>
+                </a:solidFill>
+                <a:uFillTx/>
+                <a:latin typeface="Calibri"/>
+                <a:ea typeface="Calibri"/>
+                <a:cs typeface="Calibri"/>
+              </a:rPr>
+              <a:t>Part&lt;3</a:t>
+            </a:r>
+          </a:p>
+        </p:txBody>
+      </p:sp>
+      <p:cxnSp>
+        <p:nvCxnSpPr>
+          <p:cNvPr id="53" name="Google Shape;352;p39">
+            <a:extLst>
+              <a:ext uri="{FF2B5EF4-FFF2-40B4-BE49-F238E27FC236}">
+                <a16:creationId xmlns:a16="http://schemas.microsoft.com/office/drawing/2014/main" id="{DA30A613-CA01-4289-AC68-C5ABCABC5F93}"/>
+              </a:ext>
+            </a:extLst>
+          </p:cNvPr>
+          <p:cNvCxnSpPr>
+            <a:cxnSpLocks/>
+          </p:cNvCxnSpPr>
+          <p:nvPr/>
+        </p:nvCxnSpPr>
+        <p:spPr>
+          <a:xfrm flipV="1">
+            <a:off x="2625123" y="4966165"/>
+            <a:ext cx="5666075" cy="14246"/>
+          </a:xfrm>
+          <a:prstGeom prst="straightConnector1">
+            <a:avLst/>
+          </a:prstGeom>
+          <a:noFill/>
+          <a:ln w="25402" cap="flat">
+            <a:solidFill>
+              <a:srgbClr val="4472C4"/>
+            </a:solidFill>
+            <a:prstDash val="solid"/>
+            <a:round/>
+            <a:tailEnd type="arrow"/>
+          </a:ln>
+          <a:effectLst>
+            <a:outerShdw dist="19997" dir="5400000" algn="tl">
+              <a:srgbClr val="000000">
+                <a:alpha val="37650"/>
+              </a:srgbClr>
+            </a:outerShdw>
+          </a:effectLst>
+        </p:spPr>
+      </p:cxnSp>
+      <p:sp>
+        <p:nvSpPr>
+          <p:cNvPr id="33" name="Google Shape;349;p39">
+            <a:extLst>
+              <a:ext uri="{FF2B5EF4-FFF2-40B4-BE49-F238E27FC236}">
+                <a16:creationId xmlns:a16="http://schemas.microsoft.com/office/drawing/2014/main" id="{DC024AC2-0C66-438B-8D48-500302AE718F}"/>
+              </a:ext>
+            </a:extLst>
+          </p:cNvPr>
+          <p:cNvSpPr/>
+          <p:nvPr/>
+        </p:nvSpPr>
+        <p:spPr>
+          <a:xfrm>
+            <a:off x="9344724" y="1248667"/>
+            <a:ext cx="1368671" cy="381195"/>
+          </a:xfrm>
+          <a:prstGeom prst="rect">
+            <a:avLst/>
+          </a:prstGeom>
+          <a:solidFill>
+            <a:srgbClr val="FFFFFF"/>
+          </a:solidFill>
+          <a:ln w="25402" cap="flat">
+            <a:solidFill>
+              <a:srgbClr val="4472C4"/>
+            </a:solidFill>
+            <a:prstDash val="solid"/>
+            <a:round/>
+          </a:ln>
+        </p:spPr>
+        <p:txBody>
+          <a:bodyPr vert="horz" wrap="square" lIns="121898" tIns="60935" rIns="121898" bIns="60935" anchor="ctr" anchorCtr="1" compatLnSpc="1">
+            <a:noAutofit/>
+          </a:bodyPr>
+          <a:lstStyle/>
+          <a:p>
+            <a:pPr marL="0" marR="0" lvl="0" indent="0" algn="ctr" defTabSz="1219169" rtl="0" fontAlgn="auto" hangingPunct="1">
+              <a:lnSpc>
+                <a:spcPct val="100000"/>
+              </a:lnSpc>
+              <a:spcBef>
+                <a:spcPts val="0"/>
+              </a:spcBef>
+              <a:spcAft>
+                <a:spcPts val="0"/>
+              </a:spcAft>
+              <a:buNone/>
+              <a:tabLst/>
+              <a:defRPr sz="1800" b="0" i="0" u="none" strike="noStrike" kern="0" cap="none" spc="0" baseline="0">
+                <a:solidFill>
+                  <a:srgbClr val="000000"/>
+                </a:solidFill>
+                <a:uFillTx/>
+              </a:defRPr>
+            </a:pPr>
+            <a:r>
+              <a:rPr lang="es-419" sz="1400" kern="0" dirty="0">
+                <a:solidFill>
+                  <a:srgbClr val="000000"/>
+                </a:solidFill>
+                <a:latin typeface="Calibri"/>
+                <a:ea typeface="Calibri"/>
+                <a:cs typeface="Calibri"/>
+              </a:rPr>
+              <a:t>R.parDao</a:t>
+            </a:r>
+            <a:endParaRPr lang="es-419" sz="1400" b="0" i="0" u="none" strike="noStrike" kern="0" cap="none" spc="0" baseline="0" dirty="0">
+              <a:solidFill>
+                <a:srgbClr val="000000"/>
+              </a:solidFill>
+              <a:uFillTx/>
+              <a:latin typeface="Calibri"/>
+              <a:ea typeface="Calibri"/>
+              <a:cs typeface="Calibri"/>
+            </a:endParaRPr>
+          </a:p>
+        </p:txBody>
+      </p:sp>
+      <p:cxnSp>
+        <p:nvCxnSpPr>
+          <p:cNvPr id="34" name="Google Shape;350;p39">
+            <a:extLst>
+              <a:ext uri="{FF2B5EF4-FFF2-40B4-BE49-F238E27FC236}">
+                <a16:creationId xmlns:a16="http://schemas.microsoft.com/office/drawing/2014/main" id="{75E337AF-F30E-4BE6-A21B-AEA999AA1A78}"/>
+              </a:ext>
+            </a:extLst>
+          </p:cNvPr>
+          <p:cNvCxnSpPr>
+            <a:cxnSpLocks/>
+          </p:cNvCxnSpPr>
+          <p:nvPr/>
+        </p:nvCxnSpPr>
+        <p:spPr>
+          <a:xfrm>
+            <a:off x="10029059" y="1588004"/>
+            <a:ext cx="0" cy="4119820"/>
+          </a:xfrm>
+          <a:prstGeom prst="straightConnector1">
+            <a:avLst/>
+          </a:prstGeom>
+          <a:noFill/>
+          <a:ln w="38103" cap="flat">
+            <a:solidFill>
+              <a:srgbClr val="4472C4"/>
+            </a:solidFill>
+            <a:custDash>
+              <a:ds d="100000" sp="100000"/>
+            </a:custDash>
+            <a:round/>
+          </a:ln>
+          <a:effectLst>
+            <a:outerShdw dist="22997" dir="5400000" algn="tl">
+              <a:srgbClr val="000000">
+                <a:alpha val="34900"/>
+              </a:srgbClr>
+            </a:outerShdw>
+          </a:effectLst>
+        </p:spPr>
+      </p:cxnSp>
+      <p:sp>
+        <p:nvSpPr>
+          <p:cNvPr id="35" name="Google Shape;343;p39">
+            <a:extLst>
+              <a:ext uri="{FF2B5EF4-FFF2-40B4-BE49-F238E27FC236}">
+                <a16:creationId xmlns:a16="http://schemas.microsoft.com/office/drawing/2014/main" id="{71F598FA-3717-438B-86F1-835499379FC4}"/>
+              </a:ext>
+            </a:extLst>
+          </p:cNvPr>
+          <p:cNvSpPr/>
+          <p:nvPr/>
+        </p:nvSpPr>
+        <p:spPr>
+          <a:xfrm>
+            <a:off x="9832096" y="5355010"/>
+            <a:ext cx="408718" cy="1233518"/>
+          </a:xfrm>
+          <a:prstGeom prst="rect">
+            <a:avLst/>
+          </a:prstGeom>
+          <a:solidFill>
+            <a:srgbClr val="FFFFFF"/>
+          </a:solidFill>
+          <a:ln w="25402" cap="flat">
+            <a:solidFill>
+              <a:srgbClr val="4472C4"/>
+            </a:solidFill>
+            <a:prstDash val="solid"/>
+            <a:round/>
+          </a:ln>
+        </p:spPr>
+        <p:txBody>
+          <a:bodyPr vert="horz" wrap="square" lIns="121898" tIns="60935" rIns="121898" bIns="60935" anchor="ctr" anchorCtr="1" compatLnSpc="1">
+            <a:noAutofit/>
+          </a:bodyPr>
+          <a:lstStyle/>
+          <a:p>
+            <a:pPr marL="0" marR="0" lvl="0" indent="0" algn="ctr" defTabSz="1219169" rtl="0" fontAlgn="auto" hangingPunct="1">
+              <a:lnSpc>
+                <a:spcPct val="100000"/>
+              </a:lnSpc>
+              <a:spcBef>
+                <a:spcPts val="0"/>
+              </a:spcBef>
+              <a:spcAft>
+                <a:spcPts val="0"/>
+              </a:spcAft>
+              <a:buNone/>
+              <a:tabLst/>
+              <a:defRPr sz="1800" b="0" i="0" u="none" strike="noStrike" kern="0" cap="none" spc="0" baseline="0">
+                <a:solidFill>
+                  <a:srgbClr val="000000"/>
+                </a:solidFill>
+                <a:uFillTx/>
+              </a:defRPr>
+            </a:pPr>
+            <a:endParaRPr lang="it-IT" sz="2400" b="0" i="0" u="none" strike="noStrike" kern="0" cap="none" spc="0" baseline="0">
+              <a:solidFill>
+                <a:srgbClr val="000000"/>
+              </a:solidFill>
+              <a:uFillTx/>
+              <a:latin typeface="Calibri"/>
+              <a:ea typeface="Calibri"/>
+              <a:cs typeface="Calibri"/>
+            </a:endParaRPr>
+          </a:p>
+        </p:txBody>
+      </p:sp>
+      <p:cxnSp>
+        <p:nvCxnSpPr>
+          <p:cNvPr id="41" name="Google Shape;352;p39">
+            <a:extLst>
+              <a:ext uri="{FF2B5EF4-FFF2-40B4-BE49-F238E27FC236}">
+                <a16:creationId xmlns:a16="http://schemas.microsoft.com/office/drawing/2014/main" id="{B5D64516-241A-443C-90C0-26063FBE869D}"/>
+              </a:ext>
+            </a:extLst>
+          </p:cNvPr>
+          <p:cNvCxnSpPr>
+            <a:cxnSpLocks/>
+          </p:cNvCxnSpPr>
+          <p:nvPr/>
+        </p:nvCxnSpPr>
+        <p:spPr>
+          <a:xfrm>
+            <a:off x="2640673" y="5524213"/>
+            <a:ext cx="7191423" cy="5642"/>
+          </a:xfrm>
+          <a:prstGeom prst="straightConnector1">
+            <a:avLst/>
+          </a:prstGeom>
+          <a:noFill/>
+          <a:ln w="25402" cap="flat">
+            <a:solidFill>
+              <a:srgbClr val="4472C4"/>
+            </a:solidFill>
+            <a:prstDash val="solid"/>
+            <a:round/>
+            <a:tailEnd type="arrow"/>
+          </a:ln>
+          <a:effectLst>
+            <a:outerShdw dist="19997" dir="5400000" algn="tl">
+              <a:srgbClr val="000000">
+                <a:alpha val="37650"/>
+              </a:srgbClr>
+            </a:outerShdw>
+          </a:effectLst>
+        </p:spPr>
+      </p:cxnSp>
+      <p:sp>
+        <p:nvSpPr>
+          <p:cNvPr id="36" name="Google Shape;298;p37">
+            <a:extLst>
+              <a:ext uri="{FF2B5EF4-FFF2-40B4-BE49-F238E27FC236}">
+                <a16:creationId xmlns:a16="http://schemas.microsoft.com/office/drawing/2014/main" id="{ACAD9803-76A7-4E56-BF39-7F873A4031AB}"/>
+              </a:ext>
+            </a:extLst>
+          </p:cNvPr>
+          <p:cNvSpPr txBox="1"/>
+          <p:nvPr/>
+        </p:nvSpPr>
+        <p:spPr>
+          <a:xfrm>
+            <a:off x="2999927" y="4609658"/>
+            <a:ext cx="2890466" cy="338401"/>
+          </a:xfrm>
+          <a:prstGeom prst="rect">
+            <a:avLst/>
+          </a:prstGeom>
+          <a:noFill/>
+          <a:ln cap="flat">
+            <a:noFill/>
+          </a:ln>
+        </p:spPr>
+        <p:txBody>
+          <a:bodyPr vert="horz" wrap="square" lIns="121898" tIns="60935" rIns="121898" bIns="60935" anchor="t" anchorCtr="1" compatLnSpc="1">
+            <a:noAutofit/>
+          </a:bodyPr>
+          <a:lstStyle/>
+          <a:p>
+            <a:pPr marL="0" marR="0" lvl="0" indent="0" algn="ctr" defTabSz="1219169" rtl="0" fontAlgn="auto" hangingPunct="1">
+              <a:lnSpc>
+                <a:spcPct val="100000"/>
+              </a:lnSpc>
+              <a:spcBef>
+                <a:spcPts val="0"/>
+              </a:spcBef>
+              <a:spcAft>
+                <a:spcPts val="0"/>
+              </a:spcAft>
+              <a:buNone/>
+              <a:tabLst/>
+              <a:defRPr sz="1800" b="0" i="0" u="none" strike="noStrike" kern="0" cap="none" spc="0" baseline="0">
+                <a:solidFill>
+                  <a:srgbClr val="000000"/>
+                </a:solidFill>
+                <a:uFillTx/>
+              </a:defRPr>
+            </a:pPr>
+            <a:r>
+              <a:rPr lang="es-419" sz="1400" kern="0" dirty="0">
+                <a:solidFill>
+                  <a:srgbClr val="000000"/>
+                </a:solidFill>
+                <a:latin typeface="Calibri"/>
+                <a:ea typeface="Calibri"/>
+                <a:cs typeface="Calibri"/>
+              </a:rPr>
+              <a:t>rDao</a:t>
+            </a:r>
+            <a:r>
+              <a:rPr lang="es-419" sz="1400" b="0" i="0" u="none" strike="noStrike" kern="0" cap="none" spc="0" baseline="0" dirty="0">
+                <a:solidFill>
+                  <a:srgbClr val="000000"/>
+                </a:solidFill>
+                <a:uFillTx/>
+                <a:latin typeface="Calibri"/>
+                <a:ea typeface="Calibri"/>
+                <a:cs typeface="Calibri"/>
+              </a:rPr>
+              <a:t>=ne</a:t>
+            </a:r>
+            <a:r>
+              <a:rPr lang="es-419" sz="1400" kern="0" dirty="0">
+                <a:solidFill>
+                  <a:srgbClr val="000000"/>
+                </a:solidFill>
+                <a:latin typeface="Calibri"/>
+                <a:ea typeface="Calibri"/>
+                <a:cs typeface="Calibri"/>
+              </a:rPr>
+              <a:t>wUtenteDao(connection)</a:t>
+            </a:r>
+            <a:endParaRPr lang="es-419" sz="1400" b="0" i="0" u="none" strike="noStrike" kern="0" cap="none" spc="0" baseline="0" dirty="0">
+              <a:solidFill>
+                <a:srgbClr val="000000"/>
+              </a:solidFill>
+              <a:uFillTx/>
+              <a:latin typeface="Calibri"/>
+              <a:ea typeface="Calibri"/>
+              <a:cs typeface="Calibri"/>
+            </a:endParaRPr>
+          </a:p>
+        </p:txBody>
+      </p:sp>
+      <p:sp>
+        <p:nvSpPr>
+          <p:cNvPr id="44" name="Google Shape;298;p37">
+            <a:extLst>
+              <a:ext uri="{FF2B5EF4-FFF2-40B4-BE49-F238E27FC236}">
+                <a16:creationId xmlns:a16="http://schemas.microsoft.com/office/drawing/2014/main" id="{2007C4A4-0470-47D9-9D08-105E7C7A9B86}"/>
+              </a:ext>
+            </a:extLst>
+          </p:cNvPr>
+          <p:cNvSpPr txBox="1"/>
+          <p:nvPr/>
+        </p:nvSpPr>
+        <p:spPr>
+          <a:xfrm>
+            <a:off x="3168615" y="5185810"/>
+            <a:ext cx="5017303" cy="338401"/>
+          </a:xfrm>
+          <a:prstGeom prst="rect">
+            <a:avLst/>
+          </a:prstGeom>
+          <a:noFill/>
+          <a:ln cap="flat">
+            <a:noFill/>
+          </a:ln>
+        </p:spPr>
+        <p:txBody>
+          <a:bodyPr vert="horz" wrap="square" lIns="121898" tIns="60935" rIns="121898" bIns="60935" anchor="t" anchorCtr="1" compatLnSpc="1">
+            <a:noAutofit/>
+          </a:bodyPr>
+          <a:lstStyle/>
+          <a:p>
+            <a:pPr lvl="0" algn="ctr" defTabSz="1219169">
+              <a:defRPr sz="1800" b="0" i="0" u="none" strike="noStrike" kern="0" cap="none" spc="0" baseline="0">
+                <a:solidFill>
+                  <a:srgbClr val="000000"/>
+                </a:solidFill>
+                <a:uFillTx/>
+              </a:defRPr>
+            </a:pPr>
+            <a:r>
+              <a:rPr lang="es-419" sz="1400" kern="0" dirty="0">
+                <a:solidFill>
+                  <a:srgbClr val="000000"/>
+                </a:solidFill>
+                <a:latin typeface="Calibri"/>
+                <a:ea typeface="Calibri"/>
+                <a:cs typeface="Calibri"/>
+              </a:rPr>
+              <a:t>rpDao</a:t>
+            </a:r>
+            <a:r>
+              <a:rPr lang="es-419" sz="1400" kern="0" dirty="0">
+                <a:solidFill>
+                  <a:srgbClr val="000000"/>
+                </a:solidFill>
+                <a:ea typeface="Calibri"/>
+                <a:cs typeface="Calibri"/>
+              </a:rPr>
+              <a:t>=new RiunioniPartecipanteDAO(connection)</a:t>
+            </a:r>
+            <a:endParaRPr lang="es-419" sz="1400" b="0" i="0" u="none" strike="noStrike" kern="0" cap="none" spc="0" baseline="0" dirty="0">
+              <a:solidFill>
+                <a:srgbClr val="000000"/>
+              </a:solidFill>
+              <a:uFillTx/>
+              <a:latin typeface="Calibri"/>
+              <a:ea typeface="Calibri"/>
+              <a:cs typeface="Calibri"/>
+            </a:endParaRPr>
+          </a:p>
+        </p:txBody>
+      </p:sp>
+      <p:cxnSp>
+        <p:nvCxnSpPr>
+          <p:cNvPr id="50" name="Google Shape;352;p39">
+            <a:extLst>
+              <a:ext uri="{FF2B5EF4-FFF2-40B4-BE49-F238E27FC236}">
+                <a16:creationId xmlns:a16="http://schemas.microsoft.com/office/drawing/2014/main" id="{3F14EC53-C408-410F-8D4F-17CDD7F918B2}"/>
+              </a:ext>
+            </a:extLst>
+          </p:cNvPr>
+          <p:cNvCxnSpPr>
+            <a:cxnSpLocks/>
+          </p:cNvCxnSpPr>
+          <p:nvPr/>
+        </p:nvCxnSpPr>
+        <p:spPr>
+          <a:xfrm>
+            <a:off x="2602883" y="5806307"/>
+            <a:ext cx="7229213" cy="16140"/>
+          </a:xfrm>
+          <a:prstGeom prst="straightConnector1">
+            <a:avLst/>
+          </a:prstGeom>
+          <a:noFill/>
+          <a:ln w="25402" cap="flat">
+            <a:solidFill>
+              <a:srgbClr val="4472C4"/>
+            </a:solidFill>
+            <a:prstDash val="solid"/>
+            <a:round/>
+            <a:tailEnd type="arrow"/>
+          </a:ln>
+          <a:effectLst>
+            <a:outerShdw dist="19997" dir="5400000" algn="tl">
+              <a:srgbClr val="000000">
+                <a:alpha val="37650"/>
+              </a:srgbClr>
+            </a:outerShdw>
+          </a:effectLst>
+        </p:spPr>
+      </p:cxnSp>
+      <p:sp>
+        <p:nvSpPr>
+          <p:cNvPr id="51" name="Google Shape;298;p37">
+            <a:extLst>
+              <a:ext uri="{FF2B5EF4-FFF2-40B4-BE49-F238E27FC236}">
+                <a16:creationId xmlns:a16="http://schemas.microsoft.com/office/drawing/2014/main" id="{A7E683EE-B67B-4ACB-9068-978668D8A982}"/>
+              </a:ext>
+            </a:extLst>
+          </p:cNvPr>
+          <p:cNvSpPr txBox="1"/>
+          <p:nvPr/>
+        </p:nvSpPr>
+        <p:spPr>
+          <a:xfrm>
+            <a:off x="3102205" y="5488522"/>
+            <a:ext cx="5017303" cy="338401"/>
+          </a:xfrm>
+          <a:prstGeom prst="rect">
+            <a:avLst/>
+          </a:prstGeom>
+          <a:noFill/>
+          <a:ln cap="flat">
+            <a:noFill/>
+          </a:ln>
+        </p:spPr>
+        <p:txBody>
+          <a:bodyPr vert="horz" wrap="square" lIns="121898" tIns="60935" rIns="121898" bIns="60935" anchor="t" anchorCtr="1" compatLnSpc="1">
+            <a:noAutofit/>
+          </a:bodyPr>
+          <a:lstStyle/>
+          <a:p>
+            <a:pPr lvl="0" algn="ctr" defTabSz="1219169">
+              <a:defRPr sz="1800" b="0" i="0" u="none" strike="noStrike" kern="0" cap="none" spc="0" baseline="0">
+                <a:solidFill>
+                  <a:srgbClr val="000000"/>
+                </a:solidFill>
+                <a:uFillTx/>
+              </a:defRPr>
+            </a:pPr>
+            <a:r>
+              <a:rPr lang="es-419" sz="1400" kern="0" dirty="0">
+                <a:solidFill>
+                  <a:srgbClr val="000000"/>
+                </a:solidFill>
+                <a:ea typeface="Calibri"/>
+                <a:cs typeface="Calibri"/>
+              </a:rPr>
+              <a:t>rDAO.addRiunione(RiunioneDaCreare)</a:t>
+            </a:r>
+            <a:endParaRPr lang="es-419" sz="1400" b="0" i="0" u="none" strike="noStrike" kern="0" cap="none" spc="0" baseline="0" dirty="0">
+              <a:solidFill>
+                <a:srgbClr val="000000"/>
+              </a:solidFill>
+              <a:uFillTx/>
+              <a:latin typeface="Calibri"/>
+              <a:ea typeface="Calibri"/>
+              <a:cs typeface="Calibri"/>
+            </a:endParaRPr>
+          </a:p>
+        </p:txBody>
+      </p:sp>
+      <p:cxnSp>
+        <p:nvCxnSpPr>
+          <p:cNvPr id="52" name="Google Shape;352;p39">
+            <a:extLst>
+              <a:ext uri="{FF2B5EF4-FFF2-40B4-BE49-F238E27FC236}">
+                <a16:creationId xmlns:a16="http://schemas.microsoft.com/office/drawing/2014/main" id="{01537982-876E-4981-A53B-1A7713DCF15E}"/>
+              </a:ext>
+            </a:extLst>
+          </p:cNvPr>
+          <p:cNvCxnSpPr>
+            <a:cxnSpLocks/>
+          </p:cNvCxnSpPr>
+          <p:nvPr/>
+        </p:nvCxnSpPr>
+        <p:spPr>
+          <a:xfrm>
+            <a:off x="2625122" y="6308938"/>
+            <a:ext cx="7206974" cy="25146"/>
+          </a:xfrm>
+          <a:prstGeom prst="straightConnector1">
+            <a:avLst/>
+          </a:prstGeom>
+          <a:noFill/>
+          <a:ln w="25402" cap="flat">
+            <a:solidFill>
+              <a:srgbClr val="4472C4"/>
+            </a:solidFill>
+            <a:prstDash val="solid"/>
+            <a:round/>
+            <a:tailEnd type="arrow"/>
+          </a:ln>
+          <a:effectLst>
+            <a:outerShdw dist="19997" dir="5400000" algn="tl">
+              <a:srgbClr val="000000">
+                <a:alpha val="37650"/>
+              </a:srgbClr>
+            </a:outerShdw>
+          </a:effectLst>
+        </p:spPr>
+      </p:cxnSp>
+      <p:sp>
+        <p:nvSpPr>
+          <p:cNvPr id="54" name="Google Shape;298;p37">
+            <a:extLst>
+              <a:ext uri="{FF2B5EF4-FFF2-40B4-BE49-F238E27FC236}">
+                <a16:creationId xmlns:a16="http://schemas.microsoft.com/office/drawing/2014/main" id="{F7076AD3-51C7-4D9D-8AA5-B7F0BCD28307}"/>
+              </a:ext>
+            </a:extLst>
+          </p:cNvPr>
+          <p:cNvSpPr txBox="1"/>
+          <p:nvPr/>
+        </p:nvSpPr>
+        <p:spPr>
+          <a:xfrm>
+            <a:off x="1899138" y="5937302"/>
+            <a:ext cx="7862553" cy="338401"/>
+          </a:xfrm>
+          <a:prstGeom prst="rect">
+            <a:avLst/>
+          </a:prstGeom>
+          <a:noFill/>
+          <a:ln cap="flat">
+            <a:noFill/>
+          </a:ln>
+        </p:spPr>
+        <p:txBody>
+          <a:bodyPr vert="horz" wrap="square" lIns="121898" tIns="60935" rIns="121898" bIns="60935" anchor="t" anchorCtr="1" compatLnSpc="1">
+            <a:noAutofit/>
+          </a:bodyPr>
+          <a:lstStyle/>
+          <a:p>
+            <a:pPr lvl="0" algn="ctr" defTabSz="1219169">
+              <a:defRPr sz="1800" b="0" i="0" u="none" strike="noStrike" kern="0" cap="none" spc="0" baseline="0">
+                <a:solidFill>
+                  <a:srgbClr val="000000"/>
+                </a:solidFill>
+                <a:uFillTx/>
+              </a:defRPr>
+            </a:pPr>
+            <a:r>
+              <a:rPr lang="it-IT" sz="1400" kern="0" dirty="0">
+                <a:solidFill>
+                  <a:srgbClr val="000000"/>
+                </a:solidFill>
+                <a:ea typeface="Calibri"/>
+                <a:cs typeface="Calibri"/>
+              </a:rPr>
+              <a:t>	</a:t>
+            </a:r>
+            <a:r>
+              <a:rPr lang="it-IT" sz="1400" kern="0" dirty="0" err="1">
+                <a:solidFill>
+                  <a:srgbClr val="000000"/>
+                </a:solidFill>
+                <a:ea typeface="Calibri"/>
+                <a:cs typeface="Calibri"/>
+              </a:rPr>
+              <a:t>rpDAO.addRiunionePartecipante</a:t>
+            </a:r>
+            <a:r>
+              <a:rPr lang="it-IT" sz="1400" kern="0" dirty="0">
+                <a:solidFill>
+                  <a:srgbClr val="000000"/>
+                </a:solidFill>
+                <a:ea typeface="Calibri"/>
+                <a:cs typeface="Calibri"/>
+              </a:rPr>
+              <a:t>(</a:t>
+            </a:r>
+            <a:r>
+              <a:rPr lang="it-IT" sz="1400" kern="0" dirty="0" err="1">
+                <a:solidFill>
+                  <a:srgbClr val="000000"/>
+                </a:solidFill>
+                <a:ea typeface="Calibri"/>
+                <a:cs typeface="Calibri"/>
+              </a:rPr>
+              <a:t>RiunioneDaCreare.getId</a:t>
+            </a:r>
+            <a:r>
+              <a:rPr lang="it-IT" sz="1400" kern="0" dirty="0">
+                <a:solidFill>
+                  <a:srgbClr val="000000"/>
+                </a:solidFill>
+                <a:ea typeface="Calibri"/>
+                <a:cs typeface="Calibri"/>
+              </a:rPr>
+              <a:t>(), </a:t>
+            </a:r>
+            <a:r>
+              <a:rPr lang="it-IT" sz="1400" kern="0" dirty="0" err="1">
+                <a:solidFill>
+                  <a:srgbClr val="000000"/>
+                </a:solidFill>
+                <a:ea typeface="Calibri"/>
+                <a:cs typeface="Calibri"/>
+              </a:rPr>
+              <a:t>utentiSelezionati</a:t>
+            </a:r>
+            <a:r>
+              <a:rPr lang="it-IT" sz="1400" kern="0" dirty="0">
+                <a:solidFill>
+                  <a:srgbClr val="000000"/>
+                </a:solidFill>
+                <a:ea typeface="Calibri"/>
+                <a:cs typeface="Calibri"/>
+              </a:rPr>
+              <a:t>);</a:t>
+            </a:r>
+            <a:endParaRPr lang="es-419" sz="1400" b="0" i="0" u="none" strike="noStrike" kern="0" cap="none" spc="0" baseline="0" dirty="0">
+              <a:solidFill>
+                <a:srgbClr val="000000"/>
+              </a:solidFill>
+              <a:uFillTx/>
+              <a:latin typeface="Calibri"/>
+              <a:ea typeface="Calibri"/>
+              <a:cs typeface="Calibri"/>
+            </a:endParaRPr>
+          </a:p>
+        </p:txBody>
+      </p:sp>
+      <p:sp>
+        <p:nvSpPr>
+          <p:cNvPr id="56" name="Google Shape;349;p39">
+            <a:extLst>
+              <a:ext uri="{FF2B5EF4-FFF2-40B4-BE49-F238E27FC236}">
+                <a16:creationId xmlns:a16="http://schemas.microsoft.com/office/drawing/2014/main" id="{1A276280-CA2D-46BB-968A-76671412A5CF}"/>
+              </a:ext>
+            </a:extLst>
+          </p:cNvPr>
+          <p:cNvSpPr/>
+          <p:nvPr/>
+        </p:nvSpPr>
+        <p:spPr>
+          <a:xfrm>
+            <a:off x="10796951" y="1248667"/>
+            <a:ext cx="1384958" cy="381195"/>
+          </a:xfrm>
+          <a:prstGeom prst="rect">
+            <a:avLst/>
+          </a:prstGeom>
+          <a:solidFill>
+            <a:srgbClr val="FFFFFF"/>
+          </a:solidFill>
+          <a:ln w="25402" cap="flat">
+            <a:solidFill>
+              <a:srgbClr val="4472C4"/>
+            </a:solidFill>
+            <a:prstDash val="solid"/>
+            <a:round/>
+          </a:ln>
+        </p:spPr>
+        <p:txBody>
+          <a:bodyPr vert="horz" wrap="square" lIns="121898" tIns="60935" rIns="121898" bIns="60935" anchor="ctr" anchorCtr="1" compatLnSpc="1">
+            <a:noAutofit/>
+          </a:bodyPr>
+          <a:lstStyle/>
+          <a:p>
+            <a:pPr marL="0" marR="0" lvl="0" indent="0" algn="ctr" defTabSz="1219169" rtl="0" fontAlgn="auto" hangingPunct="1">
+              <a:lnSpc>
+                <a:spcPct val="100000"/>
+              </a:lnSpc>
+              <a:spcBef>
+                <a:spcPts val="0"/>
+              </a:spcBef>
+              <a:spcAft>
+                <a:spcPts val="0"/>
+              </a:spcAft>
+              <a:buNone/>
+              <a:tabLst/>
+              <a:defRPr sz="1800" b="0" i="0" u="none" strike="noStrike" kern="0" cap="none" spc="0" baseline="0">
+                <a:solidFill>
+                  <a:srgbClr val="000000"/>
+                </a:solidFill>
+                <a:uFillTx/>
+              </a:defRPr>
+            </a:pPr>
+            <a:r>
+              <a:rPr lang="es-419" sz="1400" kern="0" dirty="0">
+                <a:solidFill>
+                  <a:srgbClr val="000000"/>
+                </a:solidFill>
+                <a:latin typeface="Calibri"/>
+                <a:ea typeface="Calibri"/>
+                <a:cs typeface="Calibri"/>
+              </a:rPr>
+              <a:t>Gotohomepage</a:t>
+            </a:r>
+            <a:endParaRPr lang="es-419" sz="1400" b="0" i="0" u="none" strike="noStrike" kern="0" cap="none" spc="0" baseline="0" dirty="0">
+              <a:solidFill>
+                <a:srgbClr val="000000"/>
+              </a:solidFill>
+              <a:uFillTx/>
+              <a:latin typeface="Calibri"/>
+              <a:ea typeface="Calibri"/>
+              <a:cs typeface="Calibri"/>
+            </a:endParaRPr>
+          </a:p>
+        </p:txBody>
+      </p:sp>
+      <p:cxnSp>
+        <p:nvCxnSpPr>
+          <p:cNvPr id="60" name="Google Shape;350;p39">
+            <a:extLst>
+              <a:ext uri="{FF2B5EF4-FFF2-40B4-BE49-F238E27FC236}">
+                <a16:creationId xmlns:a16="http://schemas.microsoft.com/office/drawing/2014/main" id="{8DE4D850-CBC8-4AB6-BF5E-1262172027B4}"/>
+              </a:ext>
+            </a:extLst>
+          </p:cNvPr>
+          <p:cNvCxnSpPr>
+            <a:cxnSpLocks/>
+            <a:stCxn id="56" idx="2"/>
+          </p:cNvCxnSpPr>
+          <p:nvPr/>
+        </p:nvCxnSpPr>
+        <p:spPr>
+          <a:xfrm flipH="1">
+            <a:off x="11475686" y="1629862"/>
+            <a:ext cx="13744" cy="5228138"/>
+          </a:xfrm>
+          <a:prstGeom prst="straightConnector1">
+            <a:avLst/>
+          </a:prstGeom>
+          <a:noFill/>
+          <a:ln w="38103" cap="flat">
+            <a:solidFill>
+              <a:srgbClr val="4472C4"/>
+            </a:solidFill>
+            <a:custDash>
+              <a:ds d="100000" sp="100000"/>
+            </a:custDash>
+            <a:round/>
+          </a:ln>
+          <a:effectLst>
+            <a:outerShdw dist="22997" dir="5400000" algn="tl">
+              <a:srgbClr val="000000">
+                <a:alpha val="34900"/>
+              </a:srgbClr>
+            </a:outerShdw>
+          </a:effectLst>
+        </p:spPr>
+      </p:cxnSp>
+      <p:cxnSp>
+        <p:nvCxnSpPr>
+          <p:cNvPr id="62" name="Google Shape;352;p39">
+            <a:extLst>
+              <a:ext uri="{FF2B5EF4-FFF2-40B4-BE49-F238E27FC236}">
+                <a16:creationId xmlns:a16="http://schemas.microsoft.com/office/drawing/2014/main" id="{4F731974-70B6-41DE-AB5C-707B5684A3AF}"/>
+              </a:ext>
+            </a:extLst>
+          </p:cNvPr>
+          <p:cNvCxnSpPr>
+            <a:cxnSpLocks/>
+          </p:cNvCxnSpPr>
+          <p:nvPr/>
+        </p:nvCxnSpPr>
+        <p:spPr>
+          <a:xfrm>
+            <a:off x="2622773" y="6703384"/>
+            <a:ext cx="8662298" cy="15763"/>
+          </a:xfrm>
+          <a:prstGeom prst="straightConnector1">
+            <a:avLst/>
+          </a:prstGeom>
+          <a:noFill/>
+          <a:ln w="25402" cap="flat">
+            <a:solidFill>
+              <a:srgbClr val="4472C4"/>
+            </a:solidFill>
+            <a:prstDash val="solid"/>
+            <a:round/>
+            <a:tailEnd type="arrow"/>
+          </a:ln>
+          <a:effectLst>
+            <a:outerShdw dist="19997" dir="5400000" algn="tl">
+              <a:srgbClr val="000000">
+                <a:alpha val="37650"/>
+              </a:srgbClr>
+            </a:outerShdw>
+          </a:effectLst>
+        </p:spPr>
+      </p:cxnSp>
+      <p:sp>
+        <p:nvSpPr>
+          <p:cNvPr id="65" name="Google Shape;343;p39">
+            <a:extLst>
+              <a:ext uri="{FF2B5EF4-FFF2-40B4-BE49-F238E27FC236}">
+                <a16:creationId xmlns:a16="http://schemas.microsoft.com/office/drawing/2014/main" id="{679F9919-E61D-4558-8ED9-85D3D9600252}"/>
+              </a:ext>
+            </a:extLst>
+          </p:cNvPr>
+          <p:cNvSpPr/>
+          <p:nvPr/>
+        </p:nvSpPr>
+        <p:spPr>
+          <a:xfrm>
+            <a:off x="11285071" y="6213693"/>
+            <a:ext cx="408718" cy="644307"/>
+          </a:xfrm>
+          <a:prstGeom prst="rect">
+            <a:avLst/>
+          </a:prstGeom>
+          <a:solidFill>
+            <a:srgbClr val="FFFFFF"/>
+          </a:solidFill>
+          <a:ln w="25402" cap="flat">
+            <a:solidFill>
+              <a:srgbClr val="4472C4"/>
+            </a:solidFill>
+            <a:prstDash val="solid"/>
+            <a:round/>
+          </a:ln>
+        </p:spPr>
+        <p:txBody>
+          <a:bodyPr vert="horz" wrap="square" lIns="121898" tIns="60935" rIns="121898" bIns="60935" anchor="ctr" anchorCtr="1" compatLnSpc="1">
+            <a:noAutofit/>
+          </a:bodyPr>
+          <a:lstStyle/>
+          <a:p>
+            <a:pPr marL="0" marR="0" lvl="0" indent="0" algn="ctr" defTabSz="1219169" rtl="0" fontAlgn="auto" hangingPunct="1">
+              <a:lnSpc>
+                <a:spcPct val="100000"/>
+              </a:lnSpc>
+              <a:spcBef>
+                <a:spcPts val="0"/>
+              </a:spcBef>
+              <a:spcAft>
+                <a:spcPts val="0"/>
+              </a:spcAft>
+              <a:buNone/>
+              <a:tabLst/>
+              <a:defRPr sz="1800" b="0" i="0" u="none" strike="noStrike" kern="0" cap="none" spc="0" baseline="0">
+                <a:solidFill>
+                  <a:srgbClr val="000000"/>
+                </a:solidFill>
+                <a:uFillTx/>
+              </a:defRPr>
+            </a:pPr>
+            <a:endParaRPr lang="it-IT" sz="2400" b="0" i="0" u="none" strike="noStrike" kern="0" cap="none" spc="0" baseline="0">
+              <a:solidFill>
+                <a:srgbClr val="000000"/>
+              </a:solidFill>
+              <a:uFillTx/>
+              <a:latin typeface="Calibri"/>
+              <a:ea typeface="Calibri"/>
+              <a:cs typeface="Calibri"/>
+            </a:endParaRPr>
+          </a:p>
+        </p:txBody>
+      </p:sp>
+      <p:sp>
+        <p:nvSpPr>
+          <p:cNvPr id="67" name="Google Shape;298;p37">
+            <a:extLst>
+              <a:ext uri="{FF2B5EF4-FFF2-40B4-BE49-F238E27FC236}">
+                <a16:creationId xmlns:a16="http://schemas.microsoft.com/office/drawing/2014/main" id="{5401192F-D577-448A-B4B6-9590DDFDD1E5}"/>
+              </a:ext>
+            </a:extLst>
+          </p:cNvPr>
+          <p:cNvSpPr txBox="1"/>
+          <p:nvPr/>
+        </p:nvSpPr>
+        <p:spPr>
+          <a:xfrm>
+            <a:off x="2164723" y="6372864"/>
+            <a:ext cx="7862553" cy="338401"/>
+          </a:xfrm>
+          <a:prstGeom prst="rect">
+            <a:avLst/>
+          </a:prstGeom>
+          <a:noFill/>
+          <a:ln cap="flat">
+            <a:noFill/>
+          </a:ln>
+        </p:spPr>
+        <p:txBody>
+          <a:bodyPr vert="horz" wrap="square" lIns="121898" tIns="60935" rIns="121898" bIns="60935" anchor="t" anchorCtr="1" compatLnSpc="1">
+            <a:noAutofit/>
+          </a:bodyPr>
+          <a:lstStyle/>
+          <a:p>
+            <a:pPr lvl="0" algn="ctr" defTabSz="1219169">
+              <a:defRPr sz="1800" b="0" i="0" u="none" strike="noStrike" kern="0" cap="none" spc="0" baseline="0">
+                <a:solidFill>
+                  <a:srgbClr val="000000"/>
+                </a:solidFill>
+                <a:uFillTx/>
+              </a:defRPr>
+            </a:pPr>
+            <a:r>
+              <a:rPr lang="it-IT" sz="1400" kern="0" dirty="0">
+                <a:solidFill>
+                  <a:srgbClr val="000000"/>
+                </a:solidFill>
+                <a:ea typeface="Calibri"/>
+                <a:cs typeface="Calibri"/>
+              </a:rPr>
+              <a:t>	</a:t>
+            </a:r>
+            <a:r>
+              <a:rPr lang="it-IT" sz="1400" kern="0" dirty="0" err="1">
+                <a:solidFill>
+                  <a:srgbClr val="000000"/>
+                </a:solidFill>
+                <a:ea typeface="Calibri"/>
+                <a:cs typeface="Calibri"/>
+              </a:rPr>
+              <a:t>response.sendRedirect</a:t>
+            </a:r>
+            <a:r>
+              <a:rPr lang="it-IT" sz="1400" kern="0" dirty="0">
+                <a:solidFill>
+                  <a:srgbClr val="000000"/>
+                </a:solidFill>
+                <a:ea typeface="Calibri"/>
+                <a:cs typeface="Calibri"/>
+              </a:rPr>
+              <a:t>(</a:t>
+            </a:r>
+            <a:r>
+              <a:rPr lang="it-IT" sz="1400" kern="0" dirty="0" err="1">
+                <a:solidFill>
+                  <a:srgbClr val="000000"/>
+                </a:solidFill>
+                <a:ea typeface="Calibri"/>
+                <a:cs typeface="Calibri"/>
+              </a:rPr>
+              <a:t>path</a:t>
+            </a:r>
+            <a:r>
+              <a:rPr lang="it-IT" sz="1400" kern="0" dirty="0">
+                <a:solidFill>
+                  <a:srgbClr val="000000"/>
+                </a:solidFill>
+                <a:ea typeface="Calibri"/>
+                <a:cs typeface="Calibri"/>
+              </a:rPr>
+              <a:t>)</a:t>
+            </a:r>
+            <a:endParaRPr lang="es-419" sz="1400" b="0" i="0" u="none" strike="noStrike" kern="0" cap="none" spc="0" baseline="0" dirty="0">
+              <a:solidFill>
+                <a:srgbClr val="000000"/>
+              </a:solidFill>
+              <a:uFillTx/>
+              <a:latin typeface="Calibri"/>
+              <a:ea typeface="Calibri"/>
+              <a:cs typeface="Calibri"/>
+            </a:endParaRPr>
+          </a:p>
+        </p:txBody>
+      </p:sp>
+    </p:spTree>
+    <p:extLst>
+      <p:ext uri="{BB962C8B-B14F-4D97-AF65-F5344CB8AC3E}">
+        <p14:creationId xmlns:p14="http://schemas.microsoft.com/office/powerpoint/2010/main" val="1876558126"/>
       </p:ext>
     </p:extLst>
   </p:cSld>

--- a/ProgettoTIW.pptx
+++ b/ProgettoTIW.pptx
@@ -18,7 +18,7 @@
     <p:sldId id="262" r:id="rId9"/>
     <p:sldId id="263" r:id="rId10"/>
     <p:sldId id="265" r:id="rId11"/>
-    <p:sldId id="276" r:id="rId12"/>
+    <p:sldId id="278" r:id="rId12"/>
     <p:sldId id="266" r:id="rId13"/>
     <p:sldId id="268" r:id="rId14"/>
     <p:sldId id="274" r:id="rId15"/>
@@ -14331,7 +14331,7 @@
           <p:cNvPr id="5" name="Immagine 4" descr="Immagine che contiene screenshot&#10;&#10;Descrizione generata automaticamente">
             <a:extLst>
               <a:ext uri="{FF2B5EF4-FFF2-40B4-BE49-F238E27FC236}">
-                <a16:creationId xmlns:a16="http://schemas.microsoft.com/office/drawing/2014/main" id="{3048DDC4-E112-4AEC-B46F-F78DAB80C48B}"/>
+                <a16:creationId xmlns:a16="http://schemas.microsoft.com/office/drawing/2014/main" id="{294ACBCF-ED31-4FCF-B85D-2344A30171CD}"/>
               </a:ext>
             </a:extLst>
           </p:cNvPr>
@@ -14354,7 +14354,7 @@
         </p:blipFill>
         <p:spPr>
           <a:xfrm>
-            <a:off x="501181" y="288098"/>
+            <a:off x="598854" y="261257"/>
             <a:ext cx="12191719" cy="6858000"/>
           </a:xfrm>
           <a:prstGeom prst="rect">
@@ -14365,7 +14365,7 @@
     </p:spTree>
     <p:extLst>
       <p:ext uri="{BB962C8B-B14F-4D97-AF65-F5344CB8AC3E}">
-        <p14:creationId xmlns:p14="http://schemas.microsoft.com/office/powerpoint/2010/main" val="3249743178"/>
+        <p14:creationId xmlns:p14="http://schemas.microsoft.com/office/powerpoint/2010/main" val="380162334"/>
       </p:ext>
     </p:extLst>
   </p:cSld>
@@ -20884,7 +20884,7 @@
                 <a:ea typeface="Calibri"/>
                 <a:cs typeface="Calibri"/>
               </a:rPr>
-              <a:t>login.html</a:t>
+              <a:t>login.jsp</a:t>
             </a:r>
             <a:endParaRPr lang="es-419" sz="1400" b="0" i="0" u="none" strike="noStrike" kern="0" cap="none" spc="0" baseline="0" dirty="0">
               <a:solidFill>
